--- a/phpppt.pptx
+++ b/phpppt.pptx
@@ -4,6 +4,9 @@
   <p:sldMasterIdLst>
     <p:sldMasterId id="2147483648" r:id="rId1"/>
   </p:sldMasterIdLst>
+  <p:notesMasterIdLst>
+    <p:notesMasterId r:id="rId16"/>
+  </p:notesMasterIdLst>
   <p:sldIdLst>
     <p:sldId id="256" r:id="rId2"/>
     <p:sldId id="258" r:id="rId3"/>
@@ -16,24 +19,27 @@
     <p:sldId id="270" r:id="rId10"/>
     <p:sldId id="271" r:id="rId11"/>
     <p:sldId id="272" r:id="rId12"/>
+    <p:sldId id="273" r:id="rId13"/>
+    <p:sldId id="274" r:id="rId14"/>
+    <p:sldId id="275" r:id="rId15"/>
   </p:sldIdLst>
   <p:sldSz cx="18288000" cy="10287000"/>
   <p:notesSz cx="6858000" cy="9144000"/>
   <p:embeddedFontLst>
     <p:embeddedFont>
+      <p:font typeface="Calibri" panose="020F0502020204030204" pitchFamily="34" charset="0"/>
+      <p:regular r:id="rId17"/>
+      <p:bold r:id="rId18"/>
+      <p:italic r:id="rId19"/>
+      <p:boldItalic r:id="rId20"/>
+    </p:embeddedFont>
+    <p:embeddedFont>
       <p:font typeface="GenYoGothic JP L" panose="020B0300000000000000" pitchFamily="34" charset="-128"/>
-      <p:regular r:id="rId13"/>
+      <p:regular r:id="rId21"/>
     </p:embeddedFont>
     <p:embeddedFont>
       <p:font typeface="王漢宗細圓體繁" panose="02020300000000000000" pitchFamily="18" charset="-120"/>
-      <p:regular r:id="rId14"/>
-    </p:embeddedFont>
-    <p:embeddedFont>
-      <p:font typeface="Calibri" panose="020F0502020204030204" pitchFamily="34" charset="0"/>
-      <p:regular r:id="rId15"/>
-      <p:bold r:id="rId16"/>
-      <p:italic r:id="rId17"/>
-      <p:boldItalic r:id="rId18"/>
+      <p:regular r:id="rId22"/>
     </p:embeddedFont>
   </p:embeddedFontLst>
   <p:defaultTextStyle>
@@ -150,6 +156,355 @@
 </p:presentation>
 </file>
 
+<file path=ppt/notesMasters/notesMaster1.xml><?xml version="1.0" encoding="utf-8"?>
+<p:notesMaster xmlns:a="http://schemas.openxmlformats.org/drawingml/2006/main" xmlns:r="http://schemas.openxmlformats.org/officeDocument/2006/relationships" xmlns:p="http://schemas.openxmlformats.org/presentationml/2006/main">
+  <p:cSld>
+    <p:bg>
+      <p:bgRef idx="1001">
+        <a:schemeClr val="bg1"/>
+      </p:bgRef>
+    </p:bg>
+    <p:spTree>
+      <p:nvGrpSpPr>
+        <p:cNvPr id="1" name=""/>
+        <p:cNvGrpSpPr/>
+        <p:nvPr/>
+      </p:nvGrpSpPr>
+      <p:grpSpPr>
+        <a:xfrm>
+          <a:off x="0" y="0"/>
+          <a:ext cx="0" cy="0"/>
+          <a:chOff x="0" y="0"/>
+          <a:chExt cx="0" cy="0"/>
+        </a:xfrm>
+      </p:grpSpPr>
+      <p:sp>
+        <p:nvSpPr>
+          <p:cNvPr id="2" name="頁首版面配置區 1"/>
+          <p:cNvSpPr>
+            <a:spLocks noGrp="1"/>
+          </p:cNvSpPr>
+          <p:nvPr>
+            <p:ph type="hdr" sz="quarter"/>
+          </p:nvPr>
+        </p:nvSpPr>
+        <p:spPr>
+          <a:xfrm>
+            <a:off x="0" y="0"/>
+            <a:ext cx="2971800" cy="458788"/>
+          </a:xfrm>
+          <a:prstGeom prst="rect">
+            <a:avLst/>
+          </a:prstGeom>
+        </p:spPr>
+        <p:txBody>
+          <a:bodyPr vert="horz" lIns="91440" tIns="45720" rIns="91440" bIns="45720" rtlCol="0"/>
+          <a:lstStyle>
+            <a:lvl1pPr algn="l">
+              <a:defRPr sz="1200"/>
+            </a:lvl1pPr>
+          </a:lstStyle>
+          <a:p>
+            <a:endParaRPr lang="zh-TW" altLang="en-US"/>
+          </a:p>
+        </p:txBody>
+      </p:sp>
+      <p:sp>
+        <p:nvSpPr>
+          <p:cNvPr id="3" name="日期版面配置區 2"/>
+          <p:cNvSpPr>
+            <a:spLocks noGrp="1"/>
+          </p:cNvSpPr>
+          <p:nvPr>
+            <p:ph type="dt" idx="1"/>
+          </p:nvPr>
+        </p:nvSpPr>
+        <p:spPr>
+          <a:xfrm>
+            <a:off x="3884613" y="0"/>
+            <a:ext cx="2971800" cy="458788"/>
+          </a:xfrm>
+          <a:prstGeom prst="rect">
+            <a:avLst/>
+          </a:prstGeom>
+        </p:spPr>
+        <p:txBody>
+          <a:bodyPr vert="horz" lIns="91440" tIns="45720" rIns="91440" bIns="45720" rtlCol="0"/>
+          <a:lstStyle>
+            <a:lvl1pPr algn="r">
+              <a:defRPr sz="1200"/>
+            </a:lvl1pPr>
+          </a:lstStyle>
+          <a:p>
+            <a:fld id="{FC8271FA-317D-443F-A3FA-78F4796F00C4}" type="datetimeFigureOut">
+              <a:rPr lang="zh-TW" altLang="en-US" smtClean="0"/>
+              <a:t>2021/10/6</a:t>
+            </a:fld>
+            <a:endParaRPr lang="zh-TW" altLang="en-US"/>
+          </a:p>
+        </p:txBody>
+      </p:sp>
+      <p:sp>
+        <p:nvSpPr>
+          <p:cNvPr id="4" name="投影片影像版面配置區 3"/>
+          <p:cNvSpPr>
+            <a:spLocks noGrp="1" noRot="1" noChangeAspect="1"/>
+          </p:cNvSpPr>
+          <p:nvPr>
+            <p:ph type="sldImg" idx="2"/>
+          </p:nvPr>
+        </p:nvSpPr>
+        <p:spPr>
+          <a:xfrm>
+            <a:off x="685800" y="1143000"/>
+            <a:ext cx="5486400" cy="3086100"/>
+          </a:xfrm>
+          <a:prstGeom prst="rect">
+            <a:avLst/>
+          </a:prstGeom>
+          <a:noFill/>
+          <a:ln w="12700">
+            <a:solidFill>
+              <a:prstClr val="black"/>
+            </a:solidFill>
+          </a:ln>
+        </p:spPr>
+        <p:txBody>
+          <a:bodyPr vert="horz" lIns="91440" tIns="45720" rIns="91440" bIns="45720" rtlCol="0" anchor="ctr"/>
+          <a:lstStyle/>
+          <a:p>
+            <a:endParaRPr lang="zh-TW" altLang="en-US"/>
+          </a:p>
+        </p:txBody>
+      </p:sp>
+      <p:sp>
+        <p:nvSpPr>
+          <p:cNvPr id="5" name="備忘稿版面配置區 4"/>
+          <p:cNvSpPr>
+            <a:spLocks noGrp="1"/>
+          </p:cNvSpPr>
+          <p:nvPr>
+            <p:ph type="body" sz="quarter" idx="3"/>
+          </p:nvPr>
+        </p:nvSpPr>
+        <p:spPr>
+          <a:xfrm>
+            <a:off x="685800" y="4400550"/>
+            <a:ext cx="5486400" cy="3600450"/>
+          </a:xfrm>
+          <a:prstGeom prst="rect">
+            <a:avLst/>
+          </a:prstGeom>
+        </p:spPr>
+        <p:txBody>
+          <a:bodyPr vert="horz" lIns="91440" tIns="45720" rIns="91440" bIns="45720" rtlCol="0"/>
+          <a:lstStyle/>
+          <a:p>
+            <a:pPr lvl="0"/>
+            <a:r>
+              <a:rPr lang="zh-TW" altLang="en-US"/>
+              <a:t>按一下以編輯母片文字樣式</a:t>
+            </a:r>
+          </a:p>
+          <a:p>
+            <a:pPr lvl="1"/>
+            <a:r>
+              <a:rPr lang="zh-TW" altLang="en-US"/>
+              <a:t>第二層</a:t>
+            </a:r>
+          </a:p>
+          <a:p>
+            <a:pPr lvl="2"/>
+            <a:r>
+              <a:rPr lang="zh-TW" altLang="en-US"/>
+              <a:t>第三層</a:t>
+            </a:r>
+          </a:p>
+          <a:p>
+            <a:pPr lvl="3"/>
+            <a:r>
+              <a:rPr lang="zh-TW" altLang="en-US"/>
+              <a:t>第四層</a:t>
+            </a:r>
+          </a:p>
+          <a:p>
+            <a:pPr lvl="4"/>
+            <a:r>
+              <a:rPr lang="zh-TW" altLang="en-US"/>
+              <a:t>第五層</a:t>
+            </a:r>
+          </a:p>
+        </p:txBody>
+      </p:sp>
+      <p:sp>
+        <p:nvSpPr>
+          <p:cNvPr id="6" name="頁尾版面配置區 5"/>
+          <p:cNvSpPr>
+            <a:spLocks noGrp="1"/>
+          </p:cNvSpPr>
+          <p:nvPr>
+            <p:ph type="ftr" sz="quarter" idx="4"/>
+          </p:nvPr>
+        </p:nvSpPr>
+        <p:spPr>
+          <a:xfrm>
+            <a:off x="0" y="8685213"/>
+            <a:ext cx="2971800" cy="458787"/>
+          </a:xfrm>
+          <a:prstGeom prst="rect">
+            <a:avLst/>
+          </a:prstGeom>
+        </p:spPr>
+        <p:txBody>
+          <a:bodyPr vert="horz" lIns="91440" tIns="45720" rIns="91440" bIns="45720" rtlCol="0" anchor="b"/>
+          <a:lstStyle>
+            <a:lvl1pPr algn="l">
+              <a:defRPr sz="1200"/>
+            </a:lvl1pPr>
+          </a:lstStyle>
+          <a:p>
+            <a:endParaRPr lang="zh-TW" altLang="en-US"/>
+          </a:p>
+        </p:txBody>
+      </p:sp>
+      <p:sp>
+        <p:nvSpPr>
+          <p:cNvPr id="7" name="投影片編號版面配置區 6"/>
+          <p:cNvSpPr>
+            <a:spLocks noGrp="1"/>
+          </p:cNvSpPr>
+          <p:nvPr>
+            <p:ph type="sldNum" sz="quarter" idx="5"/>
+          </p:nvPr>
+        </p:nvSpPr>
+        <p:spPr>
+          <a:xfrm>
+            <a:off x="3884613" y="8685213"/>
+            <a:ext cx="2971800" cy="458787"/>
+          </a:xfrm>
+          <a:prstGeom prst="rect">
+            <a:avLst/>
+          </a:prstGeom>
+        </p:spPr>
+        <p:txBody>
+          <a:bodyPr vert="horz" lIns="91440" tIns="45720" rIns="91440" bIns="45720" rtlCol="0" anchor="b"/>
+          <a:lstStyle>
+            <a:lvl1pPr algn="r">
+              <a:defRPr sz="1200"/>
+            </a:lvl1pPr>
+          </a:lstStyle>
+          <a:p>
+            <a:fld id="{2AC18FD6-6EB9-4937-BED1-A339AE2CA1F4}" type="slidenum">
+              <a:rPr lang="zh-TW" altLang="en-US" smtClean="0"/>
+              <a:t>‹#›</a:t>
+            </a:fld>
+            <a:endParaRPr lang="zh-TW" altLang="en-US"/>
+          </a:p>
+        </p:txBody>
+      </p:sp>
+    </p:spTree>
+    <p:extLst>
+      <p:ext uri="{BB962C8B-B14F-4D97-AF65-F5344CB8AC3E}">
+        <p14:creationId xmlns:p14="http://schemas.microsoft.com/office/powerpoint/2010/main" val="3890096550"/>
+      </p:ext>
+    </p:extLst>
+  </p:cSld>
+  <p:clrMap bg1="lt1" tx1="dk1" bg2="lt2" tx2="dk2" accent1="accent1" accent2="accent2" accent3="accent3" accent4="accent4" accent5="accent5" accent6="accent6" hlink="hlink" folHlink="folHlink"/>
+  <p:notesStyle>
+    <a:lvl1pPr marL="0" algn="l" defTabSz="914400" rtl="0" eaLnBrk="1" latinLnBrk="0" hangingPunct="1">
+      <a:defRPr sz="1200" kern="1200">
+        <a:solidFill>
+          <a:schemeClr val="tx1"/>
+        </a:solidFill>
+        <a:latin typeface="+mn-lt"/>
+        <a:ea typeface="+mn-ea"/>
+        <a:cs typeface="+mn-cs"/>
+      </a:defRPr>
+    </a:lvl1pPr>
+    <a:lvl2pPr marL="457200" algn="l" defTabSz="914400" rtl="0" eaLnBrk="1" latinLnBrk="0" hangingPunct="1">
+      <a:defRPr sz="1200" kern="1200">
+        <a:solidFill>
+          <a:schemeClr val="tx1"/>
+        </a:solidFill>
+        <a:latin typeface="+mn-lt"/>
+        <a:ea typeface="+mn-ea"/>
+        <a:cs typeface="+mn-cs"/>
+      </a:defRPr>
+    </a:lvl2pPr>
+    <a:lvl3pPr marL="914400" algn="l" defTabSz="914400" rtl="0" eaLnBrk="1" latinLnBrk="0" hangingPunct="1">
+      <a:defRPr sz="1200" kern="1200">
+        <a:solidFill>
+          <a:schemeClr val="tx1"/>
+        </a:solidFill>
+        <a:latin typeface="+mn-lt"/>
+        <a:ea typeface="+mn-ea"/>
+        <a:cs typeface="+mn-cs"/>
+      </a:defRPr>
+    </a:lvl3pPr>
+    <a:lvl4pPr marL="1371600" algn="l" defTabSz="914400" rtl="0" eaLnBrk="1" latinLnBrk="0" hangingPunct="1">
+      <a:defRPr sz="1200" kern="1200">
+        <a:solidFill>
+          <a:schemeClr val="tx1"/>
+        </a:solidFill>
+        <a:latin typeface="+mn-lt"/>
+        <a:ea typeface="+mn-ea"/>
+        <a:cs typeface="+mn-cs"/>
+      </a:defRPr>
+    </a:lvl4pPr>
+    <a:lvl5pPr marL="1828800" algn="l" defTabSz="914400" rtl="0" eaLnBrk="1" latinLnBrk="0" hangingPunct="1">
+      <a:defRPr sz="1200" kern="1200">
+        <a:solidFill>
+          <a:schemeClr val="tx1"/>
+        </a:solidFill>
+        <a:latin typeface="+mn-lt"/>
+        <a:ea typeface="+mn-ea"/>
+        <a:cs typeface="+mn-cs"/>
+      </a:defRPr>
+    </a:lvl5pPr>
+    <a:lvl6pPr marL="2286000" algn="l" defTabSz="914400" rtl="0" eaLnBrk="1" latinLnBrk="0" hangingPunct="1">
+      <a:defRPr sz="1200" kern="1200">
+        <a:solidFill>
+          <a:schemeClr val="tx1"/>
+        </a:solidFill>
+        <a:latin typeface="+mn-lt"/>
+        <a:ea typeface="+mn-ea"/>
+        <a:cs typeface="+mn-cs"/>
+      </a:defRPr>
+    </a:lvl6pPr>
+    <a:lvl7pPr marL="2743200" algn="l" defTabSz="914400" rtl="0" eaLnBrk="1" latinLnBrk="0" hangingPunct="1">
+      <a:defRPr sz="1200" kern="1200">
+        <a:solidFill>
+          <a:schemeClr val="tx1"/>
+        </a:solidFill>
+        <a:latin typeface="+mn-lt"/>
+        <a:ea typeface="+mn-ea"/>
+        <a:cs typeface="+mn-cs"/>
+      </a:defRPr>
+    </a:lvl7pPr>
+    <a:lvl8pPr marL="3200400" algn="l" defTabSz="914400" rtl="0" eaLnBrk="1" latinLnBrk="0" hangingPunct="1">
+      <a:defRPr sz="1200" kern="1200">
+        <a:solidFill>
+          <a:schemeClr val="tx1"/>
+        </a:solidFill>
+        <a:latin typeface="+mn-lt"/>
+        <a:ea typeface="+mn-ea"/>
+        <a:cs typeface="+mn-cs"/>
+      </a:defRPr>
+    </a:lvl8pPr>
+    <a:lvl9pPr marL="3657600" algn="l" defTabSz="914400" rtl="0" eaLnBrk="1" latinLnBrk="0" hangingPunct="1">
+      <a:defRPr sz="1200" kern="1200">
+        <a:solidFill>
+          <a:schemeClr val="tx1"/>
+        </a:solidFill>
+        <a:latin typeface="+mn-lt"/>
+        <a:ea typeface="+mn-ea"/>
+        <a:cs typeface="+mn-cs"/>
+      </a:defRPr>
+    </a:lvl9pPr>
+  </p:notesStyle>
+</p:notesMaster>
+</file>
+
 <file path=ppt/slideLayouts/slideLayout1.xml><?xml version="1.0" encoding="utf-8"?>
 <p:sldLayout xmlns:a="http://schemas.openxmlformats.org/drawingml/2006/main" xmlns:r="http://schemas.openxmlformats.org/officeDocument/2006/relationships" xmlns:p="http://schemas.openxmlformats.org/presentationml/2006/main" type="title" preserve="1">
   <p:cSld name="Title Slide">
@@ -330,7 +685,7 @@
             <a:fld id="{1D8BD707-D9CF-40AE-B4C6-C98DA3205C09}" type="datetimeFigureOut">
               <a:rPr lang="en-US" smtClean="0"/>
               <a:pPr/>
-              <a:t>10/5/2021</a:t>
+              <a:t>10/6/2021</a:t>
             </a:fld>
             <a:endParaRPr lang="en-US"/>
           </a:p>
@@ -495,7 +850,7 @@
             <a:fld id="{1D8BD707-D9CF-40AE-B4C6-C98DA3205C09}" type="datetimeFigureOut">
               <a:rPr lang="en-US" smtClean="0"/>
               <a:pPr/>
-              <a:t>10/5/2021</a:t>
+              <a:t>10/6/2021</a:t>
             </a:fld>
             <a:endParaRPr lang="en-US"/>
           </a:p>
@@ -670,7 +1025,7 @@
             <a:fld id="{1D8BD707-D9CF-40AE-B4C6-C98DA3205C09}" type="datetimeFigureOut">
               <a:rPr lang="en-US" smtClean="0"/>
               <a:pPr/>
-              <a:t>10/5/2021</a:t>
+              <a:t>10/6/2021</a:t>
             </a:fld>
             <a:endParaRPr lang="en-US"/>
           </a:p>
@@ -835,7 +1190,7 @@
             <a:fld id="{1D8BD707-D9CF-40AE-B4C6-C98DA3205C09}" type="datetimeFigureOut">
               <a:rPr lang="en-US" smtClean="0"/>
               <a:pPr/>
-              <a:t>10/5/2021</a:t>
+              <a:t>10/6/2021</a:t>
             </a:fld>
             <a:endParaRPr lang="en-US"/>
           </a:p>
@@ -1077,7 +1432,7 @@
             <a:fld id="{1D8BD707-D9CF-40AE-B4C6-C98DA3205C09}" type="datetimeFigureOut">
               <a:rPr lang="en-US" smtClean="0"/>
               <a:pPr/>
-              <a:t>10/5/2021</a:t>
+              <a:t>10/6/2021</a:t>
             </a:fld>
             <a:endParaRPr lang="en-US"/>
           </a:p>
@@ -1359,7 +1714,7 @@
             <a:fld id="{1D8BD707-D9CF-40AE-B4C6-C98DA3205C09}" type="datetimeFigureOut">
               <a:rPr lang="en-US" smtClean="0"/>
               <a:pPr/>
-              <a:t>10/5/2021</a:t>
+              <a:t>10/6/2021</a:t>
             </a:fld>
             <a:endParaRPr lang="en-US"/>
           </a:p>
@@ -1775,7 +2130,7 @@
             <a:fld id="{1D8BD707-D9CF-40AE-B4C6-C98DA3205C09}" type="datetimeFigureOut">
               <a:rPr lang="en-US" smtClean="0"/>
               <a:pPr/>
-              <a:t>10/5/2021</a:t>
+              <a:t>10/6/2021</a:t>
             </a:fld>
             <a:endParaRPr lang="en-US"/>
           </a:p>
@@ -1889,7 +2244,7 @@
             <a:fld id="{1D8BD707-D9CF-40AE-B4C6-C98DA3205C09}" type="datetimeFigureOut">
               <a:rPr lang="en-US" smtClean="0"/>
               <a:pPr/>
-              <a:t>10/5/2021</a:t>
+              <a:t>10/6/2021</a:t>
             </a:fld>
             <a:endParaRPr lang="en-US"/>
           </a:p>
@@ -1981,7 +2336,7 @@
             <a:fld id="{1D8BD707-D9CF-40AE-B4C6-C98DA3205C09}" type="datetimeFigureOut">
               <a:rPr lang="en-US" smtClean="0"/>
               <a:pPr/>
-              <a:t>10/5/2021</a:t>
+              <a:t>10/6/2021</a:t>
             </a:fld>
             <a:endParaRPr lang="en-US"/>
           </a:p>
@@ -2253,7 +2608,7 @@
             <a:fld id="{1D8BD707-D9CF-40AE-B4C6-C98DA3205C09}" type="datetimeFigureOut">
               <a:rPr lang="en-US" smtClean="0"/>
               <a:pPr/>
-              <a:t>10/5/2021</a:t>
+              <a:t>10/6/2021</a:t>
             </a:fld>
             <a:endParaRPr lang="en-US"/>
           </a:p>
@@ -2502,7 +2857,7 @@
             <a:fld id="{1D8BD707-D9CF-40AE-B4C6-C98DA3205C09}" type="datetimeFigureOut">
               <a:rPr lang="en-US" smtClean="0"/>
               <a:pPr/>
-              <a:t>10/5/2021</a:t>
+              <a:t>10/6/2021</a:t>
             </a:fld>
             <a:endParaRPr lang="en-US"/>
           </a:p>
@@ -2710,7 +3065,7 @@
             <a:fld id="{1D8BD707-D9CF-40AE-B4C6-C98DA3205C09}" type="datetimeFigureOut">
               <a:rPr lang="en-US" smtClean="0"/>
               <a:pPr/>
-              <a:t>10/5/2021</a:t>
+              <a:t>10/6/2021</a:t>
             </a:fld>
             <a:endParaRPr lang="en-US"/>
           </a:p>
@@ -4571,6 +4926,36 @@
           </a:p>
         </p:txBody>
       </p:sp>
+      <p:pic>
+        <p:nvPicPr>
+          <p:cNvPr id="23" name="圖片 22">
+            <a:extLst>
+              <a:ext uri="{FF2B5EF4-FFF2-40B4-BE49-F238E27FC236}">
+                <a16:creationId xmlns:a16="http://schemas.microsoft.com/office/drawing/2014/main" id="{E590BCB7-15A4-4E0A-816E-30EE6DA0812F}"/>
+              </a:ext>
+            </a:extLst>
+          </p:cNvPr>
+          <p:cNvPicPr>
+            <a:picLocks noChangeAspect="1"/>
+          </p:cNvPicPr>
+          <p:nvPr/>
+        </p:nvPicPr>
+        <p:blipFill>
+          <a:blip r:embed="rId4"/>
+          <a:stretch>
+            <a:fillRect/>
+          </a:stretch>
+        </p:blipFill>
+        <p:spPr>
+          <a:xfrm>
+            <a:off x="-2008886" y="6438900"/>
+            <a:ext cx="5846571" cy="4895512"/>
+          </a:xfrm>
+          <a:prstGeom prst="rect">
+            <a:avLst/>
+          </a:prstGeom>
+        </p:spPr>
+      </p:pic>
     </p:spTree>
     <p:extLst>
       <p:ext uri="{BB962C8B-B14F-4D97-AF65-F5344CB8AC3E}">
@@ -4799,10 +5184,1343 @@
           </a:p>
         </p:txBody>
       </p:sp>
+      <p:pic>
+        <p:nvPicPr>
+          <p:cNvPr id="7" name="圖片 6">
+            <a:extLst>
+              <a:ext uri="{FF2B5EF4-FFF2-40B4-BE49-F238E27FC236}">
+                <a16:creationId xmlns:a16="http://schemas.microsoft.com/office/drawing/2014/main" id="{4DFCA11B-4251-4EAB-B82F-DE26AB8F62B5}"/>
+              </a:ext>
+            </a:extLst>
+          </p:cNvPr>
+          <p:cNvPicPr>
+            <a:picLocks noChangeAspect="1"/>
+          </p:cNvPicPr>
+          <p:nvPr/>
+        </p:nvPicPr>
+        <p:blipFill>
+          <a:blip r:embed="rId3"/>
+          <a:stretch>
+            <a:fillRect/>
+          </a:stretch>
+        </p:blipFill>
+        <p:spPr>
+          <a:xfrm>
+            <a:off x="13959603" y="-206258"/>
+            <a:ext cx="5456393" cy="4188315"/>
+          </a:xfrm>
+          <a:prstGeom prst="rect">
+            <a:avLst/>
+          </a:prstGeom>
+        </p:spPr>
+      </p:pic>
     </p:spTree>
     <p:extLst>
       <p:ext uri="{BB962C8B-B14F-4D97-AF65-F5344CB8AC3E}">
         <p14:creationId xmlns:p14="http://schemas.microsoft.com/office/powerpoint/2010/main" val="81845382"/>
+      </p:ext>
+    </p:extLst>
+  </p:cSld>
+  <p:clrMapOvr>
+    <a:masterClrMapping/>
+  </p:clrMapOvr>
+</p:sld>
+</file>
+
+<file path=ppt/slides/slide12.xml><?xml version="1.0" encoding="utf-8"?>
+<p:sld xmlns:a="http://schemas.openxmlformats.org/drawingml/2006/main" xmlns:r="http://schemas.openxmlformats.org/officeDocument/2006/relationships" xmlns:p="http://schemas.openxmlformats.org/presentationml/2006/main">
+  <p:cSld>
+    <p:spTree>
+      <p:nvGrpSpPr>
+        <p:cNvPr id="1" name=""/>
+        <p:cNvGrpSpPr/>
+        <p:nvPr/>
+      </p:nvGrpSpPr>
+      <p:grpSpPr>
+        <a:xfrm>
+          <a:off x="0" y="0"/>
+          <a:ext cx="0" cy="0"/>
+          <a:chOff x="0" y="0"/>
+          <a:chExt cx="0" cy="0"/>
+        </a:xfrm>
+      </p:grpSpPr>
+      <p:pic>
+        <p:nvPicPr>
+          <p:cNvPr id="26" name="圖片 25">
+            <a:extLst>
+              <a:ext uri="{FF2B5EF4-FFF2-40B4-BE49-F238E27FC236}">
+                <a16:creationId xmlns:a16="http://schemas.microsoft.com/office/drawing/2014/main" id="{14A15061-053B-4A28-AE9D-125B749E4202}"/>
+              </a:ext>
+            </a:extLst>
+          </p:cNvPr>
+          <p:cNvPicPr>
+            <a:picLocks noChangeAspect="1"/>
+          </p:cNvPicPr>
+          <p:nvPr/>
+        </p:nvPicPr>
+        <p:blipFill>
+          <a:blip r:embed="rId2"/>
+          <a:stretch>
+            <a:fillRect/>
+          </a:stretch>
+        </p:blipFill>
+        <p:spPr>
+          <a:xfrm>
+            <a:off x="1905000" y="1562100"/>
+            <a:ext cx="15239999" cy="7924800"/>
+          </a:xfrm>
+          <a:prstGeom prst="rect">
+            <a:avLst/>
+          </a:prstGeom>
+        </p:spPr>
+      </p:pic>
+      <p:grpSp>
+        <p:nvGrpSpPr>
+          <p:cNvPr id="19" name="群組 18">
+            <a:extLst>
+              <a:ext uri="{FF2B5EF4-FFF2-40B4-BE49-F238E27FC236}">
+                <a16:creationId xmlns:a16="http://schemas.microsoft.com/office/drawing/2014/main" id="{CFEBD686-088C-4104-B139-3FE9C108D488}"/>
+              </a:ext>
+            </a:extLst>
+          </p:cNvPr>
+          <p:cNvGrpSpPr/>
+          <p:nvPr/>
+        </p:nvGrpSpPr>
+        <p:grpSpPr>
+          <a:xfrm>
+            <a:off x="762000" y="647700"/>
+            <a:ext cx="2890946" cy="1981200"/>
+            <a:chOff x="2743200" y="4076700"/>
+            <a:chExt cx="4800600" cy="1981200"/>
+          </a:xfrm>
+        </p:grpSpPr>
+        <p:sp>
+          <p:nvSpPr>
+            <p:cNvPr id="20" name="矩形 19">
+              <a:extLst>
+                <a:ext uri="{FF2B5EF4-FFF2-40B4-BE49-F238E27FC236}">
+                  <a16:creationId xmlns:a16="http://schemas.microsoft.com/office/drawing/2014/main" id="{07BD9B36-C800-4AE5-A241-E35FB5D91013}"/>
+                </a:ext>
+              </a:extLst>
+            </p:cNvPr>
+            <p:cNvSpPr/>
+            <p:nvPr/>
+          </p:nvSpPr>
+          <p:spPr>
+            <a:xfrm>
+              <a:off x="2971800" y="4229100"/>
+              <a:ext cx="4572000" cy="1828800"/>
+            </a:xfrm>
+            <a:prstGeom prst="rect">
+              <a:avLst/>
+            </a:prstGeom>
+            <a:solidFill>
+              <a:schemeClr val="tx2">
+                <a:lumMod val="50000"/>
+              </a:schemeClr>
+            </a:solidFill>
+            <a:ln>
+              <a:noFill/>
+            </a:ln>
+          </p:spPr>
+          <p:style>
+            <a:lnRef idx="2">
+              <a:schemeClr val="accent1">
+                <a:shade val="50000"/>
+              </a:schemeClr>
+            </a:lnRef>
+            <a:fillRef idx="1">
+              <a:schemeClr val="accent1"/>
+            </a:fillRef>
+            <a:effectRef idx="0">
+              <a:schemeClr val="accent1"/>
+            </a:effectRef>
+            <a:fontRef idx="minor">
+              <a:schemeClr val="lt1"/>
+            </a:fontRef>
+          </p:style>
+          <p:txBody>
+            <a:bodyPr rtlCol="0" anchor="ctr"/>
+            <a:lstStyle/>
+            <a:p>
+              <a:pPr algn="ctr"/>
+              <a:endParaRPr lang="zh-TW" altLang="en-US"/>
+            </a:p>
+          </p:txBody>
+        </p:sp>
+        <p:sp>
+          <p:nvSpPr>
+            <p:cNvPr id="21" name="矩形 20">
+              <a:extLst>
+                <a:ext uri="{FF2B5EF4-FFF2-40B4-BE49-F238E27FC236}">
+                  <a16:creationId xmlns:a16="http://schemas.microsoft.com/office/drawing/2014/main" id="{271A3F75-EC09-4E70-A48F-7FF78CF6EEA2}"/>
+                </a:ext>
+              </a:extLst>
+            </p:cNvPr>
+            <p:cNvSpPr/>
+            <p:nvPr/>
+          </p:nvSpPr>
+          <p:spPr>
+            <a:xfrm>
+              <a:off x="2743200" y="4076700"/>
+              <a:ext cx="4648200" cy="1828800"/>
+            </a:xfrm>
+            <a:prstGeom prst="rect">
+              <a:avLst/>
+            </a:prstGeom>
+            <a:solidFill>
+              <a:schemeClr val="accent1">
+                <a:lumMod val="40000"/>
+                <a:lumOff val="60000"/>
+              </a:schemeClr>
+            </a:solidFill>
+            <a:ln>
+              <a:noFill/>
+            </a:ln>
+          </p:spPr>
+          <p:style>
+            <a:lnRef idx="2">
+              <a:schemeClr val="accent1">
+                <a:shade val="50000"/>
+              </a:schemeClr>
+            </a:lnRef>
+            <a:fillRef idx="1">
+              <a:schemeClr val="accent1"/>
+            </a:fillRef>
+            <a:effectRef idx="0">
+              <a:schemeClr val="accent1"/>
+            </a:effectRef>
+            <a:fontRef idx="minor">
+              <a:schemeClr val="lt1"/>
+            </a:fontRef>
+          </p:style>
+          <p:txBody>
+            <a:bodyPr rtlCol="0" anchor="ctr"/>
+            <a:lstStyle/>
+            <a:p>
+              <a:pPr algn="ctr"/>
+              <a:endParaRPr lang="zh-TW" altLang="en-US"/>
+            </a:p>
+          </p:txBody>
+        </p:sp>
+      </p:grpSp>
+      <p:sp>
+        <p:nvSpPr>
+          <p:cNvPr id="22" name="文字方塊 21">
+            <a:extLst>
+              <a:ext uri="{FF2B5EF4-FFF2-40B4-BE49-F238E27FC236}">
+                <a16:creationId xmlns:a16="http://schemas.microsoft.com/office/drawing/2014/main" id="{EA4F5E9D-447E-4848-AE2D-D058D31F6F15}"/>
+              </a:ext>
+            </a:extLst>
+          </p:cNvPr>
+          <p:cNvSpPr txBox="1"/>
+          <p:nvPr/>
+        </p:nvSpPr>
+        <p:spPr>
+          <a:xfrm>
+            <a:off x="1286025" y="1029206"/>
+            <a:ext cx="7239000" cy="1015663"/>
+          </a:xfrm>
+          <a:prstGeom prst="rect">
+            <a:avLst/>
+          </a:prstGeom>
+          <a:noFill/>
+        </p:spPr>
+        <p:txBody>
+          <a:bodyPr wrap="square" rtlCol="0">
+            <a:spAutoFit/>
+          </a:bodyPr>
+          <a:lstStyle/>
+          <a:p>
+            <a:r>
+              <a:rPr lang="zh-TW" altLang="en-US" sz="6000" dirty="0">
+                <a:latin typeface="王漢宗細圓體繁" panose="02020300000000000000" pitchFamily="18" charset="-120"/>
+                <a:ea typeface="王漢宗細圓體繁" panose="02020300000000000000" pitchFamily="18" charset="-120"/>
+              </a:rPr>
+              <a:t>陣列</a:t>
+            </a:r>
+          </a:p>
+        </p:txBody>
+      </p:sp>
+      <p:pic>
+        <p:nvPicPr>
+          <p:cNvPr id="40" name="圖片 39">
+            <a:extLst>
+              <a:ext uri="{FF2B5EF4-FFF2-40B4-BE49-F238E27FC236}">
+                <a16:creationId xmlns:a16="http://schemas.microsoft.com/office/drawing/2014/main" id="{DAB3DBF8-9CCC-4EB5-B063-ACE5110C4C39}"/>
+              </a:ext>
+            </a:extLst>
+          </p:cNvPr>
+          <p:cNvPicPr>
+            <a:picLocks noChangeAspect="1"/>
+          </p:cNvPicPr>
+          <p:nvPr/>
+        </p:nvPicPr>
+        <p:blipFill>
+          <a:blip r:embed="rId3"/>
+          <a:stretch>
+            <a:fillRect/>
+          </a:stretch>
+        </p:blipFill>
+        <p:spPr>
+          <a:xfrm>
+            <a:off x="13487400" y="-987826"/>
+            <a:ext cx="6364776" cy="5889246"/>
+          </a:xfrm>
+          <a:prstGeom prst="rect">
+            <a:avLst/>
+          </a:prstGeom>
+        </p:spPr>
+      </p:pic>
+      <p:sp>
+        <p:nvSpPr>
+          <p:cNvPr id="6" name="文字方塊 5">
+            <a:extLst>
+              <a:ext uri="{FF2B5EF4-FFF2-40B4-BE49-F238E27FC236}">
+                <a16:creationId xmlns:a16="http://schemas.microsoft.com/office/drawing/2014/main" id="{9549994B-4AD1-4635-89B5-AFA53DC6D4A9}"/>
+              </a:ext>
+            </a:extLst>
+          </p:cNvPr>
+          <p:cNvSpPr txBox="1"/>
+          <p:nvPr/>
+        </p:nvSpPr>
+        <p:spPr>
+          <a:xfrm>
+            <a:off x="4244212" y="2154346"/>
+            <a:ext cx="11277600" cy="6740307"/>
+          </a:xfrm>
+          <a:prstGeom prst="rect">
+            <a:avLst/>
+          </a:prstGeom>
+          <a:noFill/>
+        </p:spPr>
+        <p:txBody>
+          <a:bodyPr wrap="square" rtlCol="0">
+            <a:spAutoFit/>
+          </a:bodyPr>
+          <a:lstStyle/>
+          <a:p>
+            <a:r>
+              <a:rPr lang="zh-TW" altLang="en-US" sz="3600" dirty="0">
+                <a:latin typeface="王漢宗細圓體繁" panose="02020300000000000000" pitchFamily="18" charset="-120"/>
+                <a:ea typeface="王漢宗細圓體繁" panose="02020300000000000000" pitchFamily="18" charset="-120"/>
+              </a:rPr>
+              <a:t>一個變數可裝多個資料</a:t>
+            </a:r>
+            <a:endParaRPr lang="en-US" altLang="zh-TW" sz="3600" dirty="0">
+              <a:latin typeface="王漢宗細圓體繁" panose="02020300000000000000" pitchFamily="18" charset="-120"/>
+              <a:ea typeface="王漢宗細圓體繁" panose="02020300000000000000" pitchFamily="18" charset="-120"/>
+            </a:endParaRPr>
+          </a:p>
+          <a:p>
+            <a:r>
+              <a:rPr lang="en-US" altLang="zh-TW" sz="3600" dirty="0">
+                <a:latin typeface="王漢宗細圓體繁" panose="02020300000000000000" pitchFamily="18" charset="-120"/>
+                <a:ea typeface="王漢宗細圓體繁" panose="02020300000000000000" pitchFamily="18" charset="-120"/>
+              </a:rPr>
+              <a:t>$</a:t>
+            </a:r>
+            <a:r>
+              <a:rPr lang="en-US" altLang="zh-TW" sz="3600" dirty="0" err="1">
+                <a:latin typeface="王漢宗細圓體繁" panose="02020300000000000000" pitchFamily="18" charset="-120"/>
+                <a:ea typeface="王漢宗細圓體繁" panose="02020300000000000000" pitchFamily="18" charset="-120"/>
+              </a:rPr>
+              <a:t>arr</a:t>
+            </a:r>
+            <a:r>
+              <a:rPr lang="en-US" altLang="zh-TW" sz="3600" dirty="0">
+                <a:latin typeface="王漢宗細圓體繁" panose="02020300000000000000" pitchFamily="18" charset="-120"/>
+                <a:ea typeface="王漢宗細圓體繁" panose="02020300000000000000" pitchFamily="18" charset="-120"/>
+              </a:rPr>
+              <a:t> = array(</a:t>
+            </a:r>
+            <a:r>
+              <a:rPr lang="zh-TW" altLang="en-US" sz="3600" dirty="0">
+                <a:latin typeface="王漢宗細圓體繁" panose="02020300000000000000" pitchFamily="18" charset="-120"/>
+                <a:ea typeface="王漢宗細圓體繁" panose="02020300000000000000" pitchFamily="18" charset="-120"/>
+              </a:rPr>
+              <a:t>資料</a:t>
+            </a:r>
+            <a:r>
+              <a:rPr lang="en-US" altLang="zh-TW" sz="3600" dirty="0">
+                <a:latin typeface="王漢宗細圓體繁" panose="02020300000000000000" pitchFamily="18" charset="-120"/>
+                <a:ea typeface="王漢宗細圓體繁" panose="02020300000000000000" pitchFamily="18" charset="-120"/>
+              </a:rPr>
+              <a:t>,</a:t>
+            </a:r>
+            <a:r>
+              <a:rPr lang="zh-TW" altLang="en-US" sz="3600" dirty="0">
+                <a:latin typeface="王漢宗細圓體繁" panose="02020300000000000000" pitchFamily="18" charset="-120"/>
+                <a:ea typeface="王漢宗細圓體繁" panose="02020300000000000000" pitchFamily="18" charset="-120"/>
+              </a:rPr>
+              <a:t>資料</a:t>
+            </a:r>
+            <a:r>
+              <a:rPr lang="en-US" altLang="zh-TW" sz="3600" dirty="0">
+                <a:latin typeface="王漢宗細圓體繁" panose="02020300000000000000" pitchFamily="18" charset="-120"/>
+                <a:ea typeface="王漢宗細圓體繁" panose="02020300000000000000" pitchFamily="18" charset="-120"/>
+              </a:rPr>
+              <a:t>,</a:t>
+            </a:r>
+            <a:r>
+              <a:rPr lang="zh-TW" altLang="en-US" sz="3600" dirty="0">
+                <a:latin typeface="王漢宗細圓體繁" panose="02020300000000000000" pitchFamily="18" charset="-120"/>
+                <a:ea typeface="王漢宗細圓體繁" panose="02020300000000000000" pitchFamily="18" charset="-120"/>
+              </a:rPr>
+              <a:t>資料</a:t>
+            </a:r>
+            <a:r>
+              <a:rPr lang="en-US" altLang="zh-TW" sz="3600" dirty="0">
+                <a:latin typeface="王漢宗細圓體繁" panose="02020300000000000000" pitchFamily="18" charset="-120"/>
+                <a:ea typeface="王漢宗細圓體繁" panose="02020300000000000000" pitchFamily="18" charset="-120"/>
+              </a:rPr>
+              <a:t>); </a:t>
+            </a:r>
+          </a:p>
+          <a:p>
+            <a:endParaRPr lang="en-US" altLang="zh-TW" sz="3600" dirty="0">
+              <a:latin typeface="王漢宗細圓體繁" panose="02020300000000000000" pitchFamily="18" charset="-120"/>
+              <a:ea typeface="王漢宗細圓體繁" panose="02020300000000000000" pitchFamily="18" charset="-120"/>
+            </a:endParaRPr>
+          </a:p>
+          <a:p>
+            <a:r>
+              <a:rPr lang="en-US" altLang="zh-TW" sz="3600" dirty="0" err="1">
+                <a:latin typeface="王漢宗細圓體繁" panose="02020300000000000000" pitchFamily="18" charset="-120"/>
+                <a:ea typeface="王漢宗細圓體繁" panose="02020300000000000000" pitchFamily="18" charset="-120"/>
+              </a:rPr>
+              <a:t>print_r</a:t>
+            </a:r>
+            <a:r>
+              <a:rPr lang="en-US" altLang="zh-TW" sz="3600" dirty="0">
+                <a:latin typeface="王漢宗細圓體繁" panose="02020300000000000000" pitchFamily="18" charset="-120"/>
+                <a:ea typeface="王漢宗細圓體繁" panose="02020300000000000000" pitchFamily="18" charset="-120"/>
+              </a:rPr>
+              <a:t>  =&gt;</a:t>
+            </a:r>
+            <a:r>
+              <a:rPr lang="zh-TW" altLang="en-US" sz="3600" dirty="0">
+                <a:latin typeface="王漢宗細圓體繁" panose="02020300000000000000" pitchFamily="18" charset="-120"/>
+                <a:ea typeface="王漢宗細圓體繁" panose="02020300000000000000" pitchFamily="18" charset="-120"/>
+              </a:rPr>
+              <a:t>查看陣列結構</a:t>
+            </a:r>
+            <a:endParaRPr lang="en-US" altLang="zh-TW" sz="3600" dirty="0">
+              <a:latin typeface="王漢宗細圓體繁" panose="02020300000000000000" pitchFamily="18" charset="-120"/>
+              <a:ea typeface="王漢宗細圓體繁" panose="02020300000000000000" pitchFamily="18" charset="-120"/>
+            </a:endParaRPr>
+          </a:p>
+          <a:p>
+            <a:endParaRPr lang="en-US" altLang="zh-TW" sz="3600" dirty="0">
+              <a:latin typeface="王漢宗細圓體繁" panose="02020300000000000000" pitchFamily="18" charset="-120"/>
+              <a:ea typeface="王漢宗細圓體繁" panose="02020300000000000000" pitchFamily="18" charset="-120"/>
+            </a:endParaRPr>
+          </a:p>
+          <a:p>
+            <a:r>
+              <a:rPr lang="en-US" altLang="zh-TW" sz="3600" dirty="0" err="1">
+                <a:latin typeface="王漢宗細圓體繁" panose="02020300000000000000" pitchFamily="18" charset="-120"/>
+                <a:ea typeface="王漢宗細圓體繁" panose="02020300000000000000" pitchFamily="18" charset="-120"/>
+              </a:rPr>
+              <a:t>array_push</a:t>
+            </a:r>
+            <a:r>
+              <a:rPr lang="en-US" altLang="zh-TW" sz="3600" dirty="0">
+                <a:latin typeface="王漢宗細圓體繁" panose="02020300000000000000" pitchFamily="18" charset="-120"/>
+                <a:ea typeface="王漢宗細圓體繁" panose="02020300000000000000" pitchFamily="18" charset="-120"/>
+              </a:rPr>
+              <a:t>(</a:t>
+            </a:r>
+            <a:r>
+              <a:rPr lang="zh-TW" altLang="en-US" sz="3600" dirty="0">
+                <a:latin typeface="王漢宗細圓體繁" panose="02020300000000000000" pitchFamily="18" charset="-120"/>
+                <a:ea typeface="王漢宗細圓體繁" panose="02020300000000000000" pitchFamily="18" charset="-120"/>
+              </a:rPr>
+              <a:t>陣列變數</a:t>
+            </a:r>
+            <a:r>
+              <a:rPr lang="en-US" altLang="zh-TW" sz="3600" dirty="0">
+                <a:latin typeface="王漢宗細圓體繁" panose="02020300000000000000" pitchFamily="18" charset="-120"/>
+                <a:ea typeface="王漢宗細圓體繁" panose="02020300000000000000" pitchFamily="18" charset="-120"/>
+              </a:rPr>
+              <a:t>, </a:t>
+            </a:r>
+            <a:r>
+              <a:rPr lang="zh-TW" altLang="en-US" sz="3600" dirty="0">
+                <a:latin typeface="王漢宗細圓體繁" panose="02020300000000000000" pitchFamily="18" charset="-120"/>
+                <a:ea typeface="王漢宗細圓體繁" panose="02020300000000000000" pitchFamily="18" charset="-120"/>
+              </a:rPr>
+              <a:t>一個內容值</a:t>
+            </a:r>
+            <a:r>
+              <a:rPr lang="en-US" altLang="zh-TW" sz="3600" dirty="0">
+                <a:latin typeface="王漢宗細圓體繁" panose="02020300000000000000" pitchFamily="18" charset="-120"/>
+                <a:ea typeface="王漢宗細圓體繁" panose="02020300000000000000" pitchFamily="18" charset="-120"/>
+              </a:rPr>
+              <a:t>) </a:t>
+            </a:r>
+            <a:r>
+              <a:rPr lang="zh-TW" altLang="en-US" sz="3600" dirty="0">
+                <a:latin typeface="王漢宗細圓體繁" panose="02020300000000000000" pitchFamily="18" charset="-120"/>
+                <a:ea typeface="王漢宗細圓體繁" panose="02020300000000000000" pitchFamily="18" charset="-120"/>
+              </a:rPr>
+              <a:t>新增資料進陣列，會排在最後</a:t>
+            </a:r>
+            <a:endParaRPr lang="en-US" altLang="zh-TW" sz="3600" dirty="0">
+              <a:latin typeface="王漢宗細圓體繁" panose="02020300000000000000" pitchFamily="18" charset="-120"/>
+              <a:ea typeface="王漢宗細圓體繁" panose="02020300000000000000" pitchFamily="18" charset="-120"/>
+            </a:endParaRPr>
+          </a:p>
+          <a:p>
+            <a:endParaRPr lang="en-US" altLang="zh-TW" sz="3600" dirty="0">
+              <a:latin typeface="王漢宗細圓體繁" panose="02020300000000000000" pitchFamily="18" charset="-120"/>
+              <a:ea typeface="王漢宗細圓體繁" panose="02020300000000000000" pitchFamily="18" charset="-120"/>
+            </a:endParaRPr>
+          </a:p>
+          <a:p>
+            <a:r>
+              <a:rPr lang="en-US" altLang="zh-TW" sz="3600" dirty="0">
+                <a:latin typeface="王漢宗細圓體繁" panose="02020300000000000000" pitchFamily="18" charset="-120"/>
+                <a:ea typeface="王漢宗細圓體繁" panose="02020300000000000000" pitchFamily="18" charset="-120"/>
+              </a:rPr>
+              <a:t>count(</a:t>
+            </a:r>
+            <a:r>
+              <a:rPr lang="zh-TW" altLang="en-US" sz="3600" dirty="0">
+                <a:latin typeface="王漢宗細圓體繁" panose="02020300000000000000" pitchFamily="18" charset="-120"/>
+                <a:ea typeface="王漢宗細圓體繁" panose="02020300000000000000" pitchFamily="18" charset="-120"/>
+              </a:rPr>
+              <a:t>陣列變數</a:t>
+            </a:r>
+            <a:r>
+              <a:rPr lang="en-US" altLang="zh-TW" sz="3600" dirty="0">
+                <a:latin typeface="王漢宗細圓體繁" panose="02020300000000000000" pitchFamily="18" charset="-120"/>
+                <a:ea typeface="王漢宗細圓體繁" panose="02020300000000000000" pitchFamily="18" charset="-120"/>
+              </a:rPr>
+              <a:t>) =&gt;</a:t>
+            </a:r>
+            <a:r>
+              <a:rPr lang="zh-TW" altLang="en-US" sz="3600" dirty="0">
+                <a:latin typeface="王漢宗細圓體繁" panose="02020300000000000000" pitchFamily="18" charset="-120"/>
+                <a:ea typeface="王漢宗細圓體繁" panose="02020300000000000000" pitchFamily="18" charset="-120"/>
+              </a:rPr>
+              <a:t>查看陣列長度</a:t>
+            </a:r>
+            <a:endParaRPr lang="en-US" altLang="zh-TW" sz="3600" dirty="0">
+              <a:latin typeface="王漢宗細圓體繁" panose="02020300000000000000" pitchFamily="18" charset="-120"/>
+              <a:ea typeface="王漢宗細圓體繁" panose="02020300000000000000" pitchFamily="18" charset="-120"/>
+            </a:endParaRPr>
+          </a:p>
+          <a:p>
+            <a:endParaRPr lang="en-US" altLang="zh-TW" sz="3600" dirty="0">
+              <a:latin typeface="王漢宗細圓體繁" panose="02020300000000000000" pitchFamily="18" charset="-120"/>
+              <a:ea typeface="王漢宗細圓體繁" panose="02020300000000000000" pitchFamily="18" charset="-120"/>
+            </a:endParaRPr>
+          </a:p>
+          <a:p>
+            <a:r>
+              <a:rPr lang="en-US" altLang="zh-TW" sz="3600" dirty="0" err="1">
+                <a:latin typeface="王漢宗細圓體繁" panose="02020300000000000000" pitchFamily="18" charset="-120"/>
+                <a:ea typeface="王漢宗細圓體繁" panose="02020300000000000000" pitchFamily="18" charset="-120"/>
+              </a:rPr>
+              <a:t>in_array</a:t>
+            </a:r>
+            <a:r>
+              <a:rPr lang="en-US" altLang="zh-TW" sz="3600" dirty="0">
+                <a:latin typeface="王漢宗細圓體繁" panose="02020300000000000000" pitchFamily="18" charset="-120"/>
+                <a:ea typeface="王漢宗細圓體繁" panose="02020300000000000000" pitchFamily="18" charset="-120"/>
+              </a:rPr>
+              <a:t>( </a:t>
+            </a:r>
+            <a:r>
+              <a:rPr lang="zh-TW" altLang="en-US" sz="3600" dirty="0">
+                <a:latin typeface="王漢宗細圓體繁" panose="02020300000000000000" pitchFamily="18" charset="-120"/>
+                <a:ea typeface="王漢宗細圓體繁" panose="02020300000000000000" pitchFamily="18" charset="-120"/>
+              </a:rPr>
+              <a:t>查詢的內容值</a:t>
+            </a:r>
+            <a:r>
+              <a:rPr lang="en-US" altLang="zh-TW" sz="3600" dirty="0">
+                <a:latin typeface="王漢宗細圓體繁" panose="02020300000000000000" pitchFamily="18" charset="-120"/>
+                <a:ea typeface="王漢宗細圓體繁" panose="02020300000000000000" pitchFamily="18" charset="-120"/>
+              </a:rPr>
+              <a:t>, </a:t>
+            </a:r>
+            <a:r>
+              <a:rPr lang="zh-TW" altLang="en-US" sz="3600" dirty="0">
+                <a:latin typeface="王漢宗細圓體繁" panose="02020300000000000000" pitchFamily="18" charset="-120"/>
+                <a:ea typeface="王漢宗細圓體繁" panose="02020300000000000000" pitchFamily="18" charset="-120"/>
+              </a:rPr>
+              <a:t>陣列變數 </a:t>
+            </a:r>
+            <a:r>
+              <a:rPr lang="en-US" altLang="zh-TW" sz="3600" dirty="0">
+                <a:latin typeface="王漢宗細圓體繁" panose="02020300000000000000" pitchFamily="18" charset="-120"/>
+                <a:ea typeface="王漢宗細圓體繁" panose="02020300000000000000" pitchFamily="18" charset="-120"/>
+              </a:rPr>
+              <a:t>) </a:t>
+            </a:r>
+            <a:r>
+              <a:rPr lang="zh-TW" altLang="en-US" sz="3600" dirty="0">
+                <a:latin typeface="王漢宗細圓體繁" panose="02020300000000000000" pitchFamily="18" charset="-120"/>
+                <a:ea typeface="王漢宗細圓體繁" panose="02020300000000000000" pitchFamily="18" charset="-120"/>
+              </a:rPr>
+              <a:t>判斷指定的內容值是不是已經在陣列中</a:t>
+            </a:r>
+            <a:endParaRPr lang="en-US" altLang="zh-TW" sz="3600" dirty="0">
+              <a:latin typeface="王漢宗細圓體繁" panose="02020300000000000000" pitchFamily="18" charset="-120"/>
+              <a:ea typeface="王漢宗細圓體繁" panose="02020300000000000000" pitchFamily="18" charset="-120"/>
+            </a:endParaRPr>
+          </a:p>
+        </p:txBody>
+      </p:sp>
+      <p:pic>
+        <p:nvPicPr>
+          <p:cNvPr id="23" name="圖片 22">
+            <a:extLst>
+              <a:ext uri="{FF2B5EF4-FFF2-40B4-BE49-F238E27FC236}">
+                <a16:creationId xmlns:a16="http://schemas.microsoft.com/office/drawing/2014/main" id="{0667749C-349B-4801-81D4-05F4C3CCDC4E}"/>
+              </a:ext>
+            </a:extLst>
+          </p:cNvPr>
+          <p:cNvPicPr>
+            <a:picLocks noChangeAspect="1"/>
+          </p:cNvPicPr>
+          <p:nvPr/>
+        </p:nvPicPr>
+        <p:blipFill>
+          <a:blip r:embed="rId4"/>
+          <a:stretch>
+            <a:fillRect/>
+          </a:stretch>
+        </p:blipFill>
+        <p:spPr>
+          <a:xfrm>
+            <a:off x="-2757286" y="4957352"/>
+            <a:ext cx="8175445" cy="7626757"/>
+          </a:xfrm>
+          <a:prstGeom prst="rect">
+            <a:avLst/>
+          </a:prstGeom>
+        </p:spPr>
+      </p:pic>
+    </p:spTree>
+    <p:extLst>
+      <p:ext uri="{BB962C8B-B14F-4D97-AF65-F5344CB8AC3E}">
+        <p14:creationId xmlns:p14="http://schemas.microsoft.com/office/powerpoint/2010/main" val="3660377316"/>
+      </p:ext>
+    </p:extLst>
+  </p:cSld>
+  <p:clrMapOvr>
+    <a:masterClrMapping/>
+  </p:clrMapOvr>
+</p:sld>
+</file>
+
+<file path=ppt/slides/slide13.xml><?xml version="1.0" encoding="utf-8"?>
+<p:sld xmlns:a="http://schemas.openxmlformats.org/drawingml/2006/main" xmlns:r="http://schemas.openxmlformats.org/officeDocument/2006/relationships" xmlns:p="http://schemas.openxmlformats.org/presentationml/2006/main">
+  <p:cSld>
+    <p:spTree>
+      <p:nvGrpSpPr>
+        <p:cNvPr id="1" name=""/>
+        <p:cNvGrpSpPr/>
+        <p:nvPr/>
+      </p:nvGrpSpPr>
+      <p:grpSpPr>
+        <a:xfrm>
+          <a:off x="0" y="0"/>
+          <a:ext cx="0" cy="0"/>
+          <a:chOff x="0" y="0"/>
+          <a:chExt cx="0" cy="0"/>
+        </a:xfrm>
+      </p:grpSpPr>
+      <p:pic>
+        <p:nvPicPr>
+          <p:cNvPr id="26" name="圖片 25">
+            <a:extLst>
+              <a:ext uri="{FF2B5EF4-FFF2-40B4-BE49-F238E27FC236}">
+                <a16:creationId xmlns:a16="http://schemas.microsoft.com/office/drawing/2014/main" id="{14A15061-053B-4A28-AE9D-125B749E4202}"/>
+              </a:ext>
+            </a:extLst>
+          </p:cNvPr>
+          <p:cNvPicPr>
+            <a:picLocks noChangeAspect="1"/>
+          </p:cNvPicPr>
+          <p:nvPr/>
+        </p:nvPicPr>
+        <p:blipFill>
+          <a:blip r:embed="rId2"/>
+          <a:stretch>
+            <a:fillRect/>
+          </a:stretch>
+        </p:blipFill>
+        <p:spPr>
+          <a:xfrm>
+            <a:off x="1905000" y="1562100"/>
+            <a:ext cx="15239999" cy="7924800"/>
+          </a:xfrm>
+          <a:prstGeom prst="rect">
+            <a:avLst/>
+          </a:prstGeom>
+        </p:spPr>
+      </p:pic>
+      <p:grpSp>
+        <p:nvGrpSpPr>
+          <p:cNvPr id="19" name="群組 18">
+            <a:extLst>
+              <a:ext uri="{FF2B5EF4-FFF2-40B4-BE49-F238E27FC236}">
+                <a16:creationId xmlns:a16="http://schemas.microsoft.com/office/drawing/2014/main" id="{CFEBD686-088C-4104-B139-3FE9C108D488}"/>
+              </a:ext>
+            </a:extLst>
+          </p:cNvPr>
+          <p:cNvGrpSpPr/>
+          <p:nvPr/>
+        </p:nvGrpSpPr>
+        <p:grpSpPr>
+          <a:xfrm>
+            <a:off x="838200" y="571500"/>
+            <a:ext cx="10134600" cy="1981200"/>
+            <a:chOff x="2743200" y="4076700"/>
+            <a:chExt cx="4800600" cy="1981200"/>
+          </a:xfrm>
+        </p:grpSpPr>
+        <p:sp>
+          <p:nvSpPr>
+            <p:cNvPr id="20" name="矩形 19">
+              <a:extLst>
+                <a:ext uri="{FF2B5EF4-FFF2-40B4-BE49-F238E27FC236}">
+                  <a16:creationId xmlns:a16="http://schemas.microsoft.com/office/drawing/2014/main" id="{07BD9B36-C800-4AE5-A241-E35FB5D91013}"/>
+                </a:ext>
+              </a:extLst>
+            </p:cNvPr>
+            <p:cNvSpPr/>
+            <p:nvPr/>
+          </p:nvSpPr>
+          <p:spPr>
+            <a:xfrm>
+              <a:off x="2971800" y="4229100"/>
+              <a:ext cx="4572000" cy="1828800"/>
+            </a:xfrm>
+            <a:prstGeom prst="rect">
+              <a:avLst/>
+            </a:prstGeom>
+            <a:solidFill>
+              <a:schemeClr val="tx2">
+                <a:lumMod val="50000"/>
+              </a:schemeClr>
+            </a:solidFill>
+            <a:ln>
+              <a:noFill/>
+            </a:ln>
+          </p:spPr>
+          <p:style>
+            <a:lnRef idx="2">
+              <a:schemeClr val="accent1">
+                <a:shade val="50000"/>
+              </a:schemeClr>
+            </a:lnRef>
+            <a:fillRef idx="1">
+              <a:schemeClr val="accent1"/>
+            </a:fillRef>
+            <a:effectRef idx="0">
+              <a:schemeClr val="accent1"/>
+            </a:effectRef>
+            <a:fontRef idx="minor">
+              <a:schemeClr val="lt1"/>
+            </a:fontRef>
+          </p:style>
+          <p:txBody>
+            <a:bodyPr rtlCol="0" anchor="ctr"/>
+            <a:lstStyle/>
+            <a:p>
+              <a:pPr algn="ctr"/>
+              <a:endParaRPr lang="zh-TW" altLang="en-US"/>
+            </a:p>
+          </p:txBody>
+        </p:sp>
+        <p:sp>
+          <p:nvSpPr>
+            <p:cNvPr id="21" name="矩形 20">
+              <a:extLst>
+                <a:ext uri="{FF2B5EF4-FFF2-40B4-BE49-F238E27FC236}">
+                  <a16:creationId xmlns:a16="http://schemas.microsoft.com/office/drawing/2014/main" id="{271A3F75-EC09-4E70-A48F-7FF78CF6EEA2}"/>
+                </a:ext>
+              </a:extLst>
+            </p:cNvPr>
+            <p:cNvSpPr/>
+            <p:nvPr/>
+          </p:nvSpPr>
+          <p:spPr>
+            <a:xfrm>
+              <a:off x="2743200" y="4076700"/>
+              <a:ext cx="4648200" cy="1828800"/>
+            </a:xfrm>
+            <a:prstGeom prst="rect">
+              <a:avLst/>
+            </a:prstGeom>
+            <a:solidFill>
+              <a:schemeClr val="accent1">
+                <a:lumMod val="40000"/>
+                <a:lumOff val="60000"/>
+              </a:schemeClr>
+            </a:solidFill>
+            <a:ln>
+              <a:noFill/>
+            </a:ln>
+          </p:spPr>
+          <p:style>
+            <a:lnRef idx="2">
+              <a:schemeClr val="accent1">
+                <a:shade val="50000"/>
+              </a:schemeClr>
+            </a:lnRef>
+            <a:fillRef idx="1">
+              <a:schemeClr val="accent1"/>
+            </a:fillRef>
+            <a:effectRef idx="0">
+              <a:schemeClr val="accent1"/>
+            </a:effectRef>
+            <a:fontRef idx="minor">
+              <a:schemeClr val="lt1"/>
+            </a:fontRef>
+          </p:style>
+          <p:txBody>
+            <a:bodyPr rtlCol="0" anchor="ctr"/>
+            <a:lstStyle/>
+            <a:p>
+              <a:pPr algn="ctr"/>
+              <a:endParaRPr lang="zh-TW" altLang="en-US"/>
+            </a:p>
+          </p:txBody>
+        </p:sp>
+      </p:grpSp>
+      <p:sp>
+        <p:nvSpPr>
+          <p:cNvPr id="22" name="文字方塊 21">
+            <a:extLst>
+              <a:ext uri="{FF2B5EF4-FFF2-40B4-BE49-F238E27FC236}">
+                <a16:creationId xmlns:a16="http://schemas.microsoft.com/office/drawing/2014/main" id="{EA4F5E9D-447E-4848-AE2D-D058D31F6F15}"/>
+              </a:ext>
+            </a:extLst>
+          </p:cNvPr>
+          <p:cNvSpPr txBox="1"/>
+          <p:nvPr/>
+        </p:nvSpPr>
+        <p:spPr>
+          <a:xfrm>
+            <a:off x="1286024" y="1029206"/>
+            <a:ext cx="9762975" cy="830997"/>
+          </a:xfrm>
+          <a:prstGeom prst="rect">
+            <a:avLst/>
+          </a:prstGeom>
+          <a:noFill/>
+        </p:spPr>
+        <p:txBody>
+          <a:bodyPr wrap="square" rtlCol="0">
+            <a:spAutoFit/>
+          </a:bodyPr>
+          <a:lstStyle/>
+          <a:p>
+            <a:r>
+              <a:rPr lang="zh-TW" altLang="en-US" sz="4800" dirty="0">
+                <a:latin typeface="王漢宗細圓體繁" panose="02020300000000000000" pitchFamily="18" charset="-120"/>
+                <a:ea typeface="王漢宗細圓體繁" panose="02020300000000000000" pitchFamily="18" charset="-120"/>
+              </a:rPr>
+              <a:t>如何將陣列資料一筆一筆列出來</a:t>
+            </a:r>
+            <a:r>
+              <a:rPr lang="en-US" altLang="zh-TW" sz="4800" dirty="0">
+                <a:latin typeface="王漢宗細圓體繁" panose="02020300000000000000" pitchFamily="18" charset="-120"/>
+                <a:ea typeface="王漢宗細圓體繁" panose="02020300000000000000" pitchFamily="18" charset="-120"/>
+              </a:rPr>
+              <a:t>?</a:t>
+            </a:r>
+            <a:endParaRPr lang="zh-TW" altLang="en-US" sz="2800" dirty="0">
+              <a:latin typeface="王漢宗細圓體繁" panose="02020300000000000000" pitchFamily="18" charset="-120"/>
+              <a:ea typeface="王漢宗細圓體繁" panose="02020300000000000000" pitchFamily="18" charset="-120"/>
+            </a:endParaRPr>
+          </a:p>
+        </p:txBody>
+      </p:sp>
+      <p:pic>
+        <p:nvPicPr>
+          <p:cNvPr id="40" name="圖片 39">
+            <a:extLst>
+              <a:ext uri="{FF2B5EF4-FFF2-40B4-BE49-F238E27FC236}">
+                <a16:creationId xmlns:a16="http://schemas.microsoft.com/office/drawing/2014/main" id="{DAB3DBF8-9CCC-4EB5-B063-ACE5110C4C39}"/>
+              </a:ext>
+            </a:extLst>
+          </p:cNvPr>
+          <p:cNvPicPr>
+            <a:picLocks noChangeAspect="1"/>
+          </p:cNvPicPr>
+          <p:nvPr/>
+        </p:nvPicPr>
+        <p:blipFill>
+          <a:blip r:embed="rId3"/>
+          <a:stretch>
+            <a:fillRect/>
+          </a:stretch>
+        </p:blipFill>
+        <p:spPr>
+          <a:xfrm>
+            <a:off x="13487400" y="-987826"/>
+            <a:ext cx="6364776" cy="5889246"/>
+          </a:xfrm>
+          <a:prstGeom prst="rect">
+            <a:avLst/>
+          </a:prstGeom>
+        </p:spPr>
+      </p:pic>
+      <p:sp>
+        <p:nvSpPr>
+          <p:cNvPr id="2" name="文字方塊 1">
+            <a:extLst>
+              <a:ext uri="{FF2B5EF4-FFF2-40B4-BE49-F238E27FC236}">
+                <a16:creationId xmlns:a16="http://schemas.microsoft.com/office/drawing/2014/main" id="{E879E488-7946-4546-9960-C09C0D4AB7F7}"/>
+              </a:ext>
+            </a:extLst>
+          </p:cNvPr>
+          <p:cNvSpPr txBox="1"/>
+          <p:nvPr/>
+        </p:nvSpPr>
+        <p:spPr>
+          <a:xfrm>
+            <a:off x="3352800" y="3467100"/>
+            <a:ext cx="11963400" cy="1938992"/>
+          </a:xfrm>
+          <a:prstGeom prst="rect">
+            <a:avLst/>
+          </a:prstGeom>
+          <a:noFill/>
+        </p:spPr>
+        <p:txBody>
+          <a:bodyPr wrap="square" rtlCol="0">
+            <a:spAutoFit/>
+          </a:bodyPr>
+          <a:lstStyle/>
+          <a:p>
+            <a:r>
+              <a:rPr lang="en-US" altLang="zh-TW" sz="4000" dirty="0">
+                <a:latin typeface="王漢宗細圓體繁" panose="02020300000000000000" pitchFamily="18" charset="-120"/>
+                <a:ea typeface="王漢宗細圓體繁" panose="02020300000000000000" pitchFamily="18" charset="-120"/>
+              </a:rPr>
+              <a:t>for</a:t>
+            </a:r>
+            <a:r>
+              <a:rPr lang="zh-TW" altLang="en-US" sz="4000" dirty="0">
+                <a:latin typeface="王漢宗細圓體繁" panose="02020300000000000000" pitchFamily="18" charset="-120"/>
+                <a:ea typeface="王漢宗細圓體繁" panose="02020300000000000000" pitchFamily="18" charset="-120"/>
+              </a:rPr>
+              <a:t>迴圈</a:t>
+            </a:r>
+          </a:p>
+          <a:p>
+            <a:r>
+              <a:rPr lang="en-US" altLang="zh-TW" sz="4000" dirty="0">
+                <a:latin typeface="王漢宗細圓體繁" panose="02020300000000000000" pitchFamily="18" charset="-120"/>
+                <a:ea typeface="王漢宗細圓體繁" panose="02020300000000000000" pitchFamily="18" charset="-120"/>
+              </a:rPr>
+              <a:t>Foreach</a:t>
+            </a:r>
+            <a:r>
+              <a:rPr lang="zh-TW" altLang="en-US" sz="4000" dirty="0">
+                <a:latin typeface="王漢宗細圓體繁" panose="02020300000000000000" pitchFamily="18" charset="-120"/>
+                <a:ea typeface="王漢宗細圓體繁" panose="02020300000000000000" pitchFamily="18" charset="-120"/>
+              </a:rPr>
+              <a:t>迴圈</a:t>
+            </a:r>
+            <a:r>
+              <a:rPr lang="en-US" altLang="zh-TW" sz="4000" dirty="0">
+                <a:latin typeface="王漢宗細圓體繁" panose="02020300000000000000" pitchFamily="18" charset="-120"/>
+                <a:ea typeface="王漢宗細圓體繁" panose="02020300000000000000" pitchFamily="18" charset="-120"/>
+              </a:rPr>
+              <a:t>(</a:t>
+            </a:r>
+            <a:r>
+              <a:rPr lang="zh-TW" altLang="en-US" sz="4000" dirty="0">
+                <a:latin typeface="王漢宗細圓體繁" panose="02020300000000000000" pitchFamily="18" charset="-120"/>
+                <a:ea typeface="王漢宗細圓體繁" panose="02020300000000000000" pitchFamily="18" charset="-120"/>
+              </a:rPr>
+              <a:t>專門給陣列資料使用</a:t>
+            </a:r>
+            <a:r>
+              <a:rPr lang="en-US" altLang="zh-TW" sz="4000" dirty="0">
+                <a:latin typeface="王漢宗細圓體繁" panose="02020300000000000000" pitchFamily="18" charset="-120"/>
+                <a:ea typeface="王漢宗細圓體繁" panose="02020300000000000000" pitchFamily="18" charset="-120"/>
+              </a:rPr>
+              <a:t>)</a:t>
+            </a:r>
+          </a:p>
+          <a:p>
+            <a:r>
+              <a:rPr lang="en-US" altLang="zh-TW" sz="4000" dirty="0">
+                <a:latin typeface="王漢宗細圓體繁" panose="02020300000000000000" pitchFamily="18" charset="-120"/>
+                <a:ea typeface="王漢宗細圓體繁" panose="02020300000000000000" pitchFamily="18" charset="-120"/>
+              </a:rPr>
+              <a:t>foreach ( </a:t>
+            </a:r>
+            <a:r>
+              <a:rPr lang="zh-TW" altLang="en-US" sz="4000" dirty="0">
+                <a:latin typeface="王漢宗細圓體繁" panose="02020300000000000000" pitchFamily="18" charset="-120"/>
+                <a:ea typeface="王漢宗細圓體繁" panose="02020300000000000000" pitchFamily="18" charset="-120"/>
+              </a:rPr>
+              <a:t>陣列名稱  </a:t>
+            </a:r>
+            <a:r>
+              <a:rPr lang="en-US" altLang="zh-TW" sz="4000" dirty="0">
+                <a:latin typeface="王漢宗細圓體繁" panose="02020300000000000000" pitchFamily="18" charset="-120"/>
+                <a:ea typeface="王漢宗細圓體繁" panose="02020300000000000000" pitchFamily="18" charset="-120"/>
+              </a:rPr>
+              <a:t>as  </a:t>
+            </a:r>
+            <a:r>
+              <a:rPr lang="zh-TW" altLang="en-US" sz="4000" dirty="0">
+                <a:latin typeface="王漢宗細圓體繁" panose="02020300000000000000" pitchFamily="18" charset="-120"/>
+                <a:ea typeface="王漢宗細圓體繁" panose="02020300000000000000" pitchFamily="18" charset="-120"/>
+              </a:rPr>
+              <a:t>索引值 </a:t>
+            </a:r>
+            <a:r>
+              <a:rPr lang="en-US" altLang="zh-TW" sz="4000" dirty="0">
+                <a:latin typeface="王漢宗細圓體繁" panose="02020300000000000000" pitchFamily="18" charset="-120"/>
+                <a:ea typeface="王漢宗細圓體繁" panose="02020300000000000000" pitchFamily="18" charset="-120"/>
+              </a:rPr>
+              <a:t>=&gt; </a:t>
+            </a:r>
+            <a:r>
+              <a:rPr lang="zh-TW" altLang="en-US" sz="4000" dirty="0">
+                <a:latin typeface="王漢宗細圓體繁" panose="02020300000000000000" pitchFamily="18" charset="-120"/>
+                <a:ea typeface="王漢宗細圓體繁" panose="02020300000000000000" pitchFamily="18" charset="-120"/>
+              </a:rPr>
+              <a:t>內容值 </a:t>
+            </a:r>
+            <a:r>
+              <a:rPr lang="en-US" altLang="zh-TW" sz="4000" dirty="0">
+                <a:latin typeface="王漢宗細圓體繁" panose="02020300000000000000" pitchFamily="18" charset="-120"/>
+                <a:ea typeface="王漢宗細圓體繁" panose="02020300000000000000" pitchFamily="18" charset="-120"/>
+              </a:rPr>
+              <a:t>)</a:t>
+            </a:r>
+          </a:p>
+        </p:txBody>
+      </p:sp>
+      <p:pic>
+        <p:nvPicPr>
+          <p:cNvPr id="10" name="圖片 9">
+            <a:extLst>
+              <a:ext uri="{FF2B5EF4-FFF2-40B4-BE49-F238E27FC236}">
+                <a16:creationId xmlns:a16="http://schemas.microsoft.com/office/drawing/2014/main" id="{9239300A-FD08-4F7C-B032-F9ED4E646AE4}"/>
+              </a:ext>
+            </a:extLst>
+          </p:cNvPr>
+          <p:cNvPicPr>
+            <a:picLocks noChangeAspect="1"/>
+          </p:cNvPicPr>
+          <p:nvPr/>
+        </p:nvPicPr>
+        <p:blipFill>
+          <a:blip r:embed="rId4"/>
+          <a:stretch>
+            <a:fillRect/>
+          </a:stretch>
+        </p:blipFill>
+        <p:spPr>
+          <a:xfrm>
+            <a:off x="-2008886" y="6438900"/>
+            <a:ext cx="5846571" cy="4895512"/>
+          </a:xfrm>
+          <a:prstGeom prst="rect">
+            <a:avLst/>
+          </a:prstGeom>
+        </p:spPr>
+      </p:pic>
+    </p:spTree>
+    <p:extLst>
+      <p:ext uri="{BB962C8B-B14F-4D97-AF65-F5344CB8AC3E}">
+        <p14:creationId xmlns:p14="http://schemas.microsoft.com/office/powerpoint/2010/main" val="1988676326"/>
+      </p:ext>
+    </p:extLst>
+  </p:cSld>
+  <p:clrMapOvr>
+    <a:masterClrMapping/>
+  </p:clrMapOvr>
+</p:sld>
+</file>
+
+<file path=ppt/slides/slide14.xml><?xml version="1.0" encoding="utf-8"?>
+<p:sld xmlns:a="http://schemas.openxmlformats.org/drawingml/2006/main" xmlns:r="http://schemas.openxmlformats.org/officeDocument/2006/relationships" xmlns:p="http://schemas.openxmlformats.org/presentationml/2006/main">
+  <p:cSld>
+    <p:spTree>
+      <p:nvGrpSpPr>
+        <p:cNvPr id="1" name=""/>
+        <p:cNvGrpSpPr/>
+        <p:nvPr/>
+      </p:nvGrpSpPr>
+      <p:grpSpPr>
+        <a:xfrm>
+          <a:off x="0" y="0"/>
+          <a:ext cx="0" cy="0"/>
+          <a:chOff x="0" y="0"/>
+          <a:chExt cx="0" cy="0"/>
+        </a:xfrm>
+      </p:grpSpPr>
+      <p:sp>
+        <p:nvSpPr>
+          <p:cNvPr id="17" name="矩形 16">
+            <a:extLst>
+              <a:ext uri="{FF2B5EF4-FFF2-40B4-BE49-F238E27FC236}">
+                <a16:creationId xmlns:a16="http://schemas.microsoft.com/office/drawing/2014/main" id="{94C2A827-B932-471D-A756-D0ADADA99ACB}"/>
+              </a:ext>
+            </a:extLst>
+          </p:cNvPr>
+          <p:cNvSpPr/>
+          <p:nvPr/>
+        </p:nvSpPr>
+        <p:spPr>
+          <a:xfrm>
+            <a:off x="2286000" y="2324100"/>
+            <a:ext cx="13595816" cy="6670606"/>
+          </a:xfrm>
+          <a:prstGeom prst="rect">
+            <a:avLst/>
+          </a:prstGeom>
+          <a:solidFill>
+            <a:schemeClr val="bg1">
+              <a:lumMod val="95000"/>
+            </a:schemeClr>
+          </a:solidFill>
+          <a:ln>
+            <a:noFill/>
+          </a:ln>
+        </p:spPr>
+        <p:style>
+          <a:lnRef idx="2">
+            <a:schemeClr val="accent1">
+              <a:shade val="50000"/>
+            </a:schemeClr>
+          </a:lnRef>
+          <a:fillRef idx="1">
+            <a:schemeClr val="accent1"/>
+          </a:fillRef>
+          <a:effectRef idx="0">
+            <a:schemeClr val="accent1"/>
+          </a:effectRef>
+          <a:fontRef idx="minor">
+            <a:schemeClr val="lt1"/>
+          </a:fontRef>
+        </p:style>
+        <p:txBody>
+          <a:bodyPr rtlCol="0" anchor="ctr"/>
+          <a:lstStyle/>
+          <a:p>
+            <a:pPr algn="ctr"/>
+            <a:endParaRPr lang="zh-TW" altLang="en-US"/>
+          </a:p>
+        </p:txBody>
+      </p:sp>
+      <p:sp>
+        <p:nvSpPr>
+          <p:cNvPr id="13" name="矩形: 圓角 12">
+            <a:extLst>
+              <a:ext uri="{FF2B5EF4-FFF2-40B4-BE49-F238E27FC236}">
+                <a16:creationId xmlns:a16="http://schemas.microsoft.com/office/drawing/2014/main" id="{86161679-2985-4ADC-8460-AEE24E740813}"/>
+              </a:ext>
+            </a:extLst>
+          </p:cNvPr>
+          <p:cNvSpPr/>
+          <p:nvPr/>
+        </p:nvSpPr>
+        <p:spPr>
+          <a:xfrm>
+            <a:off x="5007208" y="1409700"/>
+            <a:ext cx="8153400" cy="2113844"/>
+          </a:xfrm>
+          <a:prstGeom prst="roundRect">
+            <a:avLst/>
+          </a:prstGeom>
+          <a:solidFill>
+            <a:schemeClr val="accent1">
+              <a:lumMod val="40000"/>
+              <a:lumOff val="60000"/>
+            </a:schemeClr>
+          </a:solidFill>
+          <a:ln>
+            <a:noFill/>
+          </a:ln>
+        </p:spPr>
+        <p:style>
+          <a:lnRef idx="2">
+            <a:schemeClr val="accent1">
+              <a:shade val="50000"/>
+            </a:schemeClr>
+          </a:lnRef>
+          <a:fillRef idx="1">
+            <a:schemeClr val="accent1"/>
+          </a:fillRef>
+          <a:effectRef idx="0">
+            <a:schemeClr val="accent1"/>
+          </a:effectRef>
+          <a:fontRef idx="minor">
+            <a:schemeClr val="lt1"/>
+          </a:fontRef>
+        </p:style>
+        <p:txBody>
+          <a:bodyPr rtlCol="0" anchor="ctr"/>
+          <a:lstStyle/>
+          <a:p>
+            <a:pPr algn="ctr"/>
+            <a:endParaRPr lang="zh-TW" altLang="en-US"/>
+          </a:p>
+        </p:txBody>
+      </p:sp>
+      <p:sp>
+        <p:nvSpPr>
+          <p:cNvPr id="14" name="文字方塊 13">
+            <a:extLst>
+              <a:ext uri="{FF2B5EF4-FFF2-40B4-BE49-F238E27FC236}">
+                <a16:creationId xmlns:a16="http://schemas.microsoft.com/office/drawing/2014/main" id="{E0290B41-790C-4212-8A48-B0107FA80F8D}"/>
+              </a:ext>
+            </a:extLst>
+          </p:cNvPr>
+          <p:cNvSpPr txBox="1"/>
+          <p:nvPr/>
+        </p:nvSpPr>
+        <p:spPr>
+          <a:xfrm>
+            <a:off x="8039100" y="1958790"/>
+            <a:ext cx="2209800" cy="1015663"/>
+          </a:xfrm>
+          <a:prstGeom prst="rect">
+            <a:avLst/>
+          </a:prstGeom>
+          <a:noFill/>
+        </p:spPr>
+        <p:txBody>
+          <a:bodyPr wrap="square" rtlCol="0">
+            <a:spAutoFit/>
+          </a:bodyPr>
+          <a:lstStyle/>
+          <a:p>
+            <a:r>
+              <a:rPr lang="zh-TW" altLang="en-US" sz="6000" dirty="0">
+                <a:solidFill>
+                  <a:schemeClr val="tx2">
+                    <a:lumMod val="50000"/>
+                  </a:schemeClr>
+                </a:solidFill>
+                <a:latin typeface="王漢宗細圓體繁" panose="02020300000000000000" pitchFamily="18" charset="-120"/>
+                <a:ea typeface="王漢宗細圓體繁" panose="02020300000000000000" pitchFamily="18" charset="-120"/>
+              </a:rPr>
+              <a:t>練習</a:t>
+            </a:r>
+          </a:p>
+        </p:txBody>
+      </p:sp>
+      <p:sp>
+        <p:nvSpPr>
+          <p:cNvPr id="16" name="文字方塊 15">
+            <a:extLst>
+              <a:ext uri="{FF2B5EF4-FFF2-40B4-BE49-F238E27FC236}">
+                <a16:creationId xmlns:a16="http://schemas.microsoft.com/office/drawing/2014/main" id="{48F91D10-1470-4601-AC96-C7C8AA0715A7}"/>
+              </a:ext>
+            </a:extLst>
+          </p:cNvPr>
+          <p:cNvSpPr txBox="1"/>
+          <p:nvPr/>
+        </p:nvSpPr>
+        <p:spPr>
+          <a:xfrm>
+            <a:off x="4119847" y="4323523"/>
+            <a:ext cx="9928122" cy="707886"/>
+          </a:xfrm>
+          <a:prstGeom prst="rect">
+            <a:avLst/>
+          </a:prstGeom>
+          <a:noFill/>
+        </p:spPr>
+        <p:txBody>
+          <a:bodyPr wrap="square">
+            <a:spAutoFit/>
+          </a:bodyPr>
+          <a:lstStyle/>
+          <a:p>
+            <a:pPr algn="ctr"/>
+            <a:r>
+              <a:rPr lang="zh-TW" altLang="en-US" sz="4000" dirty="0">
+                <a:latin typeface="王漢宗細圓體繁" panose="02020300000000000000" pitchFamily="18" charset="-120"/>
+                <a:ea typeface="王漢宗細圓體繁" panose="02020300000000000000" pitchFamily="18" charset="-120"/>
+              </a:rPr>
+              <a:t>完成一個樂透遊戲</a:t>
+            </a:r>
+          </a:p>
+        </p:txBody>
+      </p:sp>
+      <p:pic>
+        <p:nvPicPr>
+          <p:cNvPr id="18" name="圖片 17">
+            <a:extLst>
+              <a:ext uri="{FF2B5EF4-FFF2-40B4-BE49-F238E27FC236}">
+                <a16:creationId xmlns:a16="http://schemas.microsoft.com/office/drawing/2014/main" id="{133EDFBD-1375-4163-847B-4A08FF381ABE}"/>
+              </a:ext>
+            </a:extLst>
+          </p:cNvPr>
+          <p:cNvPicPr>
+            <a:picLocks noChangeAspect="1"/>
+          </p:cNvPicPr>
+          <p:nvPr/>
+        </p:nvPicPr>
+        <p:blipFill>
+          <a:blip r:embed="rId2"/>
+          <a:stretch>
+            <a:fillRect/>
+          </a:stretch>
+        </p:blipFill>
+        <p:spPr>
+          <a:xfrm>
+            <a:off x="-2757286" y="4957352"/>
+            <a:ext cx="8175445" cy="7626757"/>
+          </a:xfrm>
+          <a:prstGeom prst="rect">
+            <a:avLst/>
+          </a:prstGeom>
+        </p:spPr>
+      </p:pic>
+      <p:pic>
+        <p:nvPicPr>
+          <p:cNvPr id="8" name="圖片 7">
+            <a:extLst>
+              <a:ext uri="{FF2B5EF4-FFF2-40B4-BE49-F238E27FC236}">
+                <a16:creationId xmlns:a16="http://schemas.microsoft.com/office/drawing/2014/main" id="{A1CF49F8-F066-4324-8B91-F60A6BB4E65E}"/>
+              </a:ext>
+            </a:extLst>
+          </p:cNvPr>
+          <p:cNvPicPr>
+            <a:picLocks noChangeAspect="1"/>
+          </p:cNvPicPr>
+          <p:nvPr/>
+        </p:nvPicPr>
+        <p:blipFill>
+          <a:blip r:embed="rId3"/>
+          <a:stretch>
+            <a:fillRect/>
+          </a:stretch>
+        </p:blipFill>
+        <p:spPr>
+          <a:xfrm>
+            <a:off x="12954000" y="-2019300"/>
+            <a:ext cx="7657240" cy="7059780"/>
+          </a:xfrm>
+          <a:prstGeom prst="rect">
+            <a:avLst/>
+          </a:prstGeom>
+        </p:spPr>
+      </p:pic>
+    </p:spTree>
+    <p:extLst>
+      <p:ext uri="{BB962C8B-B14F-4D97-AF65-F5344CB8AC3E}">
+        <p14:creationId xmlns:p14="http://schemas.microsoft.com/office/powerpoint/2010/main" val="570584813"/>
       </p:ext>
     </p:extLst>
   </p:cSld>
@@ -8008,7 +9726,7 @@
         </p:nvSpPr>
         <p:spPr>
           <a:xfrm>
-            <a:off x="3482340" y="3730034"/>
+            <a:off x="4512134" y="3659977"/>
             <a:ext cx="11578590" cy="3785652"/>
           </a:xfrm>
           <a:prstGeom prst="rect">
@@ -8746,4 +10464,299 @@
   <a:objectDefaults/>
   <a:extraClrSchemeLst/>
 </a:theme>
+</file>
+
+<file path=ppt/theme/theme2.xml><?xml version="1.0" encoding="utf-8"?>
+<a:theme xmlns:a="http://schemas.openxmlformats.org/drawingml/2006/main" name="Office 佈景主題">
+  <a:themeElements>
+    <a:clrScheme name="Office">
+      <a:dk1>
+        <a:sysClr val="windowText" lastClr="000000"/>
+      </a:dk1>
+      <a:lt1>
+        <a:sysClr val="window" lastClr="FFFFFF"/>
+      </a:lt1>
+      <a:dk2>
+        <a:srgbClr val="44546A"/>
+      </a:dk2>
+      <a:lt2>
+        <a:srgbClr val="E7E6E6"/>
+      </a:lt2>
+      <a:accent1>
+        <a:srgbClr val="4472C4"/>
+      </a:accent1>
+      <a:accent2>
+        <a:srgbClr val="ED7D31"/>
+      </a:accent2>
+      <a:accent3>
+        <a:srgbClr val="A5A5A5"/>
+      </a:accent3>
+      <a:accent4>
+        <a:srgbClr val="FFC000"/>
+      </a:accent4>
+      <a:accent5>
+        <a:srgbClr val="5B9BD5"/>
+      </a:accent5>
+      <a:accent6>
+        <a:srgbClr val="70AD47"/>
+      </a:accent6>
+      <a:hlink>
+        <a:srgbClr val="0563C1"/>
+      </a:hlink>
+      <a:folHlink>
+        <a:srgbClr val="954F72"/>
+      </a:folHlink>
+    </a:clrScheme>
+    <a:fontScheme name="Office">
+      <a:majorFont>
+        <a:latin typeface="Calibri Light" panose="020F0302020204030204"/>
+        <a:ea typeface=""/>
+        <a:cs typeface=""/>
+        <a:font script="Jpan" typeface="游ゴシック Light"/>
+        <a:font script="Hang" typeface="맑은 고딕"/>
+        <a:font script="Hans" typeface="等线 Light"/>
+        <a:font script="Hant" typeface="新細明體"/>
+        <a:font script="Arab" typeface="Times New Roman"/>
+        <a:font script="Hebr" typeface="Times New Roman"/>
+        <a:font script="Thai" typeface="Angsana New"/>
+        <a:font script="Ethi" typeface="Nyala"/>
+        <a:font script="Beng" typeface="Vrinda"/>
+        <a:font script="Gujr" typeface="Shruti"/>
+        <a:font script="Khmr" typeface="MoolBoran"/>
+        <a:font script="Knda" typeface="Tunga"/>
+        <a:font script="Guru" typeface="Raavi"/>
+        <a:font script="Cans" typeface="Euphemia"/>
+        <a:font script="Cher" typeface="Plantagenet Cherokee"/>
+        <a:font script="Yiii" typeface="Microsoft Yi Baiti"/>
+        <a:font script="Tibt" typeface="Microsoft Himalaya"/>
+        <a:font script="Thaa" typeface="MV Boli"/>
+        <a:font script="Deva" typeface="Mangal"/>
+        <a:font script="Telu" typeface="Gautami"/>
+        <a:font script="Taml" typeface="Latha"/>
+        <a:font script="Syrc" typeface="Estrangelo Edessa"/>
+        <a:font script="Orya" typeface="Kalinga"/>
+        <a:font script="Mlym" typeface="Kartika"/>
+        <a:font script="Laoo" typeface="DokChampa"/>
+        <a:font script="Sinh" typeface="Iskoola Pota"/>
+        <a:font script="Mong" typeface="Mongolian Baiti"/>
+        <a:font script="Viet" typeface="Times New Roman"/>
+        <a:font script="Uigh" typeface="Microsoft Uighur"/>
+        <a:font script="Geor" typeface="Sylfaen"/>
+        <a:font script="Armn" typeface="Arial"/>
+        <a:font script="Bugi" typeface="Leelawadee UI"/>
+        <a:font script="Bopo" typeface="Microsoft JhengHei"/>
+        <a:font script="Java" typeface="Javanese Text"/>
+        <a:font script="Lisu" typeface="Segoe UI"/>
+        <a:font script="Mymr" typeface="Myanmar Text"/>
+        <a:font script="Nkoo" typeface="Ebrima"/>
+        <a:font script="Olck" typeface="Nirmala UI"/>
+        <a:font script="Osma" typeface="Ebrima"/>
+        <a:font script="Phag" typeface="Phagspa"/>
+        <a:font script="Syrn" typeface="Estrangelo Edessa"/>
+        <a:font script="Syrj" typeface="Estrangelo Edessa"/>
+        <a:font script="Syre" typeface="Estrangelo Edessa"/>
+        <a:font script="Sora" typeface="Nirmala UI"/>
+        <a:font script="Tale" typeface="Microsoft Tai Le"/>
+        <a:font script="Talu" typeface="Microsoft New Tai Lue"/>
+        <a:font script="Tfng" typeface="Ebrima"/>
+      </a:majorFont>
+      <a:minorFont>
+        <a:latin typeface="Calibri" panose="020F0502020204030204"/>
+        <a:ea typeface=""/>
+        <a:cs typeface=""/>
+        <a:font script="Jpan" typeface="游ゴシック"/>
+        <a:font script="Hang" typeface="맑은 고딕"/>
+        <a:font script="Hans" typeface="等线"/>
+        <a:font script="Hant" typeface="新細明體"/>
+        <a:font script="Arab" typeface="Arial"/>
+        <a:font script="Hebr" typeface="Arial"/>
+        <a:font script="Thai" typeface="Cordia New"/>
+        <a:font script="Ethi" typeface="Nyala"/>
+        <a:font script="Beng" typeface="Vrinda"/>
+        <a:font script="Gujr" typeface="Shruti"/>
+        <a:font script="Khmr" typeface="DaunPenh"/>
+        <a:font script="Knda" typeface="Tunga"/>
+        <a:font script="Guru" typeface="Raavi"/>
+        <a:font script="Cans" typeface="Euphemia"/>
+        <a:font script="Cher" typeface="Plantagenet Cherokee"/>
+        <a:font script="Yiii" typeface="Microsoft Yi Baiti"/>
+        <a:font script="Tibt" typeface="Microsoft Himalaya"/>
+        <a:font script="Thaa" typeface="MV Boli"/>
+        <a:font script="Deva" typeface="Mangal"/>
+        <a:font script="Telu" typeface="Gautami"/>
+        <a:font script="Taml" typeface="Latha"/>
+        <a:font script="Syrc" typeface="Estrangelo Edessa"/>
+        <a:font script="Orya" typeface="Kalinga"/>
+        <a:font script="Mlym" typeface="Kartika"/>
+        <a:font script="Laoo" typeface="DokChampa"/>
+        <a:font script="Sinh" typeface="Iskoola Pota"/>
+        <a:font script="Mong" typeface="Mongolian Baiti"/>
+        <a:font script="Viet" typeface="Arial"/>
+        <a:font script="Uigh" typeface="Microsoft Uighur"/>
+        <a:font script="Geor" typeface="Sylfaen"/>
+        <a:font script="Armn" typeface="Arial"/>
+        <a:font script="Bugi" typeface="Leelawadee UI"/>
+        <a:font script="Bopo" typeface="Microsoft JhengHei"/>
+        <a:font script="Java" typeface="Javanese Text"/>
+        <a:font script="Lisu" typeface="Segoe UI"/>
+        <a:font script="Mymr" typeface="Myanmar Text"/>
+        <a:font script="Nkoo" typeface="Ebrima"/>
+        <a:font script="Olck" typeface="Nirmala UI"/>
+        <a:font script="Osma" typeface="Ebrima"/>
+        <a:font script="Phag" typeface="Phagspa"/>
+        <a:font script="Syrn" typeface="Estrangelo Edessa"/>
+        <a:font script="Syrj" typeface="Estrangelo Edessa"/>
+        <a:font script="Syre" typeface="Estrangelo Edessa"/>
+        <a:font script="Sora" typeface="Nirmala UI"/>
+        <a:font script="Tale" typeface="Microsoft Tai Le"/>
+        <a:font script="Talu" typeface="Microsoft New Tai Lue"/>
+        <a:font script="Tfng" typeface="Ebrima"/>
+      </a:minorFont>
+    </a:fontScheme>
+    <a:fmtScheme name="Office">
+      <a:fillStyleLst>
+        <a:solidFill>
+          <a:schemeClr val="phClr"/>
+        </a:solidFill>
+        <a:gradFill rotWithShape="1">
+          <a:gsLst>
+            <a:gs pos="0">
+              <a:schemeClr val="phClr">
+                <a:lumMod val="110000"/>
+                <a:satMod val="105000"/>
+                <a:tint val="67000"/>
+              </a:schemeClr>
+            </a:gs>
+            <a:gs pos="50000">
+              <a:schemeClr val="phClr">
+                <a:lumMod val="105000"/>
+                <a:satMod val="103000"/>
+                <a:tint val="73000"/>
+              </a:schemeClr>
+            </a:gs>
+            <a:gs pos="100000">
+              <a:schemeClr val="phClr">
+                <a:lumMod val="105000"/>
+                <a:satMod val="109000"/>
+                <a:tint val="81000"/>
+              </a:schemeClr>
+            </a:gs>
+          </a:gsLst>
+          <a:lin ang="5400000" scaled="0"/>
+        </a:gradFill>
+        <a:gradFill rotWithShape="1">
+          <a:gsLst>
+            <a:gs pos="0">
+              <a:schemeClr val="phClr">
+                <a:satMod val="103000"/>
+                <a:lumMod val="102000"/>
+                <a:tint val="94000"/>
+              </a:schemeClr>
+            </a:gs>
+            <a:gs pos="50000">
+              <a:schemeClr val="phClr">
+                <a:satMod val="110000"/>
+                <a:lumMod val="100000"/>
+                <a:shade val="100000"/>
+              </a:schemeClr>
+            </a:gs>
+            <a:gs pos="100000">
+              <a:schemeClr val="phClr">
+                <a:lumMod val="99000"/>
+                <a:satMod val="120000"/>
+                <a:shade val="78000"/>
+              </a:schemeClr>
+            </a:gs>
+          </a:gsLst>
+          <a:lin ang="5400000" scaled="0"/>
+        </a:gradFill>
+      </a:fillStyleLst>
+      <a:lnStyleLst>
+        <a:ln w="6350" cap="flat" cmpd="sng" algn="ctr">
+          <a:solidFill>
+            <a:schemeClr val="phClr"/>
+          </a:solidFill>
+          <a:prstDash val="solid"/>
+          <a:miter lim="800000"/>
+        </a:ln>
+        <a:ln w="12700" cap="flat" cmpd="sng" algn="ctr">
+          <a:solidFill>
+            <a:schemeClr val="phClr"/>
+          </a:solidFill>
+          <a:prstDash val="solid"/>
+          <a:miter lim="800000"/>
+        </a:ln>
+        <a:ln w="19050" cap="flat" cmpd="sng" algn="ctr">
+          <a:solidFill>
+            <a:schemeClr val="phClr"/>
+          </a:solidFill>
+          <a:prstDash val="solid"/>
+          <a:miter lim="800000"/>
+        </a:ln>
+      </a:lnStyleLst>
+      <a:effectStyleLst>
+        <a:effectStyle>
+          <a:effectLst/>
+        </a:effectStyle>
+        <a:effectStyle>
+          <a:effectLst/>
+        </a:effectStyle>
+        <a:effectStyle>
+          <a:effectLst>
+            <a:outerShdw blurRad="57150" dist="19050" dir="5400000" algn="ctr" rotWithShape="0">
+              <a:srgbClr val="000000">
+                <a:alpha val="63000"/>
+              </a:srgbClr>
+            </a:outerShdw>
+          </a:effectLst>
+        </a:effectStyle>
+      </a:effectStyleLst>
+      <a:bgFillStyleLst>
+        <a:solidFill>
+          <a:schemeClr val="phClr"/>
+        </a:solidFill>
+        <a:solidFill>
+          <a:schemeClr val="phClr">
+            <a:tint val="95000"/>
+            <a:satMod val="170000"/>
+          </a:schemeClr>
+        </a:solidFill>
+        <a:gradFill rotWithShape="1">
+          <a:gsLst>
+            <a:gs pos="0">
+              <a:schemeClr val="phClr">
+                <a:tint val="93000"/>
+                <a:satMod val="150000"/>
+                <a:shade val="98000"/>
+                <a:lumMod val="102000"/>
+              </a:schemeClr>
+            </a:gs>
+            <a:gs pos="50000">
+              <a:schemeClr val="phClr">
+                <a:tint val="98000"/>
+                <a:satMod val="130000"/>
+                <a:shade val="90000"/>
+                <a:lumMod val="103000"/>
+              </a:schemeClr>
+            </a:gs>
+            <a:gs pos="100000">
+              <a:schemeClr val="phClr">
+                <a:shade val="63000"/>
+                <a:satMod val="120000"/>
+              </a:schemeClr>
+            </a:gs>
+          </a:gsLst>
+          <a:lin ang="5400000" scaled="0"/>
+        </a:gradFill>
+      </a:bgFillStyleLst>
+    </a:fmtScheme>
+  </a:themeElements>
+  <a:objectDefaults/>
+  <a:extraClrSchemeLst/>
+  <a:extLst>
+    <a:ext uri="{05A4C25C-085E-4340-85A3-A5531E510DB2}">
+      <thm15:themeFamily xmlns:thm15="http://schemas.microsoft.com/office/thememl/2012/main" name="Office Theme" id="{62F939B6-93AF-4DB8-9C6B-D6C7DFDC589F}" vid="{4A3C46E8-61CC-4603-A589-7422A47A8E4A}"/>
+    </a:ext>
+  </a:extLst>
+</a:theme>
 </file>
--- a/phpppt.pptx
+++ b/phpppt.pptx
@@ -5,7 +5,7 @@
     <p:sldMasterId id="2147483648" r:id="rId1"/>
   </p:sldMasterIdLst>
   <p:notesMasterIdLst>
-    <p:notesMasterId r:id="rId16"/>
+    <p:notesMasterId r:id="rId17"/>
   </p:notesMasterIdLst>
   <p:sldIdLst>
     <p:sldId id="256" r:id="rId2"/>
@@ -18,28 +18,30 @@
     <p:sldId id="269" r:id="rId9"/>
     <p:sldId id="270" r:id="rId10"/>
     <p:sldId id="271" r:id="rId11"/>
-    <p:sldId id="272" r:id="rId12"/>
-    <p:sldId id="273" r:id="rId13"/>
-    <p:sldId id="274" r:id="rId14"/>
-    <p:sldId id="275" r:id="rId15"/>
+    <p:sldId id="276" r:id="rId12"/>
+    <p:sldId id="272" r:id="rId13"/>
+    <p:sldId id="273" r:id="rId14"/>
+    <p:sldId id="274" r:id="rId15"/>
+    <p:sldId id="275" r:id="rId16"/>
   </p:sldIdLst>
   <p:sldSz cx="18288000" cy="10287000"/>
   <p:notesSz cx="6858000" cy="9144000"/>
   <p:embeddedFontLst>
     <p:embeddedFont>
-      <p:font typeface="Calibri" panose="020F0502020204030204" pitchFamily="34" charset="0"/>
-      <p:regular r:id="rId17"/>
-      <p:bold r:id="rId18"/>
-      <p:italic r:id="rId19"/>
-      <p:boldItalic r:id="rId20"/>
+      <p:font typeface="微軟正黑體" panose="020B0604030504040204" pitchFamily="34" charset="-120"/>
+      <p:regular r:id="rId18"/>
+      <p:bold r:id="rId19"/>
     </p:embeddedFont>
     <p:embeddedFont>
-      <p:font typeface="GenYoGothic JP L" panose="020B0300000000000000" pitchFamily="34" charset="-128"/>
-      <p:regular r:id="rId21"/>
+      <p:font typeface="Calibri" panose="020F0502020204030204" pitchFamily="34" charset="0"/>
+      <p:regular r:id="rId20"/>
+      <p:bold r:id="rId21"/>
+      <p:italic r:id="rId22"/>
+      <p:boldItalic r:id="rId23"/>
     </p:embeddedFont>
     <p:embeddedFont>
       <p:font typeface="王漢宗細圓體繁" panose="02020300000000000000" pitchFamily="18" charset="-120"/>
-      <p:regular r:id="rId22"/>
+      <p:regular r:id="rId24"/>
     </p:embeddedFont>
   </p:embeddedFontLst>
   <p:defaultTextStyle>
@@ -238,7 +240,7 @@
           <a:p>
             <a:fld id="{FC8271FA-317D-443F-A3FA-78F4796F00C4}" type="datetimeFigureOut">
               <a:rPr lang="zh-TW" altLang="en-US" smtClean="0"/>
-              <a:t>2021/10/6</a:t>
+              <a:t>2021/10/16</a:t>
             </a:fld>
             <a:endParaRPr lang="zh-TW" altLang="en-US"/>
           </a:p>
@@ -685,7 +687,7 @@
             <a:fld id="{1D8BD707-D9CF-40AE-B4C6-C98DA3205C09}" type="datetimeFigureOut">
               <a:rPr lang="en-US" smtClean="0"/>
               <a:pPr/>
-              <a:t>10/6/2021</a:t>
+              <a:t>10/16/2021</a:t>
             </a:fld>
             <a:endParaRPr lang="en-US"/>
           </a:p>
@@ -850,7 +852,7 @@
             <a:fld id="{1D8BD707-D9CF-40AE-B4C6-C98DA3205C09}" type="datetimeFigureOut">
               <a:rPr lang="en-US" smtClean="0"/>
               <a:pPr/>
-              <a:t>10/6/2021</a:t>
+              <a:t>10/16/2021</a:t>
             </a:fld>
             <a:endParaRPr lang="en-US"/>
           </a:p>
@@ -1025,7 +1027,7 @@
             <a:fld id="{1D8BD707-D9CF-40AE-B4C6-C98DA3205C09}" type="datetimeFigureOut">
               <a:rPr lang="en-US" smtClean="0"/>
               <a:pPr/>
-              <a:t>10/6/2021</a:t>
+              <a:t>10/16/2021</a:t>
             </a:fld>
             <a:endParaRPr lang="en-US"/>
           </a:p>
@@ -1190,7 +1192,7 @@
             <a:fld id="{1D8BD707-D9CF-40AE-B4C6-C98DA3205C09}" type="datetimeFigureOut">
               <a:rPr lang="en-US" smtClean="0"/>
               <a:pPr/>
-              <a:t>10/6/2021</a:t>
+              <a:t>10/16/2021</a:t>
             </a:fld>
             <a:endParaRPr lang="en-US"/>
           </a:p>
@@ -1432,7 +1434,7 @@
             <a:fld id="{1D8BD707-D9CF-40AE-B4C6-C98DA3205C09}" type="datetimeFigureOut">
               <a:rPr lang="en-US" smtClean="0"/>
               <a:pPr/>
-              <a:t>10/6/2021</a:t>
+              <a:t>10/16/2021</a:t>
             </a:fld>
             <a:endParaRPr lang="en-US"/>
           </a:p>
@@ -1714,7 +1716,7 @@
             <a:fld id="{1D8BD707-D9CF-40AE-B4C6-C98DA3205C09}" type="datetimeFigureOut">
               <a:rPr lang="en-US" smtClean="0"/>
               <a:pPr/>
-              <a:t>10/6/2021</a:t>
+              <a:t>10/16/2021</a:t>
             </a:fld>
             <a:endParaRPr lang="en-US"/>
           </a:p>
@@ -2130,7 +2132,7 @@
             <a:fld id="{1D8BD707-D9CF-40AE-B4C6-C98DA3205C09}" type="datetimeFigureOut">
               <a:rPr lang="en-US" smtClean="0"/>
               <a:pPr/>
-              <a:t>10/6/2021</a:t>
+              <a:t>10/16/2021</a:t>
             </a:fld>
             <a:endParaRPr lang="en-US"/>
           </a:p>
@@ -2244,7 +2246,7 @@
             <a:fld id="{1D8BD707-D9CF-40AE-B4C6-C98DA3205C09}" type="datetimeFigureOut">
               <a:rPr lang="en-US" smtClean="0"/>
               <a:pPr/>
-              <a:t>10/6/2021</a:t>
+              <a:t>10/16/2021</a:t>
             </a:fld>
             <a:endParaRPr lang="en-US"/>
           </a:p>
@@ -2336,7 +2338,7 @@
             <a:fld id="{1D8BD707-D9CF-40AE-B4C6-C98DA3205C09}" type="datetimeFigureOut">
               <a:rPr lang="en-US" smtClean="0"/>
               <a:pPr/>
-              <a:t>10/6/2021</a:t>
+              <a:t>10/16/2021</a:t>
             </a:fld>
             <a:endParaRPr lang="en-US"/>
           </a:p>
@@ -2608,7 +2610,7 @@
             <a:fld id="{1D8BD707-D9CF-40AE-B4C6-C98DA3205C09}" type="datetimeFigureOut">
               <a:rPr lang="en-US" smtClean="0"/>
               <a:pPr/>
-              <a:t>10/6/2021</a:t>
+              <a:t>10/16/2021</a:t>
             </a:fld>
             <a:endParaRPr lang="en-US"/>
           </a:p>
@@ -2857,7 +2859,7 @@
             <a:fld id="{1D8BD707-D9CF-40AE-B4C6-C98DA3205C09}" type="datetimeFigureOut">
               <a:rPr lang="en-US" smtClean="0"/>
               <a:pPr/>
-              <a:t>10/6/2021</a:t>
+              <a:t>10/16/2021</a:t>
             </a:fld>
             <a:endParaRPr lang="en-US"/>
           </a:p>
@@ -3065,7 +3067,7 @@
             <a:fld id="{1D8BD707-D9CF-40AE-B4C6-C98DA3205C09}" type="datetimeFigureOut">
               <a:rPr lang="en-US" smtClean="0"/>
               <a:pPr/>
-              <a:t>10/6/2021</a:t>
+              <a:t>10/16/2021</a:t>
             </a:fld>
             <a:endParaRPr lang="en-US"/>
           </a:p>
@@ -4991,6 +4993,66 @@
           <p:cNvPr id="2" name="圖片 1">
             <a:extLst>
               <a:ext uri="{FF2B5EF4-FFF2-40B4-BE49-F238E27FC236}">
+                <a16:creationId xmlns:a16="http://schemas.microsoft.com/office/drawing/2014/main" id="{9986164D-4D7A-49FE-94C5-21D11E235DAE}"/>
+              </a:ext>
+            </a:extLst>
+          </p:cNvPr>
+          <p:cNvPicPr>
+            <a:picLocks noChangeAspect="1"/>
+          </p:cNvPicPr>
+          <p:nvPr/>
+        </p:nvPicPr>
+        <p:blipFill>
+          <a:blip r:embed="rId2"/>
+          <a:stretch>
+            <a:fillRect/>
+          </a:stretch>
+        </p:blipFill>
+        <p:spPr>
+          <a:xfrm>
+            <a:off x="4041439" y="1524000"/>
+            <a:ext cx="10205122" cy="7239000"/>
+          </a:xfrm>
+          <a:prstGeom prst="rect">
+            <a:avLst/>
+          </a:prstGeom>
+        </p:spPr>
+      </p:pic>
+    </p:spTree>
+    <p:extLst>
+      <p:ext uri="{BB962C8B-B14F-4D97-AF65-F5344CB8AC3E}">
+        <p14:creationId xmlns:p14="http://schemas.microsoft.com/office/powerpoint/2010/main" val="3309659935"/>
+      </p:ext>
+    </p:extLst>
+  </p:cSld>
+  <p:clrMapOvr>
+    <a:masterClrMapping/>
+  </p:clrMapOvr>
+</p:sld>
+</file>
+
+<file path=ppt/slides/slide12.xml><?xml version="1.0" encoding="utf-8"?>
+<p:sld xmlns:a="http://schemas.openxmlformats.org/drawingml/2006/main" xmlns:r="http://schemas.openxmlformats.org/officeDocument/2006/relationships" xmlns:p="http://schemas.openxmlformats.org/presentationml/2006/main">
+  <p:cSld>
+    <p:spTree>
+      <p:nvGrpSpPr>
+        <p:cNvPr id="1" name=""/>
+        <p:cNvGrpSpPr/>
+        <p:nvPr/>
+      </p:nvGrpSpPr>
+      <p:grpSpPr>
+        <a:xfrm>
+          <a:off x="0" y="0"/>
+          <a:ext cx="0" cy="0"/>
+          <a:chOff x="0" y="0"/>
+          <a:chExt cx="0" cy="0"/>
+        </a:xfrm>
+      </p:grpSpPr>
+      <p:pic>
+        <p:nvPicPr>
+          <p:cNvPr id="2" name="圖片 1">
+            <a:extLst>
+              <a:ext uri="{FF2B5EF4-FFF2-40B4-BE49-F238E27FC236}">
                 <a16:creationId xmlns:a16="http://schemas.microsoft.com/office/drawing/2014/main" id="{19BE7656-33ED-4B7E-B9D7-9A478BB1CD5E}"/>
               </a:ext>
             </a:extLst>
@@ -5227,7 +5289,7 @@
 </p:sld>
 </file>
 
-<file path=ppt/slides/slide12.xml><?xml version="1.0" encoding="utf-8"?>
+<file path=ppt/slides/slide13.xml><?xml version="1.0" encoding="utf-8"?>
 <p:sld xmlns:a="http://schemas.openxmlformats.org/drawingml/2006/main" xmlns:r="http://schemas.openxmlformats.org/officeDocument/2006/relationships" xmlns:p="http://schemas.openxmlformats.org/presentationml/2006/main">
   <p:cSld>
     <p:spTree>
@@ -5817,7 +5879,7 @@
 </p:sld>
 </file>
 
-<file path=ppt/slides/slide13.xml><?xml version="1.0" encoding="utf-8"?>
+<file path=ppt/slides/slide14.xml><?xml version="1.0" encoding="utf-8"?>
 <p:sld xmlns:a="http://schemas.openxmlformats.org/drawingml/2006/main" xmlns:r="http://schemas.openxmlformats.org/officeDocument/2006/relationships" xmlns:p="http://schemas.openxmlformats.org/presentationml/2006/main">
   <p:cSld>
     <p:spTree>
@@ -6249,7 +6311,7 @@
 </p:sld>
 </file>
 
-<file path=ppt/slides/slide14.xml><?xml version="1.0" encoding="utf-8"?>
+<file path=ppt/slides/slide15.xml><?xml version="1.0" encoding="utf-8"?>
 <p:sld xmlns:a="http://schemas.openxmlformats.org/drawingml/2006/main" xmlns:r="http://schemas.openxmlformats.org/officeDocument/2006/relationships" xmlns:p="http://schemas.openxmlformats.org/presentationml/2006/main">
   <p:cSld>
     <p:spTree>
@@ -7294,8 +7356,8 @@
         </p:nvSpPr>
         <p:spPr>
           <a:xfrm>
-            <a:off x="3581400" y="3467100"/>
-            <a:ext cx="6324600" cy="2123658"/>
+            <a:off x="4267200" y="2855030"/>
+            <a:ext cx="6324600" cy="4401205"/>
           </a:xfrm>
           <a:prstGeom prst="rect">
             <a:avLst/>
@@ -7309,34 +7371,218 @@
           <a:lstStyle/>
           <a:p>
             <a:r>
-              <a:rPr lang="zh-TW" altLang="en-US" sz="4400" dirty="0">
-                <a:latin typeface="GenYoGothic JP L" panose="020B0300000000000000" pitchFamily="34" charset="-128"/>
-                <a:ea typeface="GenYoGothic JP L" panose="020B0300000000000000" pitchFamily="34" charset="-128"/>
-              </a:rPr>
-              <a:t>連接符號 </a:t>
-            </a:r>
-            <a:endParaRPr lang="en-US" altLang="zh-TW" sz="4400" dirty="0">
-              <a:latin typeface="GenYoGothic JP L" panose="020B0300000000000000" pitchFamily="34" charset="-128"/>
-              <a:ea typeface="GenYoGothic JP L" panose="020B0300000000000000" pitchFamily="34" charset="-128"/>
-            </a:endParaRPr>
-          </a:p>
-          <a:p>
-            <a:endParaRPr lang="en-US" altLang="zh-TW" sz="4400" dirty="0">
-              <a:latin typeface="GenYoGothic JP L" panose="020B0300000000000000" pitchFamily="34" charset="-128"/>
-              <a:ea typeface="GenYoGothic JP L" panose="020B0300000000000000" pitchFamily="34" charset="-128"/>
-            </a:endParaRPr>
-          </a:p>
-          <a:p>
-            <a:r>
-              <a:rPr lang="zh-TW" altLang="en-US" sz="4400" dirty="0">
-                <a:latin typeface="GenYoGothic JP L" panose="020B0300000000000000" pitchFamily="34" charset="-128"/>
-                <a:ea typeface="GenYoGothic JP L" panose="020B0300000000000000" pitchFamily="34" charset="-128"/>
+              <a:rPr lang="en-US" altLang="zh-TW" sz="4000" dirty="0">
+                <a:latin typeface="微軟正黑體" panose="020B0604030504040204" pitchFamily="34" charset="-120"/>
+                <a:ea typeface="微軟正黑體" panose="020B0604030504040204" pitchFamily="34" charset="-120"/>
+              </a:rPr>
+              <a:t>echo </a:t>
+            </a:r>
+          </a:p>
+          <a:p>
+            <a:r>
+              <a:rPr lang="zh-TW" altLang="en-US" sz="4000" dirty="0">
+                <a:latin typeface="微軟正黑體" panose="020B0604030504040204" pitchFamily="34" charset="-120"/>
+                <a:ea typeface="微軟正黑體" panose="020B0604030504040204" pitchFamily="34" charset="-120"/>
+              </a:rPr>
+              <a:t>註解</a:t>
+            </a:r>
+            <a:r>
+              <a:rPr lang="en-US" altLang="zh-TW" sz="4000" dirty="0">
+                <a:latin typeface="微軟正黑體" panose="020B0604030504040204" pitchFamily="34" charset="-120"/>
+                <a:ea typeface="微軟正黑體" panose="020B0604030504040204" pitchFamily="34" charset="-120"/>
+              </a:rPr>
+              <a:t>:#</a:t>
+            </a:r>
+            <a:r>
+              <a:rPr lang="zh-TW" altLang="en-US" sz="4000" dirty="0">
+                <a:latin typeface="微軟正黑體" panose="020B0604030504040204" pitchFamily="34" charset="-120"/>
+                <a:ea typeface="微軟正黑體" panose="020B0604030504040204" pitchFamily="34" charset="-120"/>
+              </a:rPr>
+              <a:t>、</a:t>
+            </a:r>
+            <a:r>
+              <a:rPr lang="en-US" altLang="zh-TW" sz="4000" dirty="0">
+                <a:latin typeface="微軟正黑體" panose="020B0604030504040204" pitchFamily="34" charset="-120"/>
+                <a:ea typeface="微軟正黑體" panose="020B0604030504040204" pitchFamily="34" charset="-120"/>
+              </a:rPr>
+              <a:t>//</a:t>
+            </a:r>
+            <a:r>
+              <a:rPr lang="zh-TW" altLang="en-US" sz="4000" dirty="0">
+                <a:latin typeface="微軟正黑體" panose="020B0604030504040204" pitchFamily="34" charset="-120"/>
+                <a:ea typeface="微軟正黑體" panose="020B0604030504040204" pitchFamily="34" charset="-120"/>
+              </a:rPr>
+              <a:t>、</a:t>
+            </a:r>
+            <a:r>
+              <a:rPr lang="en-US" altLang="zh-TW" sz="4000" dirty="0">
+                <a:latin typeface="微軟正黑體" panose="020B0604030504040204" pitchFamily="34" charset="-120"/>
+                <a:ea typeface="微軟正黑體" panose="020B0604030504040204" pitchFamily="34" charset="-120"/>
+              </a:rPr>
+              <a:t>/* */</a:t>
+            </a:r>
+          </a:p>
+          <a:p>
+            <a:r>
+              <a:rPr lang="zh-TW" altLang="en-US" sz="4000" dirty="0">
+                <a:latin typeface="微軟正黑體" panose="020B0604030504040204" pitchFamily="34" charset="-120"/>
+                <a:ea typeface="微軟正黑體" panose="020B0604030504040204" pitchFamily="34" charset="-120"/>
+              </a:rPr>
+              <a:t>連接符號   </a:t>
+            </a:r>
+            <a:r>
+              <a:rPr lang="en-US" altLang="zh-TW" sz="4000" dirty="0">
+                <a:latin typeface="微軟正黑體" panose="020B0604030504040204" pitchFamily="34" charset="-120"/>
+                <a:ea typeface="微軟正黑體" panose="020B0604030504040204" pitchFamily="34" charset="-120"/>
+              </a:rPr>
+              <a:t>.</a:t>
+            </a:r>
+          </a:p>
+          <a:p>
+            <a:r>
+              <a:rPr lang="zh-TW" altLang="en-US" sz="4000" dirty="0">
+                <a:latin typeface="微軟正黑體" panose="020B0604030504040204" pitchFamily="34" charset="-120"/>
+                <a:ea typeface="微軟正黑體" panose="020B0604030504040204" pitchFamily="34" charset="-120"/>
               </a:rPr>
               <a:t>有型別區分</a:t>
+            </a:r>
+          </a:p>
+          <a:p>
+            <a:r>
+              <a:rPr lang="zh-TW" altLang="en-US" sz="4000" dirty="0">
+                <a:latin typeface="微軟正黑體" panose="020B0604030504040204" pitchFamily="34" charset="-120"/>
+                <a:ea typeface="微軟正黑體" panose="020B0604030504040204" pitchFamily="34" charset="-120"/>
+              </a:rPr>
+              <a:t>字串、整數、小數、布林</a:t>
+            </a:r>
+          </a:p>
+          <a:p>
+            <a:r>
+              <a:rPr lang="zh-TW" altLang="en-US" sz="4000" dirty="0">
+                <a:latin typeface="微軟正黑體" panose="020B0604030504040204" pitchFamily="34" charset="-120"/>
+                <a:ea typeface="微軟正黑體" panose="020B0604030504040204" pitchFamily="34" charset="-120"/>
+              </a:rPr>
+              <a:t>計算符號</a:t>
+            </a:r>
+            <a:r>
+              <a:rPr lang="en-US" altLang="zh-TW" sz="4000" dirty="0">
+                <a:latin typeface="微軟正黑體" panose="020B0604030504040204" pitchFamily="34" charset="-120"/>
+                <a:ea typeface="微軟正黑體" panose="020B0604030504040204" pitchFamily="34" charset="-120"/>
+              </a:rPr>
+              <a:t>+</a:t>
+            </a:r>
+            <a:r>
+              <a:rPr lang="zh-TW" altLang="en-US" sz="4000" dirty="0">
+                <a:latin typeface="微軟正黑體" panose="020B0604030504040204" pitchFamily="34" charset="-120"/>
+                <a:ea typeface="微軟正黑體" panose="020B0604030504040204" pitchFamily="34" charset="-120"/>
+              </a:rPr>
+              <a:t>、</a:t>
+            </a:r>
+            <a:r>
+              <a:rPr lang="en-US" altLang="zh-TW" sz="4000" dirty="0">
+                <a:latin typeface="微軟正黑體" panose="020B0604030504040204" pitchFamily="34" charset="-120"/>
+                <a:ea typeface="微軟正黑體" panose="020B0604030504040204" pitchFamily="34" charset="-120"/>
+              </a:rPr>
+              <a:t>-</a:t>
+            </a:r>
+            <a:r>
+              <a:rPr lang="zh-TW" altLang="en-US" sz="4000" dirty="0">
+                <a:latin typeface="微軟正黑體" panose="020B0604030504040204" pitchFamily="34" charset="-120"/>
+                <a:ea typeface="微軟正黑體" panose="020B0604030504040204" pitchFamily="34" charset="-120"/>
+              </a:rPr>
+              <a:t>、*、</a:t>
+            </a:r>
+            <a:r>
+              <a:rPr lang="en-US" altLang="zh-TW" sz="4000" dirty="0">
+                <a:latin typeface="微軟正黑體" panose="020B0604030504040204" pitchFamily="34" charset="-120"/>
+                <a:ea typeface="微軟正黑體" panose="020B0604030504040204" pitchFamily="34" charset="-120"/>
+              </a:rPr>
+              <a:t>/</a:t>
+            </a:r>
+            <a:r>
+              <a:rPr lang="zh-TW" altLang="en-US" sz="4000" dirty="0">
+                <a:latin typeface="微軟正黑體" panose="020B0604030504040204" pitchFamily="34" charset="-120"/>
+                <a:ea typeface="微軟正黑體" panose="020B0604030504040204" pitchFamily="34" charset="-120"/>
+              </a:rPr>
+              <a:t>、</a:t>
+            </a:r>
+            <a:r>
+              <a:rPr lang="en-US" altLang="zh-TW" sz="4000" dirty="0">
+                <a:latin typeface="微軟正黑體" panose="020B0604030504040204" pitchFamily="34" charset="-120"/>
+                <a:ea typeface="微軟正黑體" panose="020B0604030504040204" pitchFamily="34" charset="-120"/>
+              </a:rPr>
+              <a:t>%</a:t>
+            </a:r>
+          </a:p>
+          <a:p>
+            <a:r>
+              <a:rPr lang="en-US" altLang="zh-TW" sz="4000" dirty="0">
+                <a:latin typeface="微軟正黑體" panose="020B0604030504040204" pitchFamily="34" charset="-120"/>
+                <a:ea typeface="微軟正黑體" panose="020B0604030504040204" pitchFamily="34" charset="-120"/>
+              </a:rPr>
+              <a:t>floor()</a:t>
+            </a:r>
+            <a:r>
+              <a:rPr lang="zh-TW" altLang="en-US" sz="4000" dirty="0">
+                <a:latin typeface="微軟正黑體" panose="020B0604030504040204" pitchFamily="34" charset="-120"/>
+                <a:ea typeface="微軟正黑體" panose="020B0604030504040204" pitchFamily="34" charset="-120"/>
+              </a:rPr>
+              <a:t>、</a:t>
+            </a:r>
+            <a:r>
+              <a:rPr lang="en-US" altLang="zh-TW" sz="4000" dirty="0">
+                <a:latin typeface="微軟正黑體" panose="020B0604030504040204" pitchFamily="34" charset="-120"/>
+                <a:ea typeface="微軟正黑體" panose="020B0604030504040204" pitchFamily="34" charset="-120"/>
+              </a:rPr>
+              <a:t>ceil()</a:t>
+            </a:r>
+            <a:r>
+              <a:rPr lang="zh-TW" altLang="en-US" sz="4000" dirty="0">
+                <a:latin typeface="微軟正黑體" panose="020B0604030504040204" pitchFamily="34" charset="-120"/>
+                <a:ea typeface="微軟正黑體" panose="020B0604030504040204" pitchFamily="34" charset="-120"/>
+              </a:rPr>
+              <a:t>、</a:t>
+            </a:r>
+            <a:r>
+              <a:rPr lang="en-US" altLang="zh-TW" sz="4000" dirty="0">
+                <a:latin typeface="微軟正黑體" panose="020B0604030504040204" pitchFamily="34" charset="-120"/>
+                <a:ea typeface="微軟正黑體" panose="020B0604030504040204" pitchFamily="34" charset="-120"/>
+              </a:rPr>
+              <a:t>round()</a:t>
             </a:r>
           </a:p>
         </p:txBody>
       </p:sp>
+      <p:pic>
+        <p:nvPicPr>
+          <p:cNvPr id="10" name="圖片 9">
+            <a:extLst>
+              <a:ext uri="{FF2B5EF4-FFF2-40B4-BE49-F238E27FC236}">
+                <a16:creationId xmlns:a16="http://schemas.microsoft.com/office/drawing/2014/main" id="{AF906FA1-CBEF-4BCC-A2CF-29DF02848D60}"/>
+              </a:ext>
+            </a:extLst>
+          </p:cNvPr>
+          <p:cNvPicPr>
+            <a:picLocks noChangeAspect="1"/>
+          </p:cNvPicPr>
+          <p:nvPr/>
+        </p:nvPicPr>
+        <p:blipFill>
+          <a:blip r:embed="rId5"/>
+          <a:stretch>
+            <a:fillRect/>
+          </a:stretch>
+        </p:blipFill>
+        <p:spPr>
+          <a:xfrm>
+            <a:off x="11196917" y="2598781"/>
+            <a:ext cx="4730906" cy="5797798"/>
+          </a:xfrm>
+          <a:prstGeom prst="rect">
+            <a:avLst/>
+          </a:prstGeom>
+        </p:spPr>
+      </p:pic>
     </p:spTree>
   </p:cSld>
   <p:clrMapOvr>
@@ -8354,7 +8600,7 @@
         <p:spPr>
           <a:xfrm>
             <a:off x="4267200" y="2154346"/>
-            <a:ext cx="12420600" cy="6740307"/>
+            <a:ext cx="12420600" cy="6786473"/>
           </a:xfrm>
           <a:prstGeom prst="rect">
             <a:avLst/>
@@ -8367,346 +8613,692 @@
           </a:bodyPr>
           <a:lstStyle/>
           <a:p>
-            <a:r>
-              <a:rPr lang="zh-TW" altLang="en-US" sz="3600" dirty="0">
-                <a:latin typeface="王漢宗細圓體繁" panose="02020300000000000000" pitchFamily="18" charset="-120"/>
-                <a:ea typeface="王漢宗細圓體繁" panose="02020300000000000000" pitchFamily="18" charset="-120"/>
-              </a:rPr>
-              <a:t>變數以 </a:t>
-            </a:r>
-            <a:r>
-              <a:rPr lang="en-US" altLang="zh-TW" sz="3600" dirty="0">
-                <a:latin typeface="王漢宗細圓體繁" panose="02020300000000000000" pitchFamily="18" charset="-120"/>
-                <a:ea typeface="王漢宗細圓體繁" panose="02020300000000000000" pitchFamily="18" charset="-120"/>
+            <a:pPr marL="228600" marR="0" lvl="0" indent="-228600" algn="l" defTabSz="914400" rtl="0" eaLnBrk="1" fontAlgn="auto" latinLnBrk="0" hangingPunct="1">
+              <a:lnSpc>
+                <a:spcPct val="90000"/>
+              </a:lnSpc>
+              <a:spcBef>
+                <a:spcPts val="1000"/>
+              </a:spcBef>
+              <a:spcAft>
+                <a:spcPts val="0"/>
+              </a:spcAft>
+              <a:buClrTx/>
+              <a:buSzTx/>
+              <a:buFont typeface="Arial" panose="020B0604020202020204" pitchFamily="34" charset="0"/>
+              <a:buChar char="•"/>
+              <a:tabLst/>
+              <a:defRPr/>
+            </a:pPr>
+            <a:r>
+              <a:rPr kumimoji="0" lang="zh-TW" altLang="en-US" sz="4000" b="0" i="0" u="none" strike="noStrike" kern="1200" cap="none" spc="0" normalizeH="0" baseline="0" noProof="0" dirty="0">
+                <a:ln>
+                  <a:noFill/>
+                </a:ln>
+                <a:solidFill>
+                  <a:prstClr val="black"/>
+                </a:solidFill>
+                <a:effectLst/>
+                <a:uLnTx/>
+                <a:uFillTx/>
+                <a:latin typeface="微軟正黑體" panose="020B0604030504040204" pitchFamily="34" charset="-120"/>
+                <a:ea typeface="微軟正黑體" panose="020B0604030504040204" pitchFamily="34" charset="-120"/>
+              </a:rPr>
+              <a:t>變數以</a:t>
+            </a:r>
+            <a:r>
+              <a:rPr kumimoji="0" lang="zh-TW" altLang="en-US" sz="4000" b="1" i="0" u="none" strike="noStrike" kern="1200" cap="none" spc="0" normalizeH="0" baseline="0" noProof="0" dirty="0">
+                <a:ln>
+                  <a:noFill/>
+                </a:ln>
+                <a:solidFill>
+                  <a:prstClr val="black"/>
+                </a:solidFill>
+                <a:effectLst/>
+                <a:uLnTx/>
+                <a:uFillTx/>
+                <a:latin typeface="微軟正黑體" panose="020B0604030504040204" pitchFamily="34" charset="-120"/>
+                <a:ea typeface="微軟正黑體" panose="020B0604030504040204" pitchFamily="34" charset="-120"/>
+              </a:rPr>
+              <a:t> </a:t>
+            </a:r>
+            <a:r>
+              <a:rPr kumimoji="0" lang="en-US" altLang="zh-TW" sz="4000" b="1" i="0" u="none" strike="noStrike" kern="1200" cap="none" spc="0" normalizeH="0" baseline="0" noProof="0" dirty="0">
+                <a:ln>
+                  <a:noFill/>
+                </a:ln>
+                <a:solidFill>
+                  <a:prstClr val="black"/>
+                </a:solidFill>
+                <a:effectLst/>
+                <a:uLnTx/>
+                <a:uFillTx/>
+                <a:latin typeface="微軟正黑體" panose="020B0604030504040204" pitchFamily="34" charset="-120"/>
+                <a:ea typeface="微軟正黑體" panose="020B0604030504040204" pitchFamily="34" charset="-120"/>
               </a:rPr>
               <a:t>$ </a:t>
             </a:r>
             <a:r>
-              <a:rPr lang="zh-TW" altLang="en-US" sz="3600" dirty="0">
-                <a:latin typeface="王漢宗細圓體繁" panose="02020300000000000000" pitchFamily="18" charset="-120"/>
-                <a:ea typeface="王漢宗細圓體繁" panose="02020300000000000000" pitchFamily="18" charset="-120"/>
+              <a:rPr kumimoji="0" lang="zh-TW" altLang="en-US" sz="4000" b="0" i="0" u="none" strike="noStrike" kern="1200" cap="none" spc="0" normalizeH="0" baseline="0" noProof="0" dirty="0">
+                <a:ln>
+                  <a:noFill/>
+                </a:ln>
+                <a:solidFill>
+                  <a:prstClr val="black"/>
+                </a:solidFill>
+                <a:effectLst/>
+                <a:uLnTx/>
+                <a:uFillTx/>
+                <a:latin typeface="微軟正黑體" panose="020B0604030504040204" pitchFamily="34" charset="-120"/>
+                <a:ea typeface="微軟正黑體" panose="020B0604030504040204" pitchFamily="34" charset="-120"/>
               </a:rPr>
               <a:t>符號開始，後面跟著</a:t>
             </a:r>
             <a:r>
-              <a:rPr lang="zh-TW" altLang="en-US" sz="3600" dirty="0">
+              <a:rPr kumimoji="0" lang="zh-TW" altLang="en-US" sz="4000" b="1" i="0" u="none" strike="noStrike" kern="1200" cap="none" spc="0" normalizeH="0" baseline="0" noProof="0" dirty="0">
+                <a:ln>
+                  <a:noFill/>
+                </a:ln>
                 <a:solidFill>
-                  <a:schemeClr val="accent2">
-                    <a:lumMod val="50000"/>
-                  </a:schemeClr>
+                  <a:prstClr val="black"/>
                 </a:solidFill>
-                <a:latin typeface="王漢宗細圓體繁" panose="02020300000000000000" pitchFamily="18" charset="-120"/>
-                <a:ea typeface="王漢宗細圓體繁" panose="02020300000000000000" pitchFamily="18" charset="-120"/>
+                <a:effectLst/>
+                <a:uLnTx/>
+                <a:uFillTx/>
+                <a:latin typeface="微軟正黑體" panose="020B0604030504040204" pitchFamily="34" charset="-120"/>
+                <a:ea typeface="微軟正黑體" panose="020B0604030504040204" pitchFamily="34" charset="-120"/>
               </a:rPr>
               <a:t>變數的名稱</a:t>
             </a:r>
-            <a:endParaRPr lang="en-US" altLang="zh-TW" sz="3600" dirty="0">
+            <a:endParaRPr kumimoji="0" lang="en-US" altLang="zh-TW" sz="4000" b="1" i="0" u="none" strike="noStrike" kern="1200" cap="none" spc="0" normalizeH="0" baseline="0" noProof="0" dirty="0">
+              <a:ln>
+                <a:noFill/>
+              </a:ln>
               <a:solidFill>
-                <a:schemeClr val="accent2">
-                  <a:lumMod val="50000"/>
-                </a:schemeClr>
+                <a:prstClr val="black"/>
               </a:solidFill>
-              <a:latin typeface="王漢宗細圓體繁" panose="02020300000000000000" pitchFamily="18" charset="-120"/>
-              <a:ea typeface="王漢宗細圓體繁" panose="02020300000000000000" pitchFamily="18" charset="-120"/>
+              <a:effectLst/>
+              <a:uLnTx/>
+              <a:uFillTx/>
+              <a:latin typeface="微軟正黑體" panose="020B0604030504040204" pitchFamily="34" charset="-120"/>
+              <a:ea typeface="微軟正黑體" panose="020B0604030504040204" pitchFamily="34" charset="-120"/>
             </a:endParaRPr>
           </a:p>
           <a:p>
-            <a:endParaRPr lang="zh-TW" altLang="en-US" sz="3600" dirty="0">
-              <a:latin typeface="王漢宗細圓體繁" panose="02020300000000000000" pitchFamily="18" charset="-120"/>
-              <a:ea typeface="王漢宗細圓體繁" panose="02020300000000000000" pitchFamily="18" charset="-120"/>
+            <a:pPr marR="0" lvl="0" algn="l" defTabSz="914400" rtl="0" eaLnBrk="1" fontAlgn="auto" latinLnBrk="0" hangingPunct="1">
+              <a:lnSpc>
+                <a:spcPct val="90000"/>
+              </a:lnSpc>
+              <a:spcBef>
+                <a:spcPts val="1000"/>
+              </a:spcBef>
+              <a:spcAft>
+                <a:spcPts val="0"/>
+              </a:spcAft>
+              <a:buClrTx/>
+              <a:buSzTx/>
+              <a:tabLst/>
+              <a:defRPr/>
+            </a:pPr>
+            <a:endParaRPr kumimoji="0" lang="zh-TW" altLang="en-US" sz="4000" b="0" i="0" u="none" strike="noStrike" kern="1200" cap="none" spc="0" normalizeH="0" baseline="0" noProof="0" dirty="0">
+              <a:ln>
+                <a:noFill/>
+              </a:ln>
+              <a:solidFill>
+                <a:prstClr val="black"/>
+              </a:solidFill>
+              <a:effectLst/>
+              <a:uLnTx/>
+              <a:uFillTx/>
+              <a:latin typeface="微軟正黑體" panose="020B0604030504040204" pitchFamily="34" charset="-120"/>
+              <a:ea typeface="微軟正黑體" panose="020B0604030504040204" pitchFamily="34" charset="-120"/>
             </a:endParaRPr>
           </a:p>
           <a:p>
-            <a:r>
-              <a:rPr lang="zh-TW" altLang="en-US" sz="3600" dirty="0">
-                <a:latin typeface="王漢宗細圓體繁" panose="02020300000000000000" pitchFamily="18" charset="-120"/>
-                <a:ea typeface="王漢宗細圓體繁" panose="02020300000000000000" pitchFamily="18" charset="-120"/>
+            <a:pPr marL="228600" marR="0" lvl="0" indent="-228600" algn="l" defTabSz="914400" rtl="0" eaLnBrk="1" fontAlgn="auto" latinLnBrk="0" hangingPunct="1">
+              <a:lnSpc>
+                <a:spcPct val="90000"/>
+              </a:lnSpc>
+              <a:spcBef>
+                <a:spcPts val="1000"/>
+              </a:spcBef>
+              <a:spcAft>
+                <a:spcPts val="0"/>
+              </a:spcAft>
+              <a:buClrTx/>
+              <a:buSzTx/>
+              <a:buFont typeface="Arial" panose="020B0604020202020204" pitchFamily="34" charset="0"/>
+              <a:buChar char="•"/>
+              <a:tabLst/>
+              <a:defRPr/>
+            </a:pPr>
+            <a:r>
+              <a:rPr kumimoji="0" lang="zh-TW" altLang="en-US" sz="4000" b="0" i="0" u="none" strike="noStrike" kern="1200" cap="none" spc="0" normalizeH="0" baseline="0" noProof="0" dirty="0">
+                <a:ln>
+                  <a:noFill/>
+                </a:ln>
+                <a:solidFill>
+                  <a:prstClr val="black"/>
+                </a:solidFill>
+                <a:effectLst/>
+                <a:uLnTx/>
+                <a:uFillTx/>
+                <a:latin typeface="微軟正黑體" panose="020B0604030504040204" pitchFamily="34" charset="-120"/>
+                <a:ea typeface="微軟正黑體" panose="020B0604030504040204" pitchFamily="34" charset="-120"/>
               </a:rPr>
               <a:t>變數名稱必須使用</a:t>
             </a:r>
             <a:r>
-              <a:rPr lang="zh-TW" altLang="en-US" sz="3600" dirty="0">
+              <a:rPr kumimoji="0" lang="zh-TW" altLang="en-US" sz="4000" b="1" i="0" u="none" strike="noStrike" kern="1200" cap="none" spc="0" normalizeH="0" baseline="0" noProof="0" dirty="0">
+                <a:ln>
+                  <a:noFill/>
+                </a:ln>
                 <a:solidFill>
-                  <a:schemeClr val="accent2">
-                    <a:lumMod val="50000"/>
-                  </a:schemeClr>
+                  <a:prstClr val="black"/>
                 </a:solidFill>
-                <a:latin typeface="王漢宗細圓體繁" panose="02020300000000000000" pitchFamily="18" charset="-120"/>
-                <a:ea typeface="王漢宗細圓體繁" panose="02020300000000000000" pitchFamily="18" charset="-120"/>
-              </a:rPr>
-              <a:t>英</a:t>
-            </a:r>
-            <a:r>
-              <a:rPr lang="zh-TW" altLang="en-US" sz="3600" dirty="0">
-                <a:latin typeface="王漢宗細圓體繁" panose="02020300000000000000" pitchFamily="18" charset="-120"/>
-                <a:ea typeface="王漢宗細圓體繁" panose="02020300000000000000" pitchFamily="18" charset="-120"/>
-              </a:rPr>
-              <a:t>、</a:t>
-            </a:r>
-            <a:r>
-              <a:rPr lang="zh-TW" altLang="en-US" sz="3600" dirty="0">
+                <a:effectLst/>
+                <a:uLnTx/>
+                <a:uFillTx/>
+                <a:latin typeface="微軟正黑體" panose="020B0604030504040204" pitchFamily="34" charset="-120"/>
+                <a:ea typeface="微軟正黑體" panose="020B0604030504040204" pitchFamily="34" charset="-120"/>
+              </a:rPr>
+              <a:t>英、數</a:t>
+            </a:r>
+            <a:r>
+              <a:rPr kumimoji="0" lang="zh-TW" altLang="en-US" sz="4000" b="0" i="0" u="none" strike="noStrike" kern="1200" cap="none" spc="0" normalizeH="0" baseline="0" noProof="0" dirty="0">
+                <a:ln>
+                  <a:noFill/>
+                </a:ln>
                 <a:solidFill>
-                  <a:schemeClr val="accent2">
-                    <a:lumMod val="50000"/>
-                  </a:schemeClr>
+                  <a:prstClr val="black"/>
                 </a:solidFill>
-                <a:latin typeface="王漢宗細圓體繁" panose="02020300000000000000" pitchFamily="18" charset="-120"/>
-                <a:ea typeface="王漢宗細圓體繁" panose="02020300000000000000" pitchFamily="18" charset="-120"/>
-              </a:rPr>
-              <a:t>數字</a:t>
-            </a:r>
-            <a:r>
-              <a:rPr lang="zh-TW" altLang="en-US" sz="3600" dirty="0">
-                <a:latin typeface="王漢宗細圓體繁" panose="02020300000000000000" pitchFamily="18" charset="-120"/>
-                <a:ea typeface="王漢宗細圓體繁" panose="02020300000000000000" pitchFamily="18" charset="-120"/>
-              </a:rPr>
-              <a:t>及</a:t>
-            </a:r>
-            <a:r>
-              <a:rPr lang="zh-TW" altLang="en-US" sz="3600" dirty="0">
+                <a:effectLst/>
+                <a:uLnTx/>
+                <a:uFillTx/>
+                <a:latin typeface="微軟正黑體" panose="020B0604030504040204" pitchFamily="34" charset="-120"/>
+                <a:ea typeface="微軟正黑體" panose="020B0604030504040204" pitchFamily="34" charset="-120"/>
+              </a:rPr>
+              <a:t>字及</a:t>
+            </a:r>
+            <a:r>
+              <a:rPr kumimoji="0" lang="zh-TW" altLang="en-US" sz="4000" b="1" i="0" u="none" strike="noStrike" kern="1200" cap="none" spc="0" normalizeH="0" baseline="0" noProof="0" dirty="0">
+                <a:ln>
+                  <a:noFill/>
+                </a:ln>
                 <a:solidFill>
-                  <a:schemeClr val="accent2">
-                    <a:lumMod val="50000"/>
-                  </a:schemeClr>
+                  <a:prstClr val="black"/>
                 </a:solidFill>
-                <a:latin typeface="王漢宗細圓體繁" panose="02020300000000000000" pitchFamily="18" charset="-120"/>
-                <a:ea typeface="王漢宗細圓體繁" panose="02020300000000000000" pitchFamily="18" charset="-120"/>
-              </a:rPr>
-              <a:t>底線符號</a:t>
-            </a:r>
-            <a:endParaRPr lang="en-US" altLang="zh-TW" sz="3600" dirty="0">
+                <a:effectLst/>
+                <a:uLnTx/>
+                <a:uFillTx/>
+                <a:latin typeface="微軟正黑體" panose="020B0604030504040204" pitchFamily="34" charset="-120"/>
+                <a:ea typeface="微軟正黑體" panose="020B0604030504040204" pitchFamily="34" charset="-120"/>
+              </a:rPr>
+              <a:t>底線</a:t>
+            </a:r>
+            <a:r>
+              <a:rPr kumimoji="0" lang="zh-TW" altLang="en-US" sz="4000" b="0" i="0" u="none" strike="noStrike" kern="1200" cap="none" spc="0" normalizeH="0" baseline="0" noProof="0" dirty="0">
+                <a:ln>
+                  <a:noFill/>
+                </a:ln>
+                <a:solidFill>
+                  <a:prstClr val="black"/>
+                </a:solidFill>
+                <a:effectLst/>
+                <a:uLnTx/>
+                <a:uFillTx/>
+                <a:latin typeface="微軟正黑體" panose="020B0604030504040204" pitchFamily="34" charset="-120"/>
+                <a:ea typeface="微軟正黑體" panose="020B0604030504040204" pitchFamily="34" charset="-120"/>
+              </a:rPr>
+              <a:t>符號</a:t>
+            </a:r>
+            <a:endParaRPr kumimoji="0" lang="en-US" altLang="zh-TW" sz="4000" b="0" i="0" u="none" strike="noStrike" kern="1200" cap="none" spc="0" normalizeH="0" baseline="0" noProof="0" dirty="0">
+              <a:ln>
+                <a:noFill/>
+              </a:ln>
               <a:solidFill>
-                <a:schemeClr val="accent2">
-                  <a:lumMod val="50000"/>
-                </a:schemeClr>
+                <a:prstClr val="black"/>
               </a:solidFill>
-              <a:latin typeface="王漢宗細圓體繁" panose="02020300000000000000" pitchFamily="18" charset="-120"/>
-              <a:ea typeface="王漢宗細圓體繁" panose="02020300000000000000" pitchFamily="18" charset="-120"/>
+              <a:effectLst/>
+              <a:uLnTx/>
+              <a:uFillTx/>
+              <a:latin typeface="微軟正黑體" panose="020B0604030504040204" pitchFamily="34" charset="-120"/>
+              <a:ea typeface="微軟正黑體" panose="020B0604030504040204" pitchFamily="34" charset="-120"/>
             </a:endParaRPr>
           </a:p>
           <a:p>
-            <a:endParaRPr lang="zh-TW" altLang="en-US" sz="3600" dirty="0">
-              <a:latin typeface="王漢宗細圓體繁" panose="02020300000000000000" pitchFamily="18" charset="-120"/>
-              <a:ea typeface="王漢宗細圓體繁" panose="02020300000000000000" pitchFamily="18" charset="-120"/>
+            <a:pPr marR="0" lvl="0" algn="l" defTabSz="914400" rtl="0" eaLnBrk="1" fontAlgn="auto" latinLnBrk="0" hangingPunct="1">
+              <a:lnSpc>
+                <a:spcPct val="90000"/>
+              </a:lnSpc>
+              <a:spcBef>
+                <a:spcPts val="1000"/>
+              </a:spcBef>
+              <a:spcAft>
+                <a:spcPts val="0"/>
+              </a:spcAft>
+              <a:buClrTx/>
+              <a:buSzTx/>
+              <a:tabLst/>
+              <a:defRPr/>
+            </a:pPr>
+            <a:endParaRPr kumimoji="0" lang="zh-TW" altLang="en-US" sz="4000" b="0" i="0" u="none" strike="noStrike" kern="1200" cap="none" spc="0" normalizeH="0" baseline="0" noProof="0" dirty="0">
+              <a:ln>
+                <a:noFill/>
+              </a:ln>
+              <a:solidFill>
+                <a:prstClr val="black"/>
+              </a:solidFill>
+              <a:effectLst/>
+              <a:uLnTx/>
+              <a:uFillTx/>
+              <a:latin typeface="微軟正黑體" panose="020B0604030504040204" pitchFamily="34" charset="-120"/>
+              <a:ea typeface="微軟正黑體" panose="020B0604030504040204" pitchFamily="34" charset="-120"/>
             </a:endParaRPr>
           </a:p>
           <a:p>
-            <a:r>
-              <a:rPr lang="zh-TW" altLang="en-US" sz="3600" dirty="0">
-                <a:latin typeface="王漢宗細圓體繁" panose="02020300000000000000" pitchFamily="18" charset="-120"/>
-                <a:ea typeface="王漢宗細圓體繁" panose="02020300000000000000" pitchFamily="18" charset="-120"/>
-              </a:rPr>
-              <a:t>變數名稱除了以 </a:t>
-            </a:r>
-            <a:r>
-              <a:rPr lang="en-US" altLang="zh-TW" sz="3600" dirty="0">
-                <a:latin typeface="王漢宗細圓體繁" panose="02020300000000000000" pitchFamily="18" charset="-120"/>
-                <a:ea typeface="王漢宗細圓體繁" panose="02020300000000000000" pitchFamily="18" charset="-120"/>
+            <a:pPr marL="228600" marR="0" lvl="0" indent="-228600" algn="l" defTabSz="914400" rtl="0" eaLnBrk="1" fontAlgn="auto" latinLnBrk="0" hangingPunct="1">
+              <a:lnSpc>
+                <a:spcPct val="90000"/>
+              </a:lnSpc>
+              <a:spcBef>
+                <a:spcPts val="1000"/>
+              </a:spcBef>
+              <a:spcAft>
+                <a:spcPts val="0"/>
+              </a:spcAft>
+              <a:buClrTx/>
+              <a:buSzTx/>
+              <a:buFont typeface="Arial" panose="020B0604020202020204" pitchFamily="34" charset="0"/>
+              <a:buChar char="•"/>
+              <a:tabLst/>
+              <a:defRPr/>
+            </a:pPr>
+            <a:r>
+              <a:rPr kumimoji="0" lang="zh-TW" altLang="en-US" sz="4000" b="0" i="0" u="none" strike="noStrike" kern="1200" cap="none" spc="0" normalizeH="0" baseline="0" noProof="0" dirty="0">
+                <a:ln>
+                  <a:noFill/>
+                </a:ln>
+                <a:solidFill>
+                  <a:prstClr val="black"/>
+                </a:solidFill>
+                <a:effectLst/>
+                <a:uLnTx/>
+                <a:uFillTx/>
+                <a:latin typeface="微軟正黑體" panose="020B0604030504040204" pitchFamily="34" charset="-120"/>
+                <a:ea typeface="微軟正黑體" panose="020B0604030504040204" pitchFamily="34" charset="-120"/>
+              </a:rPr>
+              <a:t>變數名稱除了以</a:t>
+            </a:r>
+            <a:r>
+              <a:rPr kumimoji="0" lang="zh-TW" altLang="en-US" sz="4000" b="1" i="0" u="none" strike="noStrike" kern="1200" cap="none" spc="0" normalizeH="0" baseline="0" noProof="0" dirty="0">
+                <a:ln>
+                  <a:noFill/>
+                </a:ln>
+                <a:solidFill>
+                  <a:prstClr val="black"/>
+                </a:solidFill>
+                <a:effectLst/>
+                <a:uLnTx/>
+                <a:uFillTx/>
+                <a:latin typeface="微軟正黑體" panose="020B0604030504040204" pitchFamily="34" charset="-120"/>
+                <a:ea typeface="微軟正黑體" panose="020B0604030504040204" pitchFamily="34" charset="-120"/>
+              </a:rPr>
+              <a:t> </a:t>
+            </a:r>
+            <a:r>
+              <a:rPr kumimoji="0" lang="en-US" altLang="zh-TW" sz="4000" b="1" i="0" u="none" strike="noStrike" kern="1200" cap="none" spc="0" normalizeH="0" baseline="0" noProof="0" dirty="0">
+                <a:ln>
+                  <a:noFill/>
+                </a:ln>
+                <a:solidFill>
+                  <a:prstClr val="black"/>
+                </a:solidFill>
+                <a:effectLst/>
+                <a:uLnTx/>
+                <a:uFillTx/>
+                <a:latin typeface="微軟正黑體" panose="020B0604030504040204" pitchFamily="34" charset="-120"/>
+                <a:ea typeface="微軟正黑體" panose="020B0604030504040204" pitchFamily="34" charset="-120"/>
               </a:rPr>
               <a:t>$ </a:t>
             </a:r>
             <a:r>
-              <a:rPr lang="zh-TW" altLang="en-US" sz="3600" dirty="0">
-                <a:latin typeface="王漢宗細圓體繁" panose="02020300000000000000" pitchFamily="18" charset="-120"/>
-                <a:ea typeface="王漢宗細圓體繁" panose="02020300000000000000" pitchFamily="18" charset="-120"/>
+              <a:rPr kumimoji="0" lang="zh-TW" altLang="en-US" sz="4000" b="0" i="0" u="none" strike="noStrike" kern="1200" cap="none" spc="0" normalizeH="0" baseline="0" noProof="0" dirty="0">
+                <a:ln>
+                  <a:noFill/>
+                </a:ln>
+                <a:solidFill>
+                  <a:prstClr val="black"/>
+                </a:solidFill>
+                <a:effectLst/>
+                <a:uLnTx/>
+                <a:uFillTx/>
+                <a:latin typeface="微軟正黑體" panose="020B0604030504040204" pitchFamily="34" charset="-120"/>
+                <a:ea typeface="微軟正黑體" panose="020B0604030504040204" pitchFamily="34" charset="-120"/>
               </a:rPr>
               <a:t>符號開始，</a:t>
             </a:r>
-            <a:endParaRPr lang="en-US" altLang="zh-TW" sz="3600" dirty="0">
-              <a:latin typeface="王漢宗細圓體繁" panose="02020300000000000000" pitchFamily="18" charset="-120"/>
-              <a:ea typeface="王漢宗細圓體繁" panose="02020300000000000000" pitchFamily="18" charset="-120"/>
+            <a:endParaRPr kumimoji="0" lang="en-US" altLang="zh-TW" sz="4000" b="0" i="0" u="none" strike="noStrike" kern="1200" cap="none" spc="0" normalizeH="0" baseline="0" noProof="0" dirty="0">
+              <a:ln>
+                <a:noFill/>
+              </a:ln>
+              <a:solidFill>
+                <a:prstClr val="black"/>
+              </a:solidFill>
+              <a:effectLst/>
+              <a:uLnTx/>
+              <a:uFillTx/>
+              <a:latin typeface="微軟正黑體" panose="020B0604030504040204" pitchFamily="34" charset="-120"/>
+              <a:ea typeface="微軟正黑體" panose="020B0604030504040204" pitchFamily="34" charset="-120"/>
             </a:endParaRPr>
           </a:p>
           <a:p>
-            <a:r>
-              <a:rPr lang="zh-TW" altLang="en-US" sz="3600" dirty="0">
-                <a:latin typeface="王漢宗細圓體繁" panose="02020300000000000000" pitchFamily="18" charset="-120"/>
-                <a:ea typeface="王漢宗細圓體繁" panose="02020300000000000000" pitchFamily="18" charset="-120"/>
+            <a:pPr marR="0" lvl="0" algn="l" defTabSz="914400" rtl="0" eaLnBrk="1" fontAlgn="auto" latinLnBrk="0" hangingPunct="1">
+              <a:lnSpc>
+                <a:spcPct val="90000"/>
+              </a:lnSpc>
+              <a:spcBef>
+                <a:spcPts val="1000"/>
+              </a:spcBef>
+              <a:spcAft>
+                <a:spcPts val="0"/>
+              </a:spcAft>
+              <a:buClrTx/>
+              <a:buSzTx/>
+              <a:tabLst/>
+              <a:defRPr/>
+            </a:pPr>
+            <a:r>
+              <a:rPr lang="zh-TW" altLang="en-US" sz="4000" dirty="0">
+                <a:solidFill>
+                  <a:prstClr val="black"/>
+                </a:solidFill>
+                <a:latin typeface="微軟正黑體" panose="020B0604030504040204" pitchFamily="34" charset="-120"/>
+                <a:ea typeface="微軟正黑體" panose="020B0604030504040204" pitchFamily="34" charset="-120"/>
+              </a:rPr>
+              <a:t>  </a:t>
+            </a:r>
+            <a:r>
+              <a:rPr kumimoji="0" lang="zh-TW" altLang="en-US" sz="4000" b="0" i="0" u="none" strike="noStrike" kern="1200" cap="none" spc="0" normalizeH="0" baseline="0" noProof="0" dirty="0">
+                <a:ln>
+                  <a:noFill/>
+                </a:ln>
+                <a:solidFill>
+                  <a:prstClr val="black"/>
+                </a:solidFill>
+                <a:effectLst/>
+                <a:uLnTx/>
+                <a:uFillTx/>
+                <a:latin typeface="微軟正黑體" panose="020B0604030504040204" pitchFamily="34" charset="-120"/>
+                <a:ea typeface="微軟正黑體" panose="020B0604030504040204" pitchFamily="34" charset="-120"/>
               </a:rPr>
               <a:t>接著必須使用</a:t>
             </a:r>
             <a:r>
-              <a:rPr lang="zh-TW" altLang="en-US" sz="3600" dirty="0">
+              <a:rPr kumimoji="0" lang="zh-TW" altLang="en-US" sz="4000" b="1" i="0" u="none" strike="noStrike" kern="1200" cap="none" spc="0" normalizeH="0" baseline="0" noProof="0" dirty="0">
+                <a:ln>
+                  <a:noFill/>
+                </a:ln>
                 <a:solidFill>
-                  <a:schemeClr val="accent2">
-                    <a:lumMod val="50000"/>
-                  </a:schemeClr>
+                  <a:prstClr val="black"/>
                 </a:solidFill>
-                <a:latin typeface="王漢宗細圓體繁" panose="02020300000000000000" pitchFamily="18" charset="-120"/>
-                <a:ea typeface="王漢宗細圓體繁" panose="02020300000000000000" pitchFamily="18" charset="-120"/>
+                <a:effectLst/>
+                <a:uLnTx/>
+                <a:uFillTx/>
+                <a:latin typeface="微軟正黑體" panose="020B0604030504040204" pitchFamily="34" charset="-120"/>
+                <a:ea typeface="微軟正黑體" panose="020B0604030504040204" pitchFamily="34" charset="-120"/>
               </a:rPr>
               <a:t>英文字母</a:t>
             </a:r>
             <a:r>
-              <a:rPr lang="zh-TW" altLang="en-US" sz="3600" dirty="0">
-                <a:latin typeface="王漢宗細圓體繁" panose="02020300000000000000" pitchFamily="18" charset="-120"/>
-                <a:ea typeface="王漢宗細圓體繁" panose="02020300000000000000" pitchFamily="18" charset="-120"/>
+              <a:rPr kumimoji="0" lang="zh-TW" altLang="en-US" sz="4000" b="0" i="0" u="none" strike="noStrike" kern="1200" cap="none" spc="0" normalizeH="0" baseline="0" noProof="0" dirty="0">
+                <a:ln>
+                  <a:noFill/>
+                </a:ln>
+                <a:solidFill>
+                  <a:prstClr val="black"/>
+                </a:solidFill>
+                <a:effectLst/>
+                <a:uLnTx/>
+                <a:uFillTx/>
+                <a:latin typeface="微軟正黑體" panose="020B0604030504040204" pitchFamily="34" charset="-120"/>
+                <a:ea typeface="微軟正黑體" panose="020B0604030504040204" pitchFamily="34" charset="-120"/>
               </a:rPr>
               <a:t>或是</a:t>
             </a:r>
             <a:r>
-              <a:rPr lang="zh-TW" altLang="en-US" sz="3600" dirty="0">
+              <a:rPr kumimoji="0" lang="zh-TW" altLang="en-US" sz="4000" b="1" i="0" u="none" strike="noStrike" kern="1200" cap="none" spc="0" normalizeH="0" baseline="0" noProof="0" dirty="0">
+                <a:ln>
+                  <a:noFill/>
+                </a:ln>
                 <a:solidFill>
-                  <a:schemeClr val="accent2">
-                    <a:lumMod val="50000"/>
-                  </a:schemeClr>
+                  <a:prstClr val="black"/>
                 </a:solidFill>
-                <a:latin typeface="王漢宗細圓體繁" panose="02020300000000000000" pitchFamily="18" charset="-120"/>
-                <a:ea typeface="王漢宗細圓體繁" panose="02020300000000000000" pitchFamily="18" charset="-120"/>
-              </a:rPr>
-              <a:t>底線符號</a:t>
-            </a:r>
-            <a:r>
-              <a:rPr lang="zh-TW" altLang="en-US" sz="3600" dirty="0">
-                <a:latin typeface="王漢宗細圓體繁" panose="02020300000000000000" pitchFamily="18" charset="-120"/>
-                <a:ea typeface="王漢宗細圓體繁" panose="02020300000000000000" pitchFamily="18" charset="-120"/>
-              </a:rPr>
-              <a:t>為開頭字元</a:t>
-            </a:r>
-            <a:endParaRPr lang="en-US" altLang="zh-TW" sz="3600" dirty="0">
-              <a:latin typeface="王漢宗細圓體繁" panose="02020300000000000000" pitchFamily="18" charset="-120"/>
-              <a:ea typeface="王漢宗細圓體繁" panose="02020300000000000000" pitchFamily="18" charset="-120"/>
+                <a:effectLst/>
+                <a:uLnTx/>
+                <a:uFillTx/>
+                <a:latin typeface="微軟正黑體" panose="020B0604030504040204" pitchFamily="34" charset="-120"/>
+                <a:ea typeface="微軟正黑體" panose="020B0604030504040204" pitchFamily="34" charset="-120"/>
+              </a:rPr>
+              <a:t>底線</a:t>
+            </a:r>
+            <a:r>
+              <a:rPr kumimoji="0" lang="zh-TW" altLang="en-US" sz="4000" b="0" i="0" u="none" strike="noStrike" kern="1200" cap="none" spc="0" normalizeH="0" baseline="0" noProof="0" dirty="0">
+                <a:ln>
+                  <a:noFill/>
+                </a:ln>
+                <a:solidFill>
+                  <a:prstClr val="black"/>
+                </a:solidFill>
+                <a:effectLst/>
+                <a:uLnTx/>
+                <a:uFillTx/>
+                <a:latin typeface="微軟正黑體" panose="020B0604030504040204" pitchFamily="34" charset="-120"/>
+                <a:ea typeface="微軟正黑體" panose="020B0604030504040204" pitchFamily="34" charset="-120"/>
+              </a:rPr>
+              <a:t>符號為開頭字元</a:t>
+            </a:r>
+            <a:endParaRPr kumimoji="0" lang="en-US" altLang="zh-TW" sz="4000" b="0" i="0" u="none" strike="noStrike" kern="1200" cap="none" spc="0" normalizeH="0" baseline="0" noProof="0" dirty="0">
+              <a:ln>
+                <a:noFill/>
+              </a:ln>
+              <a:solidFill>
+                <a:prstClr val="black"/>
+              </a:solidFill>
+              <a:effectLst/>
+              <a:uLnTx/>
+              <a:uFillTx/>
+              <a:latin typeface="微軟正黑體" panose="020B0604030504040204" pitchFamily="34" charset="-120"/>
+              <a:ea typeface="微軟正黑體" panose="020B0604030504040204" pitchFamily="34" charset="-120"/>
             </a:endParaRPr>
           </a:p>
           <a:p>
-            <a:endParaRPr lang="zh-TW" altLang="en-US" sz="3600" dirty="0">
-              <a:latin typeface="王漢宗細圓體繁" panose="02020300000000000000" pitchFamily="18" charset="-120"/>
-              <a:ea typeface="王漢宗細圓體繁" panose="02020300000000000000" pitchFamily="18" charset="-120"/>
+            <a:pPr marR="0" lvl="0" algn="l" defTabSz="914400" rtl="0" eaLnBrk="1" fontAlgn="auto" latinLnBrk="0" hangingPunct="1">
+              <a:lnSpc>
+                <a:spcPct val="90000"/>
+              </a:lnSpc>
+              <a:spcBef>
+                <a:spcPts val="1000"/>
+              </a:spcBef>
+              <a:spcAft>
+                <a:spcPts val="0"/>
+              </a:spcAft>
+              <a:buClrTx/>
+              <a:buSzTx/>
+              <a:tabLst/>
+              <a:defRPr/>
+            </a:pPr>
+            <a:endParaRPr kumimoji="0" lang="zh-TW" altLang="en-US" sz="4000" b="0" i="0" u="none" strike="noStrike" kern="1200" cap="none" spc="0" normalizeH="0" baseline="0" noProof="0" dirty="0">
+              <a:ln>
+                <a:noFill/>
+              </a:ln>
+              <a:solidFill>
+                <a:prstClr val="black"/>
+              </a:solidFill>
+              <a:effectLst/>
+              <a:uLnTx/>
+              <a:uFillTx/>
+              <a:latin typeface="微軟正黑體" panose="020B0604030504040204" pitchFamily="34" charset="-120"/>
+              <a:ea typeface="微軟正黑體" panose="020B0604030504040204" pitchFamily="34" charset="-120"/>
             </a:endParaRPr>
           </a:p>
           <a:p>
-            <a:r>
-              <a:rPr lang="zh-TW" altLang="en-US" sz="3600" dirty="0">
-                <a:latin typeface="王漢宗細圓體繁" panose="02020300000000000000" pitchFamily="18" charset="-120"/>
-                <a:ea typeface="王漢宗細圓體繁" panose="02020300000000000000" pitchFamily="18" charset="-120"/>
+            <a:pPr marL="228600" marR="0" lvl="0" indent="-228600" algn="l" defTabSz="914400" rtl="0" eaLnBrk="1" fontAlgn="auto" latinLnBrk="0" hangingPunct="1">
+              <a:lnSpc>
+                <a:spcPct val="90000"/>
+              </a:lnSpc>
+              <a:spcBef>
+                <a:spcPts val="1000"/>
+              </a:spcBef>
+              <a:spcAft>
+                <a:spcPts val="0"/>
+              </a:spcAft>
+              <a:buClrTx/>
+              <a:buSzTx/>
+              <a:buFont typeface="Arial" panose="020B0604020202020204" pitchFamily="34" charset="0"/>
+              <a:buChar char="•"/>
+              <a:tabLst/>
+              <a:defRPr/>
+            </a:pPr>
+            <a:r>
+              <a:rPr kumimoji="0" lang="zh-TW" altLang="en-US" sz="4000" b="0" i="0" u="none" strike="noStrike" kern="1200" cap="none" spc="0" normalizeH="0" baseline="0" noProof="0" dirty="0">
+                <a:ln>
+                  <a:noFill/>
+                </a:ln>
+                <a:solidFill>
+                  <a:prstClr val="black"/>
+                </a:solidFill>
+                <a:effectLst/>
+                <a:uLnTx/>
+                <a:uFillTx/>
+                <a:latin typeface="微軟正黑體" panose="020B0604030504040204" pitchFamily="34" charset="-120"/>
+                <a:ea typeface="微軟正黑體" panose="020B0604030504040204" pitchFamily="34" charset="-120"/>
               </a:rPr>
               <a:t>英文字母的</a:t>
             </a:r>
             <a:r>
-              <a:rPr lang="zh-TW" altLang="en-US" sz="3600" dirty="0">
+              <a:rPr kumimoji="0" lang="zh-TW" altLang="en-US" sz="4000" b="1" i="0" u="none" strike="noStrike" kern="1200" cap="none" spc="0" normalizeH="0" baseline="0" noProof="0" dirty="0">
+                <a:ln>
+                  <a:noFill/>
+                </a:ln>
                 <a:solidFill>
-                  <a:schemeClr val="accent2">
-                    <a:lumMod val="50000"/>
-                  </a:schemeClr>
+                  <a:prstClr val="black"/>
                 </a:solidFill>
-                <a:latin typeface="王漢宗細圓體繁" panose="02020300000000000000" pitchFamily="18" charset="-120"/>
-                <a:ea typeface="王漢宗細圓體繁" panose="02020300000000000000" pitchFamily="18" charset="-120"/>
-              </a:rPr>
-              <a:t>大小寫</a:t>
-            </a:r>
-            <a:r>
-              <a:rPr lang="zh-TW" altLang="en-US" sz="3600" dirty="0">
-                <a:latin typeface="王漢宗細圓體繁" panose="02020300000000000000" pitchFamily="18" charset="-120"/>
-                <a:ea typeface="王漢宗細圓體繁" panose="02020300000000000000" pitchFamily="18" charset="-120"/>
-              </a:rPr>
-              <a:t>認定是</a:t>
-            </a:r>
-            <a:r>
-              <a:rPr lang="zh-TW" altLang="en-US" sz="3600" dirty="0">
+                <a:effectLst/>
+                <a:uLnTx/>
+                <a:uFillTx/>
+                <a:latin typeface="微軟正黑體" panose="020B0604030504040204" pitchFamily="34" charset="-120"/>
+                <a:ea typeface="微軟正黑體" panose="020B0604030504040204" pitchFamily="34" charset="-120"/>
+              </a:rPr>
+              <a:t>大小寫認定是不相同</a:t>
+            </a:r>
+            <a:r>
+              <a:rPr kumimoji="0" lang="zh-TW" altLang="en-US" sz="4000" b="0" i="0" u="none" strike="noStrike" kern="1200" cap="none" spc="0" normalizeH="0" baseline="0" noProof="0" dirty="0">
+                <a:ln>
+                  <a:noFill/>
+                </a:ln>
                 <a:solidFill>
-                  <a:schemeClr val="accent2">
-                    <a:lumMod val="50000"/>
-                  </a:schemeClr>
+                  <a:prstClr val="black"/>
                 </a:solidFill>
-                <a:latin typeface="王漢宗細圓體繁" panose="02020300000000000000" pitchFamily="18" charset="-120"/>
-                <a:ea typeface="王漢宗細圓體繁" panose="02020300000000000000" pitchFamily="18" charset="-120"/>
-              </a:rPr>
-              <a:t>不相同</a:t>
-            </a:r>
-            <a:r>
-              <a:rPr lang="zh-TW" altLang="en-US" sz="3600" dirty="0">
-                <a:latin typeface="王漢宗細圓體繁" panose="02020300000000000000" pitchFamily="18" charset="-120"/>
-                <a:ea typeface="王漢宗細圓體繁" panose="02020300000000000000" pitchFamily="18" charset="-120"/>
+                <a:effectLst/>
+                <a:uLnTx/>
+                <a:uFillTx/>
+                <a:latin typeface="微軟正黑體" panose="020B0604030504040204" pitchFamily="34" charset="-120"/>
+                <a:ea typeface="微軟正黑體" panose="020B0604030504040204" pitchFamily="34" charset="-120"/>
               </a:rPr>
               <a:t>的字母</a:t>
             </a:r>
-            <a:endParaRPr lang="en-US" altLang="zh-TW" sz="3600" dirty="0">
-              <a:latin typeface="王漢宗細圓體繁" panose="02020300000000000000" pitchFamily="18" charset="-120"/>
-              <a:ea typeface="王漢宗細圓體繁" panose="02020300000000000000" pitchFamily="18" charset="-120"/>
+            <a:endParaRPr kumimoji="0" lang="en-US" altLang="zh-TW" sz="4000" b="0" i="0" u="none" strike="noStrike" kern="1200" cap="none" spc="0" normalizeH="0" baseline="0" noProof="0" dirty="0">
+              <a:ln>
+                <a:noFill/>
+              </a:ln>
+              <a:solidFill>
+                <a:prstClr val="black"/>
+              </a:solidFill>
+              <a:effectLst/>
+              <a:uLnTx/>
+              <a:uFillTx/>
+              <a:latin typeface="微軟正黑體" panose="020B0604030504040204" pitchFamily="34" charset="-120"/>
+              <a:ea typeface="微軟正黑體" panose="020B0604030504040204" pitchFamily="34" charset="-120"/>
             </a:endParaRPr>
           </a:p>
           <a:p>
-            <a:endParaRPr lang="zh-TW" altLang="en-US" sz="3600" dirty="0">
-              <a:latin typeface="王漢宗細圓體繁" panose="02020300000000000000" pitchFamily="18" charset="-120"/>
-              <a:ea typeface="王漢宗細圓體繁" panose="02020300000000000000" pitchFamily="18" charset="-120"/>
+            <a:pPr marR="0" lvl="0" algn="l" defTabSz="914400" rtl="0" eaLnBrk="1" fontAlgn="auto" latinLnBrk="0" hangingPunct="1">
+              <a:lnSpc>
+                <a:spcPct val="90000"/>
+              </a:lnSpc>
+              <a:spcBef>
+                <a:spcPts val="1000"/>
+              </a:spcBef>
+              <a:spcAft>
+                <a:spcPts val="0"/>
+              </a:spcAft>
+              <a:buClrTx/>
+              <a:buSzTx/>
+              <a:tabLst/>
+              <a:defRPr/>
+            </a:pPr>
+            <a:endParaRPr kumimoji="0" lang="en-US" altLang="zh-TW" sz="4000" b="0" i="0" u="none" strike="noStrike" kern="1200" cap="none" spc="0" normalizeH="0" baseline="0" noProof="0" dirty="0">
+              <a:ln>
+                <a:noFill/>
+              </a:ln>
+              <a:solidFill>
+                <a:prstClr val="black"/>
+              </a:solidFill>
+              <a:effectLst/>
+              <a:uLnTx/>
+              <a:uFillTx/>
+              <a:latin typeface="微軟正黑體" panose="020B0604030504040204" pitchFamily="34" charset="-120"/>
+              <a:ea typeface="微軟正黑體" panose="020B0604030504040204" pitchFamily="34" charset="-120"/>
             </a:endParaRPr>
           </a:p>
           <a:p>
-            <a:r>
-              <a:rPr lang="zh-TW" altLang="en-US" sz="3600" dirty="0">
-                <a:latin typeface="王漢宗細圓體繁" panose="02020300000000000000" pitchFamily="18" charset="-120"/>
-                <a:ea typeface="王漢宗細圓體繁" panose="02020300000000000000" pitchFamily="18" charset="-120"/>
+            <a:pPr marL="228600" marR="0" lvl="0" indent="-228600" algn="l" defTabSz="914400" rtl="0" eaLnBrk="1" fontAlgn="auto" latinLnBrk="0" hangingPunct="1">
+              <a:lnSpc>
+                <a:spcPct val="90000"/>
+              </a:lnSpc>
+              <a:spcBef>
+                <a:spcPts val="1000"/>
+              </a:spcBef>
+              <a:spcAft>
+                <a:spcPts val="0"/>
+              </a:spcAft>
+              <a:buClrTx/>
+              <a:buSzTx/>
+              <a:buFont typeface="Arial" panose="020B0604020202020204" pitchFamily="34" charset="0"/>
+              <a:buChar char="•"/>
+              <a:tabLst/>
+              <a:defRPr/>
+            </a:pPr>
+            <a:r>
+              <a:rPr kumimoji="0" lang="zh-TW" altLang="en-US" sz="4000" b="0" i="0" u="none" strike="noStrike" kern="1200" cap="none" spc="0" normalizeH="0" baseline="0" noProof="0" dirty="0">
+                <a:ln>
+                  <a:noFill/>
+                </a:ln>
+                <a:solidFill>
+                  <a:prstClr val="black"/>
+                </a:solidFill>
+                <a:effectLst/>
+                <a:uLnTx/>
+                <a:uFillTx/>
+                <a:latin typeface="微軟正黑體" panose="020B0604030504040204" pitchFamily="34" charset="-120"/>
+                <a:ea typeface="微軟正黑體" panose="020B0604030504040204" pitchFamily="34" charset="-120"/>
               </a:rPr>
               <a:t>雙引號可以識別變數，單引號無法</a:t>
             </a:r>
-            <a:endParaRPr lang="en-US" altLang="zh-TW" sz="3600" dirty="0">
-              <a:latin typeface="王漢宗細圓體繁" panose="02020300000000000000" pitchFamily="18" charset="-120"/>
-              <a:ea typeface="王漢宗細圓體繁" panose="02020300000000000000" pitchFamily="18" charset="-120"/>
+            <a:endParaRPr kumimoji="0" lang="en-US" altLang="zh-TW" sz="4000" b="0" i="0" u="none" strike="noStrike" kern="1200" cap="none" spc="0" normalizeH="0" baseline="0" noProof="0" dirty="0">
+              <a:ln>
+                <a:noFill/>
+              </a:ln>
+              <a:solidFill>
+                <a:prstClr val="black"/>
+              </a:solidFill>
+              <a:effectLst/>
+              <a:uLnTx/>
+              <a:uFillTx/>
+              <a:latin typeface="微軟正黑體" panose="020B0604030504040204" pitchFamily="34" charset="-120"/>
+              <a:ea typeface="微軟正黑體" panose="020B0604030504040204" pitchFamily="34" charset="-120"/>
             </a:endParaRPr>
-          </a:p>
-          <a:p>
-            <a:endParaRPr lang="zh-TW" altLang="en-US" sz="3600" dirty="0">
-              <a:latin typeface="王漢宗細圓體繁" panose="02020300000000000000" pitchFamily="18" charset="-120"/>
-              <a:ea typeface="王漢宗細圓體繁" panose="02020300000000000000" pitchFamily="18" charset="-120"/>
-            </a:endParaRPr>
-          </a:p>
-          <a:p>
-            <a:r>
-              <a:rPr lang="zh-TW" altLang="en-US" sz="3600" dirty="0">
-                <a:latin typeface="王漢宗細圓體繁" panose="02020300000000000000" pitchFamily="18" charset="-120"/>
-                <a:ea typeface="王漢宗細圓體繁" panose="02020300000000000000" pitchFamily="18" charset="-120"/>
-              </a:rPr>
-              <a:t>計算符號</a:t>
-            </a:r>
-            <a:r>
-              <a:rPr lang="en-US" altLang="zh-TW" sz="3600" dirty="0">
-                <a:latin typeface="王漢宗細圓體繁" panose="02020300000000000000" pitchFamily="18" charset="-120"/>
-                <a:ea typeface="王漢宗細圓體繁" panose="02020300000000000000" pitchFamily="18" charset="-120"/>
-              </a:rPr>
-              <a:t>+</a:t>
-            </a:r>
-            <a:r>
-              <a:rPr lang="zh-TW" altLang="en-US" sz="3600" dirty="0">
-                <a:latin typeface="王漢宗細圓體繁" panose="02020300000000000000" pitchFamily="18" charset="-120"/>
-                <a:ea typeface="王漢宗細圓體繁" panose="02020300000000000000" pitchFamily="18" charset="-120"/>
-              </a:rPr>
-              <a:t>、</a:t>
-            </a:r>
-            <a:r>
-              <a:rPr lang="en-US" altLang="zh-TW" sz="3600" dirty="0">
-                <a:latin typeface="王漢宗細圓體繁" panose="02020300000000000000" pitchFamily="18" charset="-120"/>
-                <a:ea typeface="王漢宗細圓體繁" panose="02020300000000000000" pitchFamily="18" charset="-120"/>
-              </a:rPr>
-              <a:t>-</a:t>
-            </a:r>
-            <a:r>
-              <a:rPr lang="zh-TW" altLang="en-US" sz="3600" dirty="0">
-                <a:latin typeface="王漢宗細圓體繁" panose="02020300000000000000" pitchFamily="18" charset="-120"/>
-                <a:ea typeface="王漢宗細圓體繁" panose="02020300000000000000" pitchFamily="18" charset="-120"/>
-              </a:rPr>
-              <a:t>、*、</a:t>
-            </a:r>
-            <a:r>
-              <a:rPr lang="en-US" altLang="zh-TW" sz="3600" dirty="0">
-                <a:latin typeface="王漢宗細圓體繁" panose="02020300000000000000" pitchFamily="18" charset="-120"/>
-                <a:ea typeface="王漢宗細圓體繁" panose="02020300000000000000" pitchFamily="18" charset="-120"/>
-              </a:rPr>
-              <a:t>/</a:t>
-            </a:r>
-            <a:r>
-              <a:rPr lang="zh-TW" altLang="en-US" sz="3600" dirty="0">
-                <a:latin typeface="王漢宗細圓體繁" panose="02020300000000000000" pitchFamily="18" charset="-120"/>
-                <a:ea typeface="王漢宗細圓體繁" panose="02020300000000000000" pitchFamily="18" charset="-120"/>
-              </a:rPr>
-              <a:t>、</a:t>
-            </a:r>
-            <a:r>
-              <a:rPr lang="en-US" altLang="zh-TW" sz="3600" dirty="0">
-                <a:latin typeface="王漢宗細圓體繁" panose="02020300000000000000" pitchFamily="18" charset="-120"/>
-                <a:ea typeface="王漢宗細圓體繁" panose="02020300000000000000" pitchFamily="18" charset="-120"/>
-              </a:rPr>
-              <a:t>%</a:t>
-            </a:r>
           </a:p>
         </p:txBody>
       </p:sp>

--- a/phpppt.pptx
+++ b/phpppt.pptx
@@ -5,7 +5,7 @@
     <p:sldMasterId id="2147483648" r:id="rId1"/>
   </p:sldMasterIdLst>
   <p:notesMasterIdLst>
-    <p:notesMasterId r:id="rId17"/>
+    <p:notesMasterId r:id="rId19"/>
   </p:notesMasterIdLst>
   <p:sldIdLst>
     <p:sldId id="256" r:id="rId2"/>
@@ -16,22 +16,19 @@
     <p:sldId id="268" r:id="rId7"/>
     <p:sldId id="261" r:id="rId8"/>
     <p:sldId id="269" r:id="rId9"/>
-    <p:sldId id="270" r:id="rId10"/>
-    <p:sldId id="271" r:id="rId11"/>
-    <p:sldId id="276" r:id="rId12"/>
-    <p:sldId id="272" r:id="rId13"/>
-    <p:sldId id="273" r:id="rId14"/>
-    <p:sldId id="274" r:id="rId15"/>
-    <p:sldId id="275" r:id="rId16"/>
+    <p:sldId id="277" r:id="rId10"/>
+    <p:sldId id="270" r:id="rId11"/>
+    <p:sldId id="278" r:id="rId12"/>
+    <p:sldId id="271" r:id="rId13"/>
+    <p:sldId id="272" r:id="rId14"/>
+    <p:sldId id="279" r:id="rId15"/>
+    <p:sldId id="273" r:id="rId16"/>
+    <p:sldId id="274" r:id="rId17"/>
+    <p:sldId id="275" r:id="rId18"/>
   </p:sldIdLst>
   <p:sldSz cx="18288000" cy="10287000"/>
   <p:notesSz cx="6858000" cy="9144000"/>
   <p:embeddedFontLst>
-    <p:embeddedFont>
-      <p:font typeface="微軟正黑體" panose="020B0604030504040204" pitchFamily="34" charset="-120"/>
-      <p:regular r:id="rId18"/>
-      <p:bold r:id="rId19"/>
-    </p:embeddedFont>
     <p:embeddedFont>
       <p:font typeface="Calibri" panose="020F0502020204030204" pitchFamily="34" charset="0"/>
       <p:regular r:id="rId20"/>
@@ -42,6 +39,11 @@
     <p:embeddedFont>
       <p:font typeface="王漢宗細圓體繁" panose="02020300000000000000" pitchFamily="18" charset="-120"/>
       <p:regular r:id="rId24"/>
+    </p:embeddedFont>
+    <p:embeddedFont>
+      <p:font typeface="微軟正黑體" panose="020B0604030504040204" pitchFamily="34" charset="-120"/>
+      <p:regular r:id="rId25"/>
+      <p:bold r:id="rId26"/>
     </p:embeddedFont>
   </p:embeddedFontLst>
   <p:defaultTextStyle>
@@ -240,7 +242,7 @@
           <a:p>
             <a:fld id="{FC8271FA-317D-443F-A3FA-78F4796F00C4}" type="datetimeFigureOut">
               <a:rPr lang="zh-TW" altLang="en-US" smtClean="0"/>
-              <a:t>2021/10/16</a:t>
+              <a:t>2021/10/24</a:t>
             </a:fld>
             <a:endParaRPr lang="zh-TW" altLang="en-US"/>
           </a:p>
@@ -687,7 +689,7 @@
             <a:fld id="{1D8BD707-D9CF-40AE-B4C6-C98DA3205C09}" type="datetimeFigureOut">
               <a:rPr lang="en-US" smtClean="0"/>
               <a:pPr/>
-              <a:t>10/16/2021</a:t>
+              <a:t>10/24/2021</a:t>
             </a:fld>
             <a:endParaRPr lang="en-US"/>
           </a:p>
@@ -852,7 +854,7 @@
             <a:fld id="{1D8BD707-D9CF-40AE-B4C6-C98DA3205C09}" type="datetimeFigureOut">
               <a:rPr lang="en-US" smtClean="0"/>
               <a:pPr/>
-              <a:t>10/16/2021</a:t>
+              <a:t>10/24/2021</a:t>
             </a:fld>
             <a:endParaRPr lang="en-US"/>
           </a:p>
@@ -1027,7 +1029,7 @@
             <a:fld id="{1D8BD707-D9CF-40AE-B4C6-C98DA3205C09}" type="datetimeFigureOut">
               <a:rPr lang="en-US" smtClean="0"/>
               <a:pPr/>
-              <a:t>10/16/2021</a:t>
+              <a:t>10/24/2021</a:t>
             </a:fld>
             <a:endParaRPr lang="en-US"/>
           </a:p>
@@ -1192,7 +1194,7 @@
             <a:fld id="{1D8BD707-D9CF-40AE-B4C6-C98DA3205C09}" type="datetimeFigureOut">
               <a:rPr lang="en-US" smtClean="0"/>
               <a:pPr/>
-              <a:t>10/16/2021</a:t>
+              <a:t>10/24/2021</a:t>
             </a:fld>
             <a:endParaRPr lang="en-US"/>
           </a:p>
@@ -1434,7 +1436,7 @@
             <a:fld id="{1D8BD707-D9CF-40AE-B4C6-C98DA3205C09}" type="datetimeFigureOut">
               <a:rPr lang="en-US" smtClean="0"/>
               <a:pPr/>
-              <a:t>10/16/2021</a:t>
+              <a:t>10/24/2021</a:t>
             </a:fld>
             <a:endParaRPr lang="en-US"/>
           </a:p>
@@ -1716,7 +1718,7 @@
             <a:fld id="{1D8BD707-D9CF-40AE-B4C6-C98DA3205C09}" type="datetimeFigureOut">
               <a:rPr lang="en-US" smtClean="0"/>
               <a:pPr/>
-              <a:t>10/16/2021</a:t>
+              <a:t>10/24/2021</a:t>
             </a:fld>
             <a:endParaRPr lang="en-US"/>
           </a:p>
@@ -2132,7 +2134,7 @@
             <a:fld id="{1D8BD707-D9CF-40AE-B4C6-C98DA3205C09}" type="datetimeFigureOut">
               <a:rPr lang="en-US" smtClean="0"/>
               <a:pPr/>
-              <a:t>10/16/2021</a:t>
+              <a:t>10/24/2021</a:t>
             </a:fld>
             <a:endParaRPr lang="en-US"/>
           </a:p>
@@ -2246,7 +2248,7 @@
             <a:fld id="{1D8BD707-D9CF-40AE-B4C6-C98DA3205C09}" type="datetimeFigureOut">
               <a:rPr lang="en-US" smtClean="0"/>
               <a:pPr/>
-              <a:t>10/16/2021</a:t>
+              <a:t>10/24/2021</a:t>
             </a:fld>
             <a:endParaRPr lang="en-US"/>
           </a:p>
@@ -2338,7 +2340,7 @@
             <a:fld id="{1D8BD707-D9CF-40AE-B4C6-C98DA3205C09}" type="datetimeFigureOut">
               <a:rPr lang="en-US" smtClean="0"/>
               <a:pPr/>
-              <a:t>10/16/2021</a:t>
+              <a:t>10/24/2021</a:t>
             </a:fld>
             <a:endParaRPr lang="en-US"/>
           </a:p>
@@ -2610,7 +2612,7 @@
             <a:fld id="{1D8BD707-D9CF-40AE-B4C6-C98DA3205C09}" type="datetimeFigureOut">
               <a:rPr lang="en-US" smtClean="0"/>
               <a:pPr/>
-              <a:t>10/16/2021</a:t>
+              <a:t>10/24/2021</a:t>
             </a:fld>
             <a:endParaRPr lang="en-US"/>
           </a:p>
@@ -2859,7 +2861,7 @@
             <a:fld id="{1D8BD707-D9CF-40AE-B4C6-C98DA3205C09}" type="datetimeFigureOut">
               <a:rPr lang="en-US" smtClean="0"/>
               <a:pPr/>
-              <a:t>10/16/2021</a:t>
+              <a:t>10/24/2021</a:t>
             </a:fld>
             <a:endParaRPr lang="en-US"/>
           </a:p>
@@ -3067,7 +3069,7 @@
             <a:fld id="{1D8BD707-D9CF-40AE-B4C6-C98DA3205C09}" type="datetimeFigureOut">
               <a:rPr lang="en-US" smtClean="0"/>
               <a:pPr/>
-              <a:t>10/16/2021</a:t>
+              <a:t>10/24/2021</a:t>
             </a:fld>
             <a:endParaRPr lang="en-US"/>
           </a:p>
@@ -4045,6 +4047,912 @@
 </file>
 
 <file path=ppt/slides/slide10.xml><?xml version="1.0" encoding="utf-8"?>
+<p:sld xmlns:a="http://schemas.openxmlformats.org/drawingml/2006/main" xmlns:r="http://schemas.openxmlformats.org/officeDocument/2006/relationships" xmlns:p="http://schemas.openxmlformats.org/presentationml/2006/main">
+  <p:cSld>
+    <p:spTree>
+      <p:nvGrpSpPr>
+        <p:cNvPr id="1" name=""/>
+        <p:cNvGrpSpPr/>
+        <p:nvPr/>
+      </p:nvGrpSpPr>
+      <p:grpSpPr>
+        <a:xfrm>
+          <a:off x="0" y="0"/>
+          <a:ext cx="0" cy="0"/>
+          <a:chOff x="0" y="0"/>
+          <a:chExt cx="0" cy="0"/>
+        </a:xfrm>
+      </p:grpSpPr>
+      <p:sp>
+        <p:nvSpPr>
+          <p:cNvPr id="17" name="矩形 16">
+            <a:extLst>
+              <a:ext uri="{FF2B5EF4-FFF2-40B4-BE49-F238E27FC236}">
+                <a16:creationId xmlns:a16="http://schemas.microsoft.com/office/drawing/2014/main" id="{94C2A827-B932-471D-A756-D0ADADA99ACB}"/>
+              </a:ext>
+            </a:extLst>
+          </p:cNvPr>
+          <p:cNvSpPr/>
+          <p:nvPr/>
+        </p:nvSpPr>
+        <p:spPr>
+          <a:xfrm>
+            <a:off x="2286000" y="2324100"/>
+            <a:ext cx="13595816" cy="6670606"/>
+          </a:xfrm>
+          <a:prstGeom prst="rect">
+            <a:avLst/>
+          </a:prstGeom>
+          <a:solidFill>
+            <a:schemeClr val="bg1">
+              <a:lumMod val="95000"/>
+            </a:schemeClr>
+          </a:solidFill>
+          <a:ln>
+            <a:noFill/>
+          </a:ln>
+        </p:spPr>
+        <p:style>
+          <a:lnRef idx="2">
+            <a:schemeClr val="accent1">
+              <a:shade val="50000"/>
+            </a:schemeClr>
+          </a:lnRef>
+          <a:fillRef idx="1">
+            <a:schemeClr val="accent1"/>
+          </a:fillRef>
+          <a:effectRef idx="0">
+            <a:schemeClr val="accent1"/>
+          </a:effectRef>
+          <a:fontRef idx="minor">
+            <a:schemeClr val="lt1"/>
+          </a:fontRef>
+        </p:style>
+        <p:txBody>
+          <a:bodyPr rtlCol="0" anchor="ctr"/>
+          <a:lstStyle/>
+          <a:p>
+            <a:pPr algn="ctr"/>
+            <a:endParaRPr lang="zh-TW" altLang="en-US"/>
+          </a:p>
+        </p:txBody>
+      </p:sp>
+      <p:sp>
+        <p:nvSpPr>
+          <p:cNvPr id="13" name="矩形: 圓角 12">
+            <a:extLst>
+              <a:ext uri="{FF2B5EF4-FFF2-40B4-BE49-F238E27FC236}">
+                <a16:creationId xmlns:a16="http://schemas.microsoft.com/office/drawing/2014/main" id="{86161679-2985-4ADC-8460-AEE24E740813}"/>
+              </a:ext>
+            </a:extLst>
+          </p:cNvPr>
+          <p:cNvSpPr/>
+          <p:nvPr/>
+        </p:nvSpPr>
+        <p:spPr>
+          <a:xfrm>
+            <a:off x="5007208" y="1409700"/>
+            <a:ext cx="8153400" cy="2113844"/>
+          </a:xfrm>
+          <a:prstGeom prst="roundRect">
+            <a:avLst/>
+          </a:prstGeom>
+          <a:solidFill>
+            <a:schemeClr val="accent1">
+              <a:lumMod val="40000"/>
+              <a:lumOff val="60000"/>
+            </a:schemeClr>
+          </a:solidFill>
+          <a:ln>
+            <a:noFill/>
+          </a:ln>
+        </p:spPr>
+        <p:style>
+          <a:lnRef idx="2">
+            <a:schemeClr val="accent1">
+              <a:shade val="50000"/>
+            </a:schemeClr>
+          </a:lnRef>
+          <a:fillRef idx="1">
+            <a:schemeClr val="accent1"/>
+          </a:fillRef>
+          <a:effectRef idx="0">
+            <a:schemeClr val="accent1"/>
+          </a:effectRef>
+          <a:fontRef idx="minor">
+            <a:schemeClr val="lt1"/>
+          </a:fontRef>
+        </p:style>
+        <p:txBody>
+          <a:bodyPr rtlCol="0" anchor="ctr"/>
+          <a:lstStyle/>
+          <a:p>
+            <a:pPr algn="ctr"/>
+            <a:endParaRPr lang="zh-TW" altLang="en-US"/>
+          </a:p>
+        </p:txBody>
+      </p:sp>
+      <p:sp>
+        <p:nvSpPr>
+          <p:cNvPr id="14" name="文字方塊 13">
+            <a:extLst>
+              <a:ext uri="{FF2B5EF4-FFF2-40B4-BE49-F238E27FC236}">
+                <a16:creationId xmlns:a16="http://schemas.microsoft.com/office/drawing/2014/main" id="{E0290B41-790C-4212-8A48-B0107FA80F8D}"/>
+              </a:ext>
+            </a:extLst>
+          </p:cNvPr>
+          <p:cNvSpPr txBox="1"/>
+          <p:nvPr/>
+        </p:nvSpPr>
+        <p:spPr>
+          <a:xfrm>
+            <a:off x="8039100" y="1958790"/>
+            <a:ext cx="2209800" cy="1015663"/>
+          </a:xfrm>
+          <a:prstGeom prst="rect">
+            <a:avLst/>
+          </a:prstGeom>
+          <a:noFill/>
+        </p:spPr>
+        <p:txBody>
+          <a:bodyPr wrap="square" rtlCol="0">
+            <a:spAutoFit/>
+          </a:bodyPr>
+          <a:lstStyle/>
+          <a:p>
+            <a:r>
+              <a:rPr lang="zh-TW" altLang="en-US" sz="6000" dirty="0">
+                <a:solidFill>
+                  <a:schemeClr val="tx2">
+                    <a:lumMod val="50000"/>
+                  </a:schemeClr>
+                </a:solidFill>
+                <a:latin typeface="王漢宗細圓體繁" panose="02020300000000000000" pitchFamily="18" charset="-120"/>
+                <a:ea typeface="王漢宗細圓體繁" panose="02020300000000000000" pitchFamily="18" charset="-120"/>
+              </a:rPr>
+              <a:t>練習</a:t>
+            </a:r>
+          </a:p>
+        </p:txBody>
+      </p:sp>
+      <p:sp>
+        <p:nvSpPr>
+          <p:cNvPr id="16" name="文字方塊 15">
+            <a:extLst>
+              <a:ext uri="{FF2B5EF4-FFF2-40B4-BE49-F238E27FC236}">
+                <a16:creationId xmlns:a16="http://schemas.microsoft.com/office/drawing/2014/main" id="{48F91D10-1470-4601-AC96-C7C8AA0715A7}"/>
+              </a:ext>
+            </a:extLst>
+          </p:cNvPr>
+          <p:cNvSpPr txBox="1"/>
+          <p:nvPr/>
+        </p:nvSpPr>
+        <p:spPr>
+          <a:xfrm>
+            <a:off x="4495800" y="4256416"/>
+            <a:ext cx="9928122" cy="707886"/>
+          </a:xfrm>
+          <a:prstGeom prst="rect">
+            <a:avLst/>
+          </a:prstGeom>
+          <a:noFill/>
+        </p:spPr>
+        <p:txBody>
+          <a:bodyPr wrap="square">
+            <a:spAutoFit/>
+          </a:bodyPr>
+          <a:lstStyle/>
+          <a:p>
+            <a:r>
+              <a:rPr lang="zh-TW" altLang="en-US" sz="4000" dirty="0">
+                <a:latin typeface="微軟正黑體" panose="020B0604030504040204" pitchFamily="34" charset="-120"/>
+                <a:ea typeface="微軟正黑體" panose="020B0604030504040204" pitchFamily="34" charset="-120"/>
+              </a:rPr>
+              <a:t>判斷是否為</a:t>
+            </a:r>
+            <a:r>
+              <a:rPr lang="en-US" altLang="zh-TW" sz="4000" dirty="0">
+                <a:latin typeface="微軟正黑體" panose="020B0604030504040204" pitchFamily="34" charset="-120"/>
+                <a:ea typeface="微軟正黑體" panose="020B0604030504040204" pitchFamily="34" charset="-120"/>
+              </a:rPr>
+              <a:t>3</a:t>
+            </a:r>
+            <a:r>
+              <a:rPr lang="zh-TW" altLang="en-US" sz="4000" dirty="0">
+                <a:latin typeface="微軟正黑體" panose="020B0604030504040204" pitchFamily="34" charset="-120"/>
+                <a:ea typeface="微軟正黑體" panose="020B0604030504040204" pitchFamily="34" charset="-120"/>
+              </a:rPr>
+              <a:t>的倍數？是否為</a:t>
+            </a:r>
+            <a:r>
+              <a:rPr lang="en-US" altLang="zh-TW" sz="4000" dirty="0">
+                <a:latin typeface="微軟正黑體" panose="020B0604030504040204" pitchFamily="34" charset="-120"/>
+                <a:ea typeface="微軟正黑體" panose="020B0604030504040204" pitchFamily="34" charset="-120"/>
+              </a:rPr>
+              <a:t>7</a:t>
+            </a:r>
+            <a:r>
+              <a:rPr lang="zh-TW" altLang="en-US" sz="4000" dirty="0">
+                <a:latin typeface="微軟正黑體" panose="020B0604030504040204" pitchFamily="34" charset="-120"/>
+                <a:ea typeface="微軟正黑體" panose="020B0604030504040204" pitchFamily="34" charset="-120"/>
+              </a:rPr>
+              <a:t>的倍數？</a:t>
+            </a:r>
+          </a:p>
+        </p:txBody>
+      </p:sp>
+      <p:pic>
+        <p:nvPicPr>
+          <p:cNvPr id="18" name="圖片 17">
+            <a:extLst>
+              <a:ext uri="{FF2B5EF4-FFF2-40B4-BE49-F238E27FC236}">
+                <a16:creationId xmlns:a16="http://schemas.microsoft.com/office/drawing/2014/main" id="{133EDFBD-1375-4163-847B-4A08FF381ABE}"/>
+              </a:ext>
+            </a:extLst>
+          </p:cNvPr>
+          <p:cNvPicPr>
+            <a:picLocks noChangeAspect="1"/>
+          </p:cNvPicPr>
+          <p:nvPr/>
+        </p:nvPicPr>
+        <p:blipFill>
+          <a:blip r:embed="rId2"/>
+          <a:stretch>
+            <a:fillRect/>
+          </a:stretch>
+        </p:blipFill>
+        <p:spPr>
+          <a:xfrm>
+            <a:off x="-2757286" y="4957352"/>
+            <a:ext cx="8175445" cy="7626757"/>
+          </a:xfrm>
+          <a:prstGeom prst="rect">
+            <a:avLst/>
+          </a:prstGeom>
+        </p:spPr>
+      </p:pic>
+      <p:pic>
+        <p:nvPicPr>
+          <p:cNvPr id="8" name="圖片 7">
+            <a:extLst>
+              <a:ext uri="{FF2B5EF4-FFF2-40B4-BE49-F238E27FC236}">
+                <a16:creationId xmlns:a16="http://schemas.microsoft.com/office/drawing/2014/main" id="{A1CF49F8-F066-4324-8B91-F60A6BB4E65E}"/>
+              </a:ext>
+            </a:extLst>
+          </p:cNvPr>
+          <p:cNvPicPr>
+            <a:picLocks noChangeAspect="1"/>
+          </p:cNvPicPr>
+          <p:nvPr/>
+        </p:nvPicPr>
+        <p:blipFill>
+          <a:blip r:embed="rId3"/>
+          <a:stretch>
+            <a:fillRect/>
+          </a:stretch>
+        </p:blipFill>
+        <p:spPr>
+          <a:xfrm>
+            <a:off x="12954000" y="-2019300"/>
+            <a:ext cx="7657240" cy="7059780"/>
+          </a:xfrm>
+          <a:prstGeom prst="rect">
+            <a:avLst/>
+          </a:prstGeom>
+        </p:spPr>
+      </p:pic>
+    </p:spTree>
+    <p:extLst>
+      <p:ext uri="{BB962C8B-B14F-4D97-AF65-F5344CB8AC3E}">
+        <p14:creationId xmlns:p14="http://schemas.microsoft.com/office/powerpoint/2010/main" val="1248753871"/>
+      </p:ext>
+    </p:extLst>
+  </p:cSld>
+  <p:clrMapOvr>
+    <a:masterClrMapping/>
+  </p:clrMapOvr>
+</p:sld>
+</file>
+
+<file path=ppt/slides/slide11.xml><?xml version="1.0" encoding="utf-8"?>
+<p:sld xmlns:a="http://schemas.openxmlformats.org/drawingml/2006/main" xmlns:r="http://schemas.openxmlformats.org/officeDocument/2006/relationships" xmlns:p="http://schemas.openxmlformats.org/presentationml/2006/main">
+  <p:cSld>
+    <p:spTree>
+      <p:nvGrpSpPr>
+        <p:cNvPr id="1" name=""/>
+        <p:cNvGrpSpPr/>
+        <p:nvPr/>
+      </p:nvGrpSpPr>
+      <p:grpSpPr>
+        <a:xfrm>
+          <a:off x="0" y="0"/>
+          <a:ext cx="0" cy="0"/>
+          <a:chOff x="0" y="0"/>
+          <a:chExt cx="0" cy="0"/>
+        </a:xfrm>
+      </p:grpSpPr>
+      <p:pic>
+        <p:nvPicPr>
+          <p:cNvPr id="26" name="圖片 25">
+            <a:extLst>
+              <a:ext uri="{FF2B5EF4-FFF2-40B4-BE49-F238E27FC236}">
+                <a16:creationId xmlns:a16="http://schemas.microsoft.com/office/drawing/2014/main" id="{14A15061-053B-4A28-AE9D-125B749E4202}"/>
+              </a:ext>
+            </a:extLst>
+          </p:cNvPr>
+          <p:cNvPicPr>
+            <a:picLocks noChangeAspect="1"/>
+          </p:cNvPicPr>
+          <p:nvPr/>
+        </p:nvPicPr>
+        <p:blipFill>
+          <a:blip r:embed="rId2"/>
+          <a:stretch>
+            <a:fillRect/>
+          </a:stretch>
+        </p:blipFill>
+        <p:spPr>
+          <a:xfrm>
+            <a:off x="1905000" y="1562100"/>
+            <a:ext cx="15239999" cy="7924800"/>
+          </a:xfrm>
+          <a:prstGeom prst="rect">
+            <a:avLst/>
+          </a:prstGeom>
+        </p:spPr>
+      </p:pic>
+      <p:grpSp>
+        <p:nvGrpSpPr>
+          <p:cNvPr id="19" name="群組 18">
+            <a:extLst>
+              <a:ext uri="{FF2B5EF4-FFF2-40B4-BE49-F238E27FC236}">
+                <a16:creationId xmlns:a16="http://schemas.microsoft.com/office/drawing/2014/main" id="{CFEBD686-088C-4104-B139-3FE9C108D488}"/>
+              </a:ext>
+            </a:extLst>
+          </p:cNvPr>
+          <p:cNvGrpSpPr/>
+          <p:nvPr/>
+        </p:nvGrpSpPr>
+        <p:grpSpPr>
+          <a:xfrm>
+            <a:off x="762000" y="647700"/>
+            <a:ext cx="4876800" cy="1981200"/>
+            <a:chOff x="2743200" y="4076700"/>
+            <a:chExt cx="4800600" cy="1981200"/>
+          </a:xfrm>
+        </p:grpSpPr>
+        <p:sp>
+          <p:nvSpPr>
+            <p:cNvPr id="20" name="矩形 19">
+              <a:extLst>
+                <a:ext uri="{FF2B5EF4-FFF2-40B4-BE49-F238E27FC236}">
+                  <a16:creationId xmlns:a16="http://schemas.microsoft.com/office/drawing/2014/main" id="{07BD9B36-C800-4AE5-A241-E35FB5D91013}"/>
+                </a:ext>
+              </a:extLst>
+            </p:cNvPr>
+            <p:cNvSpPr/>
+            <p:nvPr/>
+          </p:nvSpPr>
+          <p:spPr>
+            <a:xfrm>
+              <a:off x="2971800" y="4229100"/>
+              <a:ext cx="4572000" cy="1828800"/>
+            </a:xfrm>
+            <a:prstGeom prst="rect">
+              <a:avLst/>
+            </a:prstGeom>
+            <a:solidFill>
+              <a:schemeClr val="tx2">
+                <a:lumMod val="50000"/>
+              </a:schemeClr>
+            </a:solidFill>
+            <a:ln>
+              <a:noFill/>
+            </a:ln>
+          </p:spPr>
+          <p:style>
+            <a:lnRef idx="2">
+              <a:schemeClr val="accent1">
+                <a:shade val="50000"/>
+              </a:schemeClr>
+            </a:lnRef>
+            <a:fillRef idx="1">
+              <a:schemeClr val="accent1"/>
+            </a:fillRef>
+            <a:effectRef idx="0">
+              <a:schemeClr val="accent1"/>
+            </a:effectRef>
+            <a:fontRef idx="minor">
+              <a:schemeClr val="lt1"/>
+            </a:fontRef>
+          </p:style>
+          <p:txBody>
+            <a:bodyPr rtlCol="0" anchor="ctr"/>
+            <a:lstStyle/>
+            <a:p>
+              <a:pPr algn="ctr"/>
+              <a:endParaRPr lang="zh-TW" altLang="en-US"/>
+            </a:p>
+          </p:txBody>
+        </p:sp>
+        <p:sp>
+          <p:nvSpPr>
+            <p:cNvPr id="21" name="矩形 20">
+              <a:extLst>
+                <a:ext uri="{FF2B5EF4-FFF2-40B4-BE49-F238E27FC236}">
+                  <a16:creationId xmlns:a16="http://schemas.microsoft.com/office/drawing/2014/main" id="{271A3F75-EC09-4E70-A48F-7FF78CF6EEA2}"/>
+                </a:ext>
+              </a:extLst>
+            </p:cNvPr>
+            <p:cNvSpPr/>
+            <p:nvPr/>
+          </p:nvSpPr>
+          <p:spPr>
+            <a:xfrm>
+              <a:off x="2743200" y="4076700"/>
+              <a:ext cx="4648200" cy="1828800"/>
+            </a:xfrm>
+            <a:prstGeom prst="rect">
+              <a:avLst/>
+            </a:prstGeom>
+            <a:solidFill>
+              <a:schemeClr val="accent1">
+                <a:lumMod val="40000"/>
+                <a:lumOff val="60000"/>
+              </a:schemeClr>
+            </a:solidFill>
+            <a:ln>
+              <a:noFill/>
+            </a:ln>
+          </p:spPr>
+          <p:style>
+            <a:lnRef idx="2">
+              <a:schemeClr val="accent1">
+                <a:shade val="50000"/>
+              </a:schemeClr>
+            </a:lnRef>
+            <a:fillRef idx="1">
+              <a:schemeClr val="accent1"/>
+            </a:fillRef>
+            <a:effectRef idx="0">
+              <a:schemeClr val="accent1"/>
+            </a:effectRef>
+            <a:fontRef idx="minor">
+              <a:schemeClr val="lt1"/>
+            </a:fontRef>
+          </p:style>
+          <p:txBody>
+            <a:bodyPr rtlCol="0" anchor="ctr"/>
+            <a:lstStyle/>
+            <a:p>
+              <a:pPr algn="ctr"/>
+              <a:endParaRPr lang="zh-TW" altLang="en-US"/>
+            </a:p>
+          </p:txBody>
+        </p:sp>
+      </p:grpSp>
+      <p:sp>
+        <p:nvSpPr>
+          <p:cNvPr id="22" name="文字方塊 21">
+            <a:extLst>
+              <a:ext uri="{FF2B5EF4-FFF2-40B4-BE49-F238E27FC236}">
+                <a16:creationId xmlns:a16="http://schemas.microsoft.com/office/drawing/2014/main" id="{EA4F5E9D-447E-4848-AE2D-D058D31F6F15}"/>
+              </a:ext>
+            </a:extLst>
+          </p:cNvPr>
+          <p:cNvSpPr txBox="1"/>
+          <p:nvPr/>
+        </p:nvSpPr>
+        <p:spPr>
+          <a:xfrm>
+            <a:off x="1286025" y="1029206"/>
+            <a:ext cx="7239000" cy="1015663"/>
+          </a:xfrm>
+          <a:prstGeom prst="rect">
+            <a:avLst/>
+          </a:prstGeom>
+          <a:noFill/>
+        </p:spPr>
+        <p:txBody>
+          <a:bodyPr wrap="square" rtlCol="0">
+            <a:spAutoFit/>
+          </a:bodyPr>
+          <a:lstStyle/>
+          <a:p>
+            <a:r>
+              <a:rPr lang="zh-TW" altLang="en-US" sz="6000" dirty="0">
+                <a:latin typeface="王漢宗細圓體繁" panose="02020300000000000000" pitchFamily="18" charset="-120"/>
+                <a:ea typeface="王漢宗細圓體繁" panose="02020300000000000000" pitchFamily="18" charset="-120"/>
+              </a:rPr>
+              <a:t>邏輯運算子</a:t>
+            </a:r>
+          </a:p>
+        </p:txBody>
+      </p:sp>
+      <p:sp>
+        <p:nvSpPr>
+          <p:cNvPr id="2" name="文字方塊 1">
+            <a:extLst>
+              <a:ext uri="{FF2B5EF4-FFF2-40B4-BE49-F238E27FC236}">
+                <a16:creationId xmlns:a16="http://schemas.microsoft.com/office/drawing/2014/main" id="{50951D73-7407-4FF8-B09D-D3197ECE24A6}"/>
+              </a:ext>
+            </a:extLst>
+          </p:cNvPr>
+          <p:cNvSpPr txBox="1"/>
+          <p:nvPr/>
+        </p:nvSpPr>
+        <p:spPr>
+          <a:xfrm>
+            <a:off x="3316514" y="3239454"/>
+            <a:ext cx="12420600" cy="3375283"/>
+          </a:xfrm>
+          <a:prstGeom prst="rect">
+            <a:avLst/>
+          </a:prstGeom>
+          <a:noFill/>
+        </p:spPr>
+        <p:txBody>
+          <a:bodyPr wrap="square" rtlCol="0">
+            <a:spAutoFit/>
+          </a:bodyPr>
+          <a:lstStyle/>
+          <a:p>
+            <a:pPr marL="228600" marR="0" lvl="0" indent="-228600" algn="l" defTabSz="914400" rtl="0" eaLnBrk="1" fontAlgn="auto" latinLnBrk="0" hangingPunct="1">
+              <a:lnSpc>
+                <a:spcPct val="90000"/>
+              </a:lnSpc>
+              <a:spcBef>
+                <a:spcPts val="1000"/>
+              </a:spcBef>
+              <a:spcAft>
+                <a:spcPts val="0"/>
+              </a:spcAft>
+              <a:buClrTx/>
+              <a:buSzTx/>
+              <a:buFont typeface="Arial" panose="020B0604020202020204" pitchFamily="34" charset="0"/>
+              <a:buChar char="•"/>
+              <a:tabLst/>
+              <a:defRPr/>
+            </a:pPr>
+            <a:r>
+              <a:rPr kumimoji="0" lang="zh-TW" altLang="en-US" sz="4000" b="0" i="0" u="none" strike="noStrike" kern="1200" cap="none" spc="0" normalizeH="0" baseline="0" noProof="0" dirty="0">
+                <a:ln>
+                  <a:noFill/>
+                </a:ln>
+                <a:solidFill>
+                  <a:prstClr val="black"/>
+                </a:solidFill>
+                <a:effectLst/>
+                <a:uLnTx/>
+                <a:uFillTx/>
+                <a:latin typeface="微軟正黑體" panose="020B0604030504040204" pitchFamily="34" charset="-120"/>
+                <a:ea typeface="微軟正黑體" panose="020B0604030504040204" pitchFamily="34" charset="-120"/>
+              </a:rPr>
+              <a:t>而且 </a:t>
+            </a:r>
+            <a:r>
+              <a:rPr kumimoji="0" lang="en-US" altLang="zh-TW" sz="4000" b="0" i="0" u="none" strike="noStrike" kern="1200" cap="none" spc="0" normalizeH="0" baseline="0" noProof="0" dirty="0">
+                <a:ln>
+                  <a:noFill/>
+                </a:ln>
+                <a:solidFill>
+                  <a:prstClr val="black"/>
+                </a:solidFill>
+                <a:effectLst/>
+                <a:uLnTx/>
+                <a:uFillTx/>
+                <a:latin typeface="微軟正黑體" panose="020B0604030504040204" pitchFamily="34" charset="-120"/>
+                <a:ea typeface="微軟正黑體" panose="020B0604030504040204" pitchFamily="34" charset="-120"/>
+              </a:rPr>
+              <a:t>(&amp;&amp;</a:t>
+            </a:r>
+            <a:r>
+              <a:rPr kumimoji="0" lang="zh-TW" altLang="en-US" sz="4000" b="0" i="0" u="none" strike="noStrike" kern="1200" cap="none" spc="0" normalizeH="0" baseline="0" noProof="0" dirty="0">
+                <a:ln>
+                  <a:noFill/>
+                </a:ln>
+                <a:solidFill>
+                  <a:prstClr val="black"/>
+                </a:solidFill>
+                <a:effectLst/>
+                <a:uLnTx/>
+                <a:uFillTx/>
+                <a:latin typeface="微軟正黑體" panose="020B0604030504040204" pitchFamily="34" charset="-120"/>
+                <a:ea typeface="微軟正黑體" panose="020B0604030504040204" pitchFamily="34" charset="-120"/>
+              </a:rPr>
+              <a:t>、</a:t>
+            </a:r>
+            <a:r>
+              <a:rPr kumimoji="0" lang="en-US" altLang="zh-TW" sz="4000" b="0" i="0" u="none" strike="noStrike" kern="1200" cap="none" spc="0" normalizeH="0" baseline="0" noProof="0" dirty="0">
+                <a:ln>
+                  <a:noFill/>
+                </a:ln>
+                <a:solidFill>
+                  <a:prstClr val="black"/>
+                </a:solidFill>
+                <a:effectLst/>
+                <a:uLnTx/>
+                <a:uFillTx/>
+                <a:latin typeface="微軟正黑體" panose="020B0604030504040204" pitchFamily="34" charset="-120"/>
+                <a:ea typeface="微軟正黑體" panose="020B0604030504040204" pitchFamily="34" charset="-120"/>
+              </a:rPr>
+              <a:t>and)</a:t>
+            </a:r>
+          </a:p>
+          <a:p>
+            <a:pPr marL="228600" marR="0" lvl="0" indent="-228600" algn="l" defTabSz="914400" rtl="0" eaLnBrk="1" fontAlgn="auto" latinLnBrk="0" hangingPunct="1">
+              <a:lnSpc>
+                <a:spcPct val="90000"/>
+              </a:lnSpc>
+              <a:spcBef>
+                <a:spcPts val="1000"/>
+              </a:spcBef>
+              <a:spcAft>
+                <a:spcPts val="0"/>
+              </a:spcAft>
+              <a:buClrTx/>
+              <a:buSzTx/>
+              <a:buFont typeface="Arial" panose="020B0604020202020204" pitchFamily="34" charset="0"/>
+              <a:buChar char="•"/>
+              <a:tabLst/>
+              <a:defRPr/>
+            </a:pPr>
+            <a:endParaRPr kumimoji="0" lang="en-US" altLang="zh-TW" sz="4000" b="0" i="0" u="none" strike="noStrike" kern="1200" cap="none" spc="0" normalizeH="0" baseline="0" noProof="0" dirty="0">
+              <a:ln>
+                <a:noFill/>
+              </a:ln>
+              <a:solidFill>
+                <a:prstClr val="black"/>
+              </a:solidFill>
+              <a:effectLst/>
+              <a:uLnTx/>
+              <a:uFillTx/>
+              <a:latin typeface="微軟正黑體" panose="020B0604030504040204" pitchFamily="34" charset="-120"/>
+              <a:ea typeface="微軟正黑體" panose="020B0604030504040204" pitchFamily="34" charset="-120"/>
+            </a:endParaRPr>
+          </a:p>
+          <a:p>
+            <a:pPr marL="228600" marR="0" lvl="0" indent="-228600" algn="l" defTabSz="914400" rtl="0" eaLnBrk="1" fontAlgn="auto" latinLnBrk="0" hangingPunct="1">
+              <a:lnSpc>
+                <a:spcPct val="90000"/>
+              </a:lnSpc>
+              <a:spcBef>
+                <a:spcPts val="1000"/>
+              </a:spcBef>
+              <a:spcAft>
+                <a:spcPts val="0"/>
+              </a:spcAft>
+              <a:buClrTx/>
+              <a:buSzTx/>
+              <a:buFont typeface="Arial" panose="020B0604020202020204" pitchFamily="34" charset="0"/>
+              <a:buChar char="•"/>
+              <a:tabLst/>
+              <a:defRPr/>
+            </a:pPr>
+            <a:r>
+              <a:rPr kumimoji="0" lang="zh-TW" altLang="en-US" sz="4000" b="0" i="0" u="none" strike="noStrike" kern="1200" cap="none" spc="0" normalizeH="0" baseline="0" noProof="0" dirty="0">
+                <a:ln>
+                  <a:noFill/>
+                </a:ln>
+                <a:solidFill>
+                  <a:prstClr val="black"/>
+                </a:solidFill>
+                <a:effectLst/>
+                <a:uLnTx/>
+                <a:uFillTx/>
+                <a:latin typeface="微軟正黑體" panose="020B0604030504040204" pitchFamily="34" charset="-120"/>
+                <a:ea typeface="微軟正黑體" panose="020B0604030504040204" pitchFamily="34" charset="-120"/>
+              </a:rPr>
+              <a:t>或</a:t>
+            </a:r>
+            <a:r>
+              <a:rPr kumimoji="0" lang="en-US" altLang="zh-TW" sz="4000" b="0" i="0" u="none" strike="noStrike" kern="1200" cap="none" spc="0" normalizeH="0" baseline="0" noProof="0" dirty="0">
+                <a:ln>
+                  <a:noFill/>
+                </a:ln>
+                <a:solidFill>
+                  <a:prstClr val="black"/>
+                </a:solidFill>
+                <a:effectLst/>
+                <a:uLnTx/>
+                <a:uFillTx/>
+                <a:latin typeface="微軟正黑體" panose="020B0604030504040204" pitchFamily="34" charset="-120"/>
+                <a:ea typeface="微軟正黑體" panose="020B0604030504040204" pitchFamily="34" charset="-120"/>
+              </a:rPr>
+              <a:t>( || </a:t>
+            </a:r>
+            <a:r>
+              <a:rPr kumimoji="0" lang="zh-TW" altLang="en-US" sz="4000" b="0" i="0" u="none" strike="noStrike" kern="1200" cap="none" spc="0" normalizeH="0" baseline="0" noProof="0" dirty="0">
+                <a:ln>
+                  <a:noFill/>
+                </a:ln>
+                <a:solidFill>
+                  <a:prstClr val="black"/>
+                </a:solidFill>
+                <a:effectLst/>
+                <a:uLnTx/>
+                <a:uFillTx/>
+                <a:latin typeface="微軟正黑體" panose="020B0604030504040204" pitchFamily="34" charset="-120"/>
+                <a:ea typeface="微軟正黑體" panose="020B0604030504040204" pitchFamily="34" charset="-120"/>
+              </a:rPr>
+              <a:t>、</a:t>
+            </a:r>
+            <a:r>
+              <a:rPr kumimoji="0" lang="en-US" altLang="zh-TW" sz="4000" b="0" i="0" u="none" strike="noStrike" kern="1200" cap="none" spc="0" normalizeH="0" baseline="0" noProof="0" dirty="0">
+                <a:ln>
+                  <a:noFill/>
+                </a:ln>
+                <a:solidFill>
+                  <a:prstClr val="black"/>
+                </a:solidFill>
+                <a:effectLst/>
+                <a:uLnTx/>
+                <a:uFillTx/>
+                <a:latin typeface="微軟正黑體" panose="020B0604030504040204" pitchFamily="34" charset="-120"/>
+                <a:ea typeface="微軟正黑體" panose="020B0604030504040204" pitchFamily="34" charset="-120"/>
+              </a:rPr>
+              <a:t>or)</a:t>
+            </a:r>
+          </a:p>
+          <a:p>
+            <a:pPr marL="228600" marR="0" lvl="0" indent="-228600" algn="l" defTabSz="914400" rtl="0" eaLnBrk="1" fontAlgn="auto" latinLnBrk="0" hangingPunct="1">
+              <a:lnSpc>
+                <a:spcPct val="90000"/>
+              </a:lnSpc>
+              <a:spcBef>
+                <a:spcPts val="1000"/>
+              </a:spcBef>
+              <a:spcAft>
+                <a:spcPts val="0"/>
+              </a:spcAft>
+              <a:buClrTx/>
+              <a:buSzTx/>
+              <a:buFont typeface="Arial" panose="020B0604020202020204" pitchFamily="34" charset="0"/>
+              <a:buChar char="•"/>
+              <a:tabLst/>
+              <a:defRPr/>
+            </a:pPr>
+            <a:endParaRPr kumimoji="0" lang="en-US" altLang="zh-TW" sz="4000" b="0" i="0" u="none" strike="noStrike" kern="1200" cap="none" spc="0" normalizeH="0" baseline="0" noProof="0" dirty="0">
+              <a:ln>
+                <a:noFill/>
+              </a:ln>
+              <a:solidFill>
+                <a:prstClr val="black"/>
+              </a:solidFill>
+              <a:effectLst/>
+              <a:uLnTx/>
+              <a:uFillTx/>
+              <a:latin typeface="微軟正黑體" panose="020B0604030504040204" pitchFamily="34" charset="-120"/>
+              <a:ea typeface="微軟正黑體" panose="020B0604030504040204" pitchFamily="34" charset="-120"/>
+            </a:endParaRPr>
+          </a:p>
+          <a:p>
+            <a:pPr marL="228600" marR="0" lvl="0" indent="-228600" algn="l" defTabSz="914400" rtl="0" eaLnBrk="1" fontAlgn="auto" latinLnBrk="0" hangingPunct="1">
+              <a:lnSpc>
+                <a:spcPct val="90000"/>
+              </a:lnSpc>
+              <a:spcBef>
+                <a:spcPts val="1000"/>
+              </a:spcBef>
+              <a:spcAft>
+                <a:spcPts val="0"/>
+              </a:spcAft>
+              <a:buClrTx/>
+              <a:buSzTx/>
+              <a:buFont typeface="Arial" panose="020B0604020202020204" pitchFamily="34" charset="0"/>
+              <a:buChar char="•"/>
+              <a:tabLst/>
+              <a:defRPr/>
+            </a:pPr>
+            <a:r>
+              <a:rPr kumimoji="0" lang="zh-TW" altLang="en-US" sz="4000" b="0" i="0" u="none" strike="noStrike" kern="1200" cap="none" spc="0" normalizeH="0" baseline="0" noProof="0" dirty="0">
+                <a:ln>
+                  <a:noFill/>
+                </a:ln>
+                <a:solidFill>
+                  <a:prstClr val="black"/>
+                </a:solidFill>
+                <a:effectLst/>
+                <a:uLnTx/>
+                <a:uFillTx/>
+                <a:latin typeface="微軟正黑體" panose="020B0604030504040204" pitchFamily="34" charset="-120"/>
+                <a:ea typeface="微軟正黑體" panose="020B0604030504040204" pitchFamily="34" charset="-120"/>
+              </a:rPr>
+              <a:t>空集合</a:t>
+            </a:r>
+            <a:r>
+              <a:rPr kumimoji="0" lang="en-US" altLang="zh-TW" sz="4000" b="0" i="0" u="none" strike="noStrike" kern="1200" cap="none" spc="0" normalizeH="0" baseline="0" noProof="0" dirty="0">
+                <a:ln>
+                  <a:noFill/>
+                </a:ln>
+                <a:solidFill>
+                  <a:prstClr val="black"/>
+                </a:solidFill>
+                <a:effectLst/>
+                <a:uLnTx/>
+                <a:uFillTx/>
+                <a:latin typeface="微軟正黑體" panose="020B0604030504040204" pitchFamily="34" charset="-120"/>
+                <a:ea typeface="微軟正黑體" panose="020B0604030504040204" pitchFamily="34" charset="-120"/>
+              </a:rPr>
+              <a:t>(null)</a:t>
+            </a:r>
+          </a:p>
+        </p:txBody>
+      </p:sp>
+      <p:pic>
+        <p:nvPicPr>
+          <p:cNvPr id="24" name="圖片 23">
+            <a:extLst>
+              <a:ext uri="{FF2B5EF4-FFF2-40B4-BE49-F238E27FC236}">
+                <a16:creationId xmlns:a16="http://schemas.microsoft.com/office/drawing/2014/main" id="{98C1097A-08F5-4F85-851D-C0A222C4D8EA}"/>
+              </a:ext>
+            </a:extLst>
+          </p:cNvPr>
+          <p:cNvPicPr>
+            <a:picLocks noChangeAspect="1"/>
+          </p:cNvPicPr>
+          <p:nvPr/>
+        </p:nvPicPr>
+        <p:blipFill>
+          <a:blip r:embed="rId3"/>
+          <a:stretch>
+            <a:fillRect/>
+          </a:stretch>
+        </p:blipFill>
+        <p:spPr>
+          <a:xfrm rot="11061474">
+            <a:off x="-3324245" y="5307143"/>
+            <a:ext cx="7657240" cy="7059780"/>
+          </a:xfrm>
+          <a:prstGeom prst="rect">
+            <a:avLst/>
+          </a:prstGeom>
+        </p:spPr>
+      </p:pic>
+      <p:pic>
+        <p:nvPicPr>
+          <p:cNvPr id="5" name="圖片 4">
+            <a:extLst>
+              <a:ext uri="{FF2B5EF4-FFF2-40B4-BE49-F238E27FC236}">
+                <a16:creationId xmlns:a16="http://schemas.microsoft.com/office/drawing/2014/main" id="{B279E9A2-7007-4B6D-ADFE-34554FCF6528}"/>
+              </a:ext>
+            </a:extLst>
+          </p:cNvPr>
+          <p:cNvPicPr>
+            <a:picLocks noChangeAspect="1"/>
+          </p:cNvPicPr>
+          <p:nvPr/>
+        </p:nvPicPr>
+        <p:blipFill>
+          <a:blip r:embed="rId4"/>
+          <a:stretch>
+            <a:fillRect/>
+          </a:stretch>
+        </p:blipFill>
+        <p:spPr>
+          <a:xfrm>
+            <a:off x="13959603" y="-206258"/>
+            <a:ext cx="5456393" cy="4188315"/>
+          </a:xfrm>
+          <a:prstGeom prst="rect">
+            <a:avLst/>
+          </a:prstGeom>
+        </p:spPr>
+      </p:pic>
+    </p:spTree>
+    <p:extLst>
+      <p:ext uri="{BB962C8B-B14F-4D97-AF65-F5344CB8AC3E}">
+        <p14:creationId xmlns:p14="http://schemas.microsoft.com/office/powerpoint/2010/main" val="733201500"/>
+      </p:ext>
+    </p:extLst>
+  </p:cSld>
+  <p:clrMapOvr>
+    <a:masterClrMapping/>
+  </p:clrMapOvr>
+</p:sld>
+</file>
+
+<file path=ppt/slides/slide12.xml><?xml version="1.0" encoding="utf-8"?>
 <p:sld xmlns:a="http://schemas.openxmlformats.org/drawingml/2006/main" xmlns:r="http://schemas.openxmlformats.org/officeDocument/2006/relationships" xmlns:p="http://schemas.openxmlformats.org/presentationml/2006/main">
   <p:cSld>
     <p:spTree>
@@ -4874,54 +5782,54 @@
           <a:p>
             <a:r>
               <a:rPr lang="zh-TW" altLang="en-US" sz="4000" dirty="0">
-                <a:latin typeface="王漢宗細圓體繁" panose="02020300000000000000" pitchFamily="18" charset="-120"/>
-                <a:ea typeface="王漢宗細圓體繁" panose="02020300000000000000" pitchFamily="18" charset="-120"/>
+                <a:latin typeface="微軟正黑體" panose="020B0604030504040204" pitchFamily="34" charset="-120"/>
+                <a:ea typeface="微軟正黑體" panose="020B0604030504040204" pitchFamily="34" charset="-120"/>
               </a:rPr>
               <a:t>需要重複執行的程式，</a:t>
             </a:r>
             <a:endParaRPr lang="en-US" altLang="zh-TW" sz="4000" dirty="0">
-              <a:latin typeface="王漢宗細圓體繁" panose="02020300000000000000" pitchFamily="18" charset="-120"/>
-              <a:ea typeface="王漢宗細圓體繁" panose="02020300000000000000" pitchFamily="18" charset="-120"/>
+              <a:latin typeface="微軟正黑體" panose="020B0604030504040204" pitchFamily="34" charset="-120"/>
+              <a:ea typeface="微軟正黑體" panose="020B0604030504040204" pitchFamily="34" charset="-120"/>
             </a:endParaRPr>
           </a:p>
           <a:p>
             <a:r>
               <a:rPr lang="zh-TW" altLang="en-US" sz="4000" dirty="0">
-                <a:latin typeface="王漢宗細圓體繁" panose="02020300000000000000" pitchFamily="18" charset="-120"/>
-                <a:ea typeface="王漢宗細圓體繁" panose="02020300000000000000" pitchFamily="18" charset="-120"/>
+                <a:latin typeface="微軟正黑體" panose="020B0604030504040204" pitchFamily="34" charset="-120"/>
+                <a:ea typeface="微軟正黑體" panose="020B0604030504040204" pitchFamily="34" charset="-120"/>
               </a:rPr>
               <a:t>但我們不可能寫一句程式碼十行，所以寫一行請程式幫我們寫</a:t>
             </a:r>
             <a:r>
               <a:rPr lang="en-US" altLang="zh-TW" sz="4000" dirty="0">
-                <a:latin typeface="王漢宗細圓體繁" panose="02020300000000000000" pitchFamily="18" charset="-120"/>
-                <a:ea typeface="王漢宗細圓體繁" panose="02020300000000000000" pitchFamily="18" charset="-120"/>
+                <a:latin typeface="微軟正黑體" panose="020B0604030504040204" pitchFamily="34" charset="-120"/>
+                <a:ea typeface="微軟正黑體" panose="020B0604030504040204" pitchFamily="34" charset="-120"/>
               </a:rPr>
               <a:t>10</a:t>
             </a:r>
             <a:r>
               <a:rPr lang="zh-TW" altLang="en-US" sz="4000" dirty="0">
-                <a:latin typeface="王漢宗細圓體繁" panose="02020300000000000000" pitchFamily="18" charset="-120"/>
-                <a:ea typeface="王漢宗細圓體繁" panose="02020300000000000000" pitchFamily="18" charset="-120"/>
+                <a:latin typeface="微軟正黑體" panose="020B0604030504040204" pitchFamily="34" charset="-120"/>
+                <a:ea typeface="微軟正黑體" panose="020B0604030504040204" pitchFamily="34" charset="-120"/>
               </a:rPr>
               <a:t>行</a:t>
             </a:r>
             <a:endParaRPr lang="en-US" altLang="zh-TW" sz="4000" dirty="0">
-              <a:latin typeface="王漢宗細圓體繁" panose="02020300000000000000" pitchFamily="18" charset="-120"/>
-              <a:ea typeface="王漢宗細圓體繁" panose="02020300000000000000" pitchFamily="18" charset="-120"/>
+              <a:latin typeface="微軟正黑體" panose="020B0604030504040204" pitchFamily="34" charset="-120"/>
+              <a:ea typeface="微軟正黑體" panose="020B0604030504040204" pitchFamily="34" charset="-120"/>
             </a:endParaRPr>
           </a:p>
           <a:p>
             <a:endParaRPr lang="zh-TW" altLang="en-US" sz="4000" dirty="0">
-              <a:latin typeface="王漢宗細圓體繁" panose="02020300000000000000" pitchFamily="18" charset="-120"/>
-              <a:ea typeface="王漢宗細圓體繁" panose="02020300000000000000" pitchFamily="18" charset="-120"/>
+              <a:latin typeface="微軟正黑體" panose="020B0604030504040204" pitchFamily="34" charset="-120"/>
+              <a:ea typeface="微軟正黑體" panose="020B0604030504040204" pitchFamily="34" charset="-120"/>
             </a:endParaRPr>
           </a:p>
           <a:p>
             <a:r>
               <a:rPr lang="zh-TW" altLang="en-US" sz="4000" dirty="0">
-                <a:latin typeface="王漢宗細圓體繁" panose="02020300000000000000" pitchFamily="18" charset="-120"/>
-                <a:ea typeface="王漢宗細圓體繁" panose="02020300000000000000" pitchFamily="18" charset="-120"/>
+                <a:latin typeface="微軟正黑體" panose="020B0604030504040204" pitchFamily="34" charset="-120"/>
+                <a:ea typeface="微軟正黑體" panose="020B0604030504040204" pitchFamily="34" charset="-120"/>
               </a:rPr>
               <a:t>迴圈三要素</a:t>
             </a:r>
@@ -4971,67 +5879,7 @@
 </p:sld>
 </file>
 
-<file path=ppt/slides/slide11.xml><?xml version="1.0" encoding="utf-8"?>
-<p:sld xmlns:a="http://schemas.openxmlformats.org/drawingml/2006/main" xmlns:r="http://schemas.openxmlformats.org/officeDocument/2006/relationships" xmlns:p="http://schemas.openxmlformats.org/presentationml/2006/main">
-  <p:cSld>
-    <p:spTree>
-      <p:nvGrpSpPr>
-        <p:cNvPr id="1" name=""/>
-        <p:cNvGrpSpPr/>
-        <p:nvPr/>
-      </p:nvGrpSpPr>
-      <p:grpSpPr>
-        <a:xfrm>
-          <a:off x="0" y="0"/>
-          <a:ext cx="0" cy="0"/>
-          <a:chOff x="0" y="0"/>
-          <a:chExt cx="0" cy="0"/>
-        </a:xfrm>
-      </p:grpSpPr>
-      <p:pic>
-        <p:nvPicPr>
-          <p:cNvPr id="2" name="圖片 1">
-            <a:extLst>
-              <a:ext uri="{FF2B5EF4-FFF2-40B4-BE49-F238E27FC236}">
-                <a16:creationId xmlns:a16="http://schemas.microsoft.com/office/drawing/2014/main" id="{9986164D-4D7A-49FE-94C5-21D11E235DAE}"/>
-              </a:ext>
-            </a:extLst>
-          </p:cNvPr>
-          <p:cNvPicPr>
-            <a:picLocks noChangeAspect="1"/>
-          </p:cNvPicPr>
-          <p:nvPr/>
-        </p:nvPicPr>
-        <p:blipFill>
-          <a:blip r:embed="rId2"/>
-          <a:stretch>
-            <a:fillRect/>
-          </a:stretch>
-        </p:blipFill>
-        <p:spPr>
-          <a:xfrm>
-            <a:off x="4041439" y="1524000"/>
-            <a:ext cx="10205122" cy="7239000"/>
-          </a:xfrm>
-          <a:prstGeom prst="rect">
-            <a:avLst/>
-          </a:prstGeom>
-        </p:spPr>
-      </p:pic>
-    </p:spTree>
-    <p:extLst>
-      <p:ext uri="{BB962C8B-B14F-4D97-AF65-F5344CB8AC3E}">
-        <p14:creationId xmlns:p14="http://schemas.microsoft.com/office/powerpoint/2010/main" val="3309659935"/>
-      </p:ext>
-    </p:extLst>
-  </p:cSld>
-  <p:clrMapOvr>
-    <a:masterClrMapping/>
-  </p:clrMapOvr>
-</p:sld>
-</file>
-
-<file path=ppt/slides/slide12.xml><?xml version="1.0" encoding="utf-8"?>
+<file path=ppt/slides/slide13.xml><?xml version="1.0" encoding="utf-8"?>
 <p:sld xmlns:a="http://schemas.openxmlformats.org/drawingml/2006/main" xmlns:r="http://schemas.openxmlformats.org/officeDocument/2006/relationships" xmlns:p="http://schemas.openxmlformats.org/presentationml/2006/main">
   <p:cSld>
     <p:spTree>
@@ -5289,7 +6137,7 @@
 </p:sld>
 </file>
 
-<file path=ppt/slides/slide13.xml><?xml version="1.0" encoding="utf-8"?>
+<file path=ppt/slides/slide14.xml><?xml version="1.0" encoding="utf-8"?>
 <p:sld xmlns:a="http://schemas.openxmlformats.org/drawingml/2006/main" xmlns:r="http://schemas.openxmlformats.org/officeDocument/2006/relationships" xmlns:p="http://schemas.openxmlformats.org/presentationml/2006/main">
   <p:cSld>
     <p:spTree>
@@ -5351,7 +6199,7 @@
         <p:grpSpPr>
           <a:xfrm>
             <a:off x="762000" y="647700"/>
-            <a:ext cx="2890946" cy="1981200"/>
+            <a:ext cx="5846570" cy="1981200"/>
             <a:chOff x="2743200" y="4076700"/>
             <a:chExt cx="4800600" cy="1981200"/>
           </a:xfrm>
@@ -5499,7 +6347,7 @@
                 <a:latin typeface="王漢宗細圓體繁" panose="02020300000000000000" pitchFamily="18" charset="-120"/>
                 <a:ea typeface="王漢宗細圓體繁" panose="02020300000000000000" pitchFamily="18" charset="-120"/>
               </a:rPr>
-              <a:t>陣列</a:t>
+              <a:t>迴圈進階應用</a:t>
             </a:r>
           </a:p>
         </p:txBody>
@@ -5536,10 +6384,10 @@
       </p:pic>
       <p:sp>
         <p:nvSpPr>
-          <p:cNvPr id="6" name="文字方塊 5">
+          <p:cNvPr id="5" name="文字方塊 4">
             <a:extLst>
               <a:ext uri="{FF2B5EF4-FFF2-40B4-BE49-F238E27FC236}">
-                <a16:creationId xmlns:a16="http://schemas.microsoft.com/office/drawing/2014/main" id="{9549994B-4AD1-4635-89B5-AFA53DC6D4A9}"/>
+                <a16:creationId xmlns:a16="http://schemas.microsoft.com/office/drawing/2014/main" id="{CBD7C637-D9F0-4D09-BE9F-23011C7BFFFC}"/>
               </a:ext>
             </a:extLst>
           </p:cNvPr>
@@ -5548,8 +6396,8 @@
         </p:nvSpPr>
         <p:spPr>
           <a:xfrm>
-            <a:off x="4244212" y="2154346"/>
-            <a:ext cx="11277600" cy="6740307"/>
+            <a:off x="3453257" y="3604607"/>
+            <a:ext cx="8077200" cy="1938992"/>
           </a:xfrm>
           <a:prstGeom prst="rect">
             <a:avLst/>
@@ -5563,276 +6411,55 @@
           <a:lstStyle/>
           <a:p>
             <a:r>
-              <a:rPr lang="zh-TW" altLang="en-US" sz="3600" dirty="0">
-                <a:latin typeface="王漢宗細圓體繁" panose="02020300000000000000" pitchFamily="18" charset="-120"/>
-                <a:ea typeface="王漢宗細圓體繁" panose="02020300000000000000" pitchFamily="18" charset="-120"/>
-              </a:rPr>
-              <a:t>一個變數可裝多個資料</a:t>
-            </a:r>
-            <a:endParaRPr lang="en-US" altLang="zh-TW" sz="3600" dirty="0">
-              <a:latin typeface="王漢宗細圓體繁" panose="02020300000000000000" pitchFamily="18" charset="-120"/>
-              <a:ea typeface="王漢宗細圓體繁" panose="02020300000000000000" pitchFamily="18" charset="-120"/>
+              <a:rPr lang="en-US" altLang="zh-TW" sz="4000" dirty="0">
+                <a:latin typeface="微軟正黑體" panose="020B0604030504040204" pitchFamily="34" charset="-120"/>
+                <a:ea typeface="微軟正黑體" panose="020B0604030504040204" pitchFamily="34" charset="-120"/>
+              </a:rPr>
+              <a:t>break(</a:t>
+            </a:r>
+            <a:r>
+              <a:rPr lang="zh-TW" altLang="en-US" sz="4000" dirty="0">
+                <a:latin typeface="微軟正黑體" panose="020B0604030504040204" pitchFamily="34" charset="-120"/>
+                <a:ea typeface="微軟正黑體" panose="020B0604030504040204" pitchFamily="34" charset="-120"/>
+              </a:rPr>
+              <a:t>跳出迴圈</a:t>
+            </a:r>
+            <a:r>
+              <a:rPr lang="en-US" altLang="zh-TW" sz="4000" dirty="0">
+                <a:latin typeface="微軟正黑體" panose="020B0604030504040204" pitchFamily="34" charset="-120"/>
+                <a:ea typeface="微軟正黑體" panose="020B0604030504040204" pitchFamily="34" charset="-120"/>
+              </a:rPr>
+              <a:t>)</a:t>
+            </a:r>
+          </a:p>
+          <a:p>
+            <a:endParaRPr lang="en-US" altLang="zh-TW" sz="4000" dirty="0">
+              <a:latin typeface="微軟正黑體" panose="020B0604030504040204" pitchFamily="34" charset="-120"/>
+              <a:ea typeface="微軟正黑體" panose="020B0604030504040204" pitchFamily="34" charset="-120"/>
             </a:endParaRPr>
           </a:p>
           <a:p>
             <a:r>
-              <a:rPr lang="en-US" altLang="zh-TW" sz="3600" dirty="0">
-                <a:latin typeface="王漢宗細圓體繁" panose="02020300000000000000" pitchFamily="18" charset="-120"/>
-                <a:ea typeface="王漢宗細圓體繁" panose="02020300000000000000" pitchFamily="18" charset="-120"/>
-              </a:rPr>
-              <a:t>$</a:t>
-            </a:r>
-            <a:r>
-              <a:rPr lang="en-US" altLang="zh-TW" sz="3600" dirty="0" err="1">
-                <a:latin typeface="王漢宗細圓體繁" panose="02020300000000000000" pitchFamily="18" charset="-120"/>
-                <a:ea typeface="王漢宗細圓體繁" panose="02020300000000000000" pitchFamily="18" charset="-120"/>
-              </a:rPr>
-              <a:t>arr</a:t>
-            </a:r>
-            <a:r>
-              <a:rPr lang="en-US" altLang="zh-TW" sz="3600" dirty="0">
-                <a:latin typeface="王漢宗細圓體繁" panose="02020300000000000000" pitchFamily="18" charset="-120"/>
-                <a:ea typeface="王漢宗細圓體繁" panose="02020300000000000000" pitchFamily="18" charset="-120"/>
-              </a:rPr>
-              <a:t> = array(</a:t>
-            </a:r>
-            <a:r>
-              <a:rPr lang="zh-TW" altLang="en-US" sz="3600" dirty="0">
-                <a:latin typeface="王漢宗細圓體繁" panose="02020300000000000000" pitchFamily="18" charset="-120"/>
-                <a:ea typeface="王漢宗細圓體繁" panose="02020300000000000000" pitchFamily="18" charset="-120"/>
-              </a:rPr>
-              <a:t>資料</a:t>
-            </a:r>
-            <a:r>
-              <a:rPr lang="en-US" altLang="zh-TW" sz="3600" dirty="0">
-                <a:latin typeface="王漢宗細圓體繁" panose="02020300000000000000" pitchFamily="18" charset="-120"/>
-                <a:ea typeface="王漢宗細圓體繁" panose="02020300000000000000" pitchFamily="18" charset="-120"/>
-              </a:rPr>
-              <a:t>,</a:t>
-            </a:r>
-            <a:r>
-              <a:rPr lang="zh-TW" altLang="en-US" sz="3600" dirty="0">
-                <a:latin typeface="王漢宗細圓體繁" panose="02020300000000000000" pitchFamily="18" charset="-120"/>
-                <a:ea typeface="王漢宗細圓體繁" panose="02020300000000000000" pitchFamily="18" charset="-120"/>
-              </a:rPr>
-              <a:t>資料</a:t>
-            </a:r>
-            <a:r>
-              <a:rPr lang="en-US" altLang="zh-TW" sz="3600" dirty="0">
-                <a:latin typeface="王漢宗細圓體繁" panose="02020300000000000000" pitchFamily="18" charset="-120"/>
-                <a:ea typeface="王漢宗細圓體繁" panose="02020300000000000000" pitchFamily="18" charset="-120"/>
-              </a:rPr>
-              <a:t>,</a:t>
-            </a:r>
-            <a:r>
-              <a:rPr lang="zh-TW" altLang="en-US" sz="3600" dirty="0">
-                <a:latin typeface="王漢宗細圓體繁" panose="02020300000000000000" pitchFamily="18" charset="-120"/>
-                <a:ea typeface="王漢宗細圓體繁" panose="02020300000000000000" pitchFamily="18" charset="-120"/>
-              </a:rPr>
-              <a:t>資料</a:t>
-            </a:r>
-            <a:r>
-              <a:rPr lang="en-US" altLang="zh-TW" sz="3600" dirty="0">
-                <a:latin typeface="王漢宗細圓體繁" panose="02020300000000000000" pitchFamily="18" charset="-120"/>
-                <a:ea typeface="王漢宗細圓體繁" panose="02020300000000000000" pitchFamily="18" charset="-120"/>
-              </a:rPr>
-              <a:t>); </a:t>
-            </a:r>
-          </a:p>
-          <a:p>
-            <a:endParaRPr lang="en-US" altLang="zh-TW" sz="3600" dirty="0">
-              <a:latin typeface="王漢宗細圓體繁" panose="02020300000000000000" pitchFamily="18" charset="-120"/>
-              <a:ea typeface="王漢宗細圓體繁" panose="02020300000000000000" pitchFamily="18" charset="-120"/>
-            </a:endParaRPr>
-          </a:p>
-          <a:p>
-            <a:r>
-              <a:rPr lang="en-US" altLang="zh-TW" sz="3600" dirty="0" err="1">
-                <a:latin typeface="王漢宗細圓體繁" panose="02020300000000000000" pitchFamily="18" charset="-120"/>
-                <a:ea typeface="王漢宗細圓體繁" panose="02020300000000000000" pitchFamily="18" charset="-120"/>
-              </a:rPr>
-              <a:t>print_r</a:t>
-            </a:r>
-            <a:r>
-              <a:rPr lang="en-US" altLang="zh-TW" sz="3600" dirty="0">
-                <a:latin typeface="王漢宗細圓體繁" panose="02020300000000000000" pitchFamily="18" charset="-120"/>
-                <a:ea typeface="王漢宗細圓體繁" panose="02020300000000000000" pitchFamily="18" charset="-120"/>
-              </a:rPr>
-              <a:t>  =&gt;</a:t>
-            </a:r>
-            <a:r>
-              <a:rPr lang="zh-TW" altLang="en-US" sz="3600" dirty="0">
-                <a:latin typeface="王漢宗細圓體繁" panose="02020300000000000000" pitchFamily="18" charset="-120"/>
-                <a:ea typeface="王漢宗細圓體繁" panose="02020300000000000000" pitchFamily="18" charset="-120"/>
-              </a:rPr>
-              <a:t>查看陣列結構</a:t>
-            </a:r>
-            <a:endParaRPr lang="en-US" altLang="zh-TW" sz="3600" dirty="0">
-              <a:latin typeface="王漢宗細圓體繁" panose="02020300000000000000" pitchFamily="18" charset="-120"/>
-              <a:ea typeface="王漢宗細圓體繁" panose="02020300000000000000" pitchFamily="18" charset="-120"/>
-            </a:endParaRPr>
-          </a:p>
-          <a:p>
-            <a:endParaRPr lang="en-US" altLang="zh-TW" sz="3600" dirty="0">
-              <a:latin typeface="王漢宗細圓體繁" panose="02020300000000000000" pitchFamily="18" charset="-120"/>
-              <a:ea typeface="王漢宗細圓體繁" panose="02020300000000000000" pitchFamily="18" charset="-120"/>
-            </a:endParaRPr>
-          </a:p>
-          <a:p>
-            <a:r>
-              <a:rPr lang="en-US" altLang="zh-TW" sz="3600" dirty="0" err="1">
-                <a:latin typeface="王漢宗細圓體繁" panose="02020300000000000000" pitchFamily="18" charset="-120"/>
-                <a:ea typeface="王漢宗細圓體繁" panose="02020300000000000000" pitchFamily="18" charset="-120"/>
-              </a:rPr>
-              <a:t>array_push</a:t>
-            </a:r>
-            <a:r>
-              <a:rPr lang="en-US" altLang="zh-TW" sz="3600" dirty="0">
-                <a:latin typeface="王漢宗細圓體繁" panose="02020300000000000000" pitchFamily="18" charset="-120"/>
-                <a:ea typeface="王漢宗細圓體繁" panose="02020300000000000000" pitchFamily="18" charset="-120"/>
-              </a:rPr>
-              <a:t>(</a:t>
-            </a:r>
-            <a:r>
-              <a:rPr lang="zh-TW" altLang="en-US" sz="3600" dirty="0">
-                <a:latin typeface="王漢宗細圓體繁" panose="02020300000000000000" pitchFamily="18" charset="-120"/>
-                <a:ea typeface="王漢宗細圓體繁" panose="02020300000000000000" pitchFamily="18" charset="-120"/>
-              </a:rPr>
-              <a:t>陣列變數</a:t>
-            </a:r>
-            <a:r>
-              <a:rPr lang="en-US" altLang="zh-TW" sz="3600" dirty="0">
-                <a:latin typeface="王漢宗細圓體繁" panose="02020300000000000000" pitchFamily="18" charset="-120"/>
-                <a:ea typeface="王漢宗細圓體繁" panose="02020300000000000000" pitchFamily="18" charset="-120"/>
-              </a:rPr>
-              <a:t>, </a:t>
-            </a:r>
-            <a:r>
-              <a:rPr lang="zh-TW" altLang="en-US" sz="3600" dirty="0">
-                <a:latin typeface="王漢宗細圓體繁" panose="02020300000000000000" pitchFamily="18" charset="-120"/>
-                <a:ea typeface="王漢宗細圓體繁" panose="02020300000000000000" pitchFamily="18" charset="-120"/>
-              </a:rPr>
-              <a:t>一個內容值</a:t>
-            </a:r>
-            <a:r>
-              <a:rPr lang="en-US" altLang="zh-TW" sz="3600" dirty="0">
-                <a:latin typeface="王漢宗細圓體繁" panose="02020300000000000000" pitchFamily="18" charset="-120"/>
-                <a:ea typeface="王漢宗細圓體繁" panose="02020300000000000000" pitchFamily="18" charset="-120"/>
-              </a:rPr>
-              <a:t>) </a:t>
-            </a:r>
-            <a:r>
-              <a:rPr lang="zh-TW" altLang="en-US" sz="3600" dirty="0">
-                <a:latin typeface="王漢宗細圓體繁" panose="02020300000000000000" pitchFamily="18" charset="-120"/>
-                <a:ea typeface="王漢宗細圓體繁" panose="02020300000000000000" pitchFamily="18" charset="-120"/>
-              </a:rPr>
-              <a:t>新增資料進陣列，會排在最後</a:t>
-            </a:r>
-            <a:endParaRPr lang="en-US" altLang="zh-TW" sz="3600" dirty="0">
-              <a:latin typeface="王漢宗細圓體繁" panose="02020300000000000000" pitchFamily="18" charset="-120"/>
-              <a:ea typeface="王漢宗細圓體繁" panose="02020300000000000000" pitchFamily="18" charset="-120"/>
-            </a:endParaRPr>
-          </a:p>
-          <a:p>
-            <a:endParaRPr lang="en-US" altLang="zh-TW" sz="3600" dirty="0">
-              <a:latin typeface="王漢宗細圓體繁" panose="02020300000000000000" pitchFamily="18" charset="-120"/>
-              <a:ea typeface="王漢宗細圓體繁" panose="02020300000000000000" pitchFamily="18" charset="-120"/>
-            </a:endParaRPr>
-          </a:p>
-          <a:p>
-            <a:r>
-              <a:rPr lang="en-US" altLang="zh-TW" sz="3600" dirty="0">
-                <a:latin typeface="王漢宗細圓體繁" panose="02020300000000000000" pitchFamily="18" charset="-120"/>
-                <a:ea typeface="王漢宗細圓體繁" panose="02020300000000000000" pitchFamily="18" charset="-120"/>
-              </a:rPr>
-              <a:t>count(</a:t>
-            </a:r>
-            <a:r>
-              <a:rPr lang="zh-TW" altLang="en-US" sz="3600" dirty="0">
-                <a:latin typeface="王漢宗細圓體繁" panose="02020300000000000000" pitchFamily="18" charset="-120"/>
-                <a:ea typeface="王漢宗細圓體繁" panose="02020300000000000000" pitchFamily="18" charset="-120"/>
-              </a:rPr>
-              <a:t>陣列變數</a:t>
-            </a:r>
-            <a:r>
-              <a:rPr lang="en-US" altLang="zh-TW" sz="3600" dirty="0">
-                <a:latin typeface="王漢宗細圓體繁" panose="02020300000000000000" pitchFamily="18" charset="-120"/>
-                <a:ea typeface="王漢宗細圓體繁" panose="02020300000000000000" pitchFamily="18" charset="-120"/>
-              </a:rPr>
-              <a:t>) =&gt;</a:t>
-            </a:r>
-            <a:r>
-              <a:rPr lang="zh-TW" altLang="en-US" sz="3600" dirty="0">
-                <a:latin typeface="王漢宗細圓體繁" panose="02020300000000000000" pitchFamily="18" charset="-120"/>
-                <a:ea typeface="王漢宗細圓體繁" panose="02020300000000000000" pitchFamily="18" charset="-120"/>
-              </a:rPr>
-              <a:t>查看陣列長度</a:t>
-            </a:r>
-            <a:endParaRPr lang="en-US" altLang="zh-TW" sz="3600" dirty="0">
-              <a:latin typeface="王漢宗細圓體繁" panose="02020300000000000000" pitchFamily="18" charset="-120"/>
-              <a:ea typeface="王漢宗細圓體繁" panose="02020300000000000000" pitchFamily="18" charset="-120"/>
-            </a:endParaRPr>
-          </a:p>
-          <a:p>
-            <a:endParaRPr lang="en-US" altLang="zh-TW" sz="3600" dirty="0">
-              <a:latin typeface="王漢宗細圓體繁" panose="02020300000000000000" pitchFamily="18" charset="-120"/>
-              <a:ea typeface="王漢宗細圓體繁" panose="02020300000000000000" pitchFamily="18" charset="-120"/>
-            </a:endParaRPr>
-          </a:p>
-          <a:p>
-            <a:r>
-              <a:rPr lang="en-US" altLang="zh-TW" sz="3600" dirty="0" err="1">
-                <a:latin typeface="王漢宗細圓體繁" panose="02020300000000000000" pitchFamily="18" charset="-120"/>
-                <a:ea typeface="王漢宗細圓體繁" panose="02020300000000000000" pitchFamily="18" charset="-120"/>
-              </a:rPr>
-              <a:t>in_array</a:t>
-            </a:r>
-            <a:r>
-              <a:rPr lang="en-US" altLang="zh-TW" sz="3600" dirty="0">
-                <a:latin typeface="王漢宗細圓體繁" panose="02020300000000000000" pitchFamily="18" charset="-120"/>
-                <a:ea typeface="王漢宗細圓體繁" panose="02020300000000000000" pitchFamily="18" charset="-120"/>
-              </a:rPr>
-              <a:t>( </a:t>
-            </a:r>
-            <a:r>
-              <a:rPr lang="zh-TW" altLang="en-US" sz="3600" dirty="0">
-                <a:latin typeface="王漢宗細圓體繁" panose="02020300000000000000" pitchFamily="18" charset="-120"/>
-                <a:ea typeface="王漢宗細圓體繁" panose="02020300000000000000" pitchFamily="18" charset="-120"/>
-              </a:rPr>
-              <a:t>查詢的內容值</a:t>
-            </a:r>
-            <a:r>
-              <a:rPr lang="en-US" altLang="zh-TW" sz="3600" dirty="0">
-                <a:latin typeface="王漢宗細圓體繁" panose="02020300000000000000" pitchFamily="18" charset="-120"/>
-                <a:ea typeface="王漢宗細圓體繁" panose="02020300000000000000" pitchFamily="18" charset="-120"/>
-              </a:rPr>
-              <a:t>, </a:t>
-            </a:r>
-            <a:r>
-              <a:rPr lang="zh-TW" altLang="en-US" sz="3600" dirty="0">
-                <a:latin typeface="王漢宗細圓體繁" panose="02020300000000000000" pitchFamily="18" charset="-120"/>
-                <a:ea typeface="王漢宗細圓體繁" panose="02020300000000000000" pitchFamily="18" charset="-120"/>
-              </a:rPr>
-              <a:t>陣列變數 </a:t>
-            </a:r>
-            <a:r>
-              <a:rPr lang="en-US" altLang="zh-TW" sz="3600" dirty="0">
-                <a:latin typeface="王漢宗細圓體繁" panose="02020300000000000000" pitchFamily="18" charset="-120"/>
-                <a:ea typeface="王漢宗細圓體繁" panose="02020300000000000000" pitchFamily="18" charset="-120"/>
-              </a:rPr>
-              <a:t>) </a:t>
-            </a:r>
-            <a:r>
-              <a:rPr lang="zh-TW" altLang="en-US" sz="3600" dirty="0">
-                <a:latin typeface="王漢宗細圓體繁" panose="02020300000000000000" pitchFamily="18" charset="-120"/>
-                <a:ea typeface="王漢宗細圓體繁" panose="02020300000000000000" pitchFamily="18" charset="-120"/>
-              </a:rPr>
-              <a:t>判斷指定的內容值是不是已經在陣列中</a:t>
-            </a:r>
-            <a:endParaRPr lang="en-US" altLang="zh-TW" sz="3600" dirty="0">
-              <a:latin typeface="王漢宗細圓體繁" panose="02020300000000000000" pitchFamily="18" charset="-120"/>
-              <a:ea typeface="王漢宗細圓體繁" panose="02020300000000000000" pitchFamily="18" charset="-120"/>
-            </a:endParaRPr>
+              <a:rPr lang="en-US" altLang="zh-TW" sz="4000" dirty="0">
+                <a:latin typeface="微軟正黑體" panose="020B0604030504040204" pitchFamily="34" charset="-120"/>
+                <a:ea typeface="微軟正黑體" panose="020B0604030504040204" pitchFamily="34" charset="-120"/>
+              </a:rPr>
+              <a:t>continue(</a:t>
+            </a:r>
+            <a:r>
+              <a:rPr lang="zh-TW" altLang="en-US" sz="4000" dirty="0">
+                <a:latin typeface="微軟正黑體" panose="020B0604030504040204" pitchFamily="34" charset="-120"/>
+                <a:ea typeface="微軟正黑體" panose="020B0604030504040204" pitchFamily="34" charset="-120"/>
+              </a:rPr>
+              <a:t>放棄本次迴圈</a:t>
+            </a:r>
+            <a:r>
+              <a:rPr lang="en-US" altLang="zh-TW" sz="4000" dirty="0">
+                <a:latin typeface="微軟正黑體" panose="020B0604030504040204" pitchFamily="34" charset="-120"/>
+                <a:ea typeface="微軟正黑體" panose="020B0604030504040204" pitchFamily="34" charset="-120"/>
+              </a:rPr>
+              <a:t>)</a:t>
+            </a:r>
           </a:p>
         </p:txBody>
       </p:sp>
@@ -5841,7 +6468,7 @@
           <p:cNvPr id="23" name="圖片 22">
             <a:extLst>
               <a:ext uri="{FF2B5EF4-FFF2-40B4-BE49-F238E27FC236}">
-                <a16:creationId xmlns:a16="http://schemas.microsoft.com/office/drawing/2014/main" id="{0667749C-349B-4801-81D4-05F4C3CCDC4E}"/>
+                <a16:creationId xmlns:a16="http://schemas.microsoft.com/office/drawing/2014/main" id="{E590BCB7-15A4-4E0A-816E-30EE6DA0812F}"/>
               </a:ext>
             </a:extLst>
           </p:cNvPr>
@@ -5858,8 +6485,8 @@
         </p:blipFill>
         <p:spPr>
           <a:xfrm>
-            <a:off x="-2757286" y="4957352"/>
-            <a:ext cx="8175445" cy="7626757"/>
+            <a:off x="-2008886" y="6438900"/>
+            <a:ext cx="5846571" cy="4895512"/>
           </a:xfrm>
           <a:prstGeom prst="rect">
             <a:avLst/>
@@ -5869,7 +6496,7 @@
     </p:spTree>
     <p:extLst>
       <p:ext uri="{BB962C8B-B14F-4D97-AF65-F5344CB8AC3E}">
-        <p14:creationId xmlns:p14="http://schemas.microsoft.com/office/powerpoint/2010/main" val="3660377316"/>
+        <p14:creationId xmlns:p14="http://schemas.microsoft.com/office/powerpoint/2010/main" val="2627811426"/>
       </p:ext>
     </p:extLst>
   </p:cSld>
@@ -5879,7 +6506,7 @@
 </p:sld>
 </file>
 
-<file path=ppt/slides/slide14.xml><?xml version="1.0" encoding="utf-8"?>
+<file path=ppt/slides/slide15.xml><?xml version="1.0" encoding="utf-8"?>
 <p:sld xmlns:a="http://schemas.openxmlformats.org/drawingml/2006/main" xmlns:r="http://schemas.openxmlformats.org/officeDocument/2006/relationships" xmlns:p="http://schemas.openxmlformats.org/presentationml/2006/main">
   <p:cSld>
     <p:spTree>
@@ -5940,8 +6567,8 @@
         </p:nvGrpSpPr>
         <p:grpSpPr>
           <a:xfrm>
-            <a:off x="838200" y="571500"/>
-            <a:ext cx="10134600" cy="1981200"/>
+            <a:off x="762000" y="647700"/>
+            <a:ext cx="2890946" cy="1981200"/>
             <a:chOff x="2743200" y="4076700"/>
             <a:chExt cx="4800600" cy="1981200"/>
           </a:xfrm>
@@ -6070,8 +6697,8 @@
         </p:nvSpPr>
         <p:spPr>
           <a:xfrm>
-            <a:off x="1286024" y="1029206"/>
-            <a:ext cx="9762975" cy="830997"/>
+            <a:off x="1286025" y="1029206"/>
+            <a:ext cx="7239000" cy="1015663"/>
           </a:xfrm>
           <a:prstGeom prst="rect">
             <a:avLst/>
@@ -6085,23 +6712,12 @@
           <a:lstStyle/>
           <a:p>
             <a:r>
-              <a:rPr lang="zh-TW" altLang="en-US" sz="4800" dirty="0">
+              <a:rPr lang="zh-TW" altLang="en-US" sz="6000" dirty="0">
                 <a:latin typeface="王漢宗細圓體繁" panose="02020300000000000000" pitchFamily="18" charset="-120"/>
                 <a:ea typeface="王漢宗細圓體繁" panose="02020300000000000000" pitchFamily="18" charset="-120"/>
               </a:rPr>
-              <a:t>如何將陣列資料一筆一筆列出來</a:t>
-            </a:r>
-            <a:r>
-              <a:rPr lang="en-US" altLang="zh-TW" sz="4800" dirty="0">
-                <a:latin typeface="王漢宗細圓體繁" panose="02020300000000000000" pitchFamily="18" charset="-120"/>
-                <a:ea typeface="王漢宗細圓體繁" panose="02020300000000000000" pitchFamily="18" charset="-120"/>
-              </a:rPr>
-              <a:t>?</a:t>
-            </a:r>
-            <a:endParaRPr lang="zh-TW" altLang="en-US" sz="2800" dirty="0">
-              <a:latin typeface="王漢宗細圓體繁" panose="02020300000000000000" pitchFamily="18" charset="-120"/>
-              <a:ea typeface="王漢宗細圓體繁" panose="02020300000000000000" pitchFamily="18" charset="-120"/>
-            </a:endParaRPr>
+              <a:t>陣列</a:t>
+            </a:r>
           </a:p>
         </p:txBody>
       </p:sp>
@@ -6137,10 +6753,10 @@
       </p:pic>
       <p:sp>
         <p:nvSpPr>
-          <p:cNvPr id="2" name="文字方塊 1">
+          <p:cNvPr id="6" name="文字方塊 5">
             <a:extLst>
               <a:ext uri="{FF2B5EF4-FFF2-40B4-BE49-F238E27FC236}">
-                <a16:creationId xmlns:a16="http://schemas.microsoft.com/office/drawing/2014/main" id="{E879E488-7946-4546-9960-C09C0D4AB7F7}"/>
+                <a16:creationId xmlns:a16="http://schemas.microsoft.com/office/drawing/2014/main" id="{9549994B-4AD1-4635-89B5-AFA53DC6D4A9}"/>
               </a:ext>
             </a:extLst>
           </p:cNvPr>
@@ -6149,8 +6765,8 @@
         </p:nvSpPr>
         <p:spPr>
           <a:xfrm>
-            <a:off x="3352800" y="3467100"/>
-            <a:ext cx="11963400" cy="1938992"/>
+            <a:off x="4244212" y="2154346"/>
+            <a:ext cx="11277600" cy="6740307"/>
           </a:xfrm>
           <a:prstGeom prst="rect">
             <a:avLst/>
@@ -6164,104 +6780,721 @@
           <a:lstStyle/>
           <a:p>
             <a:r>
-              <a:rPr lang="en-US" altLang="zh-TW" sz="4000" dirty="0">
+              <a:rPr lang="zh-TW" altLang="en-US" sz="3600" dirty="0">
+                <a:latin typeface="微軟正黑體" panose="020B0604030504040204" pitchFamily="34" charset="-120"/>
+                <a:ea typeface="微軟正黑體" panose="020B0604030504040204" pitchFamily="34" charset="-120"/>
+              </a:rPr>
+              <a:t>一個變數可裝多個資料</a:t>
+            </a:r>
+            <a:endParaRPr lang="en-US" altLang="zh-TW" sz="3600" dirty="0">
+              <a:latin typeface="微軟正黑體" panose="020B0604030504040204" pitchFamily="34" charset="-120"/>
+              <a:ea typeface="微軟正黑體" panose="020B0604030504040204" pitchFamily="34" charset="-120"/>
+            </a:endParaRPr>
+          </a:p>
+          <a:p>
+            <a:r>
+              <a:rPr lang="en-US" altLang="zh-TW" sz="3600" dirty="0">
+                <a:latin typeface="微軟正黑體" panose="020B0604030504040204" pitchFamily="34" charset="-120"/>
+                <a:ea typeface="微軟正黑體" panose="020B0604030504040204" pitchFamily="34" charset="-120"/>
+              </a:rPr>
+              <a:t>$</a:t>
+            </a:r>
+            <a:r>
+              <a:rPr lang="en-US" altLang="zh-TW" sz="3600" dirty="0" err="1">
+                <a:latin typeface="微軟正黑體" panose="020B0604030504040204" pitchFamily="34" charset="-120"/>
+                <a:ea typeface="微軟正黑體" panose="020B0604030504040204" pitchFamily="34" charset="-120"/>
+              </a:rPr>
+              <a:t>arr</a:t>
+            </a:r>
+            <a:r>
+              <a:rPr lang="en-US" altLang="zh-TW" sz="3600" dirty="0">
+                <a:latin typeface="微軟正黑體" panose="020B0604030504040204" pitchFamily="34" charset="-120"/>
+                <a:ea typeface="微軟正黑體" panose="020B0604030504040204" pitchFamily="34" charset="-120"/>
+              </a:rPr>
+              <a:t> = array(</a:t>
+            </a:r>
+            <a:r>
+              <a:rPr lang="zh-TW" altLang="en-US" sz="3600" dirty="0">
+                <a:latin typeface="微軟正黑體" panose="020B0604030504040204" pitchFamily="34" charset="-120"/>
+                <a:ea typeface="微軟正黑體" panose="020B0604030504040204" pitchFamily="34" charset="-120"/>
+              </a:rPr>
+              <a:t>資料</a:t>
+            </a:r>
+            <a:r>
+              <a:rPr lang="en-US" altLang="zh-TW" sz="3600" dirty="0">
+                <a:latin typeface="微軟正黑體" panose="020B0604030504040204" pitchFamily="34" charset="-120"/>
+                <a:ea typeface="微軟正黑體" panose="020B0604030504040204" pitchFamily="34" charset="-120"/>
+              </a:rPr>
+              <a:t>,</a:t>
+            </a:r>
+            <a:r>
+              <a:rPr lang="zh-TW" altLang="en-US" sz="3600" dirty="0">
+                <a:latin typeface="微軟正黑體" panose="020B0604030504040204" pitchFamily="34" charset="-120"/>
+                <a:ea typeface="微軟正黑體" panose="020B0604030504040204" pitchFamily="34" charset="-120"/>
+              </a:rPr>
+              <a:t>資料</a:t>
+            </a:r>
+            <a:r>
+              <a:rPr lang="en-US" altLang="zh-TW" sz="3600" dirty="0">
+                <a:latin typeface="微軟正黑體" panose="020B0604030504040204" pitchFamily="34" charset="-120"/>
+                <a:ea typeface="微軟正黑體" panose="020B0604030504040204" pitchFamily="34" charset="-120"/>
+              </a:rPr>
+              <a:t>,</a:t>
+            </a:r>
+            <a:r>
+              <a:rPr lang="zh-TW" altLang="en-US" sz="3600" dirty="0">
+                <a:latin typeface="微軟正黑體" panose="020B0604030504040204" pitchFamily="34" charset="-120"/>
+                <a:ea typeface="微軟正黑體" panose="020B0604030504040204" pitchFamily="34" charset="-120"/>
+              </a:rPr>
+              <a:t>資料</a:t>
+            </a:r>
+            <a:r>
+              <a:rPr lang="en-US" altLang="zh-TW" sz="3600" dirty="0">
+                <a:latin typeface="微軟正黑體" panose="020B0604030504040204" pitchFamily="34" charset="-120"/>
+                <a:ea typeface="微軟正黑體" panose="020B0604030504040204" pitchFamily="34" charset="-120"/>
+              </a:rPr>
+              <a:t>); </a:t>
+            </a:r>
+          </a:p>
+          <a:p>
+            <a:endParaRPr lang="en-US" altLang="zh-TW" sz="3600" dirty="0">
+              <a:latin typeface="微軟正黑體" panose="020B0604030504040204" pitchFamily="34" charset="-120"/>
+              <a:ea typeface="微軟正黑體" panose="020B0604030504040204" pitchFamily="34" charset="-120"/>
+            </a:endParaRPr>
+          </a:p>
+          <a:p>
+            <a:r>
+              <a:rPr lang="en-US" altLang="zh-TW" sz="3600" dirty="0" err="1">
+                <a:latin typeface="微軟正黑體" panose="020B0604030504040204" pitchFamily="34" charset="-120"/>
+                <a:ea typeface="微軟正黑體" panose="020B0604030504040204" pitchFamily="34" charset="-120"/>
+              </a:rPr>
+              <a:t>print_r</a:t>
+            </a:r>
+            <a:r>
+              <a:rPr lang="en-US" altLang="zh-TW" sz="3600" dirty="0">
+                <a:latin typeface="微軟正黑體" panose="020B0604030504040204" pitchFamily="34" charset="-120"/>
+                <a:ea typeface="微軟正黑體" panose="020B0604030504040204" pitchFamily="34" charset="-120"/>
+              </a:rPr>
+              <a:t>  =&gt;</a:t>
+            </a:r>
+            <a:r>
+              <a:rPr lang="zh-TW" altLang="en-US" sz="3600" dirty="0">
+                <a:latin typeface="微軟正黑體" panose="020B0604030504040204" pitchFamily="34" charset="-120"/>
+                <a:ea typeface="微軟正黑體" panose="020B0604030504040204" pitchFamily="34" charset="-120"/>
+              </a:rPr>
+              <a:t>查看陣列結構</a:t>
+            </a:r>
+            <a:endParaRPr lang="en-US" altLang="zh-TW" sz="3600" dirty="0">
+              <a:latin typeface="微軟正黑體" panose="020B0604030504040204" pitchFamily="34" charset="-120"/>
+              <a:ea typeface="微軟正黑體" panose="020B0604030504040204" pitchFamily="34" charset="-120"/>
+            </a:endParaRPr>
+          </a:p>
+          <a:p>
+            <a:endParaRPr lang="en-US" altLang="zh-TW" sz="3600" dirty="0">
+              <a:latin typeface="微軟正黑體" panose="020B0604030504040204" pitchFamily="34" charset="-120"/>
+              <a:ea typeface="微軟正黑體" panose="020B0604030504040204" pitchFamily="34" charset="-120"/>
+            </a:endParaRPr>
+          </a:p>
+          <a:p>
+            <a:r>
+              <a:rPr lang="en-US" altLang="zh-TW" sz="3600" dirty="0" err="1">
+                <a:latin typeface="微軟正黑體" panose="020B0604030504040204" pitchFamily="34" charset="-120"/>
+                <a:ea typeface="微軟正黑體" panose="020B0604030504040204" pitchFamily="34" charset="-120"/>
+              </a:rPr>
+              <a:t>array_push</a:t>
+            </a:r>
+            <a:r>
+              <a:rPr lang="en-US" altLang="zh-TW" sz="3600" dirty="0">
+                <a:latin typeface="微軟正黑體" panose="020B0604030504040204" pitchFamily="34" charset="-120"/>
+                <a:ea typeface="微軟正黑體" panose="020B0604030504040204" pitchFamily="34" charset="-120"/>
+              </a:rPr>
+              <a:t>(</a:t>
+            </a:r>
+            <a:r>
+              <a:rPr lang="zh-TW" altLang="en-US" sz="3600" dirty="0">
+                <a:latin typeface="微軟正黑體" panose="020B0604030504040204" pitchFamily="34" charset="-120"/>
+                <a:ea typeface="微軟正黑體" panose="020B0604030504040204" pitchFamily="34" charset="-120"/>
+              </a:rPr>
+              <a:t>陣列變數</a:t>
+            </a:r>
+            <a:r>
+              <a:rPr lang="en-US" altLang="zh-TW" sz="3600" dirty="0">
+                <a:latin typeface="微軟正黑體" panose="020B0604030504040204" pitchFamily="34" charset="-120"/>
+                <a:ea typeface="微軟正黑體" panose="020B0604030504040204" pitchFamily="34" charset="-120"/>
+              </a:rPr>
+              <a:t>, </a:t>
+            </a:r>
+            <a:r>
+              <a:rPr lang="zh-TW" altLang="en-US" sz="3600" dirty="0">
+                <a:latin typeface="微軟正黑體" panose="020B0604030504040204" pitchFamily="34" charset="-120"/>
+                <a:ea typeface="微軟正黑體" panose="020B0604030504040204" pitchFamily="34" charset="-120"/>
+              </a:rPr>
+              <a:t>一個內容值</a:t>
+            </a:r>
+            <a:r>
+              <a:rPr lang="en-US" altLang="zh-TW" sz="3600" dirty="0">
+                <a:latin typeface="微軟正黑體" panose="020B0604030504040204" pitchFamily="34" charset="-120"/>
+                <a:ea typeface="微軟正黑體" panose="020B0604030504040204" pitchFamily="34" charset="-120"/>
+              </a:rPr>
+              <a:t>) </a:t>
+            </a:r>
+            <a:r>
+              <a:rPr lang="zh-TW" altLang="en-US" sz="3600" dirty="0">
+                <a:latin typeface="微軟正黑體" panose="020B0604030504040204" pitchFamily="34" charset="-120"/>
+                <a:ea typeface="微軟正黑體" panose="020B0604030504040204" pitchFamily="34" charset="-120"/>
+              </a:rPr>
+              <a:t>新增資料進陣列，會排在最後</a:t>
+            </a:r>
+            <a:endParaRPr lang="en-US" altLang="zh-TW" sz="3600" dirty="0">
+              <a:latin typeface="微軟正黑體" panose="020B0604030504040204" pitchFamily="34" charset="-120"/>
+              <a:ea typeface="微軟正黑體" panose="020B0604030504040204" pitchFamily="34" charset="-120"/>
+            </a:endParaRPr>
+          </a:p>
+          <a:p>
+            <a:endParaRPr lang="en-US" altLang="zh-TW" sz="3600" dirty="0">
+              <a:latin typeface="微軟正黑體" panose="020B0604030504040204" pitchFamily="34" charset="-120"/>
+              <a:ea typeface="微軟正黑體" panose="020B0604030504040204" pitchFamily="34" charset="-120"/>
+            </a:endParaRPr>
+          </a:p>
+          <a:p>
+            <a:r>
+              <a:rPr lang="en-US" altLang="zh-TW" sz="3600" dirty="0">
+                <a:latin typeface="微軟正黑體" panose="020B0604030504040204" pitchFamily="34" charset="-120"/>
+                <a:ea typeface="微軟正黑體" panose="020B0604030504040204" pitchFamily="34" charset="-120"/>
+              </a:rPr>
+              <a:t>count(</a:t>
+            </a:r>
+            <a:r>
+              <a:rPr lang="zh-TW" altLang="en-US" sz="3600" dirty="0">
+                <a:latin typeface="微軟正黑體" panose="020B0604030504040204" pitchFamily="34" charset="-120"/>
+                <a:ea typeface="微軟正黑體" panose="020B0604030504040204" pitchFamily="34" charset="-120"/>
+              </a:rPr>
+              <a:t>陣列變數</a:t>
+            </a:r>
+            <a:r>
+              <a:rPr lang="en-US" altLang="zh-TW" sz="3600" dirty="0">
+                <a:latin typeface="微軟正黑體" panose="020B0604030504040204" pitchFamily="34" charset="-120"/>
+                <a:ea typeface="微軟正黑體" panose="020B0604030504040204" pitchFamily="34" charset="-120"/>
+              </a:rPr>
+              <a:t>) =&gt;</a:t>
+            </a:r>
+            <a:r>
+              <a:rPr lang="zh-TW" altLang="en-US" sz="3600" dirty="0">
+                <a:latin typeface="微軟正黑體" panose="020B0604030504040204" pitchFamily="34" charset="-120"/>
+                <a:ea typeface="微軟正黑體" panose="020B0604030504040204" pitchFamily="34" charset="-120"/>
+              </a:rPr>
+              <a:t>查看陣列長度</a:t>
+            </a:r>
+            <a:endParaRPr lang="en-US" altLang="zh-TW" sz="3600" dirty="0">
+              <a:latin typeface="微軟正黑體" panose="020B0604030504040204" pitchFamily="34" charset="-120"/>
+              <a:ea typeface="微軟正黑體" panose="020B0604030504040204" pitchFamily="34" charset="-120"/>
+            </a:endParaRPr>
+          </a:p>
+          <a:p>
+            <a:endParaRPr lang="en-US" altLang="zh-TW" sz="3600" dirty="0">
+              <a:latin typeface="微軟正黑體" panose="020B0604030504040204" pitchFamily="34" charset="-120"/>
+              <a:ea typeface="微軟正黑體" panose="020B0604030504040204" pitchFamily="34" charset="-120"/>
+            </a:endParaRPr>
+          </a:p>
+          <a:p>
+            <a:r>
+              <a:rPr lang="en-US" altLang="zh-TW" sz="3600" dirty="0" err="1">
+                <a:latin typeface="微軟正黑體" panose="020B0604030504040204" pitchFamily="34" charset="-120"/>
+                <a:ea typeface="微軟正黑體" panose="020B0604030504040204" pitchFamily="34" charset="-120"/>
+              </a:rPr>
+              <a:t>in_array</a:t>
+            </a:r>
+            <a:r>
+              <a:rPr lang="en-US" altLang="zh-TW" sz="3600" dirty="0">
+                <a:latin typeface="微軟正黑體" panose="020B0604030504040204" pitchFamily="34" charset="-120"/>
+                <a:ea typeface="微軟正黑體" panose="020B0604030504040204" pitchFamily="34" charset="-120"/>
+              </a:rPr>
+              <a:t>( </a:t>
+            </a:r>
+            <a:r>
+              <a:rPr lang="zh-TW" altLang="en-US" sz="3600" dirty="0">
+                <a:latin typeface="微軟正黑體" panose="020B0604030504040204" pitchFamily="34" charset="-120"/>
+                <a:ea typeface="微軟正黑體" panose="020B0604030504040204" pitchFamily="34" charset="-120"/>
+              </a:rPr>
+              <a:t>查詢的內容值</a:t>
+            </a:r>
+            <a:r>
+              <a:rPr lang="en-US" altLang="zh-TW" sz="3600" dirty="0">
+                <a:latin typeface="微軟正黑體" panose="020B0604030504040204" pitchFamily="34" charset="-120"/>
+                <a:ea typeface="微軟正黑體" panose="020B0604030504040204" pitchFamily="34" charset="-120"/>
+              </a:rPr>
+              <a:t>, </a:t>
+            </a:r>
+            <a:r>
+              <a:rPr lang="zh-TW" altLang="en-US" sz="3600" dirty="0">
+                <a:latin typeface="微軟正黑體" panose="020B0604030504040204" pitchFamily="34" charset="-120"/>
+                <a:ea typeface="微軟正黑體" panose="020B0604030504040204" pitchFamily="34" charset="-120"/>
+              </a:rPr>
+              <a:t>陣列變數 </a:t>
+            </a:r>
+            <a:r>
+              <a:rPr lang="en-US" altLang="zh-TW" sz="3600" dirty="0">
+                <a:latin typeface="微軟正黑體" panose="020B0604030504040204" pitchFamily="34" charset="-120"/>
+                <a:ea typeface="微軟正黑體" panose="020B0604030504040204" pitchFamily="34" charset="-120"/>
+              </a:rPr>
+              <a:t>) </a:t>
+            </a:r>
+            <a:r>
+              <a:rPr lang="zh-TW" altLang="en-US" sz="3600" dirty="0">
+                <a:latin typeface="微軟正黑體" panose="020B0604030504040204" pitchFamily="34" charset="-120"/>
+                <a:ea typeface="微軟正黑體" panose="020B0604030504040204" pitchFamily="34" charset="-120"/>
+              </a:rPr>
+              <a:t>判斷指定的內容值是不是已經在陣列中</a:t>
+            </a:r>
+            <a:endParaRPr lang="en-US" altLang="zh-TW" sz="3600" dirty="0">
+              <a:latin typeface="微軟正黑體" panose="020B0604030504040204" pitchFamily="34" charset="-120"/>
+              <a:ea typeface="微軟正黑體" panose="020B0604030504040204" pitchFamily="34" charset="-120"/>
+            </a:endParaRPr>
+          </a:p>
+        </p:txBody>
+      </p:sp>
+      <p:pic>
+        <p:nvPicPr>
+          <p:cNvPr id="23" name="圖片 22">
+            <a:extLst>
+              <a:ext uri="{FF2B5EF4-FFF2-40B4-BE49-F238E27FC236}">
+                <a16:creationId xmlns:a16="http://schemas.microsoft.com/office/drawing/2014/main" id="{0667749C-349B-4801-81D4-05F4C3CCDC4E}"/>
+              </a:ext>
+            </a:extLst>
+          </p:cNvPr>
+          <p:cNvPicPr>
+            <a:picLocks noChangeAspect="1"/>
+          </p:cNvPicPr>
+          <p:nvPr/>
+        </p:nvPicPr>
+        <p:blipFill>
+          <a:blip r:embed="rId4"/>
+          <a:stretch>
+            <a:fillRect/>
+          </a:stretch>
+        </p:blipFill>
+        <p:spPr>
+          <a:xfrm>
+            <a:off x="-2757286" y="4957352"/>
+            <a:ext cx="8175445" cy="7626757"/>
+          </a:xfrm>
+          <a:prstGeom prst="rect">
+            <a:avLst/>
+          </a:prstGeom>
+        </p:spPr>
+      </p:pic>
+    </p:spTree>
+    <p:extLst>
+      <p:ext uri="{BB962C8B-B14F-4D97-AF65-F5344CB8AC3E}">
+        <p14:creationId xmlns:p14="http://schemas.microsoft.com/office/powerpoint/2010/main" val="3660377316"/>
+      </p:ext>
+    </p:extLst>
+  </p:cSld>
+  <p:clrMapOvr>
+    <a:masterClrMapping/>
+  </p:clrMapOvr>
+</p:sld>
+</file>
+
+<file path=ppt/slides/slide16.xml><?xml version="1.0" encoding="utf-8"?>
+<p:sld xmlns:a="http://schemas.openxmlformats.org/drawingml/2006/main" xmlns:r="http://schemas.openxmlformats.org/officeDocument/2006/relationships" xmlns:p="http://schemas.openxmlformats.org/presentationml/2006/main">
+  <p:cSld>
+    <p:spTree>
+      <p:nvGrpSpPr>
+        <p:cNvPr id="1" name=""/>
+        <p:cNvGrpSpPr/>
+        <p:nvPr/>
+      </p:nvGrpSpPr>
+      <p:grpSpPr>
+        <a:xfrm>
+          <a:off x="0" y="0"/>
+          <a:ext cx="0" cy="0"/>
+          <a:chOff x="0" y="0"/>
+          <a:chExt cx="0" cy="0"/>
+        </a:xfrm>
+      </p:grpSpPr>
+      <p:pic>
+        <p:nvPicPr>
+          <p:cNvPr id="26" name="圖片 25">
+            <a:extLst>
+              <a:ext uri="{FF2B5EF4-FFF2-40B4-BE49-F238E27FC236}">
+                <a16:creationId xmlns:a16="http://schemas.microsoft.com/office/drawing/2014/main" id="{14A15061-053B-4A28-AE9D-125B749E4202}"/>
+              </a:ext>
+            </a:extLst>
+          </p:cNvPr>
+          <p:cNvPicPr>
+            <a:picLocks noChangeAspect="1"/>
+          </p:cNvPicPr>
+          <p:nvPr/>
+        </p:nvPicPr>
+        <p:blipFill>
+          <a:blip r:embed="rId2"/>
+          <a:stretch>
+            <a:fillRect/>
+          </a:stretch>
+        </p:blipFill>
+        <p:spPr>
+          <a:xfrm>
+            <a:off x="1905000" y="1562100"/>
+            <a:ext cx="15239999" cy="7924800"/>
+          </a:xfrm>
+          <a:prstGeom prst="rect">
+            <a:avLst/>
+          </a:prstGeom>
+        </p:spPr>
+      </p:pic>
+      <p:grpSp>
+        <p:nvGrpSpPr>
+          <p:cNvPr id="19" name="群組 18">
+            <a:extLst>
+              <a:ext uri="{FF2B5EF4-FFF2-40B4-BE49-F238E27FC236}">
+                <a16:creationId xmlns:a16="http://schemas.microsoft.com/office/drawing/2014/main" id="{CFEBD686-088C-4104-B139-3FE9C108D488}"/>
+              </a:ext>
+            </a:extLst>
+          </p:cNvPr>
+          <p:cNvGrpSpPr/>
+          <p:nvPr/>
+        </p:nvGrpSpPr>
+        <p:grpSpPr>
+          <a:xfrm>
+            <a:off x="838200" y="571500"/>
+            <a:ext cx="10134600" cy="1981200"/>
+            <a:chOff x="2743200" y="4076700"/>
+            <a:chExt cx="4800600" cy="1981200"/>
+          </a:xfrm>
+        </p:grpSpPr>
+        <p:sp>
+          <p:nvSpPr>
+            <p:cNvPr id="20" name="矩形 19">
+              <a:extLst>
+                <a:ext uri="{FF2B5EF4-FFF2-40B4-BE49-F238E27FC236}">
+                  <a16:creationId xmlns:a16="http://schemas.microsoft.com/office/drawing/2014/main" id="{07BD9B36-C800-4AE5-A241-E35FB5D91013}"/>
+                </a:ext>
+              </a:extLst>
+            </p:cNvPr>
+            <p:cNvSpPr/>
+            <p:nvPr/>
+          </p:nvSpPr>
+          <p:spPr>
+            <a:xfrm>
+              <a:off x="2971800" y="4229100"/>
+              <a:ext cx="4572000" cy="1828800"/>
+            </a:xfrm>
+            <a:prstGeom prst="rect">
+              <a:avLst/>
+            </a:prstGeom>
+            <a:solidFill>
+              <a:schemeClr val="tx2">
+                <a:lumMod val="50000"/>
+              </a:schemeClr>
+            </a:solidFill>
+            <a:ln>
+              <a:noFill/>
+            </a:ln>
+          </p:spPr>
+          <p:style>
+            <a:lnRef idx="2">
+              <a:schemeClr val="accent1">
+                <a:shade val="50000"/>
+              </a:schemeClr>
+            </a:lnRef>
+            <a:fillRef idx="1">
+              <a:schemeClr val="accent1"/>
+            </a:fillRef>
+            <a:effectRef idx="0">
+              <a:schemeClr val="accent1"/>
+            </a:effectRef>
+            <a:fontRef idx="minor">
+              <a:schemeClr val="lt1"/>
+            </a:fontRef>
+          </p:style>
+          <p:txBody>
+            <a:bodyPr rtlCol="0" anchor="ctr"/>
+            <a:lstStyle/>
+            <a:p>
+              <a:pPr algn="ctr"/>
+              <a:endParaRPr lang="zh-TW" altLang="en-US"/>
+            </a:p>
+          </p:txBody>
+        </p:sp>
+        <p:sp>
+          <p:nvSpPr>
+            <p:cNvPr id="21" name="矩形 20">
+              <a:extLst>
+                <a:ext uri="{FF2B5EF4-FFF2-40B4-BE49-F238E27FC236}">
+                  <a16:creationId xmlns:a16="http://schemas.microsoft.com/office/drawing/2014/main" id="{271A3F75-EC09-4E70-A48F-7FF78CF6EEA2}"/>
+                </a:ext>
+              </a:extLst>
+            </p:cNvPr>
+            <p:cNvSpPr/>
+            <p:nvPr/>
+          </p:nvSpPr>
+          <p:spPr>
+            <a:xfrm>
+              <a:off x="2743200" y="4076700"/>
+              <a:ext cx="4648200" cy="1828800"/>
+            </a:xfrm>
+            <a:prstGeom prst="rect">
+              <a:avLst/>
+            </a:prstGeom>
+            <a:solidFill>
+              <a:schemeClr val="accent1">
+                <a:lumMod val="40000"/>
+                <a:lumOff val="60000"/>
+              </a:schemeClr>
+            </a:solidFill>
+            <a:ln>
+              <a:noFill/>
+            </a:ln>
+          </p:spPr>
+          <p:style>
+            <a:lnRef idx="2">
+              <a:schemeClr val="accent1">
+                <a:shade val="50000"/>
+              </a:schemeClr>
+            </a:lnRef>
+            <a:fillRef idx="1">
+              <a:schemeClr val="accent1"/>
+            </a:fillRef>
+            <a:effectRef idx="0">
+              <a:schemeClr val="accent1"/>
+            </a:effectRef>
+            <a:fontRef idx="minor">
+              <a:schemeClr val="lt1"/>
+            </a:fontRef>
+          </p:style>
+          <p:txBody>
+            <a:bodyPr rtlCol="0" anchor="ctr"/>
+            <a:lstStyle/>
+            <a:p>
+              <a:pPr algn="ctr"/>
+              <a:endParaRPr lang="zh-TW" altLang="en-US"/>
+            </a:p>
+          </p:txBody>
+        </p:sp>
+      </p:grpSp>
+      <p:sp>
+        <p:nvSpPr>
+          <p:cNvPr id="22" name="文字方塊 21">
+            <a:extLst>
+              <a:ext uri="{FF2B5EF4-FFF2-40B4-BE49-F238E27FC236}">
+                <a16:creationId xmlns:a16="http://schemas.microsoft.com/office/drawing/2014/main" id="{EA4F5E9D-447E-4848-AE2D-D058D31F6F15}"/>
+              </a:ext>
+            </a:extLst>
+          </p:cNvPr>
+          <p:cNvSpPr txBox="1"/>
+          <p:nvPr/>
+        </p:nvSpPr>
+        <p:spPr>
+          <a:xfrm>
+            <a:off x="1286024" y="1029206"/>
+            <a:ext cx="9762975" cy="830997"/>
+          </a:xfrm>
+          <a:prstGeom prst="rect">
+            <a:avLst/>
+          </a:prstGeom>
+          <a:noFill/>
+        </p:spPr>
+        <p:txBody>
+          <a:bodyPr wrap="square" rtlCol="0">
+            <a:spAutoFit/>
+          </a:bodyPr>
+          <a:lstStyle/>
+          <a:p>
+            <a:r>
+              <a:rPr lang="zh-TW" altLang="en-US" sz="4800" dirty="0">
                 <a:latin typeface="王漢宗細圓體繁" panose="02020300000000000000" pitchFamily="18" charset="-120"/>
                 <a:ea typeface="王漢宗細圓體繁" panose="02020300000000000000" pitchFamily="18" charset="-120"/>
               </a:rPr>
-              <a:t>for</a:t>
-            </a:r>
-            <a:r>
-              <a:rPr lang="zh-TW" altLang="en-US" sz="4000" dirty="0">
+              <a:t>如何將陣列資料一筆一筆列出來</a:t>
+            </a:r>
+            <a:r>
+              <a:rPr lang="en-US" altLang="zh-TW" sz="4800" dirty="0">
                 <a:latin typeface="王漢宗細圓體繁" panose="02020300000000000000" pitchFamily="18" charset="-120"/>
                 <a:ea typeface="王漢宗細圓體繁" panose="02020300000000000000" pitchFamily="18" charset="-120"/>
               </a:rPr>
+              <a:t>?</a:t>
+            </a:r>
+            <a:endParaRPr lang="zh-TW" altLang="en-US" sz="2800" dirty="0">
+              <a:latin typeface="王漢宗細圓體繁" panose="02020300000000000000" pitchFamily="18" charset="-120"/>
+              <a:ea typeface="王漢宗細圓體繁" panose="02020300000000000000" pitchFamily="18" charset="-120"/>
+            </a:endParaRPr>
+          </a:p>
+        </p:txBody>
+      </p:sp>
+      <p:pic>
+        <p:nvPicPr>
+          <p:cNvPr id="40" name="圖片 39">
+            <a:extLst>
+              <a:ext uri="{FF2B5EF4-FFF2-40B4-BE49-F238E27FC236}">
+                <a16:creationId xmlns:a16="http://schemas.microsoft.com/office/drawing/2014/main" id="{DAB3DBF8-9CCC-4EB5-B063-ACE5110C4C39}"/>
+              </a:ext>
+            </a:extLst>
+          </p:cNvPr>
+          <p:cNvPicPr>
+            <a:picLocks noChangeAspect="1"/>
+          </p:cNvPicPr>
+          <p:nvPr/>
+        </p:nvPicPr>
+        <p:blipFill>
+          <a:blip r:embed="rId3"/>
+          <a:stretch>
+            <a:fillRect/>
+          </a:stretch>
+        </p:blipFill>
+        <p:spPr>
+          <a:xfrm>
+            <a:off x="13487400" y="-987826"/>
+            <a:ext cx="6364776" cy="5889246"/>
+          </a:xfrm>
+          <a:prstGeom prst="rect">
+            <a:avLst/>
+          </a:prstGeom>
+        </p:spPr>
+      </p:pic>
+      <p:sp>
+        <p:nvSpPr>
+          <p:cNvPr id="2" name="文字方塊 1">
+            <a:extLst>
+              <a:ext uri="{FF2B5EF4-FFF2-40B4-BE49-F238E27FC236}">
+                <a16:creationId xmlns:a16="http://schemas.microsoft.com/office/drawing/2014/main" id="{E879E488-7946-4546-9960-C09C0D4AB7F7}"/>
+              </a:ext>
+            </a:extLst>
+          </p:cNvPr>
+          <p:cNvSpPr txBox="1"/>
+          <p:nvPr/>
+        </p:nvSpPr>
+        <p:spPr>
+          <a:xfrm>
+            <a:off x="3456685" y="3316370"/>
+            <a:ext cx="11963400" cy="3170099"/>
+          </a:xfrm>
+          <a:prstGeom prst="rect">
+            <a:avLst/>
+          </a:prstGeom>
+          <a:noFill/>
+        </p:spPr>
+        <p:txBody>
+          <a:bodyPr wrap="square" rtlCol="0">
+            <a:spAutoFit/>
+          </a:bodyPr>
+          <a:lstStyle/>
+          <a:p>
+            <a:r>
+              <a:rPr lang="en-US" altLang="zh-TW" sz="4000" dirty="0">
+                <a:latin typeface="微軟正黑體" panose="020B0604030504040204" pitchFamily="34" charset="-120"/>
+                <a:ea typeface="微軟正黑體" panose="020B0604030504040204" pitchFamily="34" charset="-120"/>
+              </a:rPr>
+              <a:t>for</a:t>
+            </a:r>
+            <a:r>
+              <a:rPr lang="zh-TW" altLang="en-US" sz="4000" dirty="0">
+                <a:latin typeface="微軟正黑體" panose="020B0604030504040204" pitchFamily="34" charset="-120"/>
+                <a:ea typeface="微軟正黑體" panose="020B0604030504040204" pitchFamily="34" charset="-120"/>
+              </a:rPr>
               <a:t>迴圈</a:t>
             </a:r>
+            <a:endParaRPr lang="en-US" altLang="zh-TW" sz="4000" dirty="0">
+              <a:latin typeface="微軟正黑體" panose="020B0604030504040204" pitchFamily="34" charset="-120"/>
+              <a:ea typeface="微軟正黑體" panose="020B0604030504040204" pitchFamily="34" charset="-120"/>
+            </a:endParaRPr>
+          </a:p>
+          <a:p>
+            <a:endParaRPr lang="zh-TW" altLang="en-US" sz="4000" dirty="0">
+              <a:latin typeface="微軟正黑體" panose="020B0604030504040204" pitchFamily="34" charset="-120"/>
+              <a:ea typeface="微軟正黑體" panose="020B0604030504040204" pitchFamily="34" charset="-120"/>
+            </a:endParaRPr>
           </a:p>
           <a:p>
             <a:r>
               <a:rPr lang="en-US" altLang="zh-TW" sz="4000" dirty="0">
-                <a:latin typeface="王漢宗細圓體繁" panose="02020300000000000000" pitchFamily="18" charset="-120"/>
-                <a:ea typeface="王漢宗細圓體繁" panose="02020300000000000000" pitchFamily="18" charset="-120"/>
+                <a:latin typeface="微軟正黑體" panose="020B0604030504040204" pitchFamily="34" charset="-120"/>
+                <a:ea typeface="微軟正黑體" panose="020B0604030504040204" pitchFamily="34" charset="-120"/>
               </a:rPr>
               <a:t>Foreach</a:t>
             </a:r>
             <a:r>
               <a:rPr lang="zh-TW" altLang="en-US" sz="4000" dirty="0">
-                <a:latin typeface="王漢宗細圓體繁" panose="02020300000000000000" pitchFamily="18" charset="-120"/>
-                <a:ea typeface="王漢宗細圓體繁" panose="02020300000000000000" pitchFamily="18" charset="-120"/>
+                <a:latin typeface="微軟正黑體" panose="020B0604030504040204" pitchFamily="34" charset="-120"/>
+                <a:ea typeface="微軟正黑體" panose="020B0604030504040204" pitchFamily="34" charset="-120"/>
               </a:rPr>
               <a:t>迴圈</a:t>
             </a:r>
             <a:r>
               <a:rPr lang="en-US" altLang="zh-TW" sz="4000" dirty="0">
-                <a:latin typeface="王漢宗細圓體繁" panose="02020300000000000000" pitchFamily="18" charset="-120"/>
-                <a:ea typeface="王漢宗細圓體繁" panose="02020300000000000000" pitchFamily="18" charset="-120"/>
+                <a:latin typeface="微軟正黑體" panose="020B0604030504040204" pitchFamily="34" charset="-120"/>
+                <a:ea typeface="微軟正黑體" panose="020B0604030504040204" pitchFamily="34" charset="-120"/>
               </a:rPr>
               <a:t>(</a:t>
             </a:r>
             <a:r>
               <a:rPr lang="zh-TW" altLang="en-US" sz="4000" dirty="0">
-                <a:latin typeface="王漢宗細圓體繁" panose="02020300000000000000" pitchFamily="18" charset="-120"/>
-                <a:ea typeface="王漢宗細圓體繁" panose="02020300000000000000" pitchFamily="18" charset="-120"/>
+                <a:latin typeface="微軟正黑體" panose="020B0604030504040204" pitchFamily="34" charset="-120"/>
+                <a:ea typeface="微軟正黑體" panose="020B0604030504040204" pitchFamily="34" charset="-120"/>
               </a:rPr>
               <a:t>專門給陣列資料使用</a:t>
             </a:r>
             <a:r>
               <a:rPr lang="en-US" altLang="zh-TW" sz="4000" dirty="0">
-                <a:latin typeface="王漢宗細圓體繁" panose="02020300000000000000" pitchFamily="18" charset="-120"/>
-                <a:ea typeface="王漢宗細圓體繁" panose="02020300000000000000" pitchFamily="18" charset="-120"/>
+                <a:latin typeface="微軟正黑體" panose="020B0604030504040204" pitchFamily="34" charset="-120"/>
+                <a:ea typeface="微軟正黑體" panose="020B0604030504040204" pitchFamily="34" charset="-120"/>
               </a:rPr>
               <a:t>)</a:t>
             </a:r>
           </a:p>
           <a:p>
+            <a:endParaRPr lang="en-US" altLang="zh-TW" sz="4000" dirty="0">
+              <a:latin typeface="微軟正黑體" panose="020B0604030504040204" pitchFamily="34" charset="-120"/>
+              <a:ea typeface="微軟正黑體" panose="020B0604030504040204" pitchFamily="34" charset="-120"/>
+            </a:endParaRPr>
+          </a:p>
+          <a:p>
             <a:r>
               <a:rPr lang="en-US" altLang="zh-TW" sz="4000" dirty="0">
-                <a:latin typeface="王漢宗細圓體繁" panose="02020300000000000000" pitchFamily="18" charset="-120"/>
-                <a:ea typeface="王漢宗細圓體繁" panose="02020300000000000000" pitchFamily="18" charset="-120"/>
+                <a:latin typeface="微軟正黑體" panose="020B0604030504040204" pitchFamily="34" charset="-120"/>
+                <a:ea typeface="微軟正黑體" panose="020B0604030504040204" pitchFamily="34" charset="-120"/>
               </a:rPr>
               <a:t>foreach ( </a:t>
             </a:r>
             <a:r>
               <a:rPr lang="zh-TW" altLang="en-US" sz="4000" dirty="0">
-                <a:latin typeface="王漢宗細圓體繁" panose="02020300000000000000" pitchFamily="18" charset="-120"/>
-                <a:ea typeface="王漢宗細圓體繁" panose="02020300000000000000" pitchFamily="18" charset="-120"/>
+                <a:latin typeface="微軟正黑體" panose="020B0604030504040204" pitchFamily="34" charset="-120"/>
+                <a:ea typeface="微軟正黑體" panose="020B0604030504040204" pitchFamily="34" charset="-120"/>
               </a:rPr>
               <a:t>陣列名稱  </a:t>
             </a:r>
             <a:r>
               <a:rPr lang="en-US" altLang="zh-TW" sz="4000" dirty="0">
-                <a:latin typeface="王漢宗細圓體繁" panose="02020300000000000000" pitchFamily="18" charset="-120"/>
-                <a:ea typeface="王漢宗細圓體繁" panose="02020300000000000000" pitchFamily="18" charset="-120"/>
+                <a:latin typeface="微軟正黑體" panose="020B0604030504040204" pitchFamily="34" charset="-120"/>
+                <a:ea typeface="微軟正黑體" panose="020B0604030504040204" pitchFamily="34" charset="-120"/>
               </a:rPr>
               <a:t>as  </a:t>
             </a:r>
             <a:r>
               <a:rPr lang="zh-TW" altLang="en-US" sz="4000" dirty="0">
-                <a:latin typeface="王漢宗細圓體繁" panose="02020300000000000000" pitchFamily="18" charset="-120"/>
-                <a:ea typeface="王漢宗細圓體繁" panose="02020300000000000000" pitchFamily="18" charset="-120"/>
+                <a:latin typeface="微軟正黑體" panose="020B0604030504040204" pitchFamily="34" charset="-120"/>
+                <a:ea typeface="微軟正黑體" panose="020B0604030504040204" pitchFamily="34" charset="-120"/>
               </a:rPr>
               <a:t>索引值 </a:t>
             </a:r>
             <a:r>
               <a:rPr lang="en-US" altLang="zh-TW" sz="4000" dirty="0">
-                <a:latin typeface="王漢宗細圓體繁" panose="02020300000000000000" pitchFamily="18" charset="-120"/>
-                <a:ea typeface="王漢宗細圓體繁" panose="02020300000000000000" pitchFamily="18" charset="-120"/>
+                <a:latin typeface="微軟正黑體" panose="020B0604030504040204" pitchFamily="34" charset="-120"/>
+                <a:ea typeface="微軟正黑體" panose="020B0604030504040204" pitchFamily="34" charset="-120"/>
               </a:rPr>
               <a:t>=&gt; </a:t>
             </a:r>
             <a:r>
               <a:rPr lang="zh-TW" altLang="en-US" sz="4000" dirty="0">
-                <a:latin typeface="王漢宗細圓體繁" panose="02020300000000000000" pitchFamily="18" charset="-120"/>
-                <a:ea typeface="王漢宗細圓體繁" panose="02020300000000000000" pitchFamily="18" charset="-120"/>
+                <a:latin typeface="微軟正黑體" panose="020B0604030504040204" pitchFamily="34" charset="-120"/>
+                <a:ea typeface="微軟正黑體" panose="020B0604030504040204" pitchFamily="34" charset="-120"/>
               </a:rPr>
               <a:t>內容值 </a:t>
             </a:r>
             <a:r>
               <a:rPr lang="en-US" altLang="zh-TW" sz="4000" dirty="0">
-                <a:latin typeface="王漢宗細圓體繁" panose="02020300000000000000" pitchFamily="18" charset="-120"/>
-                <a:ea typeface="王漢宗細圓體繁" panose="02020300000000000000" pitchFamily="18" charset="-120"/>
+                <a:latin typeface="微軟正黑體" panose="020B0604030504040204" pitchFamily="34" charset="-120"/>
+                <a:ea typeface="微軟正黑體" panose="020B0604030504040204" pitchFamily="34" charset="-120"/>
               </a:rPr>
               <a:t>)</a:t>
             </a:r>
@@ -6311,7 +7544,7 @@
 </p:sld>
 </file>
 
-<file path=ppt/slides/slide15.xml><?xml version="1.0" encoding="utf-8"?>
+<file path=ppt/slides/slide17.xml><?xml version="1.0" encoding="utf-8"?>
 <p:sld xmlns:a="http://schemas.openxmlformats.org/drawingml/2006/main" xmlns:r="http://schemas.openxmlformats.org/officeDocument/2006/relationships" xmlns:p="http://schemas.openxmlformats.org/presentationml/2006/main">
   <p:cSld>
     <p:spTree>
@@ -6511,8 +7744,8 @@
             <a:pPr algn="ctr"/>
             <a:r>
               <a:rPr lang="zh-TW" altLang="en-US" sz="4000" dirty="0">
-                <a:latin typeface="王漢宗細圓體繁" panose="02020300000000000000" pitchFamily="18" charset="-120"/>
-                <a:ea typeface="王漢宗細圓體繁" panose="02020300000000000000" pitchFamily="18" charset="-120"/>
+                <a:latin typeface="微軟正黑體" panose="020B0604030504040204" pitchFamily="34" charset="-120"/>
+                <a:ea typeface="微軟正黑體" panose="020B0604030504040204" pitchFamily="34" charset="-120"/>
               </a:rPr>
               <a:t>完成一個樂透遊戲</a:t>
             </a:r>
@@ -8220,22 +9453,22 @@
           <a:p>
             <a:r>
               <a:rPr lang="zh-TW" altLang="en-US" sz="4000" dirty="0">
-                <a:latin typeface="王漢宗細圓體繁" panose="02020300000000000000" pitchFamily="18" charset="-120"/>
-                <a:ea typeface="王漢宗細圓體繁" panose="02020300000000000000" pitchFamily="18" charset="-120"/>
+                <a:latin typeface="微軟正黑體" panose="020B0604030504040204" pitchFamily="34" charset="-120"/>
+                <a:ea typeface="微軟正黑體" panose="020B0604030504040204" pitchFamily="34" charset="-120"/>
               </a:rPr>
               <a:t>程式的記憶能力</a:t>
             </a:r>
             <a:r>
               <a:rPr lang="en-US" altLang="zh-TW" sz="4000" dirty="0">
-                <a:latin typeface="王漢宗細圓體繁" panose="02020300000000000000" pitchFamily="18" charset="-120"/>
-                <a:ea typeface="王漢宗細圓體繁" panose="02020300000000000000" pitchFamily="18" charset="-120"/>
+                <a:latin typeface="微軟正黑體" panose="020B0604030504040204" pitchFamily="34" charset="-120"/>
+                <a:ea typeface="微軟正黑體" panose="020B0604030504040204" pitchFamily="34" charset="-120"/>
               </a:rPr>
               <a:t>:</a:t>
             </a:r>
             <a:r>
               <a:rPr lang="zh-TW" altLang="en-US" sz="4000" dirty="0">
-                <a:latin typeface="王漢宗細圓體繁" panose="02020300000000000000" pitchFamily="18" charset="-120"/>
-                <a:ea typeface="王漢宗細圓體繁" panose="02020300000000000000" pitchFamily="18" charset="-120"/>
+                <a:latin typeface="微軟正黑體" panose="020B0604030504040204" pitchFamily="34" charset="-120"/>
+                <a:ea typeface="微軟正黑體" panose="020B0604030504040204" pitchFamily="34" charset="-120"/>
               </a:rPr>
               <a:t>變數</a:t>
             </a:r>
@@ -8272,15 +9505,15 @@
           <a:p>
             <a:r>
               <a:rPr lang="zh-TW" altLang="en-US" sz="4000" dirty="0">
-                <a:latin typeface="王漢宗細圓體繁" panose="02020300000000000000" pitchFamily="18" charset="-120"/>
-                <a:ea typeface="王漢宗細圓體繁" panose="02020300000000000000" pitchFamily="18" charset="-120"/>
+                <a:latin typeface="微軟正黑體" panose="020B0604030504040204" pitchFamily="34" charset="-120"/>
+                <a:ea typeface="微軟正黑體" panose="020B0604030504040204" pitchFamily="34" charset="-120"/>
               </a:rPr>
               <a:t>程式的判斷能力</a:t>
             </a:r>
             <a:r>
               <a:rPr lang="en-US" altLang="zh-TW" sz="4000" dirty="0">
-                <a:latin typeface="王漢宗細圓體繁" panose="02020300000000000000" pitchFamily="18" charset="-120"/>
-                <a:ea typeface="王漢宗細圓體繁" panose="02020300000000000000" pitchFamily="18" charset="-120"/>
+                <a:latin typeface="微軟正黑體" panose="020B0604030504040204" pitchFamily="34" charset="-120"/>
+                <a:ea typeface="微軟正黑體" panose="020B0604030504040204" pitchFamily="34" charset="-120"/>
               </a:rPr>
               <a:t>:if</a:t>
             </a:r>
@@ -8317,15 +9550,15 @@
           <a:p>
             <a:r>
               <a:rPr lang="zh-TW" altLang="en-US" sz="4000" dirty="0">
-                <a:latin typeface="王漢宗細圓體繁" panose="02020300000000000000" pitchFamily="18" charset="-120"/>
-                <a:ea typeface="王漢宗細圓體繁" panose="02020300000000000000" pitchFamily="18" charset="-120"/>
+                <a:latin typeface="微軟正黑體" panose="020B0604030504040204" pitchFamily="34" charset="-120"/>
+                <a:ea typeface="微軟正黑體" panose="020B0604030504040204" pitchFamily="34" charset="-120"/>
               </a:rPr>
               <a:t>程式的重複能力</a:t>
             </a:r>
             <a:r>
               <a:rPr lang="en-US" altLang="zh-TW" sz="4000" dirty="0">
-                <a:latin typeface="王漢宗細圓體繁" panose="02020300000000000000" pitchFamily="18" charset="-120"/>
-                <a:ea typeface="王漢宗細圓體繁" panose="02020300000000000000" pitchFamily="18" charset="-120"/>
+                <a:latin typeface="微軟正黑體" panose="020B0604030504040204" pitchFamily="34" charset="-120"/>
+                <a:ea typeface="微軟正黑體" panose="020B0604030504040204" pitchFamily="34" charset="-120"/>
               </a:rPr>
               <a:t>:for</a:t>
             </a:r>
@@ -9696,8 +10929,8 @@
                     <a:lumMod val="50000"/>
                   </a:schemeClr>
                 </a:solidFill>
-                <a:latin typeface="王漢宗細圓體繁" panose="02020300000000000000" pitchFamily="18" charset="-120"/>
-                <a:ea typeface="王漢宗細圓體繁" panose="02020300000000000000" pitchFamily="18" charset="-120"/>
+                <a:latin typeface="微軟正黑體" panose="020B0604030504040204" pitchFamily="34" charset="-120"/>
+                <a:ea typeface="微軟正黑體" panose="020B0604030504040204" pitchFamily="34" charset="-120"/>
               </a:rPr>
               <a:t>何時使用</a:t>
             </a:r>
@@ -9708,58 +10941,58 @@
                     <a:lumMod val="50000"/>
                   </a:schemeClr>
                 </a:solidFill>
-                <a:latin typeface="王漢宗細圓體繁" panose="02020300000000000000" pitchFamily="18" charset="-120"/>
-                <a:ea typeface="王漢宗細圓體繁" panose="02020300000000000000" pitchFamily="18" charset="-120"/>
+                <a:latin typeface="微軟正黑體" panose="020B0604030504040204" pitchFamily="34" charset="-120"/>
+                <a:ea typeface="微軟正黑體" panose="020B0604030504040204" pitchFamily="34" charset="-120"/>
               </a:rPr>
               <a:t>function?</a:t>
             </a:r>
           </a:p>
           <a:p>
             <a:endParaRPr lang="en-US" altLang="zh-TW" sz="4000" dirty="0">
-              <a:latin typeface="王漢宗細圓體繁" panose="02020300000000000000" pitchFamily="18" charset="-120"/>
-              <a:ea typeface="王漢宗細圓體繁" panose="02020300000000000000" pitchFamily="18" charset="-120"/>
+              <a:latin typeface="微軟正黑體" panose="020B0604030504040204" pitchFamily="34" charset="-120"/>
+              <a:ea typeface="微軟正黑體" panose="020B0604030504040204" pitchFamily="34" charset="-120"/>
             </a:endParaRPr>
           </a:p>
           <a:p>
             <a:r>
               <a:rPr lang="zh-TW" altLang="en-US" sz="4000" dirty="0">
-                <a:latin typeface="王漢宗細圓體繁" panose="02020300000000000000" pitchFamily="18" charset="-120"/>
-                <a:ea typeface="王漢宗細圓體繁" panose="02020300000000000000" pitchFamily="18" charset="-120"/>
+                <a:latin typeface="微軟正黑體" panose="020B0604030504040204" pitchFamily="34" charset="-120"/>
+                <a:ea typeface="微軟正黑體" panose="020B0604030504040204" pitchFamily="34" charset="-120"/>
               </a:rPr>
               <a:t>有一段程式需要它重複執行，</a:t>
             </a:r>
             <a:endParaRPr lang="en-US" altLang="zh-TW" sz="4000" dirty="0">
-              <a:latin typeface="王漢宗細圓體繁" panose="02020300000000000000" pitchFamily="18" charset="-120"/>
-              <a:ea typeface="王漢宗細圓體繁" panose="02020300000000000000" pitchFamily="18" charset="-120"/>
+              <a:latin typeface="微軟正黑體" panose="020B0604030504040204" pitchFamily="34" charset="-120"/>
+              <a:ea typeface="微軟正黑體" panose="020B0604030504040204" pitchFamily="34" charset="-120"/>
             </a:endParaRPr>
           </a:p>
           <a:p>
             <a:r>
               <a:rPr lang="zh-TW" altLang="en-US" sz="4000" dirty="0">
-                <a:latin typeface="王漢宗細圓體繁" panose="02020300000000000000" pitchFamily="18" charset="-120"/>
-                <a:ea typeface="王漢宗細圓體繁" panose="02020300000000000000" pitchFamily="18" charset="-120"/>
+                <a:latin typeface="微軟正黑體" panose="020B0604030504040204" pitchFamily="34" charset="-120"/>
+                <a:ea typeface="微軟正黑體" panose="020B0604030504040204" pitchFamily="34" charset="-120"/>
               </a:rPr>
               <a:t>就可以包成</a:t>
             </a:r>
             <a:r>
               <a:rPr lang="en-US" altLang="zh-TW" sz="4000" dirty="0">
-                <a:latin typeface="王漢宗細圓體繁" panose="02020300000000000000" pitchFamily="18" charset="-120"/>
-                <a:ea typeface="王漢宗細圓體繁" panose="02020300000000000000" pitchFamily="18" charset="-120"/>
+                <a:latin typeface="微軟正黑體" panose="020B0604030504040204" pitchFamily="34" charset="-120"/>
+                <a:ea typeface="微軟正黑體" panose="020B0604030504040204" pitchFamily="34" charset="-120"/>
               </a:rPr>
               <a:t>function</a:t>
             </a:r>
           </a:p>
           <a:p>
             <a:endParaRPr lang="en-US" altLang="zh-TW" sz="4000" dirty="0">
-              <a:latin typeface="王漢宗細圓體繁" panose="02020300000000000000" pitchFamily="18" charset="-120"/>
-              <a:ea typeface="王漢宗細圓體繁" panose="02020300000000000000" pitchFamily="18" charset="-120"/>
+              <a:latin typeface="微軟正黑體" panose="020B0604030504040204" pitchFamily="34" charset="-120"/>
+              <a:ea typeface="微軟正黑體" panose="020B0604030504040204" pitchFamily="34" charset="-120"/>
             </a:endParaRPr>
           </a:p>
           <a:p>
             <a:r>
               <a:rPr lang="zh-TW" altLang="en-US" sz="4000" dirty="0">
-                <a:latin typeface="王漢宗細圓體繁" panose="02020300000000000000" pitchFamily="18" charset="-120"/>
-                <a:ea typeface="王漢宗細圓體繁" panose="02020300000000000000" pitchFamily="18" charset="-120"/>
+                <a:latin typeface="微軟正黑體" panose="020B0604030504040204" pitchFamily="34" charset="-120"/>
+                <a:ea typeface="微軟正黑體" panose="020B0604030504040204" pitchFamily="34" charset="-120"/>
               </a:rPr>
               <a:t>必須先寫好 ，但不會馬上執行</a:t>
             </a:r>
@@ -9978,36 +11211,36 @@
           <a:p>
             <a:r>
               <a:rPr lang="zh-TW" altLang="en-US" sz="4000" dirty="0">
-                <a:latin typeface="王漢宗細圓體繁" panose="02020300000000000000" pitchFamily="18" charset="-120"/>
-                <a:ea typeface="王漢宗細圓體繁" panose="02020300000000000000" pitchFamily="18" charset="-120"/>
+                <a:latin typeface="微軟正黑體" panose="020B0604030504040204" pitchFamily="34" charset="-120"/>
+                <a:ea typeface="微軟正黑體" panose="020B0604030504040204" pitchFamily="34" charset="-120"/>
               </a:rPr>
               <a:t>日薪</a:t>
             </a:r>
             <a:r>
               <a:rPr lang="en-US" altLang="zh-TW" sz="4000" dirty="0">
-                <a:latin typeface="王漢宗細圓體繁" panose="02020300000000000000" pitchFamily="18" charset="-120"/>
-                <a:ea typeface="王漢宗細圓體繁" panose="02020300000000000000" pitchFamily="18" charset="-120"/>
+                <a:latin typeface="微軟正黑體" panose="020B0604030504040204" pitchFamily="34" charset="-120"/>
+                <a:ea typeface="微軟正黑體" panose="020B0604030504040204" pitchFamily="34" charset="-120"/>
               </a:rPr>
               <a:t>1000</a:t>
             </a:r>
             <a:r>
               <a:rPr lang="zh-TW" altLang="en-US" sz="4000" dirty="0">
-                <a:latin typeface="王漢宗細圓體繁" panose="02020300000000000000" pitchFamily="18" charset="-120"/>
-                <a:ea typeface="王漢宗細圓體繁" panose="02020300000000000000" pitchFamily="18" charset="-120"/>
+                <a:latin typeface="微軟正黑體" panose="020B0604030504040204" pitchFamily="34" charset="-120"/>
+                <a:ea typeface="微軟正黑體" panose="020B0604030504040204" pitchFamily="34" charset="-120"/>
               </a:rPr>
               <a:t>元，一個月工作</a:t>
             </a:r>
             <a:r>
               <a:rPr lang="en-US" altLang="zh-TW" sz="4000" dirty="0">
-                <a:latin typeface="王漢宗細圓體繁" panose="02020300000000000000" pitchFamily="18" charset="-120"/>
-                <a:ea typeface="王漢宗細圓體繁" panose="02020300000000000000" pitchFamily="18" charset="-120"/>
+                <a:latin typeface="微軟正黑體" panose="020B0604030504040204" pitchFamily="34" charset="-120"/>
+                <a:ea typeface="微軟正黑體" panose="020B0604030504040204" pitchFamily="34" charset="-120"/>
               </a:rPr>
               <a:t>20</a:t>
             </a:r>
             <a:r>
               <a:rPr lang="zh-TW" altLang="en-US" sz="4000" dirty="0">
-                <a:latin typeface="王漢宗細圓體繁" panose="02020300000000000000" pitchFamily="18" charset="-120"/>
-                <a:ea typeface="王漢宗細圓體繁" panose="02020300000000000000" pitchFamily="18" charset="-120"/>
+                <a:latin typeface="微軟正黑體" panose="020B0604030504040204" pitchFamily="34" charset="-120"/>
+                <a:ea typeface="微軟正黑體" panose="020B0604030504040204" pitchFamily="34" charset="-120"/>
               </a:rPr>
               <a:t>天，計算月薪</a:t>
             </a:r>
@@ -10318,7 +11551,7 @@
         </p:nvSpPr>
         <p:spPr>
           <a:xfrm>
-            <a:off x="4512134" y="3659977"/>
+            <a:off x="7179708" y="2089231"/>
             <a:ext cx="11578590" cy="3785652"/>
           </a:xfrm>
           <a:prstGeom prst="rect">
@@ -10334,8 +11567,8 @@
           <a:p>
             <a:r>
               <a:rPr lang="en-US" altLang="zh-TW" sz="4000" dirty="0">
-                <a:latin typeface="王漢宗細圓體繁" panose="02020300000000000000" pitchFamily="18" charset="-120"/>
-                <a:ea typeface="王漢宗細圓體繁" panose="02020300000000000000" pitchFamily="18" charset="-120"/>
+                <a:latin typeface="微軟正黑體" panose="020B0604030504040204" pitchFamily="34" charset="-120"/>
+                <a:ea typeface="微軟正黑體" panose="020B0604030504040204" pitchFamily="34" charset="-120"/>
               </a:rPr>
               <a:t>If(True){</a:t>
             </a:r>
@@ -10343,8 +11576,8 @@
           <a:p>
             <a:r>
               <a:rPr lang="en-US" altLang="zh-TW" sz="4000" dirty="0">
-                <a:latin typeface="王漢宗細圓體繁" panose="02020300000000000000" pitchFamily="18" charset="-120"/>
-                <a:ea typeface="王漢宗細圓體繁" panose="02020300000000000000" pitchFamily="18" charset="-120"/>
+                <a:latin typeface="微軟正黑體" panose="020B0604030504040204" pitchFamily="34" charset="-120"/>
+                <a:ea typeface="微軟正黑體" panose="020B0604030504040204" pitchFamily="34" charset="-120"/>
               </a:rPr>
               <a:t>A</a:t>
             </a:r>
@@ -10352,8 +11585,8 @@
           <a:p>
             <a:r>
               <a:rPr lang="en-US" altLang="zh-TW" sz="4000" dirty="0">
-                <a:latin typeface="王漢宗細圓體繁" panose="02020300000000000000" pitchFamily="18" charset="-120"/>
-                <a:ea typeface="王漢宗細圓體繁" panose="02020300000000000000" pitchFamily="18" charset="-120"/>
+                <a:latin typeface="微軟正黑體" panose="020B0604030504040204" pitchFamily="34" charset="-120"/>
+                <a:ea typeface="微軟正黑體" panose="020B0604030504040204" pitchFamily="34" charset="-120"/>
               </a:rPr>
               <a:t>}else{</a:t>
             </a:r>
@@ -10361,8 +11594,8 @@
           <a:p>
             <a:r>
               <a:rPr lang="en-US" altLang="zh-TW" sz="4000" dirty="0">
-                <a:latin typeface="王漢宗細圓體繁" panose="02020300000000000000" pitchFamily="18" charset="-120"/>
-                <a:ea typeface="王漢宗細圓體繁" panose="02020300000000000000" pitchFamily="18" charset="-120"/>
+                <a:latin typeface="微軟正黑體" panose="020B0604030504040204" pitchFamily="34" charset="-120"/>
+                <a:ea typeface="微軟正黑體" panose="020B0604030504040204" pitchFamily="34" charset="-120"/>
               </a:rPr>
               <a:t>B</a:t>
             </a:r>
@@ -10370,8 +11603,8 @@
           <a:p>
             <a:r>
               <a:rPr lang="en-US" altLang="zh-TW" sz="4000" dirty="0">
-                <a:latin typeface="王漢宗細圓體繁" panose="02020300000000000000" pitchFamily="18" charset="-120"/>
-                <a:ea typeface="王漢宗細圓體繁" panose="02020300000000000000" pitchFamily="18" charset="-120"/>
+                <a:latin typeface="微軟正黑體" panose="020B0604030504040204" pitchFamily="34" charset="-120"/>
+                <a:ea typeface="微軟正黑體" panose="020B0604030504040204" pitchFamily="34" charset="-120"/>
               </a:rPr>
               <a:t>}</a:t>
             </a:r>
@@ -10379,15 +11612,15 @@
           <a:p>
             <a:r>
               <a:rPr lang="zh-TW" altLang="en-US" sz="4000" dirty="0">
-                <a:latin typeface="王漢宗細圓體繁" panose="02020300000000000000" pitchFamily="18" charset="-120"/>
-                <a:ea typeface="王漢宗細圓體繁" panose="02020300000000000000" pitchFamily="18" charset="-120"/>
+                <a:latin typeface="微軟正黑體" panose="020B0604030504040204" pitchFamily="34" charset="-120"/>
+                <a:ea typeface="微軟正黑體" panose="020B0604030504040204" pitchFamily="34" charset="-120"/>
               </a:rPr>
               <a:t>執行</a:t>
             </a:r>
             <a:r>
               <a:rPr lang="en-US" altLang="zh-TW" sz="4000" dirty="0">
-                <a:latin typeface="王漢宗細圓體繁" panose="02020300000000000000" pitchFamily="18" charset="-120"/>
-                <a:ea typeface="王漢宗細圓體繁" panose="02020300000000000000" pitchFamily="18" charset="-120"/>
+                <a:latin typeface="微軟正黑體" panose="020B0604030504040204" pitchFamily="34" charset="-120"/>
+                <a:ea typeface="微軟正黑體" panose="020B0604030504040204" pitchFamily="34" charset="-120"/>
               </a:rPr>
               <a:t>=&gt;A</a:t>
             </a:r>
@@ -10454,6 +11687,593 @@
           </a:prstGeom>
         </p:spPr>
       </p:pic>
+      <p:sp>
+        <p:nvSpPr>
+          <p:cNvPr id="10" name="內容版面配置區 2">
+            <a:extLst>
+              <a:ext uri="{FF2B5EF4-FFF2-40B4-BE49-F238E27FC236}">
+                <a16:creationId xmlns:a16="http://schemas.microsoft.com/office/drawing/2014/main" id="{DE35C04F-8C73-4E56-92F6-501F7ACBC14D}"/>
+              </a:ext>
+            </a:extLst>
+          </p:cNvPr>
+          <p:cNvSpPr txBox="1">
+            <a:spLocks/>
+          </p:cNvSpPr>
+          <p:nvPr/>
+        </p:nvSpPr>
+        <p:spPr>
+          <a:xfrm>
+            <a:off x="10779268" y="2144943"/>
+            <a:ext cx="3698732" cy="6815720"/>
+          </a:xfrm>
+          <a:prstGeom prst="rect">
+            <a:avLst/>
+          </a:prstGeom>
+        </p:spPr>
+        <p:txBody>
+          <a:bodyPr vert="horz" lIns="91440" tIns="45720" rIns="91440" bIns="45720" rtlCol="0">
+            <a:normAutofit/>
+          </a:bodyPr>
+          <a:lstStyle>
+            <a:lvl1pPr marL="228600" indent="-228600" algn="l" defTabSz="914400" rtl="0" eaLnBrk="1" latinLnBrk="0" hangingPunct="1">
+              <a:lnSpc>
+                <a:spcPct val="90000"/>
+              </a:lnSpc>
+              <a:spcBef>
+                <a:spcPts val="1000"/>
+              </a:spcBef>
+              <a:buFont typeface="Arial" panose="020B0604020202020204" pitchFamily="34" charset="0"/>
+              <a:buChar char="•"/>
+              <a:defRPr sz="2800" kern="1200">
+                <a:solidFill>
+                  <a:schemeClr val="tx1"/>
+                </a:solidFill>
+                <a:latin typeface="+mn-lt"/>
+                <a:ea typeface="+mn-ea"/>
+                <a:cs typeface="+mn-cs"/>
+              </a:defRPr>
+            </a:lvl1pPr>
+            <a:lvl2pPr marL="685800" indent="-228600" algn="l" defTabSz="914400" rtl="0" eaLnBrk="1" latinLnBrk="0" hangingPunct="1">
+              <a:lnSpc>
+                <a:spcPct val="90000"/>
+              </a:lnSpc>
+              <a:spcBef>
+                <a:spcPts val="500"/>
+              </a:spcBef>
+              <a:buFont typeface="Arial" panose="020B0604020202020204" pitchFamily="34" charset="0"/>
+              <a:buChar char="•"/>
+              <a:defRPr sz="2400" kern="1200">
+                <a:solidFill>
+                  <a:schemeClr val="tx1"/>
+                </a:solidFill>
+                <a:latin typeface="+mn-lt"/>
+                <a:ea typeface="+mn-ea"/>
+                <a:cs typeface="+mn-cs"/>
+              </a:defRPr>
+            </a:lvl2pPr>
+            <a:lvl3pPr marL="1143000" indent="-228600" algn="l" defTabSz="914400" rtl="0" eaLnBrk="1" latinLnBrk="0" hangingPunct="1">
+              <a:lnSpc>
+                <a:spcPct val="90000"/>
+              </a:lnSpc>
+              <a:spcBef>
+                <a:spcPts val="500"/>
+              </a:spcBef>
+              <a:buFont typeface="Arial" panose="020B0604020202020204" pitchFamily="34" charset="0"/>
+              <a:buChar char="•"/>
+              <a:defRPr sz="2000" kern="1200">
+                <a:solidFill>
+                  <a:schemeClr val="tx1"/>
+                </a:solidFill>
+                <a:latin typeface="+mn-lt"/>
+                <a:ea typeface="+mn-ea"/>
+                <a:cs typeface="+mn-cs"/>
+              </a:defRPr>
+            </a:lvl3pPr>
+            <a:lvl4pPr marL="1600200" indent="-228600" algn="l" defTabSz="914400" rtl="0" eaLnBrk="1" latinLnBrk="0" hangingPunct="1">
+              <a:lnSpc>
+                <a:spcPct val="90000"/>
+              </a:lnSpc>
+              <a:spcBef>
+                <a:spcPts val="500"/>
+              </a:spcBef>
+              <a:buFont typeface="Arial" panose="020B0604020202020204" pitchFamily="34" charset="0"/>
+              <a:buChar char="•"/>
+              <a:defRPr sz="1800" kern="1200">
+                <a:solidFill>
+                  <a:schemeClr val="tx1"/>
+                </a:solidFill>
+                <a:latin typeface="+mn-lt"/>
+                <a:ea typeface="+mn-ea"/>
+                <a:cs typeface="+mn-cs"/>
+              </a:defRPr>
+            </a:lvl4pPr>
+            <a:lvl5pPr marL="2057400" indent="-228600" algn="l" defTabSz="914400" rtl="0" eaLnBrk="1" latinLnBrk="0" hangingPunct="1">
+              <a:lnSpc>
+                <a:spcPct val="90000"/>
+              </a:lnSpc>
+              <a:spcBef>
+                <a:spcPts val="500"/>
+              </a:spcBef>
+              <a:buFont typeface="Arial" panose="020B0604020202020204" pitchFamily="34" charset="0"/>
+              <a:buChar char="•"/>
+              <a:defRPr sz="1800" kern="1200">
+                <a:solidFill>
+                  <a:schemeClr val="tx1"/>
+                </a:solidFill>
+                <a:latin typeface="+mn-lt"/>
+                <a:ea typeface="+mn-ea"/>
+                <a:cs typeface="+mn-cs"/>
+              </a:defRPr>
+            </a:lvl5pPr>
+            <a:lvl6pPr marL="2514600" indent="-228600" algn="l" defTabSz="914400" rtl="0" eaLnBrk="1" latinLnBrk="0" hangingPunct="1">
+              <a:lnSpc>
+                <a:spcPct val="90000"/>
+              </a:lnSpc>
+              <a:spcBef>
+                <a:spcPts val="500"/>
+              </a:spcBef>
+              <a:buFont typeface="Arial" panose="020B0604020202020204" pitchFamily="34" charset="0"/>
+              <a:buChar char="•"/>
+              <a:defRPr sz="1800" kern="1200">
+                <a:solidFill>
+                  <a:schemeClr val="tx1"/>
+                </a:solidFill>
+                <a:latin typeface="+mn-lt"/>
+                <a:ea typeface="+mn-ea"/>
+                <a:cs typeface="+mn-cs"/>
+              </a:defRPr>
+            </a:lvl6pPr>
+            <a:lvl7pPr marL="2971800" indent="-228600" algn="l" defTabSz="914400" rtl="0" eaLnBrk="1" latinLnBrk="0" hangingPunct="1">
+              <a:lnSpc>
+                <a:spcPct val="90000"/>
+              </a:lnSpc>
+              <a:spcBef>
+                <a:spcPts val="500"/>
+              </a:spcBef>
+              <a:buFont typeface="Arial" panose="020B0604020202020204" pitchFamily="34" charset="0"/>
+              <a:buChar char="•"/>
+              <a:defRPr sz="1800" kern="1200">
+                <a:solidFill>
+                  <a:schemeClr val="tx1"/>
+                </a:solidFill>
+                <a:latin typeface="+mn-lt"/>
+                <a:ea typeface="+mn-ea"/>
+                <a:cs typeface="+mn-cs"/>
+              </a:defRPr>
+            </a:lvl7pPr>
+            <a:lvl8pPr marL="3429000" indent="-228600" algn="l" defTabSz="914400" rtl="0" eaLnBrk="1" latinLnBrk="0" hangingPunct="1">
+              <a:lnSpc>
+                <a:spcPct val="90000"/>
+              </a:lnSpc>
+              <a:spcBef>
+                <a:spcPts val="500"/>
+              </a:spcBef>
+              <a:buFont typeface="Arial" panose="020B0604020202020204" pitchFamily="34" charset="0"/>
+              <a:buChar char="•"/>
+              <a:defRPr sz="1800" kern="1200">
+                <a:solidFill>
+                  <a:schemeClr val="tx1"/>
+                </a:solidFill>
+                <a:latin typeface="+mn-lt"/>
+                <a:ea typeface="+mn-ea"/>
+                <a:cs typeface="+mn-cs"/>
+              </a:defRPr>
+            </a:lvl8pPr>
+            <a:lvl9pPr marL="3886200" indent="-228600" algn="l" defTabSz="914400" rtl="0" eaLnBrk="1" latinLnBrk="0" hangingPunct="1">
+              <a:lnSpc>
+                <a:spcPct val="90000"/>
+              </a:lnSpc>
+              <a:spcBef>
+                <a:spcPts val="500"/>
+              </a:spcBef>
+              <a:buFont typeface="Arial" panose="020B0604020202020204" pitchFamily="34" charset="0"/>
+              <a:buChar char="•"/>
+              <a:defRPr sz="1800" kern="1200">
+                <a:solidFill>
+                  <a:schemeClr val="tx1"/>
+                </a:solidFill>
+                <a:latin typeface="+mn-lt"/>
+                <a:ea typeface="+mn-ea"/>
+                <a:cs typeface="+mn-cs"/>
+              </a:defRPr>
+            </a:lvl9pPr>
+          </a:lstStyle>
+          <a:p>
+            <a:pPr marL="0" marR="0" lvl="0" indent="0" algn="l" defTabSz="914400" rtl="0" eaLnBrk="1" fontAlgn="auto" latinLnBrk="0" hangingPunct="1">
+              <a:lnSpc>
+                <a:spcPct val="90000"/>
+              </a:lnSpc>
+              <a:spcBef>
+                <a:spcPts val="1000"/>
+              </a:spcBef>
+              <a:spcAft>
+                <a:spcPts val="0"/>
+              </a:spcAft>
+              <a:buClrTx/>
+              <a:buSzTx/>
+              <a:buFont typeface="Arial" panose="020B0604020202020204" pitchFamily="34" charset="0"/>
+              <a:buNone/>
+              <a:tabLst/>
+              <a:defRPr/>
+            </a:pPr>
+            <a:r>
+              <a:rPr kumimoji="0" lang="en-US" altLang="zh-TW" sz="4000" b="0" i="0" u="none" strike="noStrike" kern="1200" cap="none" spc="0" normalizeH="0" baseline="0" noProof="0" dirty="0">
+                <a:ln>
+                  <a:noFill/>
+                </a:ln>
+                <a:solidFill>
+                  <a:prstClr val="black"/>
+                </a:solidFill>
+                <a:effectLst/>
+                <a:uLnTx/>
+                <a:uFillTx/>
+                <a:latin typeface="微軟正黑體" panose="020B0604030504040204" pitchFamily="34" charset="-120"/>
+                <a:ea typeface="微軟正黑體" panose="020B0604030504040204" pitchFamily="34" charset="-120"/>
+              </a:rPr>
+              <a:t>If(False){</a:t>
+            </a:r>
+          </a:p>
+          <a:p>
+            <a:pPr marL="457200" marR="0" lvl="1" indent="0" algn="l" defTabSz="914400" rtl="0" eaLnBrk="1" fontAlgn="auto" latinLnBrk="0" hangingPunct="1">
+              <a:lnSpc>
+                <a:spcPct val="90000"/>
+              </a:lnSpc>
+              <a:spcBef>
+                <a:spcPts val="500"/>
+              </a:spcBef>
+              <a:spcAft>
+                <a:spcPts val="0"/>
+              </a:spcAft>
+              <a:buClrTx/>
+              <a:buSzTx/>
+              <a:buFont typeface="Arial" panose="020B0604020202020204" pitchFamily="34" charset="0"/>
+              <a:buNone/>
+              <a:tabLst/>
+              <a:defRPr/>
+            </a:pPr>
+            <a:r>
+              <a:rPr kumimoji="0" lang="en-US" altLang="zh-TW" sz="4000" b="0" i="0" u="none" strike="noStrike" kern="1200" cap="none" spc="0" normalizeH="0" baseline="0" noProof="0" dirty="0">
+                <a:ln>
+                  <a:noFill/>
+                </a:ln>
+                <a:solidFill>
+                  <a:prstClr val="black"/>
+                </a:solidFill>
+                <a:effectLst/>
+                <a:uLnTx/>
+                <a:uFillTx/>
+                <a:latin typeface="微軟正黑體" panose="020B0604030504040204" pitchFamily="34" charset="-120"/>
+                <a:ea typeface="微軟正黑體" panose="020B0604030504040204" pitchFamily="34" charset="-120"/>
+              </a:rPr>
+              <a:t>A</a:t>
+            </a:r>
+          </a:p>
+          <a:p>
+            <a:pPr marL="0" marR="0" lvl="0" indent="0" algn="l" defTabSz="914400" rtl="0" eaLnBrk="1" fontAlgn="auto" latinLnBrk="0" hangingPunct="1">
+              <a:lnSpc>
+                <a:spcPct val="90000"/>
+              </a:lnSpc>
+              <a:spcBef>
+                <a:spcPts val="1000"/>
+              </a:spcBef>
+              <a:spcAft>
+                <a:spcPts val="0"/>
+              </a:spcAft>
+              <a:buClrTx/>
+              <a:buSzTx/>
+              <a:buFont typeface="Arial" panose="020B0604020202020204" pitchFamily="34" charset="0"/>
+              <a:buNone/>
+              <a:tabLst/>
+              <a:defRPr/>
+            </a:pPr>
+            <a:r>
+              <a:rPr kumimoji="0" lang="en-US" altLang="zh-TW" sz="4000" b="0" i="0" u="none" strike="noStrike" kern="1200" cap="none" spc="0" normalizeH="0" baseline="0" noProof="0" dirty="0">
+                <a:ln>
+                  <a:noFill/>
+                </a:ln>
+                <a:solidFill>
+                  <a:prstClr val="black"/>
+                </a:solidFill>
+                <a:effectLst/>
+                <a:uLnTx/>
+                <a:uFillTx/>
+                <a:latin typeface="微軟正黑體" panose="020B0604030504040204" pitchFamily="34" charset="-120"/>
+                <a:ea typeface="微軟正黑體" panose="020B0604030504040204" pitchFamily="34" charset="-120"/>
+              </a:rPr>
+              <a:t>}</a:t>
+            </a:r>
+            <a:r>
+              <a:rPr kumimoji="0" lang="en-US" altLang="zh-TW" sz="4000" b="0" i="0" u="none" strike="noStrike" kern="1200" cap="none" spc="0" normalizeH="0" baseline="0" noProof="0" dirty="0" err="1">
+                <a:ln>
+                  <a:noFill/>
+                </a:ln>
+                <a:solidFill>
+                  <a:prstClr val="black"/>
+                </a:solidFill>
+                <a:effectLst/>
+                <a:uLnTx/>
+                <a:uFillTx/>
+                <a:latin typeface="微軟正黑體" panose="020B0604030504040204" pitchFamily="34" charset="-120"/>
+                <a:ea typeface="微軟正黑體" panose="020B0604030504040204" pitchFamily="34" charset="-120"/>
+              </a:rPr>
+              <a:t>elseif</a:t>
+            </a:r>
+            <a:r>
+              <a:rPr kumimoji="0" lang="en-US" altLang="zh-TW" sz="4000" b="0" i="0" u="none" strike="noStrike" kern="1200" cap="none" spc="0" normalizeH="0" baseline="0" noProof="0" dirty="0">
+                <a:ln>
+                  <a:noFill/>
+                </a:ln>
+                <a:solidFill>
+                  <a:prstClr val="black"/>
+                </a:solidFill>
+                <a:effectLst/>
+                <a:uLnTx/>
+                <a:uFillTx/>
+                <a:latin typeface="微軟正黑體" panose="020B0604030504040204" pitchFamily="34" charset="-120"/>
+                <a:ea typeface="微軟正黑體" panose="020B0604030504040204" pitchFamily="34" charset="-120"/>
+              </a:rPr>
+              <a:t>(True){</a:t>
+            </a:r>
+          </a:p>
+          <a:p>
+            <a:pPr marL="457200" marR="0" lvl="1" indent="0" algn="l" defTabSz="914400" rtl="0" eaLnBrk="1" fontAlgn="auto" latinLnBrk="0" hangingPunct="1">
+              <a:lnSpc>
+                <a:spcPct val="90000"/>
+              </a:lnSpc>
+              <a:spcBef>
+                <a:spcPts val="500"/>
+              </a:spcBef>
+              <a:spcAft>
+                <a:spcPts val="0"/>
+              </a:spcAft>
+              <a:buClrTx/>
+              <a:buSzTx/>
+              <a:buFont typeface="Arial" panose="020B0604020202020204" pitchFamily="34" charset="0"/>
+              <a:buNone/>
+              <a:tabLst/>
+              <a:defRPr/>
+            </a:pPr>
+            <a:r>
+              <a:rPr kumimoji="0" lang="en-US" altLang="zh-TW" sz="4000" b="0" i="0" u="none" strike="noStrike" kern="1200" cap="none" spc="0" normalizeH="0" baseline="0" noProof="0" dirty="0">
+                <a:ln>
+                  <a:noFill/>
+                </a:ln>
+                <a:solidFill>
+                  <a:prstClr val="black"/>
+                </a:solidFill>
+                <a:effectLst/>
+                <a:uLnTx/>
+                <a:uFillTx/>
+                <a:latin typeface="微軟正黑體" panose="020B0604030504040204" pitchFamily="34" charset="-120"/>
+                <a:ea typeface="微軟正黑體" panose="020B0604030504040204" pitchFamily="34" charset="-120"/>
+              </a:rPr>
+              <a:t>B</a:t>
+            </a:r>
+          </a:p>
+          <a:p>
+            <a:pPr marL="0" marR="0" lvl="0" indent="0" algn="l" defTabSz="914400" rtl="0" eaLnBrk="1" fontAlgn="auto" latinLnBrk="0" hangingPunct="1">
+              <a:lnSpc>
+                <a:spcPct val="90000"/>
+              </a:lnSpc>
+              <a:spcBef>
+                <a:spcPts val="1000"/>
+              </a:spcBef>
+              <a:spcAft>
+                <a:spcPts val="0"/>
+              </a:spcAft>
+              <a:buClrTx/>
+              <a:buSzTx/>
+              <a:buFont typeface="Arial" panose="020B0604020202020204" pitchFamily="34" charset="0"/>
+              <a:buNone/>
+              <a:tabLst/>
+              <a:defRPr/>
+            </a:pPr>
+            <a:r>
+              <a:rPr kumimoji="0" lang="en-US" altLang="zh-TW" sz="4000" b="0" i="0" u="none" strike="noStrike" kern="1200" cap="none" spc="0" normalizeH="0" baseline="0" noProof="0" dirty="0">
+                <a:ln>
+                  <a:noFill/>
+                </a:ln>
+                <a:solidFill>
+                  <a:prstClr val="black"/>
+                </a:solidFill>
+                <a:effectLst/>
+                <a:uLnTx/>
+                <a:uFillTx/>
+                <a:latin typeface="微軟正黑體" panose="020B0604030504040204" pitchFamily="34" charset="-120"/>
+                <a:ea typeface="微軟正黑體" panose="020B0604030504040204" pitchFamily="34" charset="-120"/>
+              </a:rPr>
+              <a:t>}else{</a:t>
+            </a:r>
+          </a:p>
+          <a:p>
+            <a:pPr marL="457200" marR="0" lvl="1" indent="0" algn="l" defTabSz="914400" rtl="0" eaLnBrk="1" fontAlgn="auto" latinLnBrk="0" hangingPunct="1">
+              <a:lnSpc>
+                <a:spcPct val="90000"/>
+              </a:lnSpc>
+              <a:spcBef>
+                <a:spcPts val="500"/>
+              </a:spcBef>
+              <a:spcAft>
+                <a:spcPts val="0"/>
+              </a:spcAft>
+              <a:buClrTx/>
+              <a:buSzTx/>
+              <a:buFont typeface="Arial" panose="020B0604020202020204" pitchFamily="34" charset="0"/>
+              <a:buNone/>
+              <a:tabLst/>
+              <a:defRPr/>
+            </a:pPr>
+            <a:r>
+              <a:rPr kumimoji="0" lang="en-US" altLang="zh-TW" sz="4000" b="0" i="0" u="none" strike="noStrike" kern="1200" cap="none" spc="0" normalizeH="0" baseline="0" noProof="0" dirty="0">
+                <a:ln>
+                  <a:noFill/>
+                </a:ln>
+                <a:solidFill>
+                  <a:prstClr val="black"/>
+                </a:solidFill>
+                <a:effectLst/>
+                <a:uLnTx/>
+                <a:uFillTx/>
+                <a:latin typeface="微軟正黑體" panose="020B0604030504040204" pitchFamily="34" charset="-120"/>
+                <a:ea typeface="微軟正黑體" panose="020B0604030504040204" pitchFamily="34" charset="-120"/>
+              </a:rPr>
+              <a:t>C</a:t>
+            </a:r>
+          </a:p>
+          <a:p>
+            <a:pPr marL="0" marR="0" lvl="0" indent="0" algn="l" defTabSz="914400" rtl="0" eaLnBrk="1" fontAlgn="auto" latinLnBrk="0" hangingPunct="1">
+              <a:lnSpc>
+                <a:spcPct val="90000"/>
+              </a:lnSpc>
+              <a:spcBef>
+                <a:spcPts val="1000"/>
+              </a:spcBef>
+              <a:spcAft>
+                <a:spcPts val="0"/>
+              </a:spcAft>
+              <a:buClrTx/>
+              <a:buSzTx/>
+              <a:buFont typeface="Arial" panose="020B0604020202020204" pitchFamily="34" charset="0"/>
+              <a:buNone/>
+              <a:tabLst/>
+              <a:defRPr/>
+            </a:pPr>
+            <a:r>
+              <a:rPr kumimoji="0" lang="en-US" altLang="zh-TW" sz="4000" b="0" i="0" u="none" strike="noStrike" kern="1200" cap="none" spc="0" normalizeH="0" baseline="0" noProof="0" dirty="0">
+                <a:ln>
+                  <a:noFill/>
+                </a:ln>
+                <a:solidFill>
+                  <a:prstClr val="black"/>
+                </a:solidFill>
+                <a:effectLst/>
+                <a:uLnTx/>
+                <a:uFillTx/>
+                <a:latin typeface="微軟正黑體" panose="020B0604030504040204" pitchFamily="34" charset="-120"/>
+                <a:ea typeface="微軟正黑體" panose="020B0604030504040204" pitchFamily="34" charset="-120"/>
+              </a:rPr>
+              <a:t>}</a:t>
+            </a:r>
+          </a:p>
+          <a:p>
+            <a:pPr marL="0" marR="0" lvl="0" indent="0" algn="l" defTabSz="914400" rtl="0" eaLnBrk="1" fontAlgn="auto" latinLnBrk="0" hangingPunct="1">
+              <a:lnSpc>
+                <a:spcPct val="90000"/>
+              </a:lnSpc>
+              <a:spcBef>
+                <a:spcPts val="1000"/>
+              </a:spcBef>
+              <a:spcAft>
+                <a:spcPts val="0"/>
+              </a:spcAft>
+              <a:buClrTx/>
+              <a:buSzTx/>
+              <a:buFont typeface="Arial" panose="020B0604020202020204" pitchFamily="34" charset="0"/>
+              <a:buNone/>
+              <a:tabLst/>
+              <a:defRPr/>
+            </a:pPr>
+            <a:r>
+              <a:rPr kumimoji="0" lang="zh-TW" altLang="en-US" sz="4000" b="0" i="0" u="none" strike="noStrike" kern="1200" cap="none" spc="0" normalizeH="0" baseline="0" noProof="0" dirty="0">
+                <a:ln>
+                  <a:noFill/>
+                </a:ln>
+                <a:solidFill>
+                  <a:prstClr val="black"/>
+                </a:solidFill>
+                <a:effectLst/>
+                <a:uLnTx/>
+                <a:uFillTx/>
+                <a:latin typeface="微軟正黑體" panose="020B0604030504040204" pitchFamily="34" charset="-120"/>
+                <a:ea typeface="微軟正黑體" panose="020B0604030504040204" pitchFamily="34" charset="-120"/>
+              </a:rPr>
+              <a:t>執行</a:t>
+            </a:r>
+            <a:r>
+              <a:rPr kumimoji="0" lang="en-US" altLang="zh-TW" sz="4000" b="0" i="0" u="none" strike="noStrike" kern="1200" cap="none" spc="0" normalizeH="0" baseline="0" noProof="0" dirty="0">
+                <a:ln>
+                  <a:noFill/>
+                </a:ln>
+                <a:solidFill>
+                  <a:prstClr val="black"/>
+                </a:solidFill>
+                <a:effectLst/>
+                <a:uLnTx/>
+                <a:uFillTx/>
+                <a:latin typeface="微軟正黑體" panose="020B0604030504040204" pitchFamily="34" charset="-120"/>
+                <a:ea typeface="微軟正黑體" panose="020B0604030504040204" pitchFamily="34" charset="-120"/>
+              </a:rPr>
+              <a:t>=&gt;B</a:t>
+            </a:r>
+          </a:p>
+          <a:p>
+            <a:pPr marL="228600" marR="0" lvl="0" indent="-228600" algn="l" defTabSz="914400" rtl="0" eaLnBrk="1" fontAlgn="auto" latinLnBrk="0" hangingPunct="1">
+              <a:lnSpc>
+                <a:spcPct val="90000"/>
+              </a:lnSpc>
+              <a:spcBef>
+                <a:spcPts val="1000"/>
+              </a:spcBef>
+              <a:spcAft>
+                <a:spcPts val="0"/>
+              </a:spcAft>
+              <a:buClrTx/>
+              <a:buSzTx/>
+              <a:buFont typeface="Arial" panose="020B0604020202020204" pitchFamily="34" charset="0"/>
+              <a:buChar char="•"/>
+              <a:tabLst/>
+              <a:defRPr/>
+            </a:pPr>
+            <a:endParaRPr kumimoji="0" lang="en-US" altLang="zh-TW" sz="2800" b="0" i="0" u="none" strike="noStrike" kern="1200" cap="none" spc="0" normalizeH="0" baseline="0" noProof="0" dirty="0">
+              <a:ln>
+                <a:noFill/>
+              </a:ln>
+              <a:solidFill>
+                <a:prstClr val="black"/>
+              </a:solidFill>
+              <a:effectLst/>
+              <a:uLnTx/>
+              <a:uFillTx/>
+              <a:latin typeface="Calibri" panose="020F0502020204030204"/>
+              <a:ea typeface="新細明體" panose="02020500000000000000" pitchFamily="18" charset="-120"/>
+              <a:cs typeface="+mn-cs"/>
+            </a:endParaRPr>
+          </a:p>
+          <a:p>
+            <a:pPr marL="228600" marR="0" lvl="0" indent="-228600" algn="l" defTabSz="914400" rtl="0" eaLnBrk="1" fontAlgn="auto" latinLnBrk="0" hangingPunct="1">
+              <a:lnSpc>
+                <a:spcPct val="90000"/>
+              </a:lnSpc>
+              <a:spcBef>
+                <a:spcPts val="1000"/>
+              </a:spcBef>
+              <a:spcAft>
+                <a:spcPts val="0"/>
+              </a:spcAft>
+              <a:buClrTx/>
+              <a:buSzTx/>
+              <a:buFont typeface="Arial" panose="020B0604020202020204" pitchFamily="34" charset="0"/>
+              <a:buChar char="•"/>
+              <a:tabLst/>
+              <a:defRPr/>
+            </a:pPr>
+            <a:endParaRPr kumimoji="0" lang="zh-TW" altLang="en-US" sz="2800" b="0" i="0" u="none" strike="noStrike" kern="1200" cap="none" spc="0" normalizeH="0" baseline="0" noProof="0" dirty="0">
+              <a:ln>
+                <a:noFill/>
+              </a:ln>
+              <a:solidFill>
+                <a:prstClr val="black"/>
+              </a:solidFill>
+              <a:effectLst/>
+              <a:uLnTx/>
+              <a:uFillTx/>
+              <a:latin typeface="Calibri" panose="020F0502020204030204"/>
+              <a:ea typeface="新細明體" panose="02020500000000000000" pitchFamily="18" charset="-120"/>
+              <a:cs typeface="+mn-cs"/>
+            </a:endParaRPr>
+          </a:p>
+        </p:txBody>
+      </p:sp>
     </p:spTree>
     <p:extLst>
       <p:ext uri="{BB962C8B-B14F-4D97-AF65-F5344CB8AC3E}">
@@ -10484,230 +12304,12 @@
           <a:chExt cx="0" cy="0"/>
         </a:xfrm>
       </p:grpSpPr>
-      <p:sp>
-        <p:nvSpPr>
-          <p:cNvPr id="17" name="矩形 16">
-            <a:extLst>
-              <a:ext uri="{FF2B5EF4-FFF2-40B4-BE49-F238E27FC236}">
-                <a16:creationId xmlns:a16="http://schemas.microsoft.com/office/drawing/2014/main" id="{94C2A827-B932-471D-A756-D0ADADA99ACB}"/>
-              </a:ext>
-            </a:extLst>
-          </p:cNvPr>
-          <p:cNvSpPr/>
-          <p:nvPr/>
-        </p:nvSpPr>
-        <p:spPr>
-          <a:xfrm>
-            <a:off x="2286000" y="2324100"/>
-            <a:ext cx="13595816" cy="6670606"/>
-          </a:xfrm>
-          <a:prstGeom prst="rect">
-            <a:avLst/>
-          </a:prstGeom>
-          <a:solidFill>
-            <a:schemeClr val="bg1">
-              <a:lumMod val="95000"/>
-            </a:schemeClr>
-          </a:solidFill>
-          <a:ln>
-            <a:noFill/>
-          </a:ln>
-        </p:spPr>
-        <p:style>
-          <a:lnRef idx="2">
-            <a:schemeClr val="accent1">
-              <a:shade val="50000"/>
-            </a:schemeClr>
-          </a:lnRef>
-          <a:fillRef idx="1">
-            <a:schemeClr val="accent1"/>
-          </a:fillRef>
-          <a:effectRef idx="0">
-            <a:schemeClr val="accent1"/>
-          </a:effectRef>
-          <a:fontRef idx="minor">
-            <a:schemeClr val="lt1"/>
-          </a:fontRef>
-        </p:style>
-        <p:txBody>
-          <a:bodyPr rtlCol="0" anchor="ctr"/>
-          <a:lstStyle/>
-          <a:p>
-            <a:pPr algn="ctr"/>
-            <a:endParaRPr lang="zh-TW" altLang="en-US"/>
-          </a:p>
-        </p:txBody>
-      </p:sp>
-      <p:sp>
-        <p:nvSpPr>
-          <p:cNvPr id="13" name="矩形: 圓角 12">
-            <a:extLst>
-              <a:ext uri="{FF2B5EF4-FFF2-40B4-BE49-F238E27FC236}">
-                <a16:creationId xmlns:a16="http://schemas.microsoft.com/office/drawing/2014/main" id="{86161679-2985-4ADC-8460-AEE24E740813}"/>
-              </a:ext>
-            </a:extLst>
-          </p:cNvPr>
-          <p:cNvSpPr/>
-          <p:nvPr/>
-        </p:nvSpPr>
-        <p:spPr>
-          <a:xfrm>
-            <a:off x="5007208" y="1409700"/>
-            <a:ext cx="8153400" cy="2113844"/>
-          </a:xfrm>
-          <a:prstGeom prst="roundRect">
-            <a:avLst/>
-          </a:prstGeom>
-          <a:solidFill>
-            <a:schemeClr val="accent1">
-              <a:lumMod val="40000"/>
-              <a:lumOff val="60000"/>
-            </a:schemeClr>
-          </a:solidFill>
-          <a:ln>
-            <a:noFill/>
-          </a:ln>
-        </p:spPr>
-        <p:style>
-          <a:lnRef idx="2">
-            <a:schemeClr val="accent1">
-              <a:shade val="50000"/>
-            </a:schemeClr>
-          </a:lnRef>
-          <a:fillRef idx="1">
-            <a:schemeClr val="accent1"/>
-          </a:fillRef>
-          <a:effectRef idx="0">
-            <a:schemeClr val="accent1"/>
-          </a:effectRef>
-          <a:fontRef idx="minor">
-            <a:schemeClr val="lt1"/>
-          </a:fontRef>
-        </p:style>
-        <p:txBody>
-          <a:bodyPr rtlCol="0" anchor="ctr"/>
-          <a:lstStyle/>
-          <a:p>
-            <a:pPr algn="ctr"/>
-            <a:endParaRPr lang="zh-TW" altLang="en-US"/>
-          </a:p>
-        </p:txBody>
-      </p:sp>
-      <p:sp>
-        <p:nvSpPr>
-          <p:cNvPr id="14" name="文字方塊 13">
-            <a:extLst>
-              <a:ext uri="{FF2B5EF4-FFF2-40B4-BE49-F238E27FC236}">
-                <a16:creationId xmlns:a16="http://schemas.microsoft.com/office/drawing/2014/main" id="{E0290B41-790C-4212-8A48-B0107FA80F8D}"/>
-              </a:ext>
-            </a:extLst>
-          </p:cNvPr>
-          <p:cNvSpPr txBox="1"/>
-          <p:nvPr/>
-        </p:nvSpPr>
-        <p:spPr>
-          <a:xfrm>
-            <a:off x="8039100" y="1958790"/>
-            <a:ext cx="2209800" cy="1015663"/>
-          </a:xfrm>
-          <a:prstGeom prst="rect">
-            <a:avLst/>
-          </a:prstGeom>
-          <a:noFill/>
-        </p:spPr>
-        <p:txBody>
-          <a:bodyPr wrap="square" rtlCol="0">
-            <a:spAutoFit/>
-          </a:bodyPr>
-          <a:lstStyle/>
-          <a:p>
-            <a:r>
-              <a:rPr lang="zh-TW" altLang="en-US" sz="6000" dirty="0">
-                <a:solidFill>
-                  <a:schemeClr val="tx2">
-                    <a:lumMod val="50000"/>
-                  </a:schemeClr>
-                </a:solidFill>
-                <a:latin typeface="王漢宗細圓體繁" panose="02020300000000000000" pitchFamily="18" charset="-120"/>
-                <a:ea typeface="王漢宗細圓體繁" panose="02020300000000000000" pitchFamily="18" charset="-120"/>
-              </a:rPr>
-              <a:t>練習</a:t>
-            </a:r>
-          </a:p>
-        </p:txBody>
-      </p:sp>
-      <p:sp>
-        <p:nvSpPr>
-          <p:cNvPr id="16" name="文字方塊 15">
-            <a:extLst>
-              <a:ext uri="{FF2B5EF4-FFF2-40B4-BE49-F238E27FC236}">
-                <a16:creationId xmlns:a16="http://schemas.microsoft.com/office/drawing/2014/main" id="{48F91D10-1470-4601-AC96-C7C8AA0715A7}"/>
-              </a:ext>
-            </a:extLst>
-          </p:cNvPr>
-          <p:cNvSpPr txBox="1"/>
-          <p:nvPr/>
-        </p:nvSpPr>
-        <p:spPr>
-          <a:xfrm>
-            <a:off x="4495800" y="4256416"/>
-            <a:ext cx="9928122" cy="707886"/>
-          </a:xfrm>
-          <a:prstGeom prst="rect">
-            <a:avLst/>
-          </a:prstGeom>
-          <a:noFill/>
-        </p:spPr>
-        <p:txBody>
-          <a:bodyPr wrap="square">
-            <a:spAutoFit/>
-          </a:bodyPr>
-          <a:lstStyle/>
-          <a:p>
-            <a:r>
-              <a:rPr lang="zh-TW" altLang="en-US" sz="4000" dirty="0">
-                <a:latin typeface="王漢宗細圓體繁" panose="02020300000000000000" pitchFamily="18" charset="-120"/>
-                <a:ea typeface="王漢宗細圓體繁" panose="02020300000000000000" pitchFamily="18" charset="-120"/>
-              </a:rPr>
-              <a:t>判斷是否為</a:t>
-            </a:r>
-            <a:r>
-              <a:rPr lang="en-US" altLang="zh-TW" sz="4000" dirty="0">
-                <a:latin typeface="王漢宗細圓體繁" panose="02020300000000000000" pitchFamily="18" charset="-120"/>
-                <a:ea typeface="王漢宗細圓體繁" panose="02020300000000000000" pitchFamily="18" charset="-120"/>
-              </a:rPr>
-              <a:t>3</a:t>
-            </a:r>
-            <a:r>
-              <a:rPr lang="zh-TW" altLang="en-US" sz="4000" dirty="0">
-                <a:latin typeface="王漢宗細圓體繁" panose="02020300000000000000" pitchFamily="18" charset="-120"/>
-                <a:ea typeface="王漢宗細圓體繁" panose="02020300000000000000" pitchFamily="18" charset="-120"/>
-              </a:rPr>
-              <a:t>的倍數？是否為</a:t>
-            </a:r>
-            <a:r>
-              <a:rPr lang="en-US" altLang="zh-TW" sz="4000" dirty="0">
-                <a:latin typeface="王漢宗細圓體繁" panose="02020300000000000000" pitchFamily="18" charset="-120"/>
-                <a:ea typeface="王漢宗細圓體繁" panose="02020300000000000000" pitchFamily="18" charset="-120"/>
-              </a:rPr>
-              <a:t>7</a:t>
-            </a:r>
-            <a:r>
-              <a:rPr lang="zh-TW" altLang="en-US" sz="4000" dirty="0">
-                <a:latin typeface="王漢宗細圓體繁" panose="02020300000000000000" pitchFamily="18" charset="-120"/>
-                <a:ea typeface="王漢宗細圓體繁" panose="02020300000000000000" pitchFamily="18" charset="-120"/>
-              </a:rPr>
-              <a:t>的倍數？</a:t>
-            </a:r>
-          </a:p>
-        </p:txBody>
-      </p:sp>
       <p:pic>
         <p:nvPicPr>
           <p:cNvPr id="18" name="圖片 17">
             <a:extLst>
               <a:ext uri="{FF2B5EF4-FFF2-40B4-BE49-F238E27FC236}">
-                <a16:creationId xmlns:a16="http://schemas.microsoft.com/office/drawing/2014/main" id="{133EDFBD-1375-4163-847B-4A08FF381ABE}"/>
+                <a16:creationId xmlns:a16="http://schemas.microsoft.com/office/drawing/2014/main" id="{8627585B-66C6-4EFD-860B-D1DC605D0CEB}"/>
               </a:ext>
             </a:extLst>
           </p:cNvPr>
@@ -10724,20 +12326,254 @@
         </p:blipFill>
         <p:spPr>
           <a:xfrm>
-            <a:off x="-2757286" y="4957352"/>
-            <a:ext cx="8175445" cy="7626757"/>
+            <a:off x="1526388" y="1180756"/>
+            <a:ext cx="15235224" cy="7925487"/>
           </a:xfrm>
           <a:prstGeom prst="rect">
             <a:avLst/>
           </a:prstGeom>
         </p:spPr>
       </p:pic>
+      <p:grpSp>
+        <p:nvGrpSpPr>
+          <p:cNvPr id="17" name="群組 16">
+            <a:extLst>
+              <a:ext uri="{FF2B5EF4-FFF2-40B4-BE49-F238E27FC236}">
+                <a16:creationId xmlns:a16="http://schemas.microsoft.com/office/drawing/2014/main" id="{62E77058-6A53-4774-ABF1-1776E40E4657}"/>
+              </a:ext>
+            </a:extLst>
+          </p:cNvPr>
+          <p:cNvGrpSpPr/>
+          <p:nvPr/>
+        </p:nvGrpSpPr>
+        <p:grpSpPr>
+          <a:xfrm>
+            <a:off x="990600" y="891152"/>
+            <a:ext cx="4800600" cy="1981200"/>
+            <a:chOff x="2743200" y="4076700"/>
+            <a:chExt cx="4800600" cy="1981200"/>
+          </a:xfrm>
+        </p:grpSpPr>
+        <p:sp>
+          <p:nvSpPr>
+            <p:cNvPr id="16" name="矩形 15">
+              <a:extLst>
+                <a:ext uri="{FF2B5EF4-FFF2-40B4-BE49-F238E27FC236}">
+                  <a16:creationId xmlns:a16="http://schemas.microsoft.com/office/drawing/2014/main" id="{D51D3F79-D39A-47A5-A588-1D57CE1FFBF6}"/>
+                </a:ext>
+              </a:extLst>
+            </p:cNvPr>
+            <p:cNvSpPr/>
+            <p:nvPr/>
+          </p:nvSpPr>
+          <p:spPr>
+            <a:xfrm>
+              <a:off x="2971800" y="4229100"/>
+              <a:ext cx="4572000" cy="1828800"/>
+            </a:xfrm>
+            <a:prstGeom prst="rect">
+              <a:avLst/>
+            </a:prstGeom>
+            <a:solidFill>
+              <a:schemeClr val="tx2">
+                <a:lumMod val="50000"/>
+              </a:schemeClr>
+            </a:solidFill>
+            <a:ln>
+              <a:noFill/>
+            </a:ln>
+          </p:spPr>
+          <p:style>
+            <a:lnRef idx="2">
+              <a:schemeClr val="accent1">
+                <a:shade val="50000"/>
+              </a:schemeClr>
+            </a:lnRef>
+            <a:fillRef idx="1">
+              <a:schemeClr val="accent1"/>
+            </a:fillRef>
+            <a:effectRef idx="0">
+              <a:schemeClr val="accent1"/>
+            </a:effectRef>
+            <a:fontRef idx="minor">
+              <a:schemeClr val="lt1"/>
+            </a:fontRef>
+          </p:style>
+          <p:txBody>
+            <a:bodyPr rtlCol="0" anchor="ctr"/>
+            <a:lstStyle/>
+            <a:p>
+              <a:pPr algn="ctr"/>
+              <a:endParaRPr lang="zh-TW" altLang="en-US"/>
+            </a:p>
+          </p:txBody>
+        </p:sp>
+        <p:sp>
+          <p:nvSpPr>
+            <p:cNvPr id="15" name="矩形 14">
+              <a:extLst>
+                <a:ext uri="{FF2B5EF4-FFF2-40B4-BE49-F238E27FC236}">
+                  <a16:creationId xmlns:a16="http://schemas.microsoft.com/office/drawing/2014/main" id="{67B8A7B0-E03A-4CD1-9FFB-8351287F482D}"/>
+                </a:ext>
+              </a:extLst>
+            </p:cNvPr>
+            <p:cNvSpPr/>
+            <p:nvPr/>
+          </p:nvSpPr>
+          <p:spPr>
+            <a:xfrm>
+              <a:off x="2743200" y="4076700"/>
+              <a:ext cx="4648200" cy="1828800"/>
+            </a:xfrm>
+            <a:prstGeom prst="rect">
+              <a:avLst/>
+            </a:prstGeom>
+            <a:solidFill>
+              <a:schemeClr val="accent1">
+                <a:lumMod val="40000"/>
+                <a:lumOff val="60000"/>
+              </a:schemeClr>
+            </a:solidFill>
+            <a:ln>
+              <a:noFill/>
+            </a:ln>
+          </p:spPr>
+          <p:style>
+            <a:lnRef idx="2">
+              <a:schemeClr val="accent1">
+                <a:shade val="50000"/>
+              </a:schemeClr>
+            </a:lnRef>
+            <a:fillRef idx="1">
+              <a:schemeClr val="accent1"/>
+            </a:fillRef>
+            <a:effectRef idx="0">
+              <a:schemeClr val="accent1"/>
+            </a:effectRef>
+            <a:fontRef idx="minor">
+              <a:schemeClr val="lt1"/>
+            </a:fontRef>
+          </p:style>
+          <p:txBody>
+            <a:bodyPr rtlCol="0" anchor="ctr"/>
+            <a:lstStyle/>
+            <a:p>
+              <a:pPr algn="ctr"/>
+              <a:endParaRPr lang="zh-TW" altLang="en-US"/>
+            </a:p>
+          </p:txBody>
+        </p:sp>
+      </p:grpSp>
+      <p:sp>
+        <p:nvSpPr>
+          <p:cNvPr id="14" name="文字方塊 13">
+            <a:extLst>
+              <a:ext uri="{FF2B5EF4-FFF2-40B4-BE49-F238E27FC236}">
+                <a16:creationId xmlns:a16="http://schemas.microsoft.com/office/drawing/2014/main" id="{D2A56890-80C0-486E-95C1-AFBA7315BA0A}"/>
+              </a:ext>
+            </a:extLst>
+          </p:cNvPr>
+          <p:cNvSpPr txBox="1"/>
+          <p:nvPr/>
+        </p:nvSpPr>
+        <p:spPr>
+          <a:xfrm>
+            <a:off x="1828800" y="1257300"/>
+            <a:ext cx="4800600" cy="1015663"/>
+          </a:xfrm>
+          <a:prstGeom prst="rect">
+            <a:avLst/>
+          </a:prstGeom>
+          <a:noFill/>
+        </p:spPr>
+        <p:txBody>
+          <a:bodyPr wrap="square" rtlCol="0">
+            <a:spAutoFit/>
+          </a:bodyPr>
+          <a:lstStyle/>
+          <a:p>
+            <a:r>
+              <a:rPr lang="zh-TW" altLang="en-US" sz="6000" dirty="0">
+                <a:latin typeface="王漢宗細圓體繁" panose="02020300000000000000" pitchFamily="18" charset="-120"/>
+                <a:ea typeface="王漢宗細圓體繁" panose="02020300000000000000" pitchFamily="18" charset="-120"/>
+              </a:rPr>
+              <a:t>隨機整數</a:t>
+            </a:r>
+          </a:p>
+        </p:txBody>
+      </p:sp>
+      <p:sp>
+        <p:nvSpPr>
+          <p:cNvPr id="20" name="文字方塊 19">
+            <a:extLst>
+              <a:ext uri="{FF2B5EF4-FFF2-40B4-BE49-F238E27FC236}">
+                <a16:creationId xmlns:a16="http://schemas.microsoft.com/office/drawing/2014/main" id="{A3FCD84C-9907-447E-9177-CDBBCDFBB06A}"/>
+              </a:ext>
+            </a:extLst>
+          </p:cNvPr>
+          <p:cNvSpPr txBox="1"/>
+          <p:nvPr/>
+        </p:nvSpPr>
+        <p:spPr>
+          <a:xfrm>
+            <a:off x="3314700" y="3673002"/>
+            <a:ext cx="11578590" cy="707886"/>
+          </a:xfrm>
+          <a:prstGeom prst="rect">
+            <a:avLst/>
+          </a:prstGeom>
+          <a:noFill/>
+        </p:spPr>
+        <p:txBody>
+          <a:bodyPr wrap="square">
+            <a:spAutoFit/>
+          </a:bodyPr>
+          <a:lstStyle/>
+          <a:p>
+            <a:r>
+              <a:rPr lang="en-US" altLang="zh-TW" sz="4000" dirty="0">
+                <a:latin typeface="微軟正黑體" panose="020B0604030504040204" pitchFamily="34" charset="-120"/>
+                <a:ea typeface="微軟正黑體" panose="020B0604030504040204" pitchFamily="34" charset="-120"/>
+              </a:rPr>
+              <a:t>rand(</a:t>
+            </a:r>
+            <a:r>
+              <a:rPr lang="zh-TW" altLang="en-US" sz="4000" dirty="0">
+                <a:latin typeface="微軟正黑體" panose="020B0604030504040204" pitchFamily="34" charset="-120"/>
+                <a:ea typeface="微軟正黑體" panose="020B0604030504040204" pitchFamily="34" charset="-120"/>
+              </a:rPr>
+              <a:t>初始值</a:t>
+            </a:r>
+            <a:r>
+              <a:rPr lang="en-US" altLang="zh-TW" sz="4000" dirty="0">
+                <a:latin typeface="微軟正黑體" panose="020B0604030504040204" pitchFamily="34" charset="-120"/>
+                <a:ea typeface="微軟正黑體" panose="020B0604030504040204" pitchFamily="34" charset="-120"/>
+              </a:rPr>
+              <a:t>,</a:t>
+            </a:r>
+            <a:r>
+              <a:rPr lang="zh-TW" altLang="en-US" sz="4000" dirty="0">
+                <a:latin typeface="微軟正黑體" panose="020B0604030504040204" pitchFamily="34" charset="-120"/>
+                <a:ea typeface="微軟正黑體" panose="020B0604030504040204" pitchFamily="34" charset="-120"/>
+              </a:rPr>
+              <a:t>終止值</a:t>
+            </a:r>
+            <a:r>
+              <a:rPr lang="en-US" altLang="zh-TW" sz="4000" dirty="0">
+                <a:latin typeface="微軟正黑體" panose="020B0604030504040204" pitchFamily="34" charset="-120"/>
+                <a:ea typeface="微軟正黑體" panose="020B0604030504040204" pitchFamily="34" charset="-120"/>
+              </a:rPr>
+              <a:t>)</a:t>
+            </a:r>
+          </a:p>
+        </p:txBody>
+      </p:sp>
       <p:pic>
         <p:nvPicPr>
-          <p:cNvPr id="8" name="圖片 7">
+          <p:cNvPr id="21" name="圖片 20">
             <a:extLst>
               <a:ext uri="{FF2B5EF4-FFF2-40B4-BE49-F238E27FC236}">
-                <a16:creationId xmlns:a16="http://schemas.microsoft.com/office/drawing/2014/main" id="{A1CF49F8-F066-4324-8B91-F60A6BB4E65E}"/>
+                <a16:creationId xmlns:a16="http://schemas.microsoft.com/office/drawing/2014/main" id="{3B018F0D-BBBC-41AB-9294-030120D97931}"/>
               </a:ext>
             </a:extLst>
           </p:cNvPr>
@@ -10754,8 +12590,38 @@
         </p:blipFill>
         <p:spPr>
           <a:xfrm>
-            <a:off x="12954000" y="-2019300"/>
-            <a:ext cx="7657240" cy="7059780"/>
+            <a:off x="13959603" y="-206258"/>
+            <a:ext cx="5456393" cy="4188315"/>
+          </a:xfrm>
+          <a:prstGeom prst="rect">
+            <a:avLst/>
+          </a:prstGeom>
+        </p:spPr>
+      </p:pic>
+      <p:pic>
+        <p:nvPicPr>
+          <p:cNvPr id="22" name="圖片 21">
+            <a:extLst>
+              <a:ext uri="{FF2B5EF4-FFF2-40B4-BE49-F238E27FC236}">
+                <a16:creationId xmlns:a16="http://schemas.microsoft.com/office/drawing/2014/main" id="{3A8495FA-920D-47E2-90E8-BAE805DD692C}"/>
+              </a:ext>
+            </a:extLst>
+          </p:cNvPr>
+          <p:cNvPicPr>
+            <a:picLocks noChangeAspect="1"/>
+          </p:cNvPicPr>
+          <p:nvPr/>
+        </p:nvPicPr>
+        <p:blipFill>
+          <a:blip r:embed="rId4"/>
+          <a:stretch>
+            <a:fillRect/>
+          </a:stretch>
+        </p:blipFill>
+        <p:spPr>
+          <a:xfrm>
+            <a:off x="-2008886" y="6438900"/>
+            <a:ext cx="5846571" cy="4895512"/>
           </a:xfrm>
           <a:prstGeom prst="rect">
             <a:avLst/>
@@ -10765,7 +12631,7 @@
     </p:spTree>
     <p:extLst>
       <p:ext uri="{BB962C8B-B14F-4D97-AF65-F5344CB8AC3E}">
-        <p14:creationId xmlns:p14="http://schemas.microsoft.com/office/powerpoint/2010/main" val="1248753871"/>
+        <p14:creationId xmlns:p14="http://schemas.microsoft.com/office/powerpoint/2010/main" val="1514730178"/>
       </p:ext>
     </p:extLst>
   </p:cSld>

--- a/phpppt.pptx
+++ b/phpppt.pptx
@@ -5,45 +5,44 @@
     <p:sldMasterId id="2147483648" r:id="rId1"/>
   </p:sldMasterIdLst>
   <p:notesMasterIdLst>
-    <p:notesMasterId r:id="rId19"/>
+    <p:notesMasterId r:id="rId18"/>
   </p:notesMasterIdLst>
   <p:sldIdLst>
     <p:sldId id="256" r:id="rId2"/>
     <p:sldId id="258" r:id="rId3"/>
     <p:sldId id="259" r:id="rId4"/>
-    <p:sldId id="262" r:id="rId5"/>
-    <p:sldId id="267" r:id="rId6"/>
-    <p:sldId id="268" r:id="rId7"/>
-    <p:sldId id="261" r:id="rId8"/>
-    <p:sldId id="269" r:id="rId9"/>
-    <p:sldId id="277" r:id="rId10"/>
-    <p:sldId id="270" r:id="rId11"/>
-    <p:sldId id="278" r:id="rId12"/>
-    <p:sldId id="271" r:id="rId13"/>
-    <p:sldId id="272" r:id="rId14"/>
-    <p:sldId id="279" r:id="rId15"/>
-    <p:sldId id="273" r:id="rId16"/>
-    <p:sldId id="274" r:id="rId17"/>
-    <p:sldId id="275" r:id="rId18"/>
+    <p:sldId id="267" r:id="rId5"/>
+    <p:sldId id="268" r:id="rId6"/>
+    <p:sldId id="261" r:id="rId7"/>
+    <p:sldId id="269" r:id="rId8"/>
+    <p:sldId id="277" r:id="rId9"/>
+    <p:sldId id="270" r:id="rId10"/>
+    <p:sldId id="278" r:id="rId11"/>
+    <p:sldId id="271" r:id="rId12"/>
+    <p:sldId id="272" r:id="rId13"/>
+    <p:sldId id="279" r:id="rId14"/>
+    <p:sldId id="273" r:id="rId15"/>
+    <p:sldId id="274" r:id="rId16"/>
+    <p:sldId id="275" r:id="rId17"/>
   </p:sldIdLst>
   <p:sldSz cx="18288000" cy="10287000"/>
   <p:notesSz cx="6858000" cy="9144000"/>
   <p:embeddedFontLst>
     <p:embeddedFont>
       <p:font typeface="Calibri" panose="020F0502020204030204" pitchFamily="34" charset="0"/>
-      <p:regular r:id="rId20"/>
-      <p:bold r:id="rId21"/>
-      <p:italic r:id="rId22"/>
-      <p:boldItalic r:id="rId23"/>
+      <p:regular r:id="rId19"/>
+      <p:bold r:id="rId20"/>
+      <p:italic r:id="rId21"/>
+      <p:boldItalic r:id="rId22"/>
     </p:embeddedFont>
     <p:embeddedFont>
       <p:font typeface="王漢宗細圓體繁" panose="02020300000000000000" pitchFamily="18" charset="-120"/>
-      <p:regular r:id="rId24"/>
+      <p:regular r:id="rId23"/>
     </p:embeddedFont>
     <p:embeddedFont>
       <p:font typeface="微軟正黑體" panose="020B0604030504040204" pitchFamily="34" charset="-120"/>
-      <p:regular r:id="rId25"/>
-      <p:bold r:id="rId26"/>
+      <p:regular r:id="rId24"/>
+      <p:bold r:id="rId25"/>
     </p:embeddedFont>
   </p:embeddedFontLst>
   <p:defaultTextStyle>
@@ -4063,314 +4062,6 @@
           <a:chExt cx="0" cy="0"/>
         </a:xfrm>
       </p:grpSpPr>
-      <p:sp>
-        <p:nvSpPr>
-          <p:cNvPr id="17" name="矩形 16">
-            <a:extLst>
-              <a:ext uri="{FF2B5EF4-FFF2-40B4-BE49-F238E27FC236}">
-                <a16:creationId xmlns:a16="http://schemas.microsoft.com/office/drawing/2014/main" id="{94C2A827-B932-471D-A756-D0ADADA99ACB}"/>
-              </a:ext>
-            </a:extLst>
-          </p:cNvPr>
-          <p:cNvSpPr/>
-          <p:nvPr/>
-        </p:nvSpPr>
-        <p:spPr>
-          <a:xfrm>
-            <a:off x="2286000" y="2324100"/>
-            <a:ext cx="13595816" cy="6670606"/>
-          </a:xfrm>
-          <a:prstGeom prst="rect">
-            <a:avLst/>
-          </a:prstGeom>
-          <a:solidFill>
-            <a:schemeClr val="bg1">
-              <a:lumMod val="95000"/>
-            </a:schemeClr>
-          </a:solidFill>
-          <a:ln>
-            <a:noFill/>
-          </a:ln>
-        </p:spPr>
-        <p:style>
-          <a:lnRef idx="2">
-            <a:schemeClr val="accent1">
-              <a:shade val="50000"/>
-            </a:schemeClr>
-          </a:lnRef>
-          <a:fillRef idx="1">
-            <a:schemeClr val="accent1"/>
-          </a:fillRef>
-          <a:effectRef idx="0">
-            <a:schemeClr val="accent1"/>
-          </a:effectRef>
-          <a:fontRef idx="minor">
-            <a:schemeClr val="lt1"/>
-          </a:fontRef>
-        </p:style>
-        <p:txBody>
-          <a:bodyPr rtlCol="0" anchor="ctr"/>
-          <a:lstStyle/>
-          <a:p>
-            <a:pPr algn="ctr"/>
-            <a:endParaRPr lang="zh-TW" altLang="en-US"/>
-          </a:p>
-        </p:txBody>
-      </p:sp>
-      <p:sp>
-        <p:nvSpPr>
-          <p:cNvPr id="13" name="矩形: 圓角 12">
-            <a:extLst>
-              <a:ext uri="{FF2B5EF4-FFF2-40B4-BE49-F238E27FC236}">
-                <a16:creationId xmlns:a16="http://schemas.microsoft.com/office/drawing/2014/main" id="{86161679-2985-4ADC-8460-AEE24E740813}"/>
-              </a:ext>
-            </a:extLst>
-          </p:cNvPr>
-          <p:cNvSpPr/>
-          <p:nvPr/>
-        </p:nvSpPr>
-        <p:spPr>
-          <a:xfrm>
-            <a:off x="5007208" y="1409700"/>
-            <a:ext cx="8153400" cy="2113844"/>
-          </a:xfrm>
-          <a:prstGeom prst="roundRect">
-            <a:avLst/>
-          </a:prstGeom>
-          <a:solidFill>
-            <a:schemeClr val="accent1">
-              <a:lumMod val="40000"/>
-              <a:lumOff val="60000"/>
-            </a:schemeClr>
-          </a:solidFill>
-          <a:ln>
-            <a:noFill/>
-          </a:ln>
-        </p:spPr>
-        <p:style>
-          <a:lnRef idx="2">
-            <a:schemeClr val="accent1">
-              <a:shade val="50000"/>
-            </a:schemeClr>
-          </a:lnRef>
-          <a:fillRef idx="1">
-            <a:schemeClr val="accent1"/>
-          </a:fillRef>
-          <a:effectRef idx="0">
-            <a:schemeClr val="accent1"/>
-          </a:effectRef>
-          <a:fontRef idx="minor">
-            <a:schemeClr val="lt1"/>
-          </a:fontRef>
-        </p:style>
-        <p:txBody>
-          <a:bodyPr rtlCol="0" anchor="ctr"/>
-          <a:lstStyle/>
-          <a:p>
-            <a:pPr algn="ctr"/>
-            <a:endParaRPr lang="zh-TW" altLang="en-US"/>
-          </a:p>
-        </p:txBody>
-      </p:sp>
-      <p:sp>
-        <p:nvSpPr>
-          <p:cNvPr id="14" name="文字方塊 13">
-            <a:extLst>
-              <a:ext uri="{FF2B5EF4-FFF2-40B4-BE49-F238E27FC236}">
-                <a16:creationId xmlns:a16="http://schemas.microsoft.com/office/drawing/2014/main" id="{E0290B41-790C-4212-8A48-B0107FA80F8D}"/>
-              </a:ext>
-            </a:extLst>
-          </p:cNvPr>
-          <p:cNvSpPr txBox="1"/>
-          <p:nvPr/>
-        </p:nvSpPr>
-        <p:spPr>
-          <a:xfrm>
-            <a:off x="8039100" y="1958790"/>
-            <a:ext cx="2209800" cy="1015663"/>
-          </a:xfrm>
-          <a:prstGeom prst="rect">
-            <a:avLst/>
-          </a:prstGeom>
-          <a:noFill/>
-        </p:spPr>
-        <p:txBody>
-          <a:bodyPr wrap="square" rtlCol="0">
-            <a:spAutoFit/>
-          </a:bodyPr>
-          <a:lstStyle/>
-          <a:p>
-            <a:r>
-              <a:rPr lang="zh-TW" altLang="en-US" sz="6000" dirty="0">
-                <a:solidFill>
-                  <a:schemeClr val="tx2">
-                    <a:lumMod val="50000"/>
-                  </a:schemeClr>
-                </a:solidFill>
-                <a:latin typeface="王漢宗細圓體繁" panose="02020300000000000000" pitchFamily="18" charset="-120"/>
-                <a:ea typeface="王漢宗細圓體繁" panose="02020300000000000000" pitchFamily="18" charset="-120"/>
-              </a:rPr>
-              <a:t>練習</a:t>
-            </a:r>
-          </a:p>
-        </p:txBody>
-      </p:sp>
-      <p:sp>
-        <p:nvSpPr>
-          <p:cNvPr id="16" name="文字方塊 15">
-            <a:extLst>
-              <a:ext uri="{FF2B5EF4-FFF2-40B4-BE49-F238E27FC236}">
-                <a16:creationId xmlns:a16="http://schemas.microsoft.com/office/drawing/2014/main" id="{48F91D10-1470-4601-AC96-C7C8AA0715A7}"/>
-              </a:ext>
-            </a:extLst>
-          </p:cNvPr>
-          <p:cNvSpPr txBox="1"/>
-          <p:nvPr/>
-        </p:nvSpPr>
-        <p:spPr>
-          <a:xfrm>
-            <a:off x="4495800" y="4256416"/>
-            <a:ext cx="9928122" cy="707886"/>
-          </a:xfrm>
-          <a:prstGeom prst="rect">
-            <a:avLst/>
-          </a:prstGeom>
-          <a:noFill/>
-        </p:spPr>
-        <p:txBody>
-          <a:bodyPr wrap="square">
-            <a:spAutoFit/>
-          </a:bodyPr>
-          <a:lstStyle/>
-          <a:p>
-            <a:r>
-              <a:rPr lang="zh-TW" altLang="en-US" sz="4000" dirty="0">
-                <a:latin typeface="微軟正黑體" panose="020B0604030504040204" pitchFamily="34" charset="-120"/>
-                <a:ea typeface="微軟正黑體" panose="020B0604030504040204" pitchFamily="34" charset="-120"/>
-              </a:rPr>
-              <a:t>判斷是否為</a:t>
-            </a:r>
-            <a:r>
-              <a:rPr lang="en-US" altLang="zh-TW" sz="4000" dirty="0">
-                <a:latin typeface="微軟正黑體" panose="020B0604030504040204" pitchFamily="34" charset="-120"/>
-                <a:ea typeface="微軟正黑體" panose="020B0604030504040204" pitchFamily="34" charset="-120"/>
-              </a:rPr>
-              <a:t>3</a:t>
-            </a:r>
-            <a:r>
-              <a:rPr lang="zh-TW" altLang="en-US" sz="4000" dirty="0">
-                <a:latin typeface="微軟正黑體" panose="020B0604030504040204" pitchFamily="34" charset="-120"/>
-                <a:ea typeface="微軟正黑體" panose="020B0604030504040204" pitchFamily="34" charset="-120"/>
-              </a:rPr>
-              <a:t>的倍數？是否為</a:t>
-            </a:r>
-            <a:r>
-              <a:rPr lang="en-US" altLang="zh-TW" sz="4000" dirty="0">
-                <a:latin typeface="微軟正黑體" panose="020B0604030504040204" pitchFamily="34" charset="-120"/>
-                <a:ea typeface="微軟正黑體" panose="020B0604030504040204" pitchFamily="34" charset="-120"/>
-              </a:rPr>
-              <a:t>7</a:t>
-            </a:r>
-            <a:r>
-              <a:rPr lang="zh-TW" altLang="en-US" sz="4000" dirty="0">
-                <a:latin typeface="微軟正黑體" panose="020B0604030504040204" pitchFamily="34" charset="-120"/>
-                <a:ea typeface="微軟正黑體" panose="020B0604030504040204" pitchFamily="34" charset="-120"/>
-              </a:rPr>
-              <a:t>的倍數？</a:t>
-            </a:r>
-          </a:p>
-        </p:txBody>
-      </p:sp>
-      <p:pic>
-        <p:nvPicPr>
-          <p:cNvPr id="18" name="圖片 17">
-            <a:extLst>
-              <a:ext uri="{FF2B5EF4-FFF2-40B4-BE49-F238E27FC236}">
-                <a16:creationId xmlns:a16="http://schemas.microsoft.com/office/drawing/2014/main" id="{133EDFBD-1375-4163-847B-4A08FF381ABE}"/>
-              </a:ext>
-            </a:extLst>
-          </p:cNvPr>
-          <p:cNvPicPr>
-            <a:picLocks noChangeAspect="1"/>
-          </p:cNvPicPr>
-          <p:nvPr/>
-        </p:nvPicPr>
-        <p:blipFill>
-          <a:blip r:embed="rId2"/>
-          <a:stretch>
-            <a:fillRect/>
-          </a:stretch>
-        </p:blipFill>
-        <p:spPr>
-          <a:xfrm>
-            <a:off x="-2757286" y="4957352"/>
-            <a:ext cx="8175445" cy="7626757"/>
-          </a:xfrm>
-          <a:prstGeom prst="rect">
-            <a:avLst/>
-          </a:prstGeom>
-        </p:spPr>
-      </p:pic>
-      <p:pic>
-        <p:nvPicPr>
-          <p:cNvPr id="8" name="圖片 7">
-            <a:extLst>
-              <a:ext uri="{FF2B5EF4-FFF2-40B4-BE49-F238E27FC236}">
-                <a16:creationId xmlns:a16="http://schemas.microsoft.com/office/drawing/2014/main" id="{A1CF49F8-F066-4324-8B91-F60A6BB4E65E}"/>
-              </a:ext>
-            </a:extLst>
-          </p:cNvPr>
-          <p:cNvPicPr>
-            <a:picLocks noChangeAspect="1"/>
-          </p:cNvPicPr>
-          <p:nvPr/>
-        </p:nvPicPr>
-        <p:blipFill>
-          <a:blip r:embed="rId3"/>
-          <a:stretch>
-            <a:fillRect/>
-          </a:stretch>
-        </p:blipFill>
-        <p:spPr>
-          <a:xfrm>
-            <a:off x="12954000" y="-2019300"/>
-            <a:ext cx="7657240" cy="7059780"/>
-          </a:xfrm>
-          <a:prstGeom prst="rect">
-            <a:avLst/>
-          </a:prstGeom>
-        </p:spPr>
-      </p:pic>
-    </p:spTree>
-    <p:extLst>
-      <p:ext uri="{BB962C8B-B14F-4D97-AF65-F5344CB8AC3E}">
-        <p14:creationId xmlns:p14="http://schemas.microsoft.com/office/powerpoint/2010/main" val="1248753871"/>
-      </p:ext>
-    </p:extLst>
-  </p:cSld>
-  <p:clrMapOvr>
-    <a:masterClrMapping/>
-  </p:clrMapOvr>
-</p:sld>
-</file>
-
-<file path=ppt/slides/slide11.xml><?xml version="1.0" encoding="utf-8"?>
-<p:sld xmlns:a="http://schemas.openxmlformats.org/drawingml/2006/main" xmlns:r="http://schemas.openxmlformats.org/officeDocument/2006/relationships" xmlns:p="http://schemas.openxmlformats.org/presentationml/2006/main">
-  <p:cSld>
-    <p:spTree>
-      <p:nvGrpSpPr>
-        <p:cNvPr id="1" name=""/>
-        <p:cNvGrpSpPr/>
-        <p:nvPr/>
-      </p:nvGrpSpPr>
-      <p:grpSpPr>
-        <a:xfrm>
-          <a:off x="0" y="0"/>
-          <a:ext cx="0" cy="0"/>
-          <a:chOff x="0" y="0"/>
-          <a:chExt cx="0" cy="0"/>
-        </a:xfrm>
-      </p:grpSpPr>
       <p:pic>
         <p:nvPicPr>
           <p:cNvPr id="26" name="圖片 25">
@@ -4952,7 +4643,7 @@
 </p:sld>
 </file>
 
-<file path=ppt/slides/slide12.xml><?xml version="1.0" encoding="utf-8"?>
+<file path=ppt/slides/slide11.xml><?xml version="1.0" encoding="utf-8"?>
 <p:sld xmlns:a="http://schemas.openxmlformats.org/drawingml/2006/main" xmlns:r="http://schemas.openxmlformats.org/officeDocument/2006/relationships" xmlns:p="http://schemas.openxmlformats.org/presentationml/2006/main">
   <p:cSld>
     <p:spTree>
@@ -5879,7 +5570,7 @@
 </p:sld>
 </file>
 
-<file path=ppt/slides/slide13.xml><?xml version="1.0" encoding="utf-8"?>
+<file path=ppt/slides/slide12.xml><?xml version="1.0" encoding="utf-8"?>
 <p:sld xmlns:a="http://schemas.openxmlformats.org/drawingml/2006/main" xmlns:r="http://schemas.openxmlformats.org/officeDocument/2006/relationships" xmlns:p="http://schemas.openxmlformats.org/presentationml/2006/main">
   <p:cSld>
     <p:spTree>
@@ -6137,7 +5828,7 @@
 </p:sld>
 </file>
 
-<file path=ppt/slides/slide14.xml><?xml version="1.0" encoding="utf-8"?>
+<file path=ppt/slides/slide13.xml><?xml version="1.0" encoding="utf-8"?>
 <p:sld xmlns:a="http://schemas.openxmlformats.org/drawingml/2006/main" xmlns:r="http://schemas.openxmlformats.org/officeDocument/2006/relationships" xmlns:p="http://schemas.openxmlformats.org/presentationml/2006/main">
   <p:cSld>
     <p:spTree>
@@ -6506,7 +6197,7 @@
 </p:sld>
 </file>
 
-<file path=ppt/slides/slide15.xml><?xml version="1.0" encoding="utf-8"?>
+<file path=ppt/slides/slide14.xml><?xml version="1.0" encoding="utf-8"?>
 <p:sld xmlns:a="http://schemas.openxmlformats.org/drawingml/2006/main" xmlns:r="http://schemas.openxmlformats.org/officeDocument/2006/relationships" xmlns:p="http://schemas.openxmlformats.org/presentationml/2006/main">
   <p:cSld>
     <p:spTree>
@@ -7096,7 +6787,7 @@
 </p:sld>
 </file>
 
-<file path=ppt/slides/slide16.xml><?xml version="1.0" encoding="utf-8"?>
+<file path=ppt/slides/slide15.xml><?xml version="1.0" encoding="utf-8"?>
 <p:sld xmlns:a="http://schemas.openxmlformats.org/drawingml/2006/main" xmlns:r="http://schemas.openxmlformats.org/officeDocument/2006/relationships" xmlns:p="http://schemas.openxmlformats.org/presentationml/2006/main">
   <p:cSld>
     <p:spTree>
@@ -7544,7 +7235,7 @@
 </p:sld>
 </file>
 
-<file path=ppt/slides/slide17.xml><?xml version="1.0" encoding="utf-8"?>
+<file path=ppt/slides/slide16.xml><?xml version="1.0" encoding="utf-8"?>
 <p:sld xmlns:a="http://schemas.openxmlformats.org/drawingml/2006/main" xmlns:r="http://schemas.openxmlformats.org/officeDocument/2006/relationships" xmlns:p="http://schemas.openxmlformats.org/presentationml/2006/main">
   <p:cSld>
     <p:spTree>
@@ -8873,78 +8564,6 @@
       </p:pic>
       <p:grpSp>
         <p:nvGrpSpPr>
-          <p:cNvPr id="3" name="Group 3"/>
-          <p:cNvGrpSpPr/>
-          <p:nvPr/>
-        </p:nvGrpSpPr>
-        <p:grpSpPr>
-          <a:xfrm>
-            <a:off x="3650039" y="3598460"/>
-            <a:ext cx="1302961" cy="1302960"/>
-            <a:chOff x="0" y="0"/>
-            <a:chExt cx="6350000" cy="6350000"/>
-          </a:xfrm>
-          <a:solidFill>
-            <a:schemeClr val="accent2">
-              <a:lumMod val="75000"/>
-            </a:schemeClr>
-          </a:solidFill>
-        </p:grpSpPr>
-        <p:sp>
-          <p:nvSpPr>
-            <p:cNvPr id="4" name="Freeform 4"/>
-            <p:cNvSpPr/>
-            <p:nvPr/>
-          </p:nvSpPr>
-          <p:spPr>
-            <a:xfrm>
-              <a:off x="14167" y="0"/>
-              <a:ext cx="6321665" cy="6350000"/>
-            </a:xfrm>
-            <a:custGeom>
-              <a:avLst/>
-              <a:gdLst/>
-              <a:ahLst/>
-              <a:cxnLst/>
-              <a:rect l="l" t="t" r="r" b="b"/>
-              <a:pathLst>
-                <a:path w="6321665" h="6350000">
-                  <a:moveTo>
-                    <a:pt x="3160833" y="0"/>
-                  </a:moveTo>
-                  <a:lnTo>
-                    <a:pt x="3160833" y="0"/>
-                  </a:lnTo>
-                  <a:cubicBezTo>
-                    <a:pt x="4908795" y="7817"/>
-                    <a:pt x="6321666" y="1427021"/>
-                    <a:pt x="6321666" y="3175000"/>
-                  </a:cubicBezTo>
-                  <a:cubicBezTo>
-                    <a:pt x="6321666" y="4922979"/>
-                    <a:pt x="4908795" y="6342183"/>
-                    <a:pt x="3160833" y="6350000"/>
-                  </a:cubicBezTo>
-                  <a:cubicBezTo>
-                    <a:pt x="1412871" y="6342183"/>
-                    <a:pt x="0" y="4922979"/>
-                    <a:pt x="0" y="3175000"/>
-                  </a:cubicBezTo>
-                  <a:cubicBezTo>
-                    <a:pt x="0" y="1427021"/>
-                    <a:pt x="1412871" y="7817"/>
-                    <a:pt x="3160833" y="0"/>
-                  </a:cubicBezTo>
-                  <a:close/>
-                </a:path>
-              </a:pathLst>
-            </a:custGeom>
-            <a:grpFill/>
-          </p:spPr>
-        </p:sp>
-      </p:grpSp>
-      <p:grpSp>
-        <p:nvGrpSpPr>
           <p:cNvPr id="19" name="群組 18">
             <a:extLst>
               <a:ext uri="{FF2B5EF4-FFF2-40B4-BE49-F238E27FC236}">
@@ -8958,7 +8577,7 @@
         <p:grpSpPr>
           <a:xfrm>
             <a:off x="762000" y="647700"/>
-            <a:ext cx="8229600" cy="1981200"/>
+            <a:ext cx="2840564" cy="1981200"/>
             <a:chOff x="2743200" y="4076700"/>
             <a:chExt cx="4800600" cy="1981200"/>
           </a:xfrm>
@@ -9106,713 +8725,6 @@
                 <a:latin typeface="王漢宗細圓體繁" panose="02020300000000000000" pitchFamily="18" charset="-120"/>
                 <a:ea typeface="王漢宗細圓體繁" panose="02020300000000000000" pitchFamily="18" charset="-120"/>
               </a:rPr>
-              <a:t>程式的三種基本能力</a:t>
-            </a:r>
-          </a:p>
-        </p:txBody>
-      </p:sp>
-      <p:grpSp>
-        <p:nvGrpSpPr>
-          <p:cNvPr id="27" name="Group 3">
-            <a:extLst>
-              <a:ext uri="{FF2B5EF4-FFF2-40B4-BE49-F238E27FC236}">
-                <a16:creationId xmlns:a16="http://schemas.microsoft.com/office/drawing/2014/main" id="{41198A63-F00A-476F-8504-7A4FBDE0CD55}"/>
-              </a:ext>
-            </a:extLst>
-          </p:cNvPr>
-          <p:cNvGrpSpPr/>
-          <p:nvPr/>
-        </p:nvGrpSpPr>
-        <p:grpSpPr>
-          <a:xfrm>
-            <a:off x="3599657" y="5385581"/>
-            <a:ext cx="1302961" cy="1302960"/>
-            <a:chOff x="0" y="0"/>
-            <a:chExt cx="6350000" cy="6350000"/>
-          </a:xfrm>
-          <a:solidFill>
-            <a:schemeClr val="accent2">
-              <a:lumMod val="75000"/>
-            </a:schemeClr>
-          </a:solidFill>
-        </p:grpSpPr>
-        <p:sp>
-          <p:nvSpPr>
-            <p:cNvPr id="28" name="Freeform 4">
-              <a:extLst>
-                <a:ext uri="{FF2B5EF4-FFF2-40B4-BE49-F238E27FC236}">
-                  <a16:creationId xmlns:a16="http://schemas.microsoft.com/office/drawing/2014/main" id="{9BB534E6-EFF8-40B0-B554-3E6B36E552E4}"/>
-                </a:ext>
-              </a:extLst>
-            </p:cNvPr>
-            <p:cNvSpPr/>
-            <p:nvPr/>
-          </p:nvSpPr>
-          <p:spPr>
-            <a:xfrm>
-              <a:off x="14167" y="0"/>
-              <a:ext cx="6321665" cy="6350000"/>
-            </a:xfrm>
-            <a:custGeom>
-              <a:avLst/>
-              <a:gdLst/>
-              <a:ahLst/>
-              <a:cxnLst/>
-              <a:rect l="l" t="t" r="r" b="b"/>
-              <a:pathLst>
-                <a:path w="6321665" h="6350000">
-                  <a:moveTo>
-                    <a:pt x="3160833" y="0"/>
-                  </a:moveTo>
-                  <a:lnTo>
-                    <a:pt x="3160833" y="0"/>
-                  </a:lnTo>
-                  <a:cubicBezTo>
-                    <a:pt x="4908795" y="7817"/>
-                    <a:pt x="6321666" y="1427021"/>
-                    <a:pt x="6321666" y="3175000"/>
-                  </a:cubicBezTo>
-                  <a:cubicBezTo>
-                    <a:pt x="6321666" y="4922979"/>
-                    <a:pt x="4908795" y="6342183"/>
-                    <a:pt x="3160833" y="6350000"/>
-                  </a:cubicBezTo>
-                  <a:cubicBezTo>
-                    <a:pt x="1412871" y="6342183"/>
-                    <a:pt x="0" y="4922979"/>
-                    <a:pt x="0" y="3175000"/>
-                  </a:cubicBezTo>
-                  <a:cubicBezTo>
-                    <a:pt x="0" y="1427021"/>
-                    <a:pt x="1412871" y="7817"/>
-                    <a:pt x="3160833" y="0"/>
-                  </a:cubicBezTo>
-                  <a:close/>
-                </a:path>
-              </a:pathLst>
-            </a:custGeom>
-            <a:grpFill/>
-          </p:spPr>
-        </p:sp>
-      </p:grpSp>
-      <p:grpSp>
-        <p:nvGrpSpPr>
-          <p:cNvPr id="29" name="Group 3">
-            <a:extLst>
-              <a:ext uri="{FF2B5EF4-FFF2-40B4-BE49-F238E27FC236}">
-                <a16:creationId xmlns:a16="http://schemas.microsoft.com/office/drawing/2014/main" id="{AA055826-40AE-453F-8961-FDC3BD45B4BA}"/>
-              </a:ext>
-            </a:extLst>
-          </p:cNvPr>
-          <p:cNvGrpSpPr/>
-          <p:nvPr/>
-        </p:nvGrpSpPr>
-        <p:grpSpPr>
-          <a:xfrm>
-            <a:off x="3602564" y="7221435"/>
-            <a:ext cx="1302961" cy="1302960"/>
-            <a:chOff x="0" y="0"/>
-            <a:chExt cx="6350000" cy="6350000"/>
-          </a:xfrm>
-          <a:solidFill>
-            <a:schemeClr val="accent2">
-              <a:lumMod val="75000"/>
-            </a:schemeClr>
-          </a:solidFill>
-        </p:grpSpPr>
-        <p:sp>
-          <p:nvSpPr>
-            <p:cNvPr id="30" name="Freeform 4">
-              <a:extLst>
-                <a:ext uri="{FF2B5EF4-FFF2-40B4-BE49-F238E27FC236}">
-                  <a16:creationId xmlns:a16="http://schemas.microsoft.com/office/drawing/2014/main" id="{07216B56-F160-47BD-9BEB-872B0AB7B0EE}"/>
-                </a:ext>
-              </a:extLst>
-            </p:cNvPr>
-            <p:cNvSpPr/>
-            <p:nvPr/>
-          </p:nvSpPr>
-          <p:spPr>
-            <a:xfrm>
-              <a:off x="14167" y="0"/>
-              <a:ext cx="6321665" cy="6350000"/>
-            </a:xfrm>
-            <a:custGeom>
-              <a:avLst/>
-              <a:gdLst/>
-              <a:ahLst/>
-              <a:cxnLst/>
-              <a:rect l="l" t="t" r="r" b="b"/>
-              <a:pathLst>
-                <a:path w="6321665" h="6350000">
-                  <a:moveTo>
-                    <a:pt x="3160833" y="0"/>
-                  </a:moveTo>
-                  <a:lnTo>
-                    <a:pt x="3160833" y="0"/>
-                  </a:lnTo>
-                  <a:cubicBezTo>
-                    <a:pt x="4908795" y="7817"/>
-                    <a:pt x="6321666" y="1427021"/>
-                    <a:pt x="6321666" y="3175000"/>
-                  </a:cubicBezTo>
-                  <a:cubicBezTo>
-                    <a:pt x="6321666" y="4922979"/>
-                    <a:pt x="4908795" y="6342183"/>
-                    <a:pt x="3160833" y="6350000"/>
-                  </a:cubicBezTo>
-                  <a:cubicBezTo>
-                    <a:pt x="1412871" y="6342183"/>
-                    <a:pt x="0" y="4922979"/>
-                    <a:pt x="0" y="3175000"/>
-                  </a:cubicBezTo>
-                  <a:cubicBezTo>
-                    <a:pt x="0" y="1427021"/>
-                    <a:pt x="1412871" y="7817"/>
-                    <a:pt x="3160833" y="0"/>
-                  </a:cubicBezTo>
-                  <a:close/>
-                </a:path>
-              </a:pathLst>
-            </a:custGeom>
-            <a:grpFill/>
-          </p:spPr>
-        </p:sp>
-      </p:grpSp>
-      <p:sp>
-        <p:nvSpPr>
-          <p:cNvPr id="31" name="文字方塊 30">
-            <a:extLst>
-              <a:ext uri="{FF2B5EF4-FFF2-40B4-BE49-F238E27FC236}">
-                <a16:creationId xmlns:a16="http://schemas.microsoft.com/office/drawing/2014/main" id="{5B2647C9-95A9-4C83-96FC-0DB8DE3C5E13}"/>
-              </a:ext>
-            </a:extLst>
-          </p:cNvPr>
-          <p:cNvSpPr txBox="1"/>
-          <p:nvPr/>
-        </p:nvSpPr>
-        <p:spPr>
-          <a:xfrm>
-            <a:off x="4036976" y="3865219"/>
-            <a:ext cx="428322" cy="769441"/>
-          </a:xfrm>
-          <a:prstGeom prst="rect">
-            <a:avLst/>
-          </a:prstGeom>
-          <a:noFill/>
-        </p:spPr>
-        <p:txBody>
-          <a:bodyPr wrap="none" rtlCol="0">
-            <a:spAutoFit/>
-          </a:bodyPr>
-          <a:lstStyle/>
-          <a:p>
-            <a:r>
-              <a:rPr lang="en-US" altLang="zh-TW" sz="4400" b="1" dirty="0">
-                <a:solidFill>
-                  <a:schemeClr val="bg1"/>
-                </a:solidFill>
-                <a:latin typeface="王漢宗細圓體繁" panose="02020300000000000000" pitchFamily="18" charset="-120"/>
-                <a:ea typeface="王漢宗細圓體繁" panose="02020300000000000000" pitchFamily="18" charset="-120"/>
-              </a:rPr>
-              <a:t>1</a:t>
-            </a:r>
-            <a:endParaRPr lang="zh-TW" altLang="en-US" b="1" dirty="0">
-              <a:solidFill>
-                <a:schemeClr val="bg1"/>
-              </a:solidFill>
-              <a:latin typeface="王漢宗細圓體繁" panose="02020300000000000000" pitchFamily="18" charset="-120"/>
-              <a:ea typeface="王漢宗細圓體繁" panose="02020300000000000000" pitchFamily="18" charset="-120"/>
-            </a:endParaRPr>
-          </a:p>
-        </p:txBody>
-      </p:sp>
-      <p:sp>
-        <p:nvSpPr>
-          <p:cNvPr id="32" name="文字方塊 31">
-            <a:extLst>
-              <a:ext uri="{FF2B5EF4-FFF2-40B4-BE49-F238E27FC236}">
-                <a16:creationId xmlns:a16="http://schemas.microsoft.com/office/drawing/2014/main" id="{075E592C-3D40-4CA5-ABE1-A02D885610AD}"/>
-              </a:ext>
-            </a:extLst>
-          </p:cNvPr>
-          <p:cNvSpPr txBox="1"/>
-          <p:nvPr/>
-        </p:nvSpPr>
-        <p:spPr>
-          <a:xfrm>
-            <a:off x="3970451" y="5649119"/>
-            <a:ext cx="561372" cy="769441"/>
-          </a:xfrm>
-          <a:prstGeom prst="rect">
-            <a:avLst/>
-          </a:prstGeom>
-          <a:noFill/>
-        </p:spPr>
-        <p:txBody>
-          <a:bodyPr wrap="none" rtlCol="0">
-            <a:spAutoFit/>
-          </a:bodyPr>
-          <a:lstStyle/>
-          <a:p>
-            <a:r>
-              <a:rPr lang="en-US" altLang="zh-TW" sz="4400" b="1" dirty="0">
-                <a:solidFill>
-                  <a:schemeClr val="bg1"/>
-                </a:solidFill>
-                <a:latin typeface="王漢宗細圓體繁" panose="02020300000000000000" pitchFamily="18" charset="-120"/>
-                <a:ea typeface="王漢宗細圓體繁" panose="02020300000000000000" pitchFamily="18" charset="-120"/>
-              </a:rPr>
-              <a:t>2</a:t>
-            </a:r>
-            <a:endParaRPr lang="zh-TW" altLang="en-US" b="1" dirty="0">
-              <a:solidFill>
-                <a:schemeClr val="bg1"/>
-              </a:solidFill>
-              <a:latin typeface="王漢宗細圓體繁" panose="02020300000000000000" pitchFamily="18" charset="-120"/>
-              <a:ea typeface="王漢宗細圓體繁" panose="02020300000000000000" pitchFamily="18" charset="-120"/>
-            </a:endParaRPr>
-          </a:p>
-        </p:txBody>
-      </p:sp>
-      <p:sp>
-        <p:nvSpPr>
-          <p:cNvPr id="33" name="文字方塊 32">
-            <a:extLst>
-              <a:ext uri="{FF2B5EF4-FFF2-40B4-BE49-F238E27FC236}">
-                <a16:creationId xmlns:a16="http://schemas.microsoft.com/office/drawing/2014/main" id="{1CF06AC4-1826-4FF6-821B-EF795A067459}"/>
-              </a:ext>
-            </a:extLst>
-          </p:cNvPr>
-          <p:cNvSpPr txBox="1"/>
-          <p:nvPr/>
-        </p:nvSpPr>
-        <p:spPr>
-          <a:xfrm>
-            <a:off x="3968848" y="7488194"/>
-            <a:ext cx="562975" cy="769441"/>
-          </a:xfrm>
-          <a:prstGeom prst="rect">
-            <a:avLst/>
-          </a:prstGeom>
-          <a:noFill/>
-        </p:spPr>
-        <p:txBody>
-          <a:bodyPr wrap="none" rtlCol="0">
-            <a:spAutoFit/>
-          </a:bodyPr>
-          <a:lstStyle/>
-          <a:p>
-            <a:r>
-              <a:rPr lang="en-US" altLang="zh-TW" sz="4400" b="1" dirty="0">
-                <a:solidFill>
-                  <a:schemeClr val="bg1"/>
-                </a:solidFill>
-                <a:latin typeface="王漢宗細圓體繁" panose="02020300000000000000" pitchFamily="18" charset="-120"/>
-                <a:ea typeface="王漢宗細圓體繁" panose="02020300000000000000" pitchFamily="18" charset="-120"/>
-              </a:rPr>
-              <a:t>3</a:t>
-            </a:r>
-            <a:endParaRPr lang="zh-TW" altLang="en-US" b="1" dirty="0">
-              <a:solidFill>
-                <a:schemeClr val="bg1"/>
-              </a:solidFill>
-              <a:latin typeface="王漢宗細圓體繁" panose="02020300000000000000" pitchFamily="18" charset="-120"/>
-              <a:ea typeface="王漢宗細圓體繁" panose="02020300000000000000" pitchFamily="18" charset="-120"/>
-            </a:endParaRPr>
-          </a:p>
-        </p:txBody>
-      </p:sp>
-      <p:sp>
-        <p:nvSpPr>
-          <p:cNvPr id="35" name="文字方塊 34">
-            <a:extLst>
-              <a:ext uri="{FF2B5EF4-FFF2-40B4-BE49-F238E27FC236}">
-                <a16:creationId xmlns:a16="http://schemas.microsoft.com/office/drawing/2014/main" id="{6B6BFC03-15C7-4911-A9CE-7B5F071E0EDE}"/>
-              </a:ext>
-            </a:extLst>
-          </p:cNvPr>
-          <p:cNvSpPr txBox="1"/>
-          <p:nvPr/>
-        </p:nvSpPr>
-        <p:spPr>
-          <a:xfrm>
-            <a:off x="5334123" y="3895996"/>
-            <a:ext cx="9144000" cy="707886"/>
-          </a:xfrm>
-          <a:prstGeom prst="rect">
-            <a:avLst/>
-          </a:prstGeom>
-          <a:noFill/>
-        </p:spPr>
-        <p:txBody>
-          <a:bodyPr wrap="square">
-            <a:spAutoFit/>
-          </a:bodyPr>
-          <a:lstStyle/>
-          <a:p>
-            <a:r>
-              <a:rPr lang="zh-TW" altLang="en-US" sz="4000" dirty="0">
-                <a:latin typeface="微軟正黑體" panose="020B0604030504040204" pitchFamily="34" charset="-120"/>
-                <a:ea typeface="微軟正黑體" panose="020B0604030504040204" pitchFamily="34" charset="-120"/>
-              </a:rPr>
-              <a:t>程式的記憶能力</a:t>
-            </a:r>
-            <a:r>
-              <a:rPr lang="en-US" altLang="zh-TW" sz="4000" dirty="0">
-                <a:latin typeface="微軟正黑體" panose="020B0604030504040204" pitchFamily="34" charset="-120"/>
-                <a:ea typeface="微軟正黑體" panose="020B0604030504040204" pitchFamily="34" charset="-120"/>
-              </a:rPr>
-              <a:t>:</a:t>
-            </a:r>
-            <a:r>
-              <a:rPr lang="zh-TW" altLang="en-US" sz="4000" dirty="0">
-                <a:latin typeface="微軟正黑體" panose="020B0604030504040204" pitchFamily="34" charset="-120"/>
-                <a:ea typeface="微軟正黑體" panose="020B0604030504040204" pitchFamily="34" charset="-120"/>
-              </a:rPr>
-              <a:t>變數</a:t>
-            </a:r>
-          </a:p>
-        </p:txBody>
-      </p:sp>
-      <p:sp>
-        <p:nvSpPr>
-          <p:cNvPr id="37" name="文字方塊 36">
-            <a:extLst>
-              <a:ext uri="{FF2B5EF4-FFF2-40B4-BE49-F238E27FC236}">
-                <a16:creationId xmlns:a16="http://schemas.microsoft.com/office/drawing/2014/main" id="{9BDE1E43-CC9C-4E4D-8297-6C3139FA7F8E}"/>
-              </a:ext>
-            </a:extLst>
-          </p:cNvPr>
-          <p:cNvSpPr txBox="1"/>
-          <p:nvPr/>
-        </p:nvSpPr>
-        <p:spPr>
-          <a:xfrm>
-            <a:off x="5366780" y="5683119"/>
-            <a:ext cx="9144000" cy="707886"/>
-          </a:xfrm>
-          <a:prstGeom prst="rect">
-            <a:avLst/>
-          </a:prstGeom>
-          <a:noFill/>
-        </p:spPr>
-        <p:txBody>
-          <a:bodyPr wrap="square">
-            <a:spAutoFit/>
-          </a:bodyPr>
-          <a:lstStyle/>
-          <a:p>
-            <a:r>
-              <a:rPr lang="zh-TW" altLang="en-US" sz="4000" dirty="0">
-                <a:latin typeface="微軟正黑體" panose="020B0604030504040204" pitchFamily="34" charset="-120"/>
-                <a:ea typeface="微軟正黑體" panose="020B0604030504040204" pitchFamily="34" charset="-120"/>
-              </a:rPr>
-              <a:t>程式的判斷能力</a:t>
-            </a:r>
-            <a:r>
-              <a:rPr lang="en-US" altLang="zh-TW" sz="4000" dirty="0">
-                <a:latin typeface="微軟正黑體" panose="020B0604030504040204" pitchFamily="34" charset="-120"/>
-                <a:ea typeface="微軟正黑體" panose="020B0604030504040204" pitchFamily="34" charset="-120"/>
-              </a:rPr>
-              <a:t>:if</a:t>
-            </a:r>
-          </a:p>
-        </p:txBody>
-      </p:sp>
-      <p:sp>
-        <p:nvSpPr>
-          <p:cNvPr id="39" name="文字方塊 38">
-            <a:extLst>
-              <a:ext uri="{FF2B5EF4-FFF2-40B4-BE49-F238E27FC236}">
-                <a16:creationId xmlns:a16="http://schemas.microsoft.com/office/drawing/2014/main" id="{5B1FD103-31E2-455A-9F46-270A05B07560}"/>
-              </a:ext>
-            </a:extLst>
-          </p:cNvPr>
-          <p:cNvSpPr txBox="1"/>
-          <p:nvPr/>
-        </p:nvSpPr>
-        <p:spPr>
-          <a:xfrm>
-            <a:off x="5521593" y="7585009"/>
-            <a:ext cx="9144000" cy="707886"/>
-          </a:xfrm>
-          <a:prstGeom prst="rect">
-            <a:avLst/>
-          </a:prstGeom>
-          <a:noFill/>
-        </p:spPr>
-        <p:txBody>
-          <a:bodyPr wrap="square">
-            <a:spAutoFit/>
-          </a:bodyPr>
-          <a:lstStyle/>
-          <a:p>
-            <a:r>
-              <a:rPr lang="zh-TW" altLang="en-US" sz="4000" dirty="0">
-                <a:latin typeface="微軟正黑體" panose="020B0604030504040204" pitchFamily="34" charset="-120"/>
-                <a:ea typeface="微軟正黑體" panose="020B0604030504040204" pitchFamily="34" charset="-120"/>
-              </a:rPr>
-              <a:t>程式的重複能力</a:t>
-            </a:r>
-            <a:r>
-              <a:rPr lang="en-US" altLang="zh-TW" sz="4000" dirty="0">
-                <a:latin typeface="微軟正黑體" panose="020B0604030504040204" pitchFamily="34" charset="-120"/>
-                <a:ea typeface="微軟正黑體" panose="020B0604030504040204" pitchFamily="34" charset="-120"/>
-              </a:rPr>
-              <a:t>:for</a:t>
-            </a:r>
-          </a:p>
-        </p:txBody>
-      </p:sp>
-      <p:pic>
-        <p:nvPicPr>
-          <p:cNvPr id="40" name="圖片 39">
-            <a:extLst>
-              <a:ext uri="{FF2B5EF4-FFF2-40B4-BE49-F238E27FC236}">
-                <a16:creationId xmlns:a16="http://schemas.microsoft.com/office/drawing/2014/main" id="{DAB3DBF8-9CCC-4EB5-B063-ACE5110C4C39}"/>
-              </a:ext>
-            </a:extLst>
-          </p:cNvPr>
-          <p:cNvPicPr>
-            <a:picLocks noChangeAspect="1"/>
-          </p:cNvPicPr>
-          <p:nvPr/>
-        </p:nvPicPr>
-        <p:blipFill>
-          <a:blip r:embed="rId3"/>
-          <a:stretch>
-            <a:fillRect/>
-          </a:stretch>
-        </p:blipFill>
-        <p:spPr>
-          <a:xfrm>
-            <a:off x="13487400" y="-987826"/>
-            <a:ext cx="6364776" cy="5889246"/>
-          </a:xfrm>
-          <a:prstGeom prst="rect">
-            <a:avLst/>
-          </a:prstGeom>
-        </p:spPr>
-      </p:pic>
-    </p:spTree>
-  </p:cSld>
-  <p:clrMapOvr>
-    <a:masterClrMapping/>
-  </p:clrMapOvr>
-</p:sld>
-</file>
-
-<file path=ppt/slides/slide5.xml><?xml version="1.0" encoding="utf-8"?>
-<p:sld xmlns:a="http://schemas.openxmlformats.org/drawingml/2006/main" xmlns:r="http://schemas.openxmlformats.org/officeDocument/2006/relationships" xmlns:p="http://schemas.openxmlformats.org/presentationml/2006/main">
-  <p:cSld>
-    <p:spTree>
-      <p:nvGrpSpPr>
-        <p:cNvPr id="1" name=""/>
-        <p:cNvGrpSpPr/>
-        <p:nvPr/>
-      </p:nvGrpSpPr>
-      <p:grpSpPr>
-        <a:xfrm>
-          <a:off x="0" y="0"/>
-          <a:ext cx="0" cy="0"/>
-          <a:chOff x="0" y="0"/>
-          <a:chExt cx="0" cy="0"/>
-        </a:xfrm>
-      </p:grpSpPr>
-      <p:pic>
-        <p:nvPicPr>
-          <p:cNvPr id="26" name="圖片 25">
-            <a:extLst>
-              <a:ext uri="{FF2B5EF4-FFF2-40B4-BE49-F238E27FC236}">
-                <a16:creationId xmlns:a16="http://schemas.microsoft.com/office/drawing/2014/main" id="{14A15061-053B-4A28-AE9D-125B749E4202}"/>
-              </a:ext>
-            </a:extLst>
-          </p:cNvPr>
-          <p:cNvPicPr>
-            <a:picLocks noChangeAspect="1"/>
-          </p:cNvPicPr>
-          <p:nvPr/>
-        </p:nvPicPr>
-        <p:blipFill>
-          <a:blip r:embed="rId2"/>
-          <a:stretch>
-            <a:fillRect/>
-          </a:stretch>
-        </p:blipFill>
-        <p:spPr>
-          <a:xfrm>
-            <a:off x="1905000" y="1562100"/>
-            <a:ext cx="15239999" cy="7924800"/>
-          </a:xfrm>
-          <a:prstGeom prst="rect">
-            <a:avLst/>
-          </a:prstGeom>
-        </p:spPr>
-      </p:pic>
-      <p:grpSp>
-        <p:nvGrpSpPr>
-          <p:cNvPr id="19" name="群組 18">
-            <a:extLst>
-              <a:ext uri="{FF2B5EF4-FFF2-40B4-BE49-F238E27FC236}">
-                <a16:creationId xmlns:a16="http://schemas.microsoft.com/office/drawing/2014/main" id="{CFEBD686-088C-4104-B139-3FE9C108D488}"/>
-              </a:ext>
-            </a:extLst>
-          </p:cNvPr>
-          <p:cNvGrpSpPr/>
-          <p:nvPr/>
-        </p:nvGrpSpPr>
-        <p:grpSpPr>
-          <a:xfrm>
-            <a:off x="762000" y="647700"/>
-            <a:ext cx="2840564" cy="1981200"/>
-            <a:chOff x="2743200" y="4076700"/>
-            <a:chExt cx="4800600" cy="1981200"/>
-          </a:xfrm>
-        </p:grpSpPr>
-        <p:sp>
-          <p:nvSpPr>
-            <p:cNvPr id="20" name="矩形 19">
-              <a:extLst>
-                <a:ext uri="{FF2B5EF4-FFF2-40B4-BE49-F238E27FC236}">
-                  <a16:creationId xmlns:a16="http://schemas.microsoft.com/office/drawing/2014/main" id="{07BD9B36-C800-4AE5-A241-E35FB5D91013}"/>
-                </a:ext>
-              </a:extLst>
-            </p:cNvPr>
-            <p:cNvSpPr/>
-            <p:nvPr/>
-          </p:nvSpPr>
-          <p:spPr>
-            <a:xfrm>
-              <a:off x="2971800" y="4229100"/>
-              <a:ext cx="4572000" cy="1828800"/>
-            </a:xfrm>
-            <a:prstGeom prst="rect">
-              <a:avLst/>
-            </a:prstGeom>
-            <a:solidFill>
-              <a:schemeClr val="tx2">
-                <a:lumMod val="50000"/>
-              </a:schemeClr>
-            </a:solidFill>
-            <a:ln>
-              <a:noFill/>
-            </a:ln>
-          </p:spPr>
-          <p:style>
-            <a:lnRef idx="2">
-              <a:schemeClr val="accent1">
-                <a:shade val="50000"/>
-              </a:schemeClr>
-            </a:lnRef>
-            <a:fillRef idx="1">
-              <a:schemeClr val="accent1"/>
-            </a:fillRef>
-            <a:effectRef idx="0">
-              <a:schemeClr val="accent1"/>
-            </a:effectRef>
-            <a:fontRef idx="minor">
-              <a:schemeClr val="lt1"/>
-            </a:fontRef>
-          </p:style>
-          <p:txBody>
-            <a:bodyPr rtlCol="0" anchor="ctr"/>
-            <a:lstStyle/>
-            <a:p>
-              <a:pPr algn="ctr"/>
-              <a:endParaRPr lang="zh-TW" altLang="en-US"/>
-            </a:p>
-          </p:txBody>
-        </p:sp>
-        <p:sp>
-          <p:nvSpPr>
-            <p:cNvPr id="21" name="矩形 20">
-              <a:extLst>
-                <a:ext uri="{FF2B5EF4-FFF2-40B4-BE49-F238E27FC236}">
-                  <a16:creationId xmlns:a16="http://schemas.microsoft.com/office/drawing/2014/main" id="{271A3F75-EC09-4E70-A48F-7FF78CF6EEA2}"/>
-                </a:ext>
-              </a:extLst>
-            </p:cNvPr>
-            <p:cNvSpPr/>
-            <p:nvPr/>
-          </p:nvSpPr>
-          <p:spPr>
-            <a:xfrm>
-              <a:off x="2743200" y="4076700"/>
-              <a:ext cx="4648200" cy="1828800"/>
-            </a:xfrm>
-            <a:prstGeom prst="rect">
-              <a:avLst/>
-            </a:prstGeom>
-            <a:solidFill>
-              <a:schemeClr val="accent1">
-                <a:lumMod val="40000"/>
-                <a:lumOff val="60000"/>
-              </a:schemeClr>
-            </a:solidFill>
-            <a:ln>
-              <a:noFill/>
-            </a:ln>
-          </p:spPr>
-          <p:style>
-            <a:lnRef idx="2">
-              <a:schemeClr val="accent1">
-                <a:shade val="50000"/>
-              </a:schemeClr>
-            </a:lnRef>
-            <a:fillRef idx="1">
-              <a:schemeClr val="accent1"/>
-            </a:fillRef>
-            <a:effectRef idx="0">
-              <a:schemeClr val="accent1"/>
-            </a:effectRef>
-            <a:fontRef idx="minor">
-              <a:schemeClr val="lt1"/>
-            </a:fontRef>
-          </p:style>
-          <p:txBody>
-            <a:bodyPr rtlCol="0" anchor="ctr"/>
-            <a:lstStyle/>
-            <a:p>
-              <a:pPr algn="ctr"/>
-              <a:endParaRPr lang="zh-TW" altLang="en-US"/>
-            </a:p>
-          </p:txBody>
-        </p:sp>
-      </p:grpSp>
-      <p:sp>
-        <p:nvSpPr>
-          <p:cNvPr id="22" name="文字方塊 21">
-            <a:extLst>
-              <a:ext uri="{FF2B5EF4-FFF2-40B4-BE49-F238E27FC236}">
-                <a16:creationId xmlns:a16="http://schemas.microsoft.com/office/drawing/2014/main" id="{EA4F5E9D-447E-4848-AE2D-D058D31F6F15}"/>
-              </a:ext>
-            </a:extLst>
-          </p:cNvPr>
-          <p:cNvSpPr txBox="1"/>
-          <p:nvPr/>
-        </p:nvSpPr>
-        <p:spPr>
-          <a:xfrm>
-            <a:off x="1286025" y="1029206"/>
-            <a:ext cx="7239000" cy="1015663"/>
-          </a:xfrm>
-          <a:prstGeom prst="rect">
-            <a:avLst/>
-          </a:prstGeom>
-          <a:noFill/>
-        </p:spPr>
-        <p:txBody>
-          <a:bodyPr wrap="square" rtlCol="0">
-            <a:spAutoFit/>
-          </a:bodyPr>
-          <a:lstStyle/>
-          <a:p>
-            <a:r>
-              <a:rPr lang="zh-TW" altLang="en-US" sz="6000" dirty="0">
-                <a:latin typeface="王漢宗細圓體繁" panose="02020300000000000000" pitchFamily="18" charset="-120"/>
-                <a:ea typeface="王漢宗細圓體繁" panose="02020300000000000000" pitchFamily="18" charset="-120"/>
-              </a:rPr>
               <a:t>變數</a:t>
             </a:r>
           </a:p>
@@ -10608,7 +9520,7 @@
 </p:sld>
 </file>
 
-<file path=ppt/slides/slide6.xml><?xml version="1.0" encoding="utf-8"?>
+<file path=ppt/slides/slide5.xml><?xml version="1.0" encoding="utf-8"?>
 <p:sld xmlns:a="http://schemas.openxmlformats.org/drawingml/2006/main" xmlns:r="http://schemas.openxmlformats.org/officeDocument/2006/relationships" xmlns:p="http://schemas.openxmlformats.org/presentationml/2006/main">
   <p:cSld>
     <p:spTree>
@@ -11012,7 +9924,7 @@
 </p:sld>
 </file>
 
-<file path=ppt/slides/slide7.xml><?xml version="1.0" encoding="utf-8"?>
+<file path=ppt/slides/slide6.xml><?xml version="1.0" encoding="utf-8"?>
 <p:sld xmlns:a="http://schemas.openxmlformats.org/drawingml/2006/main" xmlns:r="http://schemas.openxmlformats.org/officeDocument/2006/relationships" xmlns:p="http://schemas.openxmlformats.org/presentationml/2006/main">
   <p:cSld>
     <p:spTree>
@@ -11315,7 +10227,7 @@
 </p:sld>
 </file>
 
-<file path=ppt/slides/slide8.xml><?xml version="1.0" encoding="utf-8"?>
+<file path=ppt/slides/slide7.xml><?xml version="1.0" encoding="utf-8"?>
 <p:sld xmlns:a="http://schemas.openxmlformats.org/drawingml/2006/main" xmlns:r="http://schemas.openxmlformats.org/officeDocument/2006/relationships" xmlns:p="http://schemas.openxmlformats.org/presentationml/2006/main">
   <p:cSld>
     <p:spTree>
@@ -12287,7 +11199,7 @@
 </p:sld>
 </file>
 
-<file path=ppt/slides/slide9.xml><?xml version="1.0" encoding="utf-8"?>
+<file path=ppt/slides/slide8.xml><?xml version="1.0" encoding="utf-8"?>
 <p:sld xmlns:a="http://schemas.openxmlformats.org/drawingml/2006/main" xmlns:r="http://schemas.openxmlformats.org/officeDocument/2006/relationships" xmlns:p="http://schemas.openxmlformats.org/presentationml/2006/main">
   <p:cSld>
     <p:spTree>
@@ -12632,6 +11544,314 @@
     <p:extLst>
       <p:ext uri="{BB962C8B-B14F-4D97-AF65-F5344CB8AC3E}">
         <p14:creationId xmlns:p14="http://schemas.microsoft.com/office/powerpoint/2010/main" val="1514730178"/>
+      </p:ext>
+    </p:extLst>
+  </p:cSld>
+  <p:clrMapOvr>
+    <a:masterClrMapping/>
+  </p:clrMapOvr>
+</p:sld>
+</file>
+
+<file path=ppt/slides/slide9.xml><?xml version="1.0" encoding="utf-8"?>
+<p:sld xmlns:a="http://schemas.openxmlformats.org/drawingml/2006/main" xmlns:r="http://schemas.openxmlformats.org/officeDocument/2006/relationships" xmlns:p="http://schemas.openxmlformats.org/presentationml/2006/main">
+  <p:cSld>
+    <p:spTree>
+      <p:nvGrpSpPr>
+        <p:cNvPr id="1" name=""/>
+        <p:cNvGrpSpPr/>
+        <p:nvPr/>
+      </p:nvGrpSpPr>
+      <p:grpSpPr>
+        <a:xfrm>
+          <a:off x="0" y="0"/>
+          <a:ext cx="0" cy="0"/>
+          <a:chOff x="0" y="0"/>
+          <a:chExt cx="0" cy="0"/>
+        </a:xfrm>
+      </p:grpSpPr>
+      <p:sp>
+        <p:nvSpPr>
+          <p:cNvPr id="17" name="矩形 16">
+            <a:extLst>
+              <a:ext uri="{FF2B5EF4-FFF2-40B4-BE49-F238E27FC236}">
+                <a16:creationId xmlns:a16="http://schemas.microsoft.com/office/drawing/2014/main" id="{94C2A827-B932-471D-A756-D0ADADA99ACB}"/>
+              </a:ext>
+            </a:extLst>
+          </p:cNvPr>
+          <p:cNvSpPr/>
+          <p:nvPr/>
+        </p:nvSpPr>
+        <p:spPr>
+          <a:xfrm>
+            <a:off x="2286000" y="2324100"/>
+            <a:ext cx="13595816" cy="6670606"/>
+          </a:xfrm>
+          <a:prstGeom prst="rect">
+            <a:avLst/>
+          </a:prstGeom>
+          <a:solidFill>
+            <a:schemeClr val="bg1">
+              <a:lumMod val="95000"/>
+            </a:schemeClr>
+          </a:solidFill>
+          <a:ln>
+            <a:noFill/>
+          </a:ln>
+        </p:spPr>
+        <p:style>
+          <a:lnRef idx="2">
+            <a:schemeClr val="accent1">
+              <a:shade val="50000"/>
+            </a:schemeClr>
+          </a:lnRef>
+          <a:fillRef idx="1">
+            <a:schemeClr val="accent1"/>
+          </a:fillRef>
+          <a:effectRef idx="0">
+            <a:schemeClr val="accent1"/>
+          </a:effectRef>
+          <a:fontRef idx="minor">
+            <a:schemeClr val="lt1"/>
+          </a:fontRef>
+        </p:style>
+        <p:txBody>
+          <a:bodyPr rtlCol="0" anchor="ctr"/>
+          <a:lstStyle/>
+          <a:p>
+            <a:pPr algn="ctr"/>
+            <a:endParaRPr lang="zh-TW" altLang="en-US"/>
+          </a:p>
+        </p:txBody>
+      </p:sp>
+      <p:sp>
+        <p:nvSpPr>
+          <p:cNvPr id="13" name="矩形: 圓角 12">
+            <a:extLst>
+              <a:ext uri="{FF2B5EF4-FFF2-40B4-BE49-F238E27FC236}">
+                <a16:creationId xmlns:a16="http://schemas.microsoft.com/office/drawing/2014/main" id="{86161679-2985-4ADC-8460-AEE24E740813}"/>
+              </a:ext>
+            </a:extLst>
+          </p:cNvPr>
+          <p:cNvSpPr/>
+          <p:nvPr/>
+        </p:nvSpPr>
+        <p:spPr>
+          <a:xfrm>
+            <a:off x="5007208" y="1409700"/>
+            <a:ext cx="8153400" cy="2113844"/>
+          </a:xfrm>
+          <a:prstGeom prst="roundRect">
+            <a:avLst/>
+          </a:prstGeom>
+          <a:solidFill>
+            <a:schemeClr val="accent1">
+              <a:lumMod val="40000"/>
+              <a:lumOff val="60000"/>
+            </a:schemeClr>
+          </a:solidFill>
+          <a:ln>
+            <a:noFill/>
+          </a:ln>
+        </p:spPr>
+        <p:style>
+          <a:lnRef idx="2">
+            <a:schemeClr val="accent1">
+              <a:shade val="50000"/>
+            </a:schemeClr>
+          </a:lnRef>
+          <a:fillRef idx="1">
+            <a:schemeClr val="accent1"/>
+          </a:fillRef>
+          <a:effectRef idx="0">
+            <a:schemeClr val="accent1"/>
+          </a:effectRef>
+          <a:fontRef idx="minor">
+            <a:schemeClr val="lt1"/>
+          </a:fontRef>
+        </p:style>
+        <p:txBody>
+          <a:bodyPr rtlCol="0" anchor="ctr"/>
+          <a:lstStyle/>
+          <a:p>
+            <a:pPr algn="ctr"/>
+            <a:endParaRPr lang="zh-TW" altLang="en-US"/>
+          </a:p>
+        </p:txBody>
+      </p:sp>
+      <p:sp>
+        <p:nvSpPr>
+          <p:cNvPr id="14" name="文字方塊 13">
+            <a:extLst>
+              <a:ext uri="{FF2B5EF4-FFF2-40B4-BE49-F238E27FC236}">
+                <a16:creationId xmlns:a16="http://schemas.microsoft.com/office/drawing/2014/main" id="{E0290B41-790C-4212-8A48-B0107FA80F8D}"/>
+              </a:ext>
+            </a:extLst>
+          </p:cNvPr>
+          <p:cNvSpPr txBox="1"/>
+          <p:nvPr/>
+        </p:nvSpPr>
+        <p:spPr>
+          <a:xfrm>
+            <a:off x="8039100" y="1958790"/>
+            <a:ext cx="2209800" cy="1015663"/>
+          </a:xfrm>
+          <a:prstGeom prst="rect">
+            <a:avLst/>
+          </a:prstGeom>
+          <a:noFill/>
+        </p:spPr>
+        <p:txBody>
+          <a:bodyPr wrap="square" rtlCol="0">
+            <a:spAutoFit/>
+          </a:bodyPr>
+          <a:lstStyle/>
+          <a:p>
+            <a:r>
+              <a:rPr lang="zh-TW" altLang="en-US" sz="6000" dirty="0">
+                <a:solidFill>
+                  <a:schemeClr val="tx2">
+                    <a:lumMod val="50000"/>
+                  </a:schemeClr>
+                </a:solidFill>
+                <a:latin typeface="王漢宗細圓體繁" panose="02020300000000000000" pitchFamily="18" charset="-120"/>
+                <a:ea typeface="王漢宗細圓體繁" panose="02020300000000000000" pitchFamily="18" charset="-120"/>
+              </a:rPr>
+              <a:t>練習</a:t>
+            </a:r>
+          </a:p>
+        </p:txBody>
+      </p:sp>
+      <p:sp>
+        <p:nvSpPr>
+          <p:cNvPr id="16" name="文字方塊 15">
+            <a:extLst>
+              <a:ext uri="{FF2B5EF4-FFF2-40B4-BE49-F238E27FC236}">
+                <a16:creationId xmlns:a16="http://schemas.microsoft.com/office/drawing/2014/main" id="{48F91D10-1470-4601-AC96-C7C8AA0715A7}"/>
+              </a:ext>
+            </a:extLst>
+          </p:cNvPr>
+          <p:cNvSpPr txBox="1"/>
+          <p:nvPr/>
+        </p:nvSpPr>
+        <p:spPr>
+          <a:xfrm>
+            <a:off x="4495800" y="4256416"/>
+            <a:ext cx="9928122" cy="707886"/>
+          </a:xfrm>
+          <a:prstGeom prst="rect">
+            <a:avLst/>
+          </a:prstGeom>
+          <a:noFill/>
+        </p:spPr>
+        <p:txBody>
+          <a:bodyPr wrap="square">
+            <a:spAutoFit/>
+          </a:bodyPr>
+          <a:lstStyle/>
+          <a:p>
+            <a:r>
+              <a:rPr lang="zh-TW" altLang="en-US" sz="4000" dirty="0">
+                <a:latin typeface="微軟正黑體" panose="020B0604030504040204" pitchFamily="34" charset="-120"/>
+                <a:ea typeface="微軟正黑體" panose="020B0604030504040204" pitchFamily="34" charset="-120"/>
+              </a:rPr>
+              <a:t>判斷是否為</a:t>
+            </a:r>
+            <a:r>
+              <a:rPr lang="en-US" altLang="zh-TW" sz="4000" dirty="0">
+                <a:latin typeface="微軟正黑體" panose="020B0604030504040204" pitchFamily="34" charset="-120"/>
+                <a:ea typeface="微軟正黑體" panose="020B0604030504040204" pitchFamily="34" charset="-120"/>
+              </a:rPr>
+              <a:t>3</a:t>
+            </a:r>
+            <a:r>
+              <a:rPr lang="zh-TW" altLang="en-US" sz="4000" dirty="0">
+                <a:latin typeface="微軟正黑體" panose="020B0604030504040204" pitchFamily="34" charset="-120"/>
+                <a:ea typeface="微軟正黑體" panose="020B0604030504040204" pitchFamily="34" charset="-120"/>
+              </a:rPr>
+              <a:t>的倍數？是否為</a:t>
+            </a:r>
+            <a:r>
+              <a:rPr lang="en-US" altLang="zh-TW" sz="4000" dirty="0">
+                <a:latin typeface="微軟正黑體" panose="020B0604030504040204" pitchFamily="34" charset="-120"/>
+                <a:ea typeface="微軟正黑體" panose="020B0604030504040204" pitchFamily="34" charset="-120"/>
+              </a:rPr>
+              <a:t>7</a:t>
+            </a:r>
+            <a:r>
+              <a:rPr lang="zh-TW" altLang="en-US" sz="4000" dirty="0">
+                <a:latin typeface="微軟正黑體" panose="020B0604030504040204" pitchFamily="34" charset="-120"/>
+                <a:ea typeface="微軟正黑體" panose="020B0604030504040204" pitchFamily="34" charset="-120"/>
+              </a:rPr>
+              <a:t>的倍數？</a:t>
+            </a:r>
+          </a:p>
+        </p:txBody>
+      </p:sp>
+      <p:pic>
+        <p:nvPicPr>
+          <p:cNvPr id="18" name="圖片 17">
+            <a:extLst>
+              <a:ext uri="{FF2B5EF4-FFF2-40B4-BE49-F238E27FC236}">
+                <a16:creationId xmlns:a16="http://schemas.microsoft.com/office/drawing/2014/main" id="{133EDFBD-1375-4163-847B-4A08FF381ABE}"/>
+              </a:ext>
+            </a:extLst>
+          </p:cNvPr>
+          <p:cNvPicPr>
+            <a:picLocks noChangeAspect="1"/>
+          </p:cNvPicPr>
+          <p:nvPr/>
+        </p:nvPicPr>
+        <p:blipFill>
+          <a:blip r:embed="rId2"/>
+          <a:stretch>
+            <a:fillRect/>
+          </a:stretch>
+        </p:blipFill>
+        <p:spPr>
+          <a:xfrm>
+            <a:off x="-2757286" y="4957352"/>
+            <a:ext cx="8175445" cy="7626757"/>
+          </a:xfrm>
+          <a:prstGeom prst="rect">
+            <a:avLst/>
+          </a:prstGeom>
+        </p:spPr>
+      </p:pic>
+      <p:pic>
+        <p:nvPicPr>
+          <p:cNvPr id="8" name="圖片 7">
+            <a:extLst>
+              <a:ext uri="{FF2B5EF4-FFF2-40B4-BE49-F238E27FC236}">
+                <a16:creationId xmlns:a16="http://schemas.microsoft.com/office/drawing/2014/main" id="{A1CF49F8-F066-4324-8B91-F60A6BB4E65E}"/>
+              </a:ext>
+            </a:extLst>
+          </p:cNvPr>
+          <p:cNvPicPr>
+            <a:picLocks noChangeAspect="1"/>
+          </p:cNvPicPr>
+          <p:nvPr/>
+        </p:nvPicPr>
+        <p:blipFill>
+          <a:blip r:embed="rId3"/>
+          <a:stretch>
+            <a:fillRect/>
+          </a:stretch>
+        </p:blipFill>
+        <p:spPr>
+          <a:xfrm>
+            <a:off x="12954000" y="-2019300"/>
+            <a:ext cx="7657240" cy="7059780"/>
+          </a:xfrm>
+          <a:prstGeom prst="rect">
+            <a:avLst/>
+          </a:prstGeom>
+        </p:spPr>
+      </p:pic>
+    </p:spTree>
+    <p:extLst>
+      <p:ext uri="{BB962C8B-B14F-4D97-AF65-F5344CB8AC3E}">
+        <p14:creationId xmlns:p14="http://schemas.microsoft.com/office/powerpoint/2010/main" val="1248753871"/>
       </p:ext>
     </p:extLst>
   </p:cSld>

--- a/phpppt.pptx
+++ b/phpppt.pptx
@@ -241,7 +241,7 @@
           <a:p>
             <a:fld id="{FC8271FA-317D-443F-A3FA-78F4796F00C4}" type="datetimeFigureOut">
               <a:rPr lang="zh-TW" altLang="en-US" smtClean="0"/>
-              <a:t>2021/10/24</a:t>
+              <a:t>2021/10/26</a:t>
             </a:fld>
             <a:endParaRPr lang="zh-TW" altLang="en-US"/>
           </a:p>
@@ -688,7 +688,7 @@
             <a:fld id="{1D8BD707-D9CF-40AE-B4C6-C98DA3205C09}" type="datetimeFigureOut">
               <a:rPr lang="en-US" smtClean="0"/>
               <a:pPr/>
-              <a:t>10/24/2021</a:t>
+              <a:t>10/26/2021</a:t>
             </a:fld>
             <a:endParaRPr lang="en-US"/>
           </a:p>
@@ -853,7 +853,7 @@
             <a:fld id="{1D8BD707-D9CF-40AE-B4C6-C98DA3205C09}" type="datetimeFigureOut">
               <a:rPr lang="en-US" smtClean="0"/>
               <a:pPr/>
-              <a:t>10/24/2021</a:t>
+              <a:t>10/26/2021</a:t>
             </a:fld>
             <a:endParaRPr lang="en-US"/>
           </a:p>
@@ -1028,7 +1028,7 @@
             <a:fld id="{1D8BD707-D9CF-40AE-B4C6-C98DA3205C09}" type="datetimeFigureOut">
               <a:rPr lang="en-US" smtClean="0"/>
               <a:pPr/>
-              <a:t>10/24/2021</a:t>
+              <a:t>10/26/2021</a:t>
             </a:fld>
             <a:endParaRPr lang="en-US"/>
           </a:p>
@@ -1193,7 +1193,7 @@
             <a:fld id="{1D8BD707-D9CF-40AE-B4C6-C98DA3205C09}" type="datetimeFigureOut">
               <a:rPr lang="en-US" smtClean="0"/>
               <a:pPr/>
-              <a:t>10/24/2021</a:t>
+              <a:t>10/26/2021</a:t>
             </a:fld>
             <a:endParaRPr lang="en-US"/>
           </a:p>
@@ -1435,7 +1435,7 @@
             <a:fld id="{1D8BD707-D9CF-40AE-B4C6-C98DA3205C09}" type="datetimeFigureOut">
               <a:rPr lang="en-US" smtClean="0"/>
               <a:pPr/>
-              <a:t>10/24/2021</a:t>
+              <a:t>10/26/2021</a:t>
             </a:fld>
             <a:endParaRPr lang="en-US"/>
           </a:p>
@@ -1717,7 +1717,7 @@
             <a:fld id="{1D8BD707-D9CF-40AE-B4C6-C98DA3205C09}" type="datetimeFigureOut">
               <a:rPr lang="en-US" smtClean="0"/>
               <a:pPr/>
-              <a:t>10/24/2021</a:t>
+              <a:t>10/26/2021</a:t>
             </a:fld>
             <a:endParaRPr lang="en-US"/>
           </a:p>
@@ -2133,7 +2133,7 @@
             <a:fld id="{1D8BD707-D9CF-40AE-B4C6-C98DA3205C09}" type="datetimeFigureOut">
               <a:rPr lang="en-US" smtClean="0"/>
               <a:pPr/>
-              <a:t>10/24/2021</a:t>
+              <a:t>10/26/2021</a:t>
             </a:fld>
             <a:endParaRPr lang="en-US"/>
           </a:p>
@@ -2247,7 +2247,7 @@
             <a:fld id="{1D8BD707-D9CF-40AE-B4C6-C98DA3205C09}" type="datetimeFigureOut">
               <a:rPr lang="en-US" smtClean="0"/>
               <a:pPr/>
-              <a:t>10/24/2021</a:t>
+              <a:t>10/26/2021</a:t>
             </a:fld>
             <a:endParaRPr lang="en-US"/>
           </a:p>
@@ -2339,7 +2339,7 @@
             <a:fld id="{1D8BD707-D9CF-40AE-B4C6-C98DA3205C09}" type="datetimeFigureOut">
               <a:rPr lang="en-US" smtClean="0"/>
               <a:pPr/>
-              <a:t>10/24/2021</a:t>
+              <a:t>10/26/2021</a:t>
             </a:fld>
             <a:endParaRPr lang="en-US"/>
           </a:p>
@@ -2611,7 +2611,7 @@
             <a:fld id="{1D8BD707-D9CF-40AE-B4C6-C98DA3205C09}" type="datetimeFigureOut">
               <a:rPr lang="en-US" smtClean="0"/>
               <a:pPr/>
-              <a:t>10/24/2021</a:t>
+              <a:t>10/26/2021</a:t>
             </a:fld>
             <a:endParaRPr lang="en-US"/>
           </a:p>
@@ -2860,7 +2860,7 @@
             <a:fld id="{1D8BD707-D9CF-40AE-B4C6-C98DA3205C09}" type="datetimeFigureOut">
               <a:rPr lang="en-US" smtClean="0"/>
               <a:pPr/>
-              <a:t>10/24/2021</a:t>
+              <a:t>10/26/2021</a:t>
             </a:fld>
             <a:endParaRPr lang="en-US"/>
           </a:p>
@@ -3068,7 +3068,7 @@
             <a:fld id="{1D8BD707-D9CF-40AE-B4C6-C98DA3205C09}" type="datetimeFigureOut">
               <a:rPr lang="en-US" smtClean="0"/>
               <a:pPr/>
-              <a:t>10/24/2021</a:t>
+              <a:t>10/26/2021</a:t>
             </a:fld>
             <a:endParaRPr lang="en-US"/>
           </a:p>
@@ -7972,6 +7972,98 @@
           </a:prstGeom>
         </p:spPr>
       </p:pic>
+      <p:pic>
+        <p:nvPicPr>
+          <p:cNvPr id="3" name="圖片 2">
+            <a:extLst>
+              <a:ext uri="{FF2B5EF4-FFF2-40B4-BE49-F238E27FC236}">
+                <a16:creationId xmlns:a16="http://schemas.microsoft.com/office/drawing/2014/main" id="{509F3375-DBC3-4A7A-A8F4-FC3B0B1BC8CF}"/>
+              </a:ext>
+            </a:extLst>
+          </p:cNvPr>
+          <p:cNvPicPr>
+            <a:picLocks noChangeAspect="1"/>
+          </p:cNvPicPr>
+          <p:nvPr/>
+        </p:nvPicPr>
+        <p:blipFill>
+          <a:blip r:embed="rId16">
+            <a:extLst>
+              <a:ext uri="{28A0092B-C50C-407E-A947-70E740481C1C}">
+                <a14:useLocalDpi xmlns:a14="http://schemas.microsoft.com/office/drawing/2010/main" val="0"/>
+              </a:ext>
+            </a:extLst>
+          </a:blip>
+          <a:stretch>
+            <a:fillRect/>
+          </a:stretch>
+        </p:blipFill>
+        <p:spPr>
+          <a:xfrm>
+            <a:off x="3741938" y="3040061"/>
+            <a:ext cx="12113906" cy="6676034"/>
+          </a:xfrm>
+          <a:prstGeom prst="rect">
+            <a:avLst/>
+          </a:prstGeom>
+        </p:spPr>
+      </p:pic>
+      <p:sp>
+        <p:nvSpPr>
+          <p:cNvPr id="4" name="文字方塊 3">
+            <a:extLst>
+              <a:ext uri="{FF2B5EF4-FFF2-40B4-BE49-F238E27FC236}">
+                <a16:creationId xmlns:a16="http://schemas.microsoft.com/office/drawing/2014/main" id="{D5BCA8A6-9399-419D-B92F-DD16FEE433F0}"/>
+              </a:ext>
+            </a:extLst>
+          </p:cNvPr>
+          <p:cNvSpPr txBox="1"/>
+          <p:nvPr/>
+        </p:nvSpPr>
+        <p:spPr>
+          <a:xfrm>
+            <a:off x="7409520" y="1776235"/>
+            <a:ext cx="5809959" cy="769441"/>
+          </a:xfrm>
+          <a:prstGeom prst="rect">
+            <a:avLst/>
+          </a:prstGeom>
+          <a:noFill/>
+        </p:spPr>
+        <p:txBody>
+          <a:bodyPr wrap="square" rtlCol="0">
+            <a:spAutoFit/>
+          </a:bodyPr>
+          <a:lstStyle/>
+          <a:p>
+            <a:r>
+              <a:rPr lang="en-US" altLang="zh-TW" sz="4400" dirty="0">
+                <a:latin typeface="微軟正黑體" panose="020B0604030504040204" pitchFamily="34" charset="-120"/>
+                <a:ea typeface="微軟正黑體" panose="020B0604030504040204" pitchFamily="34" charset="-120"/>
+              </a:rPr>
+              <a:t>php</a:t>
+            </a:r>
+            <a:r>
+              <a:rPr lang="zh-TW" altLang="en-US" sz="4400" dirty="0">
+                <a:latin typeface="微軟正黑體" panose="020B0604030504040204" pitchFamily="34" charset="-120"/>
+                <a:ea typeface="微軟正黑體" panose="020B0604030504040204" pitchFamily="34" charset="-120"/>
+              </a:rPr>
+              <a:t>神器 </a:t>
+            </a:r>
+            <a:r>
+              <a:rPr lang="en-US" altLang="zh-TW" sz="4400" dirty="0">
+                <a:latin typeface="微軟正黑體" panose="020B0604030504040204" pitchFamily="34" charset="-120"/>
+                <a:ea typeface="微軟正黑體" panose="020B0604030504040204" pitchFamily="34" charset="-120"/>
+              </a:rPr>
+              <a:t>XAMPP</a:t>
+            </a:r>
+            <a:endParaRPr lang="zh-TW" altLang="en-US" sz="4400" dirty="0">
+              <a:latin typeface="微軟正黑體" panose="020B0604030504040204" pitchFamily="34" charset="-120"/>
+              <a:ea typeface="微軟正黑體" panose="020B0604030504040204" pitchFamily="34" charset="-120"/>
+            </a:endParaRPr>
+          </a:p>
+        </p:txBody>
+      </p:sp>
     </p:spTree>
   </p:cSld>
   <p:clrMapOvr>

--- a/phpppt.pptx
+++ b/phpppt.pptx
@@ -6088,7 +6088,7 @@
         <p:spPr>
           <a:xfrm>
             <a:off x="3453257" y="3604607"/>
-            <a:ext cx="8077200" cy="1938992"/>
+            <a:ext cx="8077200" cy="3170099"/>
           </a:xfrm>
           <a:prstGeom prst="rect">
             <a:avLst/>
@@ -6100,6 +6100,25 @@
             <a:spAutoFit/>
           </a:bodyPr>
           <a:lstStyle/>
+          <a:p>
+            <a:r>
+              <a:rPr lang="zh-TW" altLang="en-US" sz="4000">
+                <a:latin typeface="微軟正黑體" panose="020B0604030504040204" pitchFamily="34" charset="-120"/>
+                <a:ea typeface="微軟正黑體" panose="020B0604030504040204" pitchFamily="34" charset="-120"/>
+              </a:rPr>
+              <a:t>巢狀迴圈</a:t>
+            </a:r>
+            <a:endParaRPr lang="en-US" altLang="zh-TW" sz="4000" dirty="0">
+              <a:latin typeface="微軟正黑體" panose="020B0604030504040204" pitchFamily="34" charset="-120"/>
+              <a:ea typeface="微軟正黑體" panose="020B0604030504040204" pitchFamily="34" charset="-120"/>
+            </a:endParaRPr>
+          </a:p>
+          <a:p>
+            <a:endParaRPr lang="en-US" altLang="zh-TW" sz="4000" dirty="0">
+              <a:latin typeface="微軟正黑體" panose="020B0604030504040204" pitchFamily="34" charset="-120"/>
+              <a:ea typeface="微軟正黑體" panose="020B0604030504040204" pitchFamily="34" charset="-120"/>
+            </a:endParaRPr>
+          </a:p>
           <a:p>
             <a:r>
               <a:rPr lang="en-US" altLang="zh-TW" sz="4000" dirty="0">

--- a/phpppt.pptx
+++ b/phpppt.pptx
@@ -5,44 +5,47 @@
     <p:sldMasterId id="2147483648" r:id="rId1"/>
   </p:sldMasterIdLst>
   <p:notesMasterIdLst>
-    <p:notesMasterId r:id="rId18"/>
+    <p:notesMasterId r:id="rId21"/>
   </p:notesMasterIdLst>
   <p:sldIdLst>
     <p:sldId id="256" r:id="rId2"/>
-    <p:sldId id="258" r:id="rId3"/>
-    <p:sldId id="259" r:id="rId4"/>
-    <p:sldId id="267" r:id="rId5"/>
-    <p:sldId id="268" r:id="rId6"/>
-    <p:sldId id="261" r:id="rId7"/>
-    <p:sldId id="269" r:id="rId8"/>
-    <p:sldId id="277" r:id="rId9"/>
-    <p:sldId id="270" r:id="rId10"/>
-    <p:sldId id="278" r:id="rId11"/>
-    <p:sldId id="271" r:id="rId12"/>
-    <p:sldId id="272" r:id="rId13"/>
-    <p:sldId id="279" r:id="rId14"/>
-    <p:sldId id="273" r:id="rId15"/>
-    <p:sldId id="274" r:id="rId16"/>
-    <p:sldId id="275" r:id="rId17"/>
+    <p:sldId id="280" r:id="rId3"/>
+    <p:sldId id="281" r:id="rId4"/>
+    <p:sldId id="282" r:id="rId5"/>
+    <p:sldId id="258" r:id="rId6"/>
+    <p:sldId id="259" r:id="rId7"/>
+    <p:sldId id="267" r:id="rId8"/>
+    <p:sldId id="268" r:id="rId9"/>
+    <p:sldId id="261" r:id="rId10"/>
+    <p:sldId id="269" r:id="rId11"/>
+    <p:sldId id="277" r:id="rId12"/>
+    <p:sldId id="270" r:id="rId13"/>
+    <p:sldId id="278" r:id="rId14"/>
+    <p:sldId id="271" r:id="rId15"/>
+    <p:sldId id="272" r:id="rId16"/>
+    <p:sldId id="279" r:id="rId17"/>
+    <p:sldId id="273" r:id="rId18"/>
+    <p:sldId id="274" r:id="rId19"/>
+    <p:sldId id="275" r:id="rId20"/>
   </p:sldIdLst>
   <p:sldSz cx="18288000" cy="10287000"/>
   <p:notesSz cx="6858000" cy="9144000"/>
   <p:embeddedFontLst>
     <p:embeddedFont>
       <p:font typeface="Calibri" panose="020F0502020204030204" pitchFamily="34" charset="0"/>
-      <p:regular r:id="rId19"/>
-      <p:bold r:id="rId20"/>
-      <p:italic r:id="rId21"/>
-      <p:boldItalic r:id="rId22"/>
+      <p:regular r:id="rId22"/>
+      <p:bold r:id="rId23"/>
+      <p:italic r:id="rId24"/>
+      <p:boldItalic r:id="rId25"/>
     </p:embeddedFont>
     <p:embeddedFont>
       <p:font typeface="王漢宗細圓體繁" panose="02020300000000000000" pitchFamily="18" charset="-120"/>
-      <p:regular r:id="rId23"/>
+      <p:regular r:id="rId26"/>
     </p:embeddedFont>
     <p:embeddedFont>
       <p:font typeface="微軟正黑體" panose="020B0604030504040204" pitchFamily="34" charset="-120"/>
-      <p:regular r:id="rId24"/>
-      <p:bold r:id="rId25"/>
+      <p:regular r:id="rId27"/>
+      <p:bold r:id="rId28"/>
     </p:embeddedFont>
   </p:embeddedFontLst>
   <p:defaultTextStyle>
@@ -241,7 +244,7 @@
           <a:p>
             <a:fld id="{FC8271FA-317D-443F-A3FA-78F4796F00C4}" type="datetimeFigureOut">
               <a:rPr lang="zh-TW" altLang="en-US" smtClean="0"/>
-              <a:t>2021/10/26</a:t>
+              <a:t>2021/10/27</a:t>
             </a:fld>
             <a:endParaRPr lang="zh-TW" altLang="en-US"/>
           </a:p>
@@ -688,7 +691,7 @@
             <a:fld id="{1D8BD707-D9CF-40AE-B4C6-C98DA3205C09}" type="datetimeFigureOut">
               <a:rPr lang="en-US" smtClean="0"/>
               <a:pPr/>
-              <a:t>10/26/2021</a:t>
+              <a:t>10/27/2021</a:t>
             </a:fld>
             <a:endParaRPr lang="en-US"/>
           </a:p>
@@ -853,7 +856,7 @@
             <a:fld id="{1D8BD707-D9CF-40AE-B4C6-C98DA3205C09}" type="datetimeFigureOut">
               <a:rPr lang="en-US" smtClean="0"/>
               <a:pPr/>
-              <a:t>10/26/2021</a:t>
+              <a:t>10/27/2021</a:t>
             </a:fld>
             <a:endParaRPr lang="en-US"/>
           </a:p>
@@ -1028,7 +1031,7 @@
             <a:fld id="{1D8BD707-D9CF-40AE-B4C6-C98DA3205C09}" type="datetimeFigureOut">
               <a:rPr lang="en-US" smtClean="0"/>
               <a:pPr/>
-              <a:t>10/26/2021</a:t>
+              <a:t>10/27/2021</a:t>
             </a:fld>
             <a:endParaRPr lang="en-US"/>
           </a:p>
@@ -1193,7 +1196,7 @@
             <a:fld id="{1D8BD707-D9CF-40AE-B4C6-C98DA3205C09}" type="datetimeFigureOut">
               <a:rPr lang="en-US" smtClean="0"/>
               <a:pPr/>
-              <a:t>10/26/2021</a:t>
+              <a:t>10/27/2021</a:t>
             </a:fld>
             <a:endParaRPr lang="en-US"/>
           </a:p>
@@ -1435,7 +1438,7 @@
             <a:fld id="{1D8BD707-D9CF-40AE-B4C6-C98DA3205C09}" type="datetimeFigureOut">
               <a:rPr lang="en-US" smtClean="0"/>
               <a:pPr/>
-              <a:t>10/26/2021</a:t>
+              <a:t>10/27/2021</a:t>
             </a:fld>
             <a:endParaRPr lang="en-US"/>
           </a:p>
@@ -1717,7 +1720,7 @@
             <a:fld id="{1D8BD707-D9CF-40AE-B4C6-C98DA3205C09}" type="datetimeFigureOut">
               <a:rPr lang="en-US" smtClean="0"/>
               <a:pPr/>
-              <a:t>10/26/2021</a:t>
+              <a:t>10/27/2021</a:t>
             </a:fld>
             <a:endParaRPr lang="en-US"/>
           </a:p>
@@ -2133,7 +2136,7 @@
             <a:fld id="{1D8BD707-D9CF-40AE-B4C6-C98DA3205C09}" type="datetimeFigureOut">
               <a:rPr lang="en-US" smtClean="0"/>
               <a:pPr/>
-              <a:t>10/26/2021</a:t>
+              <a:t>10/27/2021</a:t>
             </a:fld>
             <a:endParaRPr lang="en-US"/>
           </a:p>
@@ -2247,7 +2250,7 @@
             <a:fld id="{1D8BD707-D9CF-40AE-B4C6-C98DA3205C09}" type="datetimeFigureOut">
               <a:rPr lang="en-US" smtClean="0"/>
               <a:pPr/>
-              <a:t>10/26/2021</a:t>
+              <a:t>10/27/2021</a:t>
             </a:fld>
             <a:endParaRPr lang="en-US"/>
           </a:p>
@@ -2339,7 +2342,7 @@
             <a:fld id="{1D8BD707-D9CF-40AE-B4C6-C98DA3205C09}" type="datetimeFigureOut">
               <a:rPr lang="en-US" smtClean="0"/>
               <a:pPr/>
-              <a:t>10/26/2021</a:t>
+              <a:t>10/27/2021</a:t>
             </a:fld>
             <a:endParaRPr lang="en-US"/>
           </a:p>
@@ -2611,7 +2614,7 @@
             <a:fld id="{1D8BD707-D9CF-40AE-B4C6-C98DA3205C09}" type="datetimeFigureOut">
               <a:rPr lang="en-US" smtClean="0"/>
               <a:pPr/>
-              <a:t>10/26/2021</a:t>
+              <a:t>10/27/2021</a:t>
             </a:fld>
             <a:endParaRPr lang="en-US"/>
           </a:p>
@@ -2860,7 +2863,7 @@
             <a:fld id="{1D8BD707-D9CF-40AE-B4C6-C98DA3205C09}" type="datetimeFigureOut">
               <a:rPr lang="en-US" smtClean="0"/>
               <a:pPr/>
-              <a:t>10/26/2021</a:t>
+              <a:t>10/27/2021</a:t>
             </a:fld>
             <a:endParaRPr lang="en-US"/>
           </a:p>
@@ -3068,7 +3071,7 @@
             <a:fld id="{1D8BD707-D9CF-40AE-B4C6-C98DA3205C09}" type="datetimeFigureOut">
               <a:rPr lang="en-US" smtClean="0"/>
               <a:pPr/>
-              <a:t>10/26/2021</a:t>
+              <a:t>10/27/2021</a:t>
             </a:fld>
             <a:endParaRPr lang="en-US"/>
           </a:p>
@@ -4064,6 +4067,1640 @@
       </p:grpSpPr>
       <p:pic>
         <p:nvPicPr>
+          <p:cNvPr id="18" name="圖片 17">
+            <a:extLst>
+              <a:ext uri="{FF2B5EF4-FFF2-40B4-BE49-F238E27FC236}">
+                <a16:creationId xmlns:a16="http://schemas.microsoft.com/office/drawing/2014/main" id="{8627585B-66C6-4EFD-860B-D1DC605D0CEB}"/>
+              </a:ext>
+            </a:extLst>
+          </p:cNvPr>
+          <p:cNvPicPr>
+            <a:picLocks noChangeAspect="1"/>
+          </p:cNvPicPr>
+          <p:nvPr/>
+        </p:nvPicPr>
+        <p:blipFill>
+          <a:blip r:embed="rId2"/>
+          <a:stretch>
+            <a:fillRect/>
+          </a:stretch>
+        </p:blipFill>
+        <p:spPr>
+          <a:xfrm>
+            <a:off x="1526388" y="1180756"/>
+            <a:ext cx="15235224" cy="7925487"/>
+          </a:xfrm>
+          <a:prstGeom prst="rect">
+            <a:avLst/>
+          </a:prstGeom>
+        </p:spPr>
+      </p:pic>
+      <p:grpSp>
+        <p:nvGrpSpPr>
+          <p:cNvPr id="17" name="群組 16">
+            <a:extLst>
+              <a:ext uri="{FF2B5EF4-FFF2-40B4-BE49-F238E27FC236}">
+                <a16:creationId xmlns:a16="http://schemas.microsoft.com/office/drawing/2014/main" id="{62E77058-6A53-4774-ABF1-1776E40E4657}"/>
+              </a:ext>
+            </a:extLst>
+          </p:cNvPr>
+          <p:cNvGrpSpPr/>
+          <p:nvPr/>
+        </p:nvGrpSpPr>
+        <p:grpSpPr>
+          <a:xfrm>
+            <a:off x="990600" y="891152"/>
+            <a:ext cx="4800600" cy="1981200"/>
+            <a:chOff x="2743200" y="4076700"/>
+            <a:chExt cx="4800600" cy="1981200"/>
+          </a:xfrm>
+        </p:grpSpPr>
+        <p:sp>
+          <p:nvSpPr>
+            <p:cNvPr id="16" name="矩形 15">
+              <a:extLst>
+                <a:ext uri="{FF2B5EF4-FFF2-40B4-BE49-F238E27FC236}">
+                  <a16:creationId xmlns:a16="http://schemas.microsoft.com/office/drawing/2014/main" id="{D51D3F79-D39A-47A5-A588-1D57CE1FFBF6}"/>
+                </a:ext>
+              </a:extLst>
+            </p:cNvPr>
+            <p:cNvSpPr/>
+            <p:nvPr/>
+          </p:nvSpPr>
+          <p:spPr>
+            <a:xfrm>
+              <a:off x="2971800" y="4229100"/>
+              <a:ext cx="4572000" cy="1828800"/>
+            </a:xfrm>
+            <a:prstGeom prst="rect">
+              <a:avLst/>
+            </a:prstGeom>
+            <a:solidFill>
+              <a:schemeClr val="tx2">
+                <a:lumMod val="50000"/>
+              </a:schemeClr>
+            </a:solidFill>
+            <a:ln>
+              <a:noFill/>
+            </a:ln>
+          </p:spPr>
+          <p:style>
+            <a:lnRef idx="2">
+              <a:schemeClr val="accent1">
+                <a:shade val="50000"/>
+              </a:schemeClr>
+            </a:lnRef>
+            <a:fillRef idx="1">
+              <a:schemeClr val="accent1"/>
+            </a:fillRef>
+            <a:effectRef idx="0">
+              <a:schemeClr val="accent1"/>
+            </a:effectRef>
+            <a:fontRef idx="minor">
+              <a:schemeClr val="lt1"/>
+            </a:fontRef>
+          </p:style>
+          <p:txBody>
+            <a:bodyPr rtlCol="0" anchor="ctr"/>
+            <a:lstStyle/>
+            <a:p>
+              <a:pPr algn="ctr"/>
+              <a:endParaRPr lang="zh-TW" altLang="en-US"/>
+            </a:p>
+          </p:txBody>
+        </p:sp>
+        <p:sp>
+          <p:nvSpPr>
+            <p:cNvPr id="15" name="矩形 14">
+              <a:extLst>
+                <a:ext uri="{FF2B5EF4-FFF2-40B4-BE49-F238E27FC236}">
+                  <a16:creationId xmlns:a16="http://schemas.microsoft.com/office/drawing/2014/main" id="{67B8A7B0-E03A-4CD1-9FFB-8351287F482D}"/>
+                </a:ext>
+              </a:extLst>
+            </p:cNvPr>
+            <p:cNvSpPr/>
+            <p:nvPr/>
+          </p:nvSpPr>
+          <p:spPr>
+            <a:xfrm>
+              <a:off x="2743200" y="4076700"/>
+              <a:ext cx="4648200" cy="1828800"/>
+            </a:xfrm>
+            <a:prstGeom prst="rect">
+              <a:avLst/>
+            </a:prstGeom>
+            <a:solidFill>
+              <a:schemeClr val="accent1">
+                <a:lumMod val="40000"/>
+                <a:lumOff val="60000"/>
+              </a:schemeClr>
+            </a:solidFill>
+            <a:ln>
+              <a:noFill/>
+            </a:ln>
+          </p:spPr>
+          <p:style>
+            <a:lnRef idx="2">
+              <a:schemeClr val="accent1">
+                <a:shade val="50000"/>
+              </a:schemeClr>
+            </a:lnRef>
+            <a:fillRef idx="1">
+              <a:schemeClr val="accent1"/>
+            </a:fillRef>
+            <a:effectRef idx="0">
+              <a:schemeClr val="accent1"/>
+            </a:effectRef>
+            <a:fontRef idx="minor">
+              <a:schemeClr val="lt1"/>
+            </a:fontRef>
+          </p:style>
+          <p:txBody>
+            <a:bodyPr rtlCol="0" anchor="ctr"/>
+            <a:lstStyle/>
+            <a:p>
+              <a:pPr algn="ctr"/>
+              <a:endParaRPr lang="zh-TW" altLang="en-US"/>
+            </a:p>
+          </p:txBody>
+        </p:sp>
+      </p:grpSp>
+      <p:sp>
+        <p:nvSpPr>
+          <p:cNvPr id="14" name="文字方塊 13">
+            <a:extLst>
+              <a:ext uri="{FF2B5EF4-FFF2-40B4-BE49-F238E27FC236}">
+                <a16:creationId xmlns:a16="http://schemas.microsoft.com/office/drawing/2014/main" id="{D2A56890-80C0-486E-95C1-AFBA7315BA0A}"/>
+              </a:ext>
+            </a:extLst>
+          </p:cNvPr>
+          <p:cNvSpPr txBox="1"/>
+          <p:nvPr/>
+        </p:nvSpPr>
+        <p:spPr>
+          <a:xfrm>
+            <a:off x="1828800" y="1257300"/>
+            <a:ext cx="4800600" cy="1015663"/>
+          </a:xfrm>
+          <a:prstGeom prst="rect">
+            <a:avLst/>
+          </a:prstGeom>
+          <a:noFill/>
+        </p:spPr>
+        <p:txBody>
+          <a:bodyPr wrap="square" rtlCol="0">
+            <a:spAutoFit/>
+          </a:bodyPr>
+          <a:lstStyle/>
+          <a:p>
+            <a:r>
+              <a:rPr lang="en-US" altLang="zh-TW" sz="6000" dirty="0">
+                <a:latin typeface="王漢宗細圓體繁" panose="02020300000000000000" pitchFamily="18" charset="-120"/>
+                <a:ea typeface="王漢宗細圓體繁" panose="02020300000000000000" pitchFamily="18" charset="-120"/>
+              </a:rPr>
+              <a:t>If</a:t>
+            </a:r>
+            <a:r>
+              <a:rPr lang="zh-TW" altLang="en-US" sz="6000" dirty="0">
+                <a:latin typeface="王漢宗細圓體繁" panose="02020300000000000000" pitchFamily="18" charset="-120"/>
+                <a:ea typeface="王漢宗細圓體繁" panose="02020300000000000000" pitchFamily="18" charset="-120"/>
+              </a:rPr>
+              <a:t>判斷式</a:t>
+            </a:r>
+          </a:p>
+        </p:txBody>
+      </p:sp>
+      <p:sp>
+        <p:nvSpPr>
+          <p:cNvPr id="20" name="文字方塊 19">
+            <a:extLst>
+              <a:ext uri="{FF2B5EF4-FFF2-40B4-BE49-F238E27FC236}">
+                <a16:creationId xmlns:a16="http://schemas.microsoft.com/office/drawing/2014/main" id="{A3FCD84C-9907-447E-9177-CDBBCDFBB06A}"/>
+              </a:ext>
+            </a:extLst>
+          </p:cNvPr>
+          <p:cNvSpPr txBox="1"/>
+          <p:nvPr/>
+        </p:nvSpPr>
+        <p:spPr>
+          <a:xfrm>
+            <a:off x="7179708" y="2089231"/>
+            <a:ext cx="11578590" cy="3785652"/>
+          </a:xfrm>
+          <a:prstGeom prst="rect">
+            <a:avLst/>
+          </a:prstGeom>
+          <a:noFill/>
+        </p:spPr>
+        <p:txBody>
+          <a:bodyPr wrap="square">
+            <a:spAutoFit/>
+          </a:bodyPr>
+          <a:lstStyle/>
+          <a:p>
+            <a:r>
+              <a:rPr lang="en-US" altLang="zh-TW" sz="4000" dirty="0">
+                <a:latin typeface="微軟正黑體" panose="020B0604030504040204" pitchFamily="34" charset="-120"/>
+                <a:ea typeface="微軟正黑體" panose="020B0604030504040204" pitchFamily="34" charset="-120"/>
+              </a:rPr>
+              <a:t>If(True){</a:t>
+            </a:r>
+          </a:p>
+          <a:p>
+            <a:r>
+              <a:rPr lang="en-US" altLang="zh-TW" sz="4000" dirty="0">
+                <a:latin typeface="微軟正黑體" panose="020B0604030504040204" pitchFamily="34" charset="-120"/>
+                <a:ea typeface="微軟正黑體" panose="020B0604030504040204" pitchFamily="34" charset="-120"/>
+              </a:rPr>
+              <a:t>A</a:t>
+            </a:r>
+          </a:p>
+          <a:p>
+            <a:r>
+              <a:rPr lang="en-US" altLang="zh-TW" sz="4000" dirty="0">
+                <a:latin typeface="微軟正黑體" panose="020B0604030504040204" pitchFamily="34" charset="-120"/>
+                <a:ea typeface="微軟正黑體" panose="020B0604030504040204" pitchFamily="34" charset="-120"/>
+              </a:rPr>
+              <a:t>}else{</a:t>
+            </a:r>
+          </a:p>
+          <a:p>
+            <a:r>
+              <a:rPr lang="en-US" altLang="zh-TW" sz="4000" dirty="0">
+                <a:latin typeface="微軟正黑體" panose="020B0604030504040204" pitchFamily="34" charset="-120"/>
+                <a:ea typeface="微軟正黑體" panose="020B0604030504040204" pitchFamily="34" charset="-120"/>
+              </a:rPr>
+              <a:t>B</a:t>
+            </a:r>
+          </a:p>
+          <a:p>
+            <a:r>
+              <a:rPr lang="en-US" altLang="zh-TW" sz="4000" dirty="0">
+                <a:latin typeface="微軟正黑體" panose="020B0604030504040204" pitchFamily="34" charset="-120"/>
+                <a:ea typeface="微軟正黑體" panose="020B0604030504040204" pitchFamily="34" charset="-120"/>
+              </a:rPr>
+              <a:t>}</a:t>
+            </a:r>
+          </a:p>
+          <a:p>
+            <a:r>
+              <a:rPr lang="zh-TW" altLang="en-US" sz="4000" dirty="0">
+                <a:latin typeface="微軟正黑體" panose="020B0604030504040204" pitchFamily="34" charset="-120"/>
+                <a:ea typeface="微軟正黑體" panose="020B0604030504040204" pitchFamily="34" charset="-120"/>
+              </a:rPr>
+              <a:t>執行</a:t>
+            </a:r>
+            <a:r>
+              <a:rPr lang="en-US" altLang="zh-TW" sz="4000" dirty="0">
+                <a:latin typeface="微軟正黑體" panose="020B0604030504040204" pitchFamily="34" charset="-120"/>
+                <a:ea typeface="微軟正黑體" panose="020B0604030504040204" pitchFamily="34" charset="-120"/>
+              </a:rPr>
+              <a:t>=&gt;A</a:t>
+            </a:r>
+          </a:p>
+        </p:txBody>
+      </p:sp>
+      <p:pic>
+        <p:nvPicPr>
+          <p:cNvPr id="21" name="圖片 20">
+            <a:extLst>
+              <a:ext uri="{FF2B5EF4-FFF2-40B4-BE49-F238E27FC236}">
+                <a16:creationId xmlns:a16="http://schemas.microsoft.com/office/drawing/2014/main" id="{3B018F0D-BBBC-41AB-9294-030120D97931}"/>
+              </a:ext>
+            </a:extLst>
+          </p:cNvPr>
+          <p:cNvPicPr>
+            <a:picLocks noChangeAspect="1"/>
+          </p:cNvPicPr>
+          <p:nvPr/>
+        </p:nvPicPr>
+        <p:blipFill>
+          <a:blip r:embed="rId3"/>
+          <a:stretch>
+            <a:fillRect/>
+          </a:stretch>
+        </p:blipFill>
+        <p:spPr>
+          <a:xfrm>
+            <a:off x="13959603" y="-206258"/>
+            <a:ext cx="5456393" cy="4188315"/>
+          </a:xfrm>
+          <a:prstGeom prst="rect">
+            <a:avLst/>
+          </a:prstGeom>
+        </p:spPr>
+      </p:pic>
+      <p:pic>
+        <p:nvPicPr>
+          <p:cNvPr id="22" name="圖片 21">
+            <a:extLst>
+              <a:ext uri="{FF2B5EF4-FFF2-40B4-BE49-F238E27FC236}">
+                <a16:creationId xmlns:a16="http://schemas.microsoft.com/office/drawing/2014/main" id="{3A8495FA-920D-47E2-90E8-BAE805DD692C}"/>
+              </a:ext>
+            </a:extLst>
+          </p:cNvPr>
+          <p:cNvPicPr>
+            <a:picLocks noChangeAspect="1"/>
+          </p:cNvPicPr>
+          <p:nvPr/>
+        </p:nvPicPr>
+        <p:blipFill>
+          <a:blip r:embed="rId4"/>
+          <a:stretch>
+            <a:fillRect/>
+          </a:stretch>
+        </p:blipFill>
+        <p:spPr>
+          <a:xfrm>
+            <a:off x="-2008886" y="6438900"/>
+            <a:ext cx="5846571" cy="4895512"/>
+          </a:xfrm>
+          <a:prstGeom prst="rect">
+            <a:avLst/>
+          </a:prstGeom>
+        </p:spPr>
+      </p:pic>
+      <p:sp>
+        <p:nvSpPr>
+          <p:cNvPr id="10" name="內容版面配置區 2">
+            <a:extLst>
+              <a:ext uri="{FF2B5EF4-FFF2-40B4-BE49-F238E27FC236}">
+                <a16:creationId xmlns:a16="http://schemas.microsoft.com/office/drawing/2014/main" id="{DE35C04F-8C73-4E56-92F6-501F7ACBC14D}"/>
+              </a:ext>
+            </a:extLst>
+          </p:cNvPr>
+          <p:cNvSpPr txBox="1">
+            <a:spLocks/>
+          </p:cNvSpPr>
+          <p:nvPr/>
+        </p:nvSpPr>
+        <p:spPr>
+          <a:xfrm>
+            <a:off x="10779268" y="2144943"/>
+            <a:ext cx="3698732" cy="6815720"/>
+          </a:xfrm>
+          <a:prstGeom prst="rect">
+            <a:avLst/>
+          </a:prstGeom>
+        </p:spPr>
+        <p:txBody>
+          <a:bodyPr vert="horz" lIns="91440" tIns="45720" rIns="91440" bIns="45720" rtlCol="0">
+            <a:normAutofit/>
+          </a:bodyPr>
+          <a:lstStyle>
+            <a:lvl1pPr marL="228600" indent="-228600" algn="l" defTabSz="914400" rtl="0" eaLnBrk="1" latinLnBrk="0" hangingPunct="1">
+              <a:lnSpc>
+                <a:spcPct val="90000"/>
+              </a:lnSpc>
+              <a:spcBef>
+                <a:spcPts val="1000"/>
+              </a:spcBef>
+              <a:buFont typeface="Arial" panose="020B0604020202020204" pitchFamily="34" charset="0"/>
+              <a:buChar char="•"/>
+              <a:defRPr sz="2800" kern="1200">
+                <a:solidFill>
+                  <a:schemeClr val="tx1"/>
+                </a:solidFill>
+                <a:latin typeface="+mn-lt"/>
+                <a:ea typeface="+mn-ea"/>
+                <a:cs typeface="+mn-cs"/>
+              </a:defRPr>
+            </a:lvl1pPr>
+            <a:lvl2pPr marL="685800" indent="-228600" algn="l" defTabSz="914400" rtl="0" eaLnBrk="1" latinLnBrk="0" hangingPunct="1">
+              <a:lnSpc>
+                <a:spcPct val="90000"/>
+              </a:lnSpc>
+              <a:spcBef>
+                <a:spcPts val="500"/>
+              </a:spcBef>
+              <a:buFont typeface="Arial" panose="020B0604020202020204" pitchFamily="34" charset="0"/>
+              <a:buChar char="•"/>
+              <a:defRPr sz="2400" kern="1200">
+                <a:solidFill>
+                  <a:schemeClr val="tx1"/>
+                </a:solidFill>
+                <a:latin typeface="+mn-lt"/>
+                <a:ea typeface="+mn-ea"/>
+                <a:cs typeface="+mn-cs"/>
+              </a:defRPr>
+            </a:lvl2pPr>
+            <a:lvl3pPr marL="1143000" indent="-228600" algn="l" defTabSz="914400" rtl="0" eaLnBrk="1" latinLnBrk="0" hangingPunct="1">
+              <a:lnSpc>
+                <a:spcPct val="90000"/>
+              </a:lnSpc>
+              <a:spcBef>
+                <a:spcPts val="500"/>
+              </a:spcBef>
+              <a:buFont typeface="Arial" panose="020B0604020202020204" pitchFamily="34" charset="0"/>
+              <a:buChar char="•"/>
+              <a:defRPr sz="2000" kern="1200">
+                <a:solidFill>
+                  <a:schemeClr val="tx1"/>
+                </a:solidFill>
+                <a:latin typeface="+mn-lt"/>
+                <a:ea typeface="+mn-ea"/>
+                <a:cs typeface="+mn-cs"/>
+              </a:defRPr>
+            </a:lvl3pPr>
+            <a:lvl4pPr marL="1600200" indent="-228600" algn="l" defTabSz="914400" rtl="0" eaLnBrk="1" latinLnBrk="0" hangingPunct="1">
+              <a:lnSpc>
+                <a:spcPct val="90000"/>
+              </a:lnSpc>
+              <a:spcBef>
+                <a:spcPts val="500"/>
+              </a:spcBef>
+              <a:buFont typeface="Arial" panose="020B0604020202020204" pitchFamily="34" charset="0"/>
+              <a:buChar char="•"/>
+              <a:defRPr sz="1800" kern="1200">
+                <a:solidFill>
+                  <a:schemeClr val="tx1"/>
+                </a:solidFill>
+                <a:latin typeface="+mn-lt"/>
+                <a:ea typeface="+mn-ea"/>
+                <a:cs typeface="+mn-cs"/>
+              </a:defRPr>
+            </a:lvl4pPr>
+            <a:lvl5pPr marL="2057400" indent="-228600" algn="l" defTabSz="914400" rtl="0" eaLnBrk="1" latinLnBrk="0" hangingPunct="1">
+              <a:lnSpc>
+                <a:spcPct val="90000"/>
+              </a:lnSpc>
+              <a:spcBef>
+                <a:spcPts val="500"/>
+              </a:spcBef>
+              <a:buFont typeface="Arial" panose="020B0604020202020204" pitchFamily="34" charset="0"/>
+              <a:buChar char="•"/>
+              <a:defRPr sz="1800" kern="1200">
+                <a:solidFill>
+                  <a:schemeClr val="tx1"/>
+                </a:solidFill>
+                <a:latin typeface="+mn-lt"/>
+                <a:ea typeface="+mn-ea"/>
+                <a:cs typeface="+mn-cs"/>
+              </a:defRPr>
+            </a:lvl5pPr>
+            <a:lvl6pPr marL="2514600" indent="-228600" algn="l" defTabSz="914400" rtl="0" eaLnBrk="1" latinLnBrk="0" hangingPunct="1">
+              <a:lnSpc>
+                <a:spcPct val="90000"/>
+              </a:lnSpc>
+              <a:spcBef>
+                <a:spcPts val="500"/>
+              </a:spcBef>
+              <a:buFont typeface="Arial" panose="020B0604020202020204" pitchFamily="34" charset="0"/>
+              <a:buChar char="•"/>
+              <a:defRPr sz="1800" kern="1200">
+                <a:solidFill>
+                  <a:schemeClr val="tx1"/>
+                </a:solidFill>
+                <a:latin typeface="+mn-lt"/>
+                <a:ea typeface="+mn-ea"/>
+                <a:cs typeface="+mn-cs"/>
+              </a:defRPr>
+            </a:lvl6pPr>
+            <a:lvl7pPr marL="2971800" indent="-228600" algn="l" defTabSz="914400" rtl="0" eaLnBrk="1" latinLnBrk="0" hangingPunct="1">
+              <a:lnSpc>
+                <a:spcPct val="90000"/>
+              </a:lnSpc>
+              <a:spcBef>
+                <a:spcPts val="500"/>
+              </a:spcBef>
+              <a:buFont typeface="Arial" panose="020B0604020202020204" pitchFamily="34" charset="0"/>
+              <a:buChar char="•"/>
+              <a:defRPr sz="1800" kern="1200">
+                <a:solidFill>
+                  <a:schemeClr val="tx1"/>
+                </a:solidFill>
+                <a:latin typeface="+mn-lt"/>
+                <a:ea typeface="+mn-ea"/>
+                <a:cs typeface="+mn-cs"/>
+              </a:defRPr>
+            </a:lvl7pPr>
+            <a:lvl8pPr marL="3429000" indent="-228600" algn="l" defTabSz="914400" rtl="0" eaLnBrk="1" latinLnBrk="0" hangingPunct="1">
+              <a:lnSpc>
+                <a:spcPct val="90000"/>
+              </a:lnSpc>
+              <a:spcBef>
+                <a:spcPts val="500"/>
+              </a:spcBef>
+              <a:buFont typeface="Arial" panose="020B0604020202020204" pitchFamily="34" charset="0"/>
+              <a:buChar char="•"/>
+              <a:defRPr sz="1800" kern="1200">
+                <a:solidFill>
+                  <a:schemeClr val="tx1"/>
+                </a:solidFill>
+                <a:latin typeface="+mn-lt"/>
+                <a:ea typeface="+mn-ea"/>
+                <a:cs typeface="+mn-cs"/>
+              </a:defRPr>
+            </a:lvl8pPr>
+            <a:lvl9pPr marL="3886200" indent="-228600" algn="l" defTabSz="914400" rtl="0" eaLnBrk="1" latinLnBrk="0" hangingPunct="1">
+              <a:lnSpc>
+                <a:spcPct val="90000"/>
+              </a:lnSpc>
+              <a:spcBef>
+                <a:spcPts val="500"/>
+              </a:spcBef>
+              <a:buFont typeface="Arial" panose="020B0604020202020204" pitchFamily="34" charset="0"/>
+              <a:buChar char="•"/>
+              <a:defRPr sz="1800" kern="1200">
+                <a:solidFill>
+                  <a:schemeClr val="tx1"/>
+                </a:solidFill>
+                <a:latin typeface="+mn-lt"/>
+                <a:ea typeface="+mn-ea"/>
+                <a:cs typeface="+mn-cs"/>
+              </a:defRPr>
+            </a:lvl9pPr>
+          </a:lstStyle>
+          <a:p>
+            <a:pPr marL="0" marR="0" lvl="0" indent="0" algn="l" defTabSz="914400" rtl="0" eaLnBrk="1" fontAlgn="auto" latinLnBrk="0" hangingPunct="1">
+              <a:lnSpc>
+                <a:spcPct val="90000"/>
+              </a:lnSpc>
+              <a:spcBef>
+                <a:spcPts val="1000"/>
+              </a:spcBef>
+              <a:spcAft>
+                <a:spcPts val="0"/>
+              </a:spcAft>
+              <a:buClrTx/>
+              <a:buSzTx/>
+              <a:buFont typeface="Arial" panose="020B0604020202020204" pitchFamily="34" charset="0"/>
+              <a:buNone/>
+              <a:tabLst/>
+              <a:defRPr/>
+            </a:pPr>
+            <a:r>
+              <a:rPr kumimoji="0" lang="en-US" altLang="zh-TW" sz="4000" b="0" i="0" u="none" strike="noStrike" kern="1200" cap="none" spc="0" normalizeH="0" baseline="0" noProof="0" dirty="0">
+                <a:ln>
+                  <a:noFill/>
+                </a:ln>
+                <a:solidFill>
+                  <a:prstClr val="black"/>
+                </a:solidFill>
+                <a:effectLst/>
+                <a:uLnTx/>
+                <a:uFillTx/>
+                <a:latin typeface="微軟正黑體" panose="020B0604030504040204" pitchFamily="34" charset="-120"/>
+                <a:ea typeface="微軟正黑體" panose="020B0604030504040204" pitchFamily="34" charset="-120"/>
+              </a:rPr>
+              <a:t>If(False){</a:t>
+            </a:r>
+          </a:p>
+          <a:p>
+            <a:pPr marL="457200" marR="0" lvl="1" indent="0" algn="l" defTabSz="914400" rtl="0" eaLnBrk="1" fontAlgn="auto" latinLnBrk="0" hangingPunct="1">
+              <a:lnSpc>
+                <a:spcPct val="90000"/>
+              </a:lnSpc>
+              <a:spcBef>
+                <a:spcPts val="500"/>
+              </a:spcBef>
+              <a:spcAft>
+                <a:spcPts val="0"/>
+              </a:spcAft>
+              <a:buClrTx/>
+              <a:buSzTx/>
+              <a:buFont typeface="Arial" panose="020B0604020202020204" pitchFamily="34" charset="0"/>
+              <a:buNone/>
+              <a:tabLst/>
+              <a:defRPr/>
+            </a:pPr>
+            <a:r>
+              <a:rPr kumimoji="0" lang="en-US" altLang="zh-TW" sz="4000" b="0" i="0" u="none" strike="noStrike" kern="1200" cap="none" spc="0" normalizeH="0" baseline="0" noProof="0" dirty="0">
+                <a:ln>
+                  <a:noFill/>
+                </a:ln>
+                <a:solidFill>
+                  <a:prstClr val="black"/>
+                </a:solidFill>
+                <a:effectLst/>
+                <a:uLnTx/>
+                <a:uFillTx/>
+                <a:latin typeface="微軟正黑體" panose="020B0604030504040204" pitchFamily="34" charset="-120"/>
+                <a:ea typeface="微軟正黑體" panose="020B0604030504040204" pitchFamily="34" charset="-120"/>
+              </a:rPr>
+              <a:t>A</a:t>
+            </a:r>
+          </a:p>
+          <a:p>
+            <a:pPr marL="0" marR="0" lvl="0" indent="0" algn="l" defTabSz="914400" rtl="0" eaLnBrk="1" fontAlgn="auto" latinLnBrk="0" hangingPunct="1">
+              <a:lnSpc>
+                <a:spcPct val="90000"/>
+              </a:lnSpc>
+              <a:spcBef>
+                <a:spcPts val="1000"/>
+              </a:spcBef>
+              <a:spcAft>
+                <a:spcPts val="0"/>
+              </a:spcAft>
+              <a:buClrTx/>
+              <a:buSzTx/>
+              <a:buFont typeface="Arial" panose="020B0604020202020204" pitchFamily="34" charset="0"/>
+              <a:buNone/>
+              <a:tabLst/>
+              <a:defRPr/>
+            </a:pPr>
+            <a:r>
+              <a:rPr kumimoji="0" lang="en-US" altLang="zh-TW" sz="4000" b="0" i="0" u="none" strike="noStrike" kern="1200" cap="none" spc="0" normalizeH="0" baseline="0" noProof="0" dirty="0">
+                <a:ln>
+                  <a:noFill/>
+                </a:ln>
+                <a:solidFill>
+                  <a:prstClr val="black"/>
+                </a:solidFill>
+                <a:effectLst/>
+                <a:uLnTx/>
+                <a:uFillTx/>
+                <a:latin typeface="微軟正黑體" panose="020B0604030504040204" pitchFamily="34" charset="-120"/>
+                <a:ea typeface="微軟正黑體" panose="020B0604030504040204" pitchFamily="34" charset="-120"/>
+              </a:rPr>
+              <a:t>}</a:t>
+            </a:r>
+            <a:r>
+              <a:rPr kumimoji="0" lang="en-US" altLang="zh-TW" sz="4000" b="0" i="0" u="none" strike="noStrike" kern="1200" cap="none" spc="0" normalizeH="0" baseline="0" noProof="0" dirty="0" err="1">
+                <a:ln>
+                  <a:noFill/>
+                </a:ln>
+                <a:solidFill>
+                  <a:prstClr val="black"/>
+                </a:solidFill>
+                <a:effectLst/>
+                <a:uLnTx/>
+                <a:uFillTx/>
+                <a:latin typeface="微軟正黑體" panose="020B0604030504040204" pitchFamily="34" charset="-120"/>
+                <a:ea typeface="微軟正黑體" panose="020B0604030504040204" pitchFamily="34" charset="-120"/>
+              </a:rPr>
+              <a:t>elseif</a:t>
+            </a:r>
+            <a:r>
+              <a:rPr kumimoji="0" lang="en-US" altLang="zh-TW" sz="4000" b="0" i="0" u="none" strike="noStrike" kern="1200" cap="none" spc="0" normalizeH="0" baseline="0" noProof="0" dirty="0">
+                <a:ln>
+                  <a:noFill/>
+                </a:ln>
+                <a:solidFill>
+                  <a:prstClr val="black"/>
+                </a:solidFill>
+                <a:effectLst/>
+                <a:uLnTx/>
+                <a:uFillTx/>
+                <a:latin typeface="微軟正黑體" panose="020B0604030504040204" pitchFamily="34" charset="-120"/>
+                <a:ea typeface="微軟正黑體" panose="020B0604030504040204" pitchFamily="34" charset="-120"/>
+              </a:rPr>
+              <a:t>(True){</a:t>
+            </a:r>
+          </a:p>
+          <a:p>
+            <a:pPr marL="457200" marR="0" lvl="1" indent="0" algn="l" defTabSz="914400" rtl="0" eaLnBrk="1" fontAlgn="auto" latinLnBrk="0" hangingPunct="1">
+              <a:lnSpc>
+                <a:spcPct val="90000"/>
+              </a:lnSpc>
+              <a:spcBef>
+                <a:spcPts val="500"/>
+              </a:spcBef>
+              <a:spcAft>
+                <a:spcPts val="0"/>
+              </a:spcAft>
+              <a:buClrTx/>
+              <a:buSzTx/>
+              <a:buFont typeface="Arial" panose="020B0604020202020204" pitchFamily="34" charset="0"/>
+              <a:buNone/>
+              <a:tabLst/>
+              <a:defRPr/>
+            </a:pPr>
+            <a:r>
+              <a:rPr kumimoji="0" lang="en-US" altLang="zh-TW" sz="4000" b="0" i="0" u="none" strike="noStrike" kern="1200" cap="none" spc="0" normalizeH="0" baseline="0" noProof="0" dirty="0">
+                <a:ln>
+                  <a:noFill/>
+                </a:ln>
+                <a:solidFill>
+                  <a:prstClr val="black"/>
+                </a:solidFill>
+                <a:effectLst/>
+                <a:uLnTx/>
+                <a:uFillTx/>
+                <a:latin typeface="微軟正黑體" panose="020B0604030504040204" pitchFamily="34" charset="-120"/>
+                <a:ea typeface="微軟正黑體" panose="020B0604030504040204" pitchFamily="34" charset="-120"/>
+              </a:rPr>
+              <a:t>B</a:t>
+            </a:r>
+          </a:p>
+          <a:p>
+            <a:pPr marL="0" marR="0" lvl="0" indent="0" algn="l" defTabSz="914400" rtl="0" eaLnBrk="1" fontAlgn="auto" latinLnBrk="0" hangingPunct="1">
+              <a:lnSpc>
+                <a:spcPct val="90000"/>
+              </a:lnSpc>
+              <a:spcBef>
+                <a:spcPts val="1000"/>
+              </a:spcBef>
+              <a:spcAft>
+                <a:spcPts val="0"/>
+              </a:spcAft>
+              <a:buClrTx/>
+              <a:buSzTx/>
+              <a:buFont typeface="Arial" panose="020B0604020202020204" pitchFamily="34" charset="0"/>
+              <a:buNone/>
+              <a:tabLst/>
+              <a:defRPr/>
+            </a:pPr>
+            <a:r>
+              <a:rPr kumimoji="0" lang="en-US" altLang="zh-TW" sz="4000" b="0" i="0" u="none" strike="noStrike" kern="1200" cap="none" spc="0" normalizeH="0" baseline="0" noProof="0" dirty="0">
+                <a:ln>
+                  <a:noFill/>
+                </a:ln>
+                <a:solidFill>
+                  <a:prstClr val="black"/>
+                </a:solidFill>
+                <a:effectLst/>
+                <a:uLnTx/>
+                <a:uFillTx/>
+                <a:latin typeface="微軟正黑體" panose="020B0604030504040204" pitchFamily="34" charset="-120"/>
+                <a:ea typeface="微軟正黑體" panose="020B0604030504040204" pitchFamily="34" charset="-120"/>
+              </a:rPr>
+              <a:t>}else{</a:t>
+            </a:r>
+          </a:p>
+          <a:p>
+            <a:pPr marL="457200" marR="0" lvl="1" indent="0" algn="l" defTabSz="914400" rtl="0" eaLnBrk="1" fontAlgn="auto" latinLnBrk="0" hangingPunct="1">
+              <a:lnSpc>
+                <a:spcPct val="90000"/>
+              </a:lnSpc>
+              <a:spcBef>
+                <a:spcPts val="500"/>
+              </a:spcBef>
+              <a:spcAft>
+                <a:spcPts val="0"/>
+              </a:spcAft>
+              <a:buClrTx/>
+              <a:buSzTx/>
+              <a:buFont typeface="Arial" panose="020B0604020202020204" pitchFamily="34" charset="0"/>
+              <a:buNone/>
+              <a:tabLst/>
+              <a:defRPr/>
+            </a:pPr>
+            <a:r>
+              <a:rPr kumimoji="0" lang="en-US" altLang="zh-TW" sz="4000" b="0" i="0" u="none" strike="noStrike" kern="1200" cap="none" spc="0" normalizeH="0" baseline="0" noProof="0" dirty="0">
+                <a:ln>
+                  <a:noFill/>
+                </a:ln>
+                <a:solidFill>
+                  <a:prstClr val="black"/>
+                </a:solidFill>
+                <a:effectLst/>
+                <a:uLnTx/>
+                <a:uFillTx/>
+                <a:latin typeface="微軟正黑體" panose="020B0604030504040204" pitchFamily="34" charset="-120"/>
+                <a:ea typeface="微軟正黑體" panose="020B0604030504040204" pitchFamily="34" charset="-120"/>
+              </a:rPr>
+              <a:t>C</a:t>
+            </a:r>
+          </a:p>
+          <a:p>
+            <a:pPr marL="0" marR="0" lvl="0" indent="0" algn="l" defTabSz="914400" rtl="0" eaLnBrk="1" fontAlgn="auto" latinLnBrk="0" hangingPunct="1">
+              <a:lnSpc>
+                <a:spcPct val="90000"/>
+              </a:lnSpc>
+              <a:spcBef>
+                <a:spcPts val="1000"/>
+              </a:spcBef>
+              <a:spcAft>
+                <a:spcPts val="0"/>
+              </a:spcAft>
+              <a:buClrTx/>
+              <a:buSzTx/>
+              <a:buFont typeface="Arial" panose="020B0604020202020204" pitchFamily="34" charset="0"/>
+              <a:buNone/>
+              <a:tabLst/>
+              <a:defRPr/>
+            </a:pPr>
+            <a:r>
+              <a:rPr kumimoji="0" lang="en-US" altLang="zh-TW" sz="4000" b="0" i="0" u="none" strike="noStrike" kern="1200" cap="none" spc="0" normalizeH="0" baseline="0" noProof="0" dirty="0">
+                <a:ln>
+                  <a:noFill/>
+                </a:ln>
+                <a:solidFill>
+                  <a:prstClr val="black"/>
+                </a:solidFill>
+                <a:effectLst/>
+                <a:uLnTx/>
+                <a:uFillTx/>
+                <a:latin typeface="微軟正黑體" panose="020B0604030504040204" pitchFamily="34" charset="-120"/>
+                <a:ea typeface="微軟正黑體" panose="020B0604030504040204" pitchFamily="34" charset="-120"/>
+              </a:rPr>
+              <a:t>}</a:t>
+            </a:r>
+          </a:p>
+          <a:p>
+            <a:pPr marL="0" marR="0" lvl="0" indent="0" algn="l" defTabSz="914400" rtl="0" eaLnBrk="1" fontAlgn="auto" latinLnBrk="0" hangingPunct="1">
+              <a:lnSpc>
+                <a:spcPct val="90000"/>
+              </a:lnSpc>
+              <a:spcBef>
+                <a:spcPts val="1000"/>
+              </a:spcBef>
+              <a:spcAft>
+                <a:spcPts val="0"/>
+              </a:spcAft>
+              <a:buClrTx/>
+              <a:buSzTx/>
+              <a:buFont typeface="Arial" panose="020B0604020202020204" pitchFamily="34" charset="0"/>
+              <a:buNone/>
+              <a:tabLst/>
+              <a:defRPr/>
+            </a:pPr>
+            <a:r>
+              <a:rPr kumimoji="0" lang="zh-TW" altLang="en-US" sz="4000" b="0" i="0" u="none" strike="noStrike" kern="1200" cap="none" spc="0" normalizeH="0" baseline="0" noProof="0" dirty="0">
+                <a:ln>
+                  <a:noFill/>
+                </a:ln>
+                <a:solidFill>
+                  <a:prstClr val="black"/>
+                </a:solidFill>
+                <a:effectLst/>
+                <a:uLnTx/>
+                <a:uFillTx/>
+                <a:latin typeface="微軟正黑體" panose="020B0604030504040204" pitchFamily="34" charset="-120"/>
+                <a:ea typeface="微軟正黑體" panose="020B0604030504040204" pitchFamily="34" charset="-120"/>
+              </a:rPr>
+              <a:t>執行</a:t>
+            </a:r>
+            <a:r>
+              <a:rPr kumimoji="0" lang="en-US" altLang="zh-TW" sz="4000" b="0" i="0" u="none" strike="noStrike" kern="1200" cap="none" spc="0" normalizeH="0" baseline="0" noProof="0" dirty="0">
+                <a:ln>
+                  <a:noFill/>
+                </a:ln>
+                <a:solidFill>
+                  <a:prstClr val="black"/>
+                </a:solidFill>
+                <a:effectLst/>
+                <a:uLnTx/>
+                <a:uFillTx/>
+                <a:latin typeface="微軟正黑體" panose="020B0604030504040204" pitchFamily="34" charset="-120"/>
+                <a:ea typeface="微軟正黑體" panose="020B0604030504040204" pitchFamily="34" charset="-120"/>
+              </a:rPr>
+              <a:t>=&gt;B</a:t>
+            </a:r>
+          </a:p>
+          <a:p>
+            <a:pPr marL="228600" marR="0" lvl="0" indent="-228600" algn="l" defTabSz="914400" rtl="0" eaLnBrk="1" fontAlgn="auto" latinLnBrk="0" hangingPunct="1">
+              <a:lnSpc>
+                <a:spcPct val="90000"/>
+              </a:lnSpc>
+              <a:spcBef>
+                <a:spcPts val="1000"/>
+              </a:spcBef>
+              <a:spcAft>
+                <a:spcPts val="0"/>
+              </a:spcAft>
+              <a:buClrTx/>
+              <a:buSzTx/>
+              <a:buFont typeface="Arial" panose="020B0604020202020204" pitchFamily="34" charset="0"/>
+              <a:buChar char="•"/>
+              <a:tabLst/>
+              <a:defRPr/>
+            </a:pPr>
+            <a:endParaRPr kumimoji="0" lang="en-US" altLang="zh-TW" sz="2800" b="0" i="0" u="none" strike="noStrike" kern="1200" cap="none" spc="0" normalizeH="0" baseline="0" noProof="0" dirty="0">
+              <a:ln>
+                <a:noFill/>
+              </a:ln>
+              <a:solidFill>
+                <a:prstClr val="black"/>
+              </a:solidFill>
+              <a:effectLst/>
+              <a:uLnTx/>
+              <a:uFillTx/>
+              <a:latin typeface="Calibri" panose="020F0502020204030204"/>
+              <a:ea typeface="新細明體" panose="02020500000000000000" pitchFamily="18" charset="-120"/>
+              <a:cs typeface="+mn-cs"/>
+            </a:endParaRPr>
+          </a:p>
+          <a:p>
+            <a:pPr marL="228600" marR="0" lvl="0" indent="-228600" algn="l" defTabSz="914400" rtl="0" eaLnBrk="1" fontAlgn="auto" latinLnBrk="0" hangingPunct="1">
+              <a:lnSpc>
+                <a:spcPct val="90000"/>
+              </a:lnSpc>
+              <a:spcBef>
+                <a:spcPts val="1000"/>
+              </a:spcBef>
+              <a:spcAft>
+                <a:spcPts val="0"/>
+              </a:spcAft>
+              <a:buClrTx/>
+              <a:buSzTx/>
+              <a:buFont typeface="Arial" panose="020B0604020202020204" pitchFamily="34" charset="0"/>
+              <a:buChar char="•"/>
+              <a:tabLst/>
+              <a:defRPr/>
+            </a:pPr>
+            <a:endParaRPr kumimoji="0" lang="zh-TW" altLang="en-US" sz="2800" b="0" i="0" u="none" strike="noStrike" kern="1200" cap="none" spc="0" normalizeH="0" baseline="0" noProof="0" dirty="0">
+              <a:ln>
+                <a:noFill/>
+              </a:ln>
+              <a:solidFill>
+                <a:prstClr val="black"/>
+              </a:solidFill>
+              <a:effectLst/>
+              <a:uLnTx/>
+              <a:uFillTx/>
+              <a:latin typeface="Calibri" panose="020F0502020204030204"/>
+              <a:ea typeface="新細明體" panose="02020500000000000000" pitchFamily="18" charset="-120"/>
+              <a:cs typeface="+mn-cs"/>
+            </a:endParaRPr>
+          </a:p>
+        </p:txBody>
+      </p:sp>
+    </p:spTree>
+    <p:extLst>
+      <p:ext uri="{BB962C8B-B14F-4D97-AF65-F5344CB8AC3E}">
+        <p14:creationId xmlns:p14="http://schemas.microsoft.com/office/powerpoint/2010/main" val="3142780297"/>
+      </p:ext>
+    </p:extLst>
+  </p:cSld>
+  <p:clrMapOvr>
+    <a:masterClrMapping/>
+  </p:clrMapOvr>
+</p:sld>
+</file>
+
+<file path=ppt/slides/slide11.xml><?xml version="1.0" encoding="utf-8"?>
+<p:sld xmlns:a="http://schemas.openxmlformats.org/drawingml/2006/main" xmlns:r="http://schemas.openxmlformats.org/officeDocument/2006/relationships" xmlns:p="http://schemas.openxmlformats.org/presentationml/2006/main">
+  <p:cSld>
+    <p:spTree>
+      <p:nvGrpSpPr>
+        <p:cNvPr id="1" name=""/>
+        <p:cNvGrpSpPr/>
+        <p:nvPr/>
+      </p:nvGrpSpPr>
+      <p:grpSpPr>
+        <a:xfrm>
+          <a:off x="0" y="0"/>
+          <a:ext cx="0" cy="0"/>
+          <a:chOff x="0" y="0"/>
+          <a:chExt cx="0" cy="0"/>
+        </a:xfrm>
+      </p:grpSpPr>
+      <p:pic>
+        <p:nvPicPr>
+          <p:cNvPr id="18" name="圖片 17">
+            <a:extLst>
+              <a:ext uri="{FF2B5EF4-FFF2-40B4-BE49-F238E27FC236}">
+                <a16:creationId xmlns:a16="http://schemas.microsoft.com/office/drawing/2014/main" id="{8627585B-66C6-4EFD-860B-D1DC605D0CEB}"/>
+              </a:ext>
+            </a:extLst>
+          </p:cNvPr>
+          <p:cNvPicPr>
+            <a:picLocks noChangeAspect="1"/>
+          </p:cNvPicPr>
+          <p:nvPr/>
+        </p:nvPicPr>
+        <p:blipFill>
+          <a:blip r:embed="rId2"/>
+          <a:stretch>
+            <a:fillRect/>
+          </a:stretch>
+        </p:blipFill>
+        <p:spPr>
+          <a:xfrm>
+            <a:off x="1526388" y="1180756"/>
+            <a:ext cx="15235224" cy="7925487"/>
+          </a:xfrm>
+          <a:prstGeom prst="rect">
+            <a:avLst/>
+          </a:prstGeom>
+        </p:spPr>
+      </p:pic>
+      <p:grpSp>
+        <p:nvGrpSpPr>
+          <p:cNvPr id="17" name="群組 16">
+            <a:extLst>
+              <a:ext uri="{FF2B5EF4-FFF2-40B4-BE49-F238E27FC236}">
+                <a16:creationId xmlns:a16="http://schemas.microsoft.com/office/drawing/2014/main" id="{62E77058-6A53-4774-ABF1-1776E40E4657}"/>
+              </a:ext>
+            </a:extLst>
+          </p:cNvPr>
+          <p:cNvGrpSpPr/>
+          <p:nvPr/>
+        </p:nvGrpSpPr>
+        <p:grpSpPr>
+          <a:xfrm>
+            <a:off x="990600" y="891152"/>
+            <a:ext cx="4800600" cy="1981200"/>
+            <a:chOff x="2743200" y="4076700"/>
+            <a:chExt cx="4800600" cy="1981200"/>
+          </a:xfrm>
+        </p:grpSpPr>
+        <p:sp>
+          <p:nvSpPr>
+            <p:cNvPr id="16" name="矩形 15">
+              <a:extLst>
+                <a:ext uri="{FF2B5EF4-FFF2-40B4-BE49-F238E27FC236}">
+                  <a16:creationId xmlns:a16="http://schemas.microsoft.com/office/drawing/2014/main" id="{D51D3F79-D39A-47A5-A588-1D57CE1FFBF6}"/>
+                </a:ext>
+              </a:extLst>
+            </p:cNvPr>
+            <p:cNvSpPr/>
+            <p:nvPr/>
+          </p:nvSpPr>
+          <p:spPr>
+            <a:xfrm>
+              <a:off x="2971800" y="4229100"/>
+              <a:ext cx="4572000" cy="1828800"/>
+            </a:xfrm>
+            <a:prstGeom prst="rect">
+              <a:avLst/>
+            </a:prstGeom>
+            <a:solidFill>
+              <a:schemeClr val="tx2">
+                <a:lumMod val="50000"/>
+              </a:schemeClr>
+            </a:solidFill>
+            <a:ln>
+              <a:noFill/>
+            </a:ln>
+          </p:spPr>
+          <p:style>
+            <a:lnRef idx="2">
+              <a:schemeClr val="accent1">
+                <a:shade val="50000"/>
+              </a:schemeClr>
+            </a:lnRef>
+            <a:fillRef idx="1">
+              <a:schemeClr val="accent1"/>
+            </a:fillRef>
+            <a:effectRef idx="0">
+              <a:schemeClr val="accent1"/>
+            </a:effectRef>
+            <a:fontRef idx="minor">
+              <a:schemeClr val="lt1"/>
+            </a:fontRef>
+          </p:style>
+          <p:txBody>
+            <a:bodyPr rtlCol="0" anchor="ctr"/>
+            <a:lstStyle/>
+            <a:p>
+              <a:pPr algn="ctr"/>
+              <a:endParaRPr lang="zh-TW" altLang="en-US"/>
+            </a:p>
+          </p:txBody>
+        </p:sp>
+        <p:sp>
+          <p:nvSpPr>
+            <p:cNvPr id="15" name="矩形 14">
+              <a:extLst>
+                <a:ext uri="{FF2B5EF4-FFF2-40B4-BE49-F238E27FC236}">
+                  <a16:creationId xmlns:a16="http://schemas.microsoft.com/office/drawing/2014/main" id="{67B8A7B0-E03A-4CD1-9FFB-8351287F482D}"/>
+                </a:ext>
+              </a:extLst>
+            </p:cNvPr>
+            <p:cNvSpPr/>
+            <p:nvPr/>
+          </p:nvSpPr>
+          <p:spPr>
+            <a:xfrm>
+              <a:off x="2743200" y="4076700"/>
+              <a:ext cx="4648200" cy="1828800"/>
+            </a:xfrm>
+            <a:prstGeom prst="rect">
+              <a:avLst/>
+            </a:prstGeom>
+            <a:solidFill>
+              <a:schemeClr val="accent1">
+                <a:lumMod val="40000"/>
+                <a:lumOff val="60000"/>
+              </a:schemeClr>
+            </a:solidFill>
+            <a:ln>
+              <a:noFill/>
+            </a:ln>
+          </p:spPr>
+          <p:style>
+            <a:lnRef idx="2">
+              <a:schemeClr val="accent1">
+                <a:shade val="50000"/>
+              </a:schemeClr>
+            </a:lnRef>
+            <a:fillRef idx="1">
+              <a:schemeClr val="accent1"/>
+            </a:fillRef>
+            <a:effectRef idx="0">
+              <a:schemeClr val="accent1"/>
+            </a:effectRef>
+            <a:fontRef idx="minor">
+              <a:schemeClr val="lt1"/>
+            </a:fontRef>
+          </p:style>
+          <p:txBody>
+            <a:bodyPr rtlCol="0" anchor="ctr"/>
+            <a:lstStyle/>
+            <a:p>
+              <a:pPr algn="ctr"/>
+              <a:endParaRPr lang="zh-TW" altLang="en-US"/>
+            </a:p>
+          </p:txBody>
+        </p:sp>
+      </p:grpSp>
+      <p:sp>
+        <p:nvSpPr>
+          <p:cNvPr id="14" name="文字方塊 13">
+            <a:extLst>
+              <a:ext uri="{FF2B5EF4-FFF2-40B4-BE49-F238E27FC236}">
+                <a16:creationId xmlns:a16="http://schemas.microsoft.com/office/drawing/2014/main" id="{D2A56890-80C0-486E-95C1-AFBA7315BA0A}"/>
+              </a:ext>
+            </a:extLst>
+          </p:cNvPr>
+          <p:cNvSpPr txBox="1"/>
+          <p:nvPr/>
+        </p:nvSpPr>
+        <p:spPr>
+          <a:xfrm>
+            <a:off x="1828800" y="1257300"/>
+            <a:ext cx="4800600" cy="1015663"/>
+          </a:xfrm>
+          <a:prstGeom prst="rect">
+            <a:avLst/>
+          </a:prstGeom>
+          <a:noFill/>
+        </p:spPr>
+        <p:txBody>
+          <a:bodyPr wrap="square" rtlCol="0">
+            <a:spAutoFit/>
+          </a:bodyPr>
+          <a:lstStyle/>
+          <a:p>
+            <a:r>
+              <a:rPr lang="zh-TW" altLang="en-US" sz="6000" dirty="0">
+                <a:latin typeface="王漢宗細圓體繁" panose="02020300000000000000" pitchFamily="18" charset="-120"/>
+                <a:ea typeface="王漢宗細圓體繁" panose="02020300000000000000" pitchFamily="18" charset="-120"/>
+              </a:rPr>
+              <a:t>隨機整數</a:t>
+            </a:r>
+          </a:p>
+        </p:txBody>
+      </p:sp>
+      <p:sp>
+        <p:nvSpPr>
+          <p:cNvPr id="20" name="文字方塊 19">
+            <a:extLst>
+              <a:ext uri="{FF2B5EF4-FFF2-40B4-BE49-F238E27FC236}">
+                <a16:creationId xmlns:a16="http://schemas.microsoft.com/office/drawing/2014/main" id="{A3FCD84C-9907-447E-9177-CDBBCDFBB06A}"/>
+              </a:ext>
+            </a:extLst>
+          </p:cNvPr>
+          <p:cNvSpPr txBox="1"/>
+          <p:nvPr/>
+        </p:nvSpPr>
+        <p:spPr>
+          <a:xfrm>
+            <a:off x="4289258" y="3765318"/>
+            <a:ext cx="11578590" cy="707886"/>
+          </a:xfrm>
+          <a:prstGeom prst="rect">
+            <a:avLst/>
+          </a:prstGeom>
+          <a:noFill/>
+        </p:spPr>
+        <p:txBody>
+          <a:bodyPr wrap="square">
+            <a:spAutoFit/>
+          </a:bodyPr>
+          <a:lstStyle/>
+          <a:p>
+            <a:r>
+              <a:rPr lang="en-US" altLang="zh-TW" sz="4000" dirty="0">
+                <a:latin typeface="微軟正黑體" panose="020B0604030504040204" pitchFamily="34" charset="-120"/>
+                <a:ea typeface="微軟正黑體" panose="020B0604030504040204" pitchFamily="34" charset="-120"/>
+              </a:rPr>
+              <a:t>rand(</a:t>
+            </a:r>
+            <a:r>
+              <a:rPr lang="zh-TW" altLang="en-US" sz="4000" dirty="0">
+                <a:latin typeface="微軟正黑體" panose="020B0604030504040204" pitchFamily="34" charset="-120"/>
+                <a:ea typeface="微軟正黑體" panose="020B0604030504040204" pitchFamily="34" charset="-120"/>
+              </a:rPr>
+              <a:t>初始值</a:t>
+            </a:r>
+            <a:r>
+              <a:rPr lang="en-US" altLang="zh-TW" sz="4000" dirty="0">
+                <a:latin typeface="微軟正黑體" panose="020B0604030504040204" pitchFamily="34" charset="-120"/>
+                <a:ea typeface="微軟正黑體" panose="020B0604030504040204" pitchFamily="34" charset="-120"/>
+              </a:rPr>
+              <a:t>,</a:t>
+            </a:r>
+            <a:r>
+              <a:rPr lang="zh-TW" altLang="en-US" sz="4000" dirty="0">
+                <a:latin typeface="微軟正黑體" panose="020B0604030504040204" pitchFamily="34" charset="-120"/>
+                <a:ea typeface="微軟正黑體" panose="020B0604030504040204" pitchFamily="34" charset="-120"/>
+              </a:rPr>
+              <a:t>終止值</a:t>
+            </a:r>
+            <a:r>
+              <a:rPr lang="en-US" altLang="zh-TW" sz="4000" dirty="0">
+                <a:latin typeface="微軟正黑體" panose="020B0604030504040204" pitchFamily="34" charset="-120"/>
+                <a:ea typeface="微軟正黑體" panose="020B0604030504040204" pitchFamily="34" charset="-120"/>
+              </a:rPr>
+              <a:t>)</a:t>
+            </a:r>
+          </a:p>
+        </p:txBody>
+      </p:sp>
+      <p:pic>
+        <p:nvPicPr>
+          <p:cNvPr id="21" name="圖片 20">
+            <a:extLst>
+              <a:ext uri="{FF2B5EF4-FFF2-40B4-BE49-F238E27FC236}">
+                <a16:creationId xmlns:a16="http://schemas.microsoft.com/office/drawing/2014/main" id="{3B018F0D-BBBC-41AB-9294-030120D97931}"/>
+              </a:ext>
+            </a:extLst>
+          </p:cNvPr>
+          <p:cNvPicPr>
+            <a:picLocks noChangeAspect="1"/>
+          </p:cNvPicPr>
+          <p:nvPr/>
+        </p:nvPicPr>
+        <p:blipFill>
+          <a:blip r:embed="rId3"/>
+          <a:stretch>
+            <a:fillRect/>
+          </a:stretch>
+        </p:blipFill>
+        <p:spPr>
+          <a:xfrm>
+            <a:off x="13959603" y="-206258"/>
+            <a:ext cx="5456393" cy="4188315"/>
+          </a:xfrm>
+          <a:prstGeom prst="rect">
+            <a:avLst/>
+          </a:prstGeom>
+        </p:spPr>
+      </p:pic>
+      <p:pic>
+        <p:nvPicPr>
+          <p:cNvPr id="22" name="圖片 21">
+            <a:extLst>
+              <a:ext uri="{FF2B5EF4-FFF2-40B4-BE49-F238E27FC236}">
+                <a16:creationId xmlns:a16="http://schemas.microsoft.com/office/drawing/2014/main" id="{3A8495FA-920D-47E2-90E8-BAE805DD692C}"/>
+              </a:ext>
+            </a:extLst>
+          </p:cNvPr>
+          <p:cNvPicPr>
+            <a:picLocks noChangeAspect="1"/>
+          </p:cNvPicPr>
+          <p:nvPr/>
+        </p:nvPicPr>
+        <p:blipFill>
+          <a:blip r:embed="rId4"/>
+          <a:stretch>
+            <a:fillRect/>
+          </a:stretch>
+        </p:blipFill>
+        <p:spPr>
+          <a:xfrm>
+            <a:off x="-2008886" y="6438900"/>
+            <a:ext cx="5846571" cy="4895512"/>
+          </a:xfrm>
+          <a:prstGeom prst="rect">
+            <a:avLst/>
+          </a:prstGeom>
+        </p:spPr>
+      </p:pic>
+    </p:spTree>
+    <p:extLst>
+      <p:ext uri="{BB962C8B-B14F-4D97-AF65-F5344CB8AC3E}">
+        <p14:creationId xmlns:p14="http://schemas.microsoft.com/office/powerpoint/2010/main" val="1514730178"/>
+      </p:ext>
+    </p:extLst>
+  </p:cSld>
+  <p:clrMapOvr>
+    <a:masterClrMapping/>
+  </p:clrMapOvr>
+</p:sld>
+</file>
+
+<file path=ppt/slides/slide12.xml><?xml version="1.0" encoding="utf-8"?>
+<p:sld xmlns:a="http://schemas.openxmlformats.org/drawingml/2006/main" xmlns:r="http://schemas.openxmlformats.org/officeDocument/2006/relationships" xmlns:p="http://schemas.openxmlformats.org/presentationml/2006/main">
+  <p:cSld>
+    <p:spTree>
+      <p:nvGrpSpPr>
+        <p:cNvPr id="1" name=""/>
+        <p:cNvGrpSpPr/>
+        <p:nvPr/>
+      </p:nvGrpSpPr>
+      <p:grpSpPr>
+        <a:xfrm>
+          <a:off x="0" y="0"/>
+          <a:ext cx="0" cy="0"/>
+          <a:chOff x="0" y="0"/>
+          <a:chExt cx="0" cy="0"/>
+        </a:xfrm>
+      </p:grpSpPr>
+      <p:sp>
+        <p:nvSpPr>
+          <p:cNvPr id="17" name="矩形 16">
+            <a:extLst>
+              <a:ext uri="{FF2B5EF4-FFF2-40B4-BE49-F238E27FC236}">
+                <a16:creationId xmlns:a16="http://schemas.microsoft.com/office/drawing/2014/main" id="{94C2A827-B932-471D-A756-D0ADADA99ACB}"/>
+              </a:ext>
+            </a:extLst>
+          </p:cNvPr>
+          <p:cNvSpPr/>
+          <p:nvPr/>
+        </p:nvSpPr>
+        <p:spPr>
+          <a:xfrm>
+            <a:off x="2286000" y="2324100"/>
+            <a:ext cx="13595816" cy="6670606"/>
+          </a:xfrm>
+          <a:prstGeom prst="rect">
+            <a:avLst/>
+          </a:prstGeom>
+          <a:solidFill>
+            <a:schemeClr val="bg1">
+              <a:lumMod val="95000"/>
+            </a:schemeClr>
+          </a:solidFill>
+          <a:ln>
+            <a:noFill/>
+          </a:ln>
+        </p:spPr>
+        <p:style>
+          <a:lnRef idx="2">
+            <a:schemeClr val="accent1">
+              <a:shade val="50000"/>
+            </a:schemeClr>
+          </a:lnRef>
+          <a:fillRef idx="1">
+            <a:schemeClr val="accent1"/>
+          </a:fillRef>
+          <a:effectRef idx="0">
+            <a:schemeClr val="accent1"/>
+          </a:effectRef>
+          <a:fontRef idx="minor">
+            <a:schemeClr val="lt1"/>
+          </a:fontRef>
+        </p:style>
+        <p:txBody>
+          <a:bodyPr rtlCol="0" anchor="ctr"/>
+          <a:lstStyle/>
+          <a:p>
+            <a:pPr algn="ctr"/>
+            <a:endParaRPr lang="zh-TW" altLang="en-US"/>
+          </a:p>
+        </p:txBody>
+      </p:sp>
+      <p:sp>
+        <p:nvSpPr>
+          <p:cNvPr id="13" name="矩形: 圓角 12">
+            <a:extLst>
+              <a:ext uri="{FF2B5EF4-FFF2-40B4-BE49-F238E27FC236}">
+                <a16:creationId xmlns:a16="http://schemas.microsoft.com/office/drawing/2014/main" id="{86161679-2985-4ADC-8460-AEE24E740813}"/>
+              </a:ext>
+            </a:extLst>
+          </p:cNvPr>
+          <p:cNvSpPr/>
+          <p:nvPr/>
+        </p:nvSpPr>
+        <p:spPr>
+          <a:xfrm>
+            <a:off x="5007208" y="1409700"/>
+            <a:ext cx="8153400" cy="2113844"/>
+          </a:xfrm>
+          <a:prstGeom prst="roundRect">
+            <a:avLst/>
+          </a:prstGeom>
+          <a:solidFill>
+            <a:schemeClr val="accent1">
+              <a:lumMod val="40000"/>
+              <a:lumOff val="60000"/>
+            </a:schemeClr>
+          </a:solidFill>
+          <a:ln>
+            <a:noFill/>
+          </a:ln>
+        </p:spPr>
+        <p:style>
+          <a:lnRef idx="2">
+            <a:schemeClr val="accent1">
+              <a:shade val="50000"/>
+            </a:schemeClr>
+          </a:lnRef>
+          <a:fillRef idx="1">
+            <a:schemeClr val="accent1"/>
+          </a:fillRef>
+          <a:effectRef idx="0">
+            <a:schemeClr val="accent1"/>
+          </a:effectRef>
+          <a:fontRef idx="minor">
+            <a:schemeClr val="lt1"/>
+          </a:fontRef>
+        </p:style>
+        <p:txBody>
+          <a:bodyPr rtlCol="0" anchor="ctr"/>
+          <a:lstStyle/>
+          <a:p>
+            <a:pPr algn="ctr"/>
+            <a:endParaRPr lang="zh-TW" altLang="en-US"/>
+          </a:p>
+        </p:txBody>
+      </p:sp>
+      <p:sp>
+        <p:nvSpPr>
+          <p:cNvPr id="14" name="文字方塊 13">
+            <a:extLst>
+              <a:ext uri="{FF2B5EF4-FFF2-40B4-BE49-F238E27FC236}">
+                <a16:creationId xmlns:a16="http://schemas.microsoft.com/office/drawing/2014/main" id="{E0290B41-790C-4212-8A48-B0107FA80F8D}"/>
+              </a:ext>
+            </a:extLst>
+          </p:cNvPr>
+          <p:cNvSpPr txBox="1"/>
+          <p:nvPr/>
+        </p:nvSpPr>
+        <p:spPr>
+          <a:xfrm>
+            <a:off x="8039100" y="1958790"/>
+            <a:ext cx="2209800" cy="1015663"/>
+          </a:xfrm>
+          <a:prstGeom prst="rect">
+            <a:avLst/>
+          </a:prstGeom>
+          <a:noFill/>
+        </p:spPr>
+        <p:txBody>
+          <a:bodyPr wrap="square" rtlCol="0">
+            <a:spAutoFit/>
+          </a:bodyPr>
+          <a:lstStyle/>
+          <a:p>
+            <a:r>
+              <a:rPr lang="zh-TW" altLang="en-US" sz="6000" dirty="0">
+                <a:solidFill>
+                  <a:schemeClr val="tx2">
+                    <a:lumMod val="50000"/>
+                  </a:schemeClr>
+                </a:solidFill>
+                <a:latin typeface="王漢宗細圓體繁" panose="02020300000000000000" pitchFamily="18" charset="-120"/>
+                <a:ea typeface="王漢宗細圓體繁" panose="02020300000000000000" pitchFamily="18" charset="-120"/>
+              </a:rPr>
+              <a:t>練習</a:t>
+            </a:r>
+          </a:p>
+        </p:txBody>
+      </p:sp>
+      <p:sp>
+        <p:nvSpPr>
+          <p:cNvPr id="16" name="文字方塊 15">
+            <a:extLst>
+              <a:ext uri="{FF2B5EF4-FFF2-40B4-BE49-F238E27FC236}">
+                <a16:creationId xmlns:a16="http://schemas.microsoft.com/office/drawing/2014/main" id="{48F91D10-1470-4601-AC96-C7C8AA0715A7}"/>
+              </a:ext>
+            </a:extLst>
+          </p:cNvPr>
+          <p:cNvSpPr txBox="1"/>
+          <p:nvPr/>
+        </p:nvSpPr>
+        <p:spPr>
+          <a:xfrm>
+            <a:off x="4495800" y="4256416"/>
+            <a:ext cx="9928122" cy="707886"/>
+          </a:xfrm>
+          <a:prstGeom prst="rect">
+            <a:avLst/>
+          </a:prstGeom>
+          <a:noFill/>
+        </p:spPr>
+        <p:txBody>
+          <a:bodyPr wrap="square">
+            <a:spAutoFit/>
+          </a:bodyPr>
+          <a:lstStyle/>
+          <a:p>
+            <a:r>
+              <a:rPr lang="zh-TW" altLang="en-US" sz="4000" dirty="0">
+                <a:latin typeface="微軟正黑體" panose="020B0604030504040204" pitchFamily="34" charset="-120"/>
+                <a:ea typeface="微軟正黑體" panose="020B0604030504040204" pitchFamily="34" charset="-120"/>
+              </a:rPr>
+              <a:t>判斷是否為</a:t>
+            </a:r>
+            <a:r>
+              <a:rPr lang="en-US" altLang="zh-TW" sz="4000" dirty="0">
+                <a:latin typeface="微軟正黑體" panose="020B0604030504040204" pitchFamily="34" charset="-120"/>
+                <a:ea typeface="微軟正黑體" panose="020B0604030504040204" pitchFamily="34" charset="-120"/>
+              </a:rPr>
+              <a:t>3</a:t>
+            </a:r>
+            <a:r>
+              <a:rPr lang="zh-TW" altLang="en-US" sz="4000" dirty="0">
+                <a:latin typeface="微軟正黑體" panose="020B0604030504040204" pitchFamily="34" charset="-120"/>
+                <a:ea typeface="微軟正黑體" panose="020B0604030504040204" pitchFamily="34" charset="-120"/>
+              </a:rPr>
+              <a:t>的倍數？是否為</a:t>
+            </a:r>
+            <a:r>
+              <a:rPr lang="en-US" altLang="zh-TW" sz="4000" dirty="0">
+                <a:latin typeface="微軟正黑體" panose="020B0604030504040204" pitchFamily="34" charset="-120"/>
+                <a:ea typeface="微軟正黑體" panose="020B0604030504040204" pitchFamily="34" charset="-120"/>
+              </a:rPr>
+              <a:t>7</a:t>
+            </a:r>
+            <a:r>
+              <a:rPr lang="zh-TW" altLang="en-US" sz="4000" dirty="0">
+                <a:latin typeface="微軟正黑體" panose="020B0604030504040204" pitchFamily="34" charset="-120"/>
+                <a:ea typeface="微軟正黑體" panose="020B0604030504040204" pitchFamily="34" charset="-120"/>
+              </a:rPr>
+              <a:t>的倍數？</a:t>
+            </a:r>
+          </a:p>
+        </p:txBody>
+      </p:sp>
+      <p:pic>
+        <p:nvPicPr>
+          <p:cNvPr id="18" name="圖片 17">
+            <a:extLst>
+              <a:ext uri="{FF2B5EF4-FFF2-40B4-BE49-F238E27FC236}">
+                <a16:creationId xmlns:a16="http://schemas.microsoft.com/office/drawing/2014/main" id="{133EDFBD-1375-4163-847B-4A08FF381ABE}"/>
+              </a:ext>
+            </a:extLst>
+          </p:cNvPr>
+          <p:cNvPicPr>
+            <a:picLocks noChangeAspect="1"/>
+          </p:cNvPicPr>
+          <p:nvPr/>
+        </p:nvPicPr>
+        <p:blipFill>
+          <a:blip r:embed="rId2"/>
+          <a:stretch>
+            <a:fillRect/>
+          </a:stretch>
+        </p:blipFill>
+        <p:spPr>
+          <a:xfrm>
+            <a:off x="-2757286" y="4957352"/>
+            <a:ext cx="8175445" cy="7626757"/>
+          </a:xfrm>
+          <a:prstGeom prst="rect">
+            <a:avLst/>
+          </a:prstGeom>
+        </p:spPr>
+      </p:pic>
+      <p:pic>
+        <p:nvPicPr>
+          <p:cNvPr id="8" name="圖片 7">
+            <a:extLst>
+              <a:ext uri="{FF2B5EF4-FFF2-40B4-BE49-F238E27FC236}">
+                <a16:creationId xmlns:a16="http://schemas.microsoft.com/office/drawing/2014/main" id="{A1CF49F8-F066-4324-8B91-F60A6BB4E65E}"/>
+              </a:ext>
+            </a:extLst>
+          </p:cNvPr>
+          <p:cNvPicPr>
+            <a:picLocks noChangeAspect="1"/>
+          </p:cNvPicPr>
+          <p:nvPr/>
+        </p:nvPicPr>
+        <p:blipFill>
+          <a:blip r:embed="rId3"/>
+          <a:stretch>
+            <a:fillRect/>
+          </a:stretch>
+        </p:blipFill>
+        <p:spPr>
+          <a:xfrm>
+            <a:off x="12954000" y="-2019300"/>
+            <a:ext cx="7657240" cy="7059780"/>
+          </a:xfrm>
+          <a:prstGeom prst="rect">
+            <a:avLst/>
+          </a:prstGeom>
+        </p:spPr>
+      </p:pic>
+    </p:spTree>
+    <p:extLst>
+      <p:ext uri="{BB962C8B-B14F-4D97-AF65-F5344CB8AC3E}">
+        <p14:creationId xmlns:p14="http://schemas.microsoft.com/office/powerpoint/2010/main" val="1248753871"/>
+      </p:ext>
+    </p:extLst>
+  </p:cSld>
+  <p:clrMapOvr>
+    <a:masterClrMapping/>
+  </p:clrMapOvr>
+</p:sld>
+</file>
+
+<file path=ppt/slides/slide13.xml><?xml version="1.0" encoding="utf-8"?>
+<p:sld xmlns:a="http://schemas.openxmlformats.org/drawingml/2006/main" xmlns:r="http://schemas.openxmlformats.org/officeDocument/2006/relationships" xmlns:p="http://schemas.openxmlformats.org/presentationml/2006/main">
+  <p:cSld>
+    <p:spTree>
+      <p:nvGrpSpPr>
+        <p:cNvPr id="1" name=""/>
+        <p:cNvGrpSpPr/>
+        <p:nvPr/>
+      </p:nvGrpSpPr>
+      <p:grpSpPr>
+        <a:xfrm>
+          <a:off x="0" y="0"/>
+          <a:ext cx="0" cy="0"/>
+          <a:chOff x="0" y="0"/>
+          <a:chExt cx="0" cy="0"/>
+        </a:xfrm>
+      </p:grpSpPr>
+      <p:pic>
+        <p:nvPicPr>
           <p:cNvPr id="26" name="圖片 25">
             <a:extLst>
               <a:ext uri="{FF2B5EF4-FFF2-40B4-BE49-F238E27FC236}">
@@ -4643,7 +6280,7 @@
 </p:sld>
 </file>
 
-<file path=ppt/slides/slide11.xml><?xml version="1.0" encoding="utf-8"?>
+<file path=ppt/slides/slide14.xml><?xml version="1.0" encoding="utf-8"?>
 <p:sld xmlns:a="http://schemas.openxmlformats.org/drawingml/2006/main" xmlns:r="http://schemas.openxmlformats.org/officeDocument/2006/relationships" xmlns:p="http://schemas.openxmlformats.org/presentationml/2006/main">
   <p:cSld>
     <p:spTree>
@@ -5570,7 +7207,7 @@
 </p:sld>
 </file>
 
-<file path=ppt/slides/slide12.xml><?xml version="1.0" encoding="utf-8"?>
+<file path=ppt/slides/slide15.xml><?xml version="1.0" encoding="utf-8"?>
 <p:sld xmlns:a="http://schemas.openxmlformats.org/drawingml/2006/main" xmlns:r="http://schemas.openxmlformats.org/officeDocument/2006/relationships" xmlns:p="http://schemas.openxmlformats.org/presentationml/2006/main">
   <p:cSld>
     <p:spTree>
@@ -5828,7 +7465,7 @@
 </p:sld>
 </file>
 
-<file path=ppt/slides/slide13.xml><?xml version="1.0" encoding="utf-8"?>
+<file path=ppt/slides/slide16.xml><?xml version="1.0" encoding="utf-8"?>
 <p:sld xmlns:a="http://schemas.openxmlformats.org/drawingml/2006/main" xmlns:r="http://schemas.openxmlformats.org/officeDocument/2006/relationships" xmlns:p="http://schemas.openxmlformats.org/presentationml/2006/main">
   <p:cSld>
     <p:spTree>
@@ -6216,7 +7853,7 @@
 </p:sld>
 </file>
 
-<file path=ppt/slides/slide14.xml><?xml version="1.0" encoding="utf-8"?>
+<file path=ppt/slides/slide17.xml><?xml version="1.0" encoding="utf-8"?>
 <p:sld xmlns:a="http://schemas.openxmlformats.org/drawingml/2006/main" xmlns:r="http://schemas.openxmlformats.org/officeDocument/2006/relationships" xmlns:p="http://schemas.openxmlformats.org/presentationml/2006/main">
   <p:cSld>
     <p:spTree>
@@ -6806,7 +8443,7 @@
 </p:sld>
 </file>
 
-<file path=ppt/slides/slide15.xml><?xml version="1.0" encoding="utf-8"?>
+<file path=ppt/slides/slide18.xml><?xml version="1.0" encoding="utf-8"?>
 <p:sld xmlns:a="http://schemas.openxmlformats.org/drawingml/2006/main" xmlns:r="http://schemas.openxmlformats.org/officeDocument/2006/relationships" xmlns:p="http://schemas.openxmlformats.org/presentationml/2006/main">
   <p:cSld>
     <p:spTree>
@@ -7254,7 +8891,7 @@
 </p:sld>
 </file>
 
-<file path=ppt/slides/slide16.xml><?xml version="1.0" encoding="utf-8"?>
+<file path=ppt/slides/slide19.xml><?xml version="1.0" encoding="utf-8"?>
 <p:sld xmlns:a="http://schemas.openxmlformats.org/drawingml/2006/main" xmlns:r="http://schemas.openxmlformats.org/officeDocument/2006/relationships" xmlns:p="http://schemas.openxmlformats.org/presentationml/2006/main">
   <p:cSld>
     <p:spTree>
@@ -7536,6 +9173,1430 @@
 </file>
 
 <file path=ppt/slides/slide2.xml><?xml version="1.0" encoding="utf-8"?>
+<p:sld xmlns:a="http://schemas.openxmlformats.org/drawingml/2006/main" xmlns:r="http://schemas.openxmlformats.org/officeDocument/2006/relationships" xmlns:p="http://schemas.openxmlformats.org/presentationml/2006/main">
+  <p:cSld>
+    <p:spTree>
+      <p:nvGrpSpPr>
+        <p:cNvPr id="1" name=""/>
+        <p:cNvGrpSpPr/>
+        <p:nvPr/>
+      </p:nvGrpSpPr>
+      <p:grpSpPr>
+        <a:xfrm>
+          <a:off x="0" y="0"/>
+          <a:ext cx="0" cy="0"/>
+          <a:chOff x="0" y="0"/>
+          <a:chExt cx="0" cy="0"/>
+        </a:xfrm>
+      </p:grpSpPr>
+      <p:pic>
+        <p:nvPicPr>
+          <p:cNvPr id="42" name="圖片 41">
+            <a:extLst>
+              <a:ext uri="{FF2B5EF4-FFF2-40B4-BE49-F238E27FC236}">
+                <a16:creationId xmlns:a16="http://schemas.microsoft.com/office/drawing/2014/main" id="{EFE77D93-2104-4299-B806-C905FD2AD2E6}"/>
+              </a:ext>
+            </a:extLst>
+          </p:cNvPr>
+          <p:cNvPicPr>
+            <a:picLocks noChangeAspect="1"/>
+          </p:cNvPicPr>
+          <p:nvPr/>
+        </p:nvPicPr>
+        <p:blipFill>
+          <a:blip r:embed="rId2"/>
+          <a:stretch>
+            <a:fillRect/>
+          </a:stretch>
+        </p:blipFill>
+        <p:spPr>
+          <a:xfrm>
+            <a:off x="1905000" y="1562100"/>
+            <a:ext cx="15239999" cy="7924800"/>
+          </a:xfrm>
+          <a:prstGeom prst="rect">
+            <a:avLst/>
+          </a:prstGeom>
+        </p:spPr>
+      </p:pic>
+      <p:grpSp>
+        <p:nvGrpSpPr>
+          <p:cNvPr id="45" name="群組 44">
+            <a:extLst>
+              <a:ext uri="{FF2B5EF4-FFF2-40B4-BE49-F238E27FC236}">
+                <a16:creationId xmlns:a16="http://schemas.microsoft.com/office/drawing/2014/main" id="{083AB210-8537-4CCB-ACA4-D93A320D6BCA}"/>
+              </a:ext>
+            </a:extLst>
+          </p:cNvPr>
+          <p:cNvGrpSpPr/>
+          <p:nvPr/>
+        </p:nvGrpSpPr>
+        <p:grpSpPr>
+          <a:xfrm>
+            <a:off x="762000" y="647700"/>
+            <a:ext cx="4800600" cy="1981200"/>
+            <a:chOff x="2743200" y="4076700"/>
+            <a:chExt cx="4800600" cy="1981200"/>
+          </a:xfrm>
+        </p:grpSpPr>
+        <p:sp>
+          <p:nvSpPr>
+            <p:cNvPr id="46" name="矩形 45">
+              <a:extLst>
+                <a:ext uri="{FF2B5EF4-FFF2-40B4-BE49-F238E27FC236}">
+                  <a16:creationId xmlns:a16="http://schemas.microsoft.com/office/drawing/2014/main" id="{3A4EB268-5979-4A49-B597-7B5C03CCCF55}"/>
+                </a:ext>
+              </a:extLst>
+            </p:cNvPr>
+            <p:cNvSpPr/>
+            <p:nvPr/>
+          </p:nvSpPr>
+          <p:spPr>
+            <a:xfrm>
+              <a:off x="2971800" y="4229100"/>
+              <a:ext cx="4572000" cy="1828800"/>
+            </a:xfrm>
+            <a:prstGeom prst="rect">
+              <a:avLst/>
+            </a:prstGeom>
+            <a:solidFill>
+              <a:schemeClr val="tx2">
+                <a:lumMod val="50000"/>
+              </a:schemeClr>
+            </a:solidFill>
+            <a:ln>
+              <a:noFill/>
+            </a:ln>
+          </p:spPr>
+          <p:style>
+            <a:lnRef idx="2">
+              <a:schemeClr val="accent1">
+                <a:shade val="50000"/>
+              </a:schemeClr>
+            </a:lnRef>
+            <a:fillRef idx="1">
+              <a:schemeClr val="accent1"/>
+            </a:fillRef>
+            <a:effectRef idx="0">
+              <a:schemeClr val="accent1"/>
+            </a:effectRef>
+            <a:fontRef idx="minor">
+              <a:schemeClr val="lt1"/>
+            </a:fontRef>
+          </p:style>
+          <p:txBody>
+            <a:bodyPr rtlCol="0" anchor="ctr"/>
+            <a:lstStyle/>
+            <a:p>
+              <a:pPr algn="ctr"/>
+              <a:endParaRPr lang="zh-TW" altLang="en-US"/>
+            </a:p>
+          </p:txBody>
+        </p:sp>
+        <p:sp>
+          <p:nvSpPr>
+            <p:cNvPr id="47" name="矩形 46">
+              <a:extLst>
+                <a:ext uri="{FF2B5EF4-FFF2-40B4-BE49-F238E27FC236}">
+                  <a16:creationId xmlns:a16="http://schemas.microsoft.com/office/drawing/2014/main" id="{66D4A8F2-5AC0-47BC-8AA1-F64624AE8C16}"/>
+                </a:ext>
+              </a:extLst>
+            </p:cNvPr>
+            <p:cNvSpPr/>
+            <p:nvPr/>
+          </p:nvSpPr>
+          <p:spPr>
+            <a:xfrm>
+              <a:off x="2743200" y="4076700"/>
+              <a:ext cx="4648200" cy="1828800"/>
+            </a:xfrm>
+            <a:prstGeom prst="rect">
+              <a:avLst/>
+            </a:prstGeom>
+            <a:solidFill>
+              <a:schemeClr val="accent1">
+                <a:lumMod val="40000"/>
+                <a:lumOff val="60000"/>
+              </a:schemeClr>
+            </a:solidFill>
+            <a:ln>
+              <a:noFill/>
+            </a:ln>
+          </p:spPr>
+          <p:style>
+            <a:lnRef idx="2">
+              <a:schemeClr val="accent1">
+                <a:shade val="50000"/>
+              </a:schemeClr>
+            </a:lnRef>
+            <a:fillRef idx="1">
+              <a:schemeClr val="accent1"/>
+            </a:fillRef>
+            <a:effectRef idx="0">
+              <a:schemeClr val="accent1"/>
+            </a:effectRef>
+            <a:fontRef idx="minor">
+              <a:schemeClr val="lt1"/>
+            </a:fontRef>
+          </p:style>
+          <p:txBody>
+            <a:bodyPr rtlCol="0" anchor="ctr"/>
+            <a:lstStyle/>
+            <a:p>
+              <a:pPr algn="ctr"/>
+              <a:endParaRPr lang="zh-TW" altLang="en-US"/>
+            </a:p>
+          </p:txBody>
+        </p:sp>
+      </p:grpSp>
+      <p:sp>
+        <p:nvSpPr>
+          <p:cNvPr id="41" name="文字方塊 40">
+            <a:extLst>
+              <a:ext uri="{FF2B5EF4-FFF2-40B4-BE49-F238E27FC236}">
+                <a16:creationId xmlns:a16="http://schemas.microsoft.com/office/drawing/2014/main" id="{91D7AB1F-D80F-4255-8E22-135EA82604C8}"/>
+              </a:ext>
+            </a:extLst>
+          </p:cNvPr>
+          <p:cNvSpPr txBox="1"/>
+          <p:nvPr/>
+        </p:nvSpPr>
+        <p:spPr>
+          <a:xfrm>
+            <a:off x="1447800" y="1100435"/>
+            <a:ext cx="9144000" cy="923330"/>
+          </a:xfrm>
+          <a:prstGeom prst="rect">
+            <a:avLst/>
+          </a:prstGeom>
+          <a:noFill/>
+        </p:spPr>
+        <p:txBody>
+          <a:bodyPr wrap="square">
+            <a:spAutoFit/>
+          </a:bodyPr>
+          <a:lstStyle/>
+          <a:p>
+            <a:r>
+              <a:rPr lang="en-US" altLang="zh-TW" sz="5400" dirty="0">
+                <a:latin typeface="王漢宗細圓體繁" panose="02020300000000000000" pitchFamily="18" charset="-120"/>
+                <a:ea typeface="王漢宗細圓體繁" panose="02020300000000000000" pitchFamily="18" charset="-120"/>
+              </a:rPr>
+              <a:t>PHP</a:t>
+            </a:r>
+            <a:r>
+              <a:rPr lang="zh-TW" altLang="en-US" sz="5400" dirty="0">
+                <a:latin typeface="王漢宗細圓體繁" panose="02020300000000000000" pitchFamily="18" charset="-120"/>
+                <a:ea typeface="王漢宗細圓體繁" panose="02020300000000000000" pitchFamily="18" charset="-120"/>
+              </a:rPr>
+              <a:t>是什麼</a:t>
+            </a:r>
+          </a:p>
+        </p:txBody>
+      </p:sp>
+      <p:pic>
+        <p:nvPicPr>
+          <p:cNvPr id="43" name="圖片 42">
+            <a:extLst>
+              <a:ext uri="{FF2B5EF4-FFF2-40B4-BE49-F238E27FC236}">
+                <a16:creationId xmlns:a16="http://schemas.microsoft.com/office/drawing/2014/main" id="{74C0893E-9D49-4847-B3D5-762B01BF4353}"/>
+              </a:ext>
+            </a:extLst>
+          </p:cNvPr>
+          <p:cNvPicPr>
+            <a:picLocks noChangeAspect="1"/>
+          </p:cNvPicPr>
+          <p:nvPr/>
+        </p:nvPicPr>
+        <p:blipFill>
+          <a:blip r:embed="rId3"/>
+          <a:stretch>
+            <a:fillRect/>
+          </a:stretch>
+        </p:blipFill>
+        <p:spPr>
+          <a:xfrm>
+            <a:off x="12954000" y="-2019300"/>
+            <a:ext cx="7657240" cy="7059780"/>
+          </a:xfrm>
+          <a:prstGeom prst="rect">
+            <a:avLst/>
+          </a:prstGeom>
+        </p:spPr>
+      </p:pic>
+      <p:pic>
+        <p:nvPicPr>
+          <p:cNvPr id="44" name="圖片 43">
+            <a:extLst>
+              <a:ext uri="{FF2B5EF4-FFF2-40B4-BE49-F238E27FC236}">
+                <a16:creationId xmlns:a16="http://schemas.microsoft.com/office/drawing/2014/main" id="{5882796B-7D33-4EA9-A7AA-B3669CF15DC3}"/>
+              </a:ext>
+            </a:extLst>
+          </p:cNvPr>
+          <p:cNvPicPr>
+            <a:picLocks noChangeAspect="1"/>
+          </p:cNvPicPr>
+          <p:nvPr/>
+        </p:nvPicPr>
+        <p:blipFill>
+          <a:blip r:embed="rId4"/>
+          <a:stretch>
+            <a:fillRect/>
+          </a:stretch>
+        </p:blipFill>
+        <p:spPr>
+          <a:xfrm>
+            <a:off x="-2008886" y="6438900"/>
+            <a:ext cx="5846571" cy="4895512"/>
+          </a:xfrm>
+          <a:prstGeom prst="rect">
+            <a:avLst/>
+          </a:prstGeom>
+        </p:spPr>
+      </p:pic>
+      <p:sp>
+        <p:nvSpPr>
+          <p:cNvPr id="12" name="文字方塊 11">
+            <a:extLst>
+              <a:ext uri="{FF2B5EF4-FFF2-40B4-BE49-F238E27FC236}">
+                <a16:creationId xmlns:a16="http://schemas.microsoft.com/office/drawing/2014/main" id="{D3B8DC22-FE05-4894-B2BA-263543B72E82}"/>
+              </a:ext>
+            </a:extLst>
+          </p:cNvPr>
+          <p:cNvSpPr txBox="1"/>
+          <p:nvPr/>
+        </p:nvSpPr>
+        <p:spPr>
+          <a:xfrm>
+            <a:off x="4274056" y="3068582"/>
+            <a:ext cx="11309684" cy="5645520"/>
+          </a:xfrm>
+          <a:prstGeom prst="rect">
+            <a:avLst/>
+          </a:prstGeom>
+          <a:noFill/>
+        </p:spPr>
+        <p:txBody>
+          <a:bodyPr wrap="square">
+            <a:spAutoFit/>
+          </a:bodyPr>
+          <a:lstStyle/>
+          <a:p>
+            <a:pPr>
+              <a:lnSpc>
+                <a:spcPct val="150000"/>
+              </a:lnSpc>
+            </a:pPr>
+            <a:r>
+              <a:rPr lang="en-US" altLang="zh-TW" sz="3600" dirty="0">
+                <a:solidFill>
+                  <a:srgbClr val="FF0000"/>
+                </a:solidFill>
+                <a:latin typeface="微軟正黑體" panose="020B0604030504040204" pitchFamily="34" charset="-120"/>
+                <a:ea typeface="微軟正黑體" panose="020B0604030504040204" pitchFamily="34" charset="-120"/>
+              </a:rPr>
+              <a:t>P</a:t>
+            </a:r>
+            <a:r>
+              <a:rPr lang="en-US" altLang="zh-TW" sz="3600" dirty="0">
+                <a:latin typeface="微軟正黑體" panose="020B0604030504040204" pitchFamily="34" charset="-120"/>
+                <a:ea typeface="微軟正黑體" panose="020B0604030504040204" pitchFamily="34" charset="-120"/>
+              </a:rPr>
+              <a:t>HP</a:t>
+            </a:r>
+            <a:r>
+              <a:rPr lang="zh-TW" altLang="en-US" sz="3600" dirty="0">
+                <a:latin typeface="微軟正黑體" panose="020B0604030504040204" pitchFamily="34" charset="-120"/>
+                <a:ea typeface="微軟正黑體" panose="020B0604030504040204" pitchFamily="34" charset="-120"/>
+              </a:rPr>
+              <a:t>：</a:t>
+            </a:r>
+            <a:r>
+              <a:rPr lang="en-US" altLang="zh-TW" sz="3600" dirty="0">
+                <a:solidFill>
+                  <a:srgbClr val="FF0000"/>
+                </a:solidFill>
+                <a:latin typeface="微軟正黑體" panose="020B0604030504040204" pitchFamily="34" charset="-120"/>
+                <a:ea typeface="微軟正黑體" panose="020B0604030504040204" pitchFamily="34" charset="-120"/>
+              </a:rPr>
+              <a:t>H</a:t>
+            </a:r>
+            <a:r>
+              <a:rPr lang="en-US" altLang="zh-TW" sz="3600" dirty="0">
+                <a:latin typeface="微軟正黑體" panose="020B0604030504040204" pitchFamily="34" charset="-120"/>
+                <a:ea typeface="微軟正黑體" panose="020B0604030504040204" pitchFamily="34" charset="-120"/>
+              </a:rPr>
+              <a:t>ypertext  </a:t>
+            </a:r>
+            <a:r>
+              <a:rPr lang="en-US" altLang="zh-TW" sz="3600" dirty="0">
+                <a:solidFill>
+                  <a:srgbClr val="FF0000"/>
+                </a:solidFill>
+                <a:latin typeface="微軟正黑體" panose="020B0604030504040204" pitchFamily="34" charset="-120"/>
+                <a:ea typeface="微軟正黑體" panose="020B0604030504040204" pitchFamily="34" charset="-120"/>
+              </a:rPr>
+              <a:t>P</a:t>
+            </a:r>
+            <a:r>
+              <a:rPr lang="en-US" altLang="zh-TW" sz="3600" dirty="0">
+                <a:latin typeface="微軟正黑體" panose="020B0604030504040204" pitchFamily="34" charset="-120"/>
+                <a:ea typeface="微軟正黑體" panose="020B0604030504040204" pitchFamily="34" charset="-120"/>
+              </a:rPr>
+              <a:t>reprocessor </a:t>
+            </a:r>
+          </a:p>
+          <a:p>
+            <a:pPr>
+              <a:lnSpc>
+                <a:spcPct val="150000"/>
+              </a:lnSpc>
+            </a:pPr>
+            <a:r>
+              <a:rPr lang="en-US" altLang="zh-TW" sz="3600" dirty="0">
+                <a:latin typeface="微軟正黑體" panose="020B0604030504040204" pitchFamily="34" charset="-120"/>
+                <a:ea typeface="微軟正黑體" panose="020B0604030504040204" pitchFamily="34" charset="-120"/>
+              </a:rPr>
+              <a:t>Hypertext:</a:t>
+            </a:r>
+            <a:r>
+              <a:rPr lang="zh-TW" altLang="en-US" sz="3600" dirty="0">
+                <a:latin typeface="微軟正黑體" panose="020B0604030504040204" pitchFamily="34" charset="-120"/>
+                <a:ea typeface="微軟正黑體" panose="020B0604030504040204" pitchFamily="34" charset="-120"/>
+              </a:rPr>
+              <a:t>超本文</a:t>
+            </a:r>
+          </a:p>
+          <a:p>
+            <a:pPr>
+              <a:lnSpc>
+                <a:spcPct val="150000"/>
+              </a:lnSpc>
+            </a:pPr>
+            <a:r>
+              <a:rPr lang="en-US" altLang="zh-TW" sz="3600" dirty="0">
+                <a:latin typeface="微軟正黑體" panose="020B0604030504040204" pitchFamily="34" charset="-120"/>
+                <a:ea typeface="微軟正黑體" panose="020B0604030504040204" pitchFamily="34" charset="-120"/>
+              </a:rPr>
+              <a:t>Preprocessor:</a:t>
+            </a:r>
+            <a:r>
+              <a:rPr lang="zh-TW" altLang="en-US" sz="3600" dirty="0">
+                <a:latin typeface="微軟正黑體" panose="020B0604030504040204" pitchFamily="34" charset="-120"/>
+                <a:ea typeface="微軟正黑體" panose="020B0604030504040204" pitchFamily="34" charset="-120"/>
+              </a:rPr>
+              <a:t>預處理器</a:t>
+            </a:r>
+          </a:p>
+          <a:p>
+            <a:pPr>
+              <a:lnSpc>
+                <a:spcPct val="150000"/>
+              </a:lnSpc>
+            </a:pPr>
+            <a:r>
+              <a:rPr lang="zh-TW" altLang="en-US" sz="3600" dirty="0">
+                <a:latin typeface="微軟正黑體" panose="020B0604030504040204" pitchFamily="34" charset="-120"/>
+                <a:ea typeface="微軟正黑體" panose="020B0604030504040204" pitchFamily="34" charset="-120"/>
+                <a:sym typeface="Wingdings" panose="05000000000000000000" pitchFamily="2" charset="2"/>
+              </a:rPr>
+              <a:t></a:t>
+            </a:r>
+            <a:r>
+              <a:rPr lang="zh-TW" altLang="en-US" sz="3600" dirty="0">
+                <a:latin typeface="微軟正黑體" panose="020B0604030504040204" pitchFamily="34" charset="-120"/>
+                <a:ea typeface="微軟正黑體" panose="020B0604030504040204" pitchFamily="34" charset="-120"/>
+              </a:rPr>
+              <a:t>編寫動態網頁</a:t>
+            </a:r>
+          </a:p>
+          <a:p>
+            <a:pPr>
+              <a:lnSpc>
+                <a:spcPct val="150000"/>
+              </a:lnSpc>
+            </a:pPr>
+            <a:r>
+              <a:rPr lang="zh-TW" altLang="en-US" sz="3600" dirty="0">
+                <a:latin typeface="微軟正黑體" panose="020B0604030504040204" pitchFamily="34" charset="-120"/>
+                <a:ea typeface="微軟正黑體" panose="020B0604030504040204" pitchFamily="34" charset="-120"/>
+                <a:sym typeface="Wingdings" panose="05000000000000000000" pitchFamily="2" charset="2"/>
+              </a:rPr>
+              <a:t></a:t>
+            </a:r>
+            <a:r>
+              <a:rPr lang="zh-TW" altLang="en-US" sz="3600" dirty="0">
+                <a:latin typeface="微軟正黑體" panose="020B0604030504040204" pitchFamily="34" charset="-120"/>
+                <a:ea typeface="微軟正黑體" panose="020B0604030504040204" pitchFamily="34" charset="-120"/>
+              </a:rPr>
+              <a:t>可嵌入</a:t>
+            </a:r>
+            <a:r>
+              <a:rPr lang="en-US" altLang="zh-TW" sz="3600" dirty="0">
+                <a:latin typeface="微軟正黑體" panose="020B0604030504040204" pitchFamily="34" charset="-120"/>
+                <a:ea typeface="微軟正黑體" panose="020B0604030504040204" pitchFamily="34" charset="-120"/>
+              </a:rPr>
+              <a:t>HTML</a:t>
+            </a:r>
+          </a:p>
+          <a:p>
+            <a:pPr>
+              <a:lnSpc>
+                <a:spcPct val="150000"/>
+              </a:lnSpc>
+            </a:pPr>
+            <a:r>
+              <a:rPr lang="zh-TW" altLang="en-US" sz="3600" dirty="0">
+                <a:latin typeface="微軟正黑體" panose="020B0604030504040204" pitchFamily="34" charset="-120"/>
+                <a:ea typeface="微軟正黑體" panose="020B0604030504040204" pitchFamily="34" charset="-120"/>
+                <a:sym typeface="Wingdings" panose="05000000000000000000" pitchFamily="2" charset="2"/>
+              </a:rPr>
+              <a:t></a:t>
+            </a:r>
+            <a:r>
+              <a:rPr lang="zh-TW" altLang="en-US" sz="3600" dirty="0">
+                <a:latin typeface="微軟正黑體" panose="020B0604030504040204" pitchFamily="34" charset="-120"/>
+                <a:ea typeface="微軟正黑體" panose="020B0604030504040204" pitchFamily="34" charset="-120"/>
+              </a:rPr>
+              <a:t>可串接資料庫</a:t>
+            </a:r>
+          </a:p>
+          <a:p>
+            <a:pPr>
+              <a:lnSpc>
+                <a:spcPct val="150000"/>
+              </a:lnSpc>
+            </a:pPr>
+            <a:r>
+              <a:rPr lang="zh-TW" altLang="en-US" sz="2800" dirty="0">
+                <a:solidFill>
+                  <a:schemeClr val="accent5">
+                    <a:lumMod val="75000"/>
+                  </a:schemeClr>
+                </a:solidFill>
+                <a:latin typeface="微軟正黑體" panose="020B0604030504040204" pitchFamily="34" charset="-120"/>
+                <a:ea typeface="微軟正黑體" panose="020B0604030504040204" pitchFamily="34" charset="-120"/>
+              </a:rPr>
+              <a:t>根據</a:t>
+            </a:r>
+            <a:r>
+              <a:rPr lang="en-US" altLang="zh-TW" sz="2800" dirty="0">
+                <a:solidFill>
+                  <a:schemeClr val="accent5">
+                    <a:lumMod val="75000"/>
+                  </a:schemeClr>
+                </a:solidFill>
+                <a:latin typeface="微軟正黑體" panose="020B0604030504040204" pitchFamily="34" charset="-120"/>
+                <a:ea typeface="微軟正黑體" panose="020B0604030504040204" pitchFamily="34" charset="-120"/>
+              </a:rPr>
+              <a:t>W3Techs</a:t>
+            </a:r>
+            <a:r>
+              <a:rPr lang="zh-TW" altLang="en-US" sz="2800" dirty="0">
+                <a:solidFill>
+                  <a:schemeClr val="accent5">
+                    <a:lumMod val="75000"/>
+                  </a:schemeClr>
+                </a:solidFill>
+                <a:latin typeface="微軟正黑體" panose="020B0604030504040204" pitchFamily="34" charset="-120"/>
+                <a:ea typeface="微軟正黑體" panose="020B0604030504040204" pitchFamily="34" charset="-120"/>
+              </a:rPr>
+              <a:t>的報告，截至</a:t>
+            </a:r>
+            <a:r>
+              <a:rPr lang="en-US" altLang="zh-TW" sz="2800" dirty="0">
+                <a:solidFill>
+                  <a:schemeClr val="accent5">
+                    <a:lumMod val="75000"/>
+                  </a:schemeClr>
+                </a:solidFill>
+                <a:latin typeface="微軟正黑體" panose="020B0604030504040204" pitchFamily="34" charset="-120"/>
+                <a:ea typeface="微軟正黑體" panose="020B0604030504040204" pitchFamily="34" charset="-120"/>
+              </a:rPr>
+              <a:t>2021</a:t>
+            </a:r>
+            <a:r>
+              <a:rPr lang="zh-TW" altLang="en-US" sz="2800" dirty="0">
+                <a:solidFill>
+                  <a:schemeClr val="accent5">
+                    <a:lumMod val="75000"/>
+                  </a:schemeClr>
+                </a:solidFill>
+                <a:latin typeface="微軟正黑體" panose="020B0604030504040204" pitchFamily="34" charset="-120"/>
+                <a:ea typeface="微軟正黑體" panose="020B0604030504040204" pitchFamily="34" charset="-120"/>
+              </a:rPr>
+              <a:t>年</a:t>
+            </a:r>
+            <a:r>
+              <a:rPr lang="en-US" altLang="zh-TW" sz="2800" dirty="0">
+                <a:solidFill>
+                  <a:schemeClr val="accent5">
+                    <a:lumMod val="75000"/>
+                  </a:schemeClr>
+                </a:solidFill>
+                <a:latin typeface="微軟正黑體" panose="020B0604030504040204" pitchFamily="34" charset="-120"/>
+                <a:ea typeface="微軟正黑體" panose="020B0604030504040204" pitchFamily="34" charset="-120"/>
+              </a:rPr>
+              <a:t>9</a:t>
+            </a:r>
+            <a:r>
+              <a:rPr lang="zh-TW" altLang="en-US" sz="2800" dirty="0">
+                <a:solidFill>
+                  <a:schemeClr val="accent5">
+                    <a:lumMod val="75000"/>
+                  </a:schemeClr>
+                </a:solidFill>
+                <a:latin typeface="微軟正黑體" panose="020B0604030504040204" pitchFamily="34" charset="-120"/>
+                <a:ea typeface="微軟正黑體" panose="020B0604030504040204" pitchFamily="34" charset="-120"/>
+              </a:rPr>
+              <a:t>月：「有</a:t>
+            </a:r>
+            <a:r>
+              <a:rPr lang="en-US" altLang="zh-TW" sz="2800" dirty="0">
+                <a:solidFill>
+                  <a:schemeClr val="accent5">
+                    <a:lumMod val="75000"/>
+                  </a:schemeClr>
+                </a:solidFill>
+                <a:latin typeface="微軟正黑體" panose="020B0604030504040204" pitchFamily="34" charset="-120"/>
+                <a:ea typeface="微軟正黑體" panose="020B0604030504040204" pitchFamily="34" charset="-120"/>
+              </a:rPr>
+              <a:t>78.9%</a:t>
+            </a:r>
+            <a:r>
+              <a:rPr lang="zh-TW" altLang="en-US" sz="2800" dirty="0">
+                <a:solidFill>
+                  <a:schemeClr val="accent5">
+                    <a:lumMod val="75000"/>
+                  </a:schemeClr>
+                </a:solidFill>
+                <a:latin typeface="微軟正黑體" panose="020B0604030504040204" pitchFamily="34" charset="-120"/>
+                <a:ea typeface="微軟正黑體" panose="020B0604030504040204" pitchFamily="34" charset="-120"/>
+              </a:rPr>
+              <a:t>的網站使用</a:t>
+            </a:r>
+            <a:r>
+              <a:rPr lang="en-US" altLang="zh-TW" sz="2800" dirty="0">
+                <a:solidFill>
+                  <a:schemeClr val="accent5">
+                    <a:lumMod val="75000"/>
+                  </a:schemeClr>
+                </a:solidFill>
+                <a:latin typeface="微軟正黑體" panose="020B0604030504040204" pitchFamily="34" charset="-120"/>
+                <a:ea typeface="微軟正黑體" panose="020B0604030504040204" pitchFamily="34" charset="-120"/>
+              </a:rPr>
+              <a:t>PHP</a:t>
+            </a:r>
+            <a:r>
+              <a:rPr lang="zh-TW" altLang="en-US" sz="2800" dirty="0">
+                <a:solidFill>
+                  <a:schemeClr val="accent5">
+                    <a:lumMod val="75000"/>
+                  </a:schemeClr>
+                </a:solidFill>
+                <a:latin typeface="微軟正黑體" panose="020B0604030504040204" pitchFamily="34" charset="-120"/>
+                <a:ea typeface="微軟正黑體" panose="020B0604030504040204" pitchFamily="34" charset="-120"/>
+              </a:rPr>
+              <a:t>。」</a:t>
+            </a:r>
+          </a:p>
+        </p:txBody>
+      </p:sp>
+    </p:spTree>
+    <p:extLst>
+      <p:ext uri="{BB962C8B-B14F-4D97-AF65-F5344CB8AC3E}">
+        <p14:creationId xmlns:p14="http://schemas.microsoft.com/office/powerpoint/2010/main" val="1155056621"/>
+      </p:ext>
+    </p:extLst>
+  </p:cSld>
+  <p:clrMapOvr>
+    <a:masterClrMapping/>
+  </p:clrMapOvr>
+</p:sld>
+</file>
+
+<file path=ppt/slides/slide3.xml><?xml version="1.0" encoding="utf-8"?>
+<p:sld xmlns:a="http://schemas.openxmlformats.org/drawingml/2006/main" xmlns:r="http://schemas.openxmlformats.org/officeDocument/2006/relationships" xmlns:p="http://schemas.openxmlformats.org/presentationml/2006/main">
+  <p:cSld>
+    <p:spTree>
+      <p:nvGrpSpPr>
+        <p:cNvPr id="1" name=""/>
+        <p:cNvGrpSpPr/>
+        <p:nvPr/>
+      </p:nvGrpSpPr>
+      <p:grpSpPr>
+        <a:xfrm>
+          <a:off x="0" y="0"/>
+          <a:ext cx="0" cy="0"/>
+          <a:chOff x="0" y="0"/>
+          <a:chExt cx="0" cy="0"/>
+        </a:xfrm>
+      </p:grpSpPr>
+      <p:grpSp>
+        <p:nvGrpSpPr>
+          <p:cNvPr id="45" name="群組 44">
+            <a:extLst>
+              <a:ext uri="{FF2B5EF4-FFF2-40B4-BE49-F238E27FC236}">
+                <a16:creationId xmlns:a16="http://schemas.microsoft.com/office/drawing/2014/main" id="{083AB210-8537-4CCB-ACA4-D93A320D6BCA}"/>
+              </a:ext>
+            </a:extLst>
+          </p:cNvPr>
+          <p:cNvGrpSpPr/>
+          <p:nvPr/>
+        </p:nvGrpSpPr>
+        <p:grpSpPr>
+          <a:xfrm>
+            <a:off x="762000" y="647700"/>
+            <a:ext cx="4800600" cy="1981200"/>
+            <a:chOff x="2743200" y="4076700"/>
+            <a:chExt cx="4800600" cy="1981200"/>
+          </a:xfrm>
+        </p:grpSpPr>
+        <p:sp>
+          <p:nvSpPr>
+            <p:cNvPr id="46" name="矩形 45">
+              <a:extLst>
+                <a:ext uri="{FF2B5EF4-FFF2-40B4-BE49-F238E27FC236}">
+                  <a16:creationId xmlns:a16="http://schemas.microsoft.com/office/drawing/2014/main" id="{3A4EB268-5979-4A49-B597-7B5C03CCCF55}"/>
+                </a:ext>
+              </a:extLst>
+            </p:cNvPr>
+            <p:cNvSpPr/>
+            <p:nvPr/>
+          </p:nvSpPr>
+          <p:spPr>
+            <a:xfrm>
+              <a:off x="2971800" y="4229100"/>
+              <a:ext cx="4572000" cy="1828800"/>
+            </a:xfrm>
+            <a:prstGeom prst="rect">
+              <a:avLst/>
+            </a:prstGeom>
+            <a:solidFill>
+              <a:schemeClr val="tx2">
+                <a:lumMod val="50000"/>
+              </a:schemeClr>
+            </a:solidFill>
+            <a:ln>
+              <a:noFill/>
+            </a:ln>
+          </p:spPr>
+          <p:style>
+            <a:lnRef idx="2">
+              <a:schemeClr val="accent1">
+                <a:shade val="50000"/>
+              </a:schemeClr>
+            </a:lnRef>
+            <a:fillRef idx="1">
+              <a:schemeClr val="accent1"/>
+            </a:fillRef>
+            <a:effectRef idx="0">
+              <a:schemeClr val="accent1"/>
+            </a:effectRef>
+            <a:fontRef idx="minor">
+              <a:schemeClr val="lt1"/>
+            </a:fontRef>
+          </p:style>
+          <p:txBody>
+            <a:bodyPr rtlCol="0" anchor="ctr"/>
+            <a:lstStyle/>
+            <a:p>
+              <a:pPr algn="ctr"/>
+              <a:endParaRPr lang="zh-TW" altLang="en-US"/>
+            </a:p>
+          </p:txBody>
+        </p:sp>
+        <p:sp>
+          <p:nvSpPr>
+            <p:cNvPr id="47" name="矩形 46">
+              <a:extLst>
+                <a:ext uri="{FF2B5EF4-FFF2-40B4-BE49-F238E27FC236}">
+                  <a16:creationId xmlns:a16="http://schemas.microsoft.com/office/drawing/2014/main" id="{66D4A8F2-5AC0-47BC-8AA1-F64624AE8C16}"/>
+                </a:ext>
+              </a:extLst>
+            </p:cNvPr>
+            <p:cNvSpPr/>
+            <p:nvPr/>
+          </p:nvSpPr>
+          <p:spPr>
+            <a:xfrm>
+              <a:off x="2743200" y="4076700"/>
+              <a:ext cx="4648200" cy="1828800"/>
+            </a:xfrm>
+            <a:prstGeom prst="rect">
+              <a:avLst/>
+            </a:prstGeom>
+            <a:solidFill>
+              <a:schemeClr val="accent1">
+                <a:lumMod val="40000"/>
+                <a:lumOff val="60000"/>
+              </a:schemeClr>
+            </a:solidFill>
+            <a:ln>
+              <a:noFill/>
+            </a:ln>
+          </p:spPr>
+          <p:style>
+            <a:lnRef idx="2">
+              <a:schemeClr val="accent1">
+                <a:shade val="50000"/>
+              </a:schemeClr>
+            </a:lnRef>
+            <a:fillRef idx="1">
+              <a:schemeClr val="accent1"/>
+            </a:fillRef>
+            <a:effectRef idx="0">
+              <a:schemeClr val="accent1"/>
+            </a:effectRef>
+            <a:fontRef idx="minor">
+              <a:schemeClr val="lt1"/>
+            </a:fontRef>
+          </p:style>
+          <p:txBody>
+            <a:bodyPr rtlCol="0" anchor="ctr"/>
+            <a:lstStyle/>
+            <a:p>
+              <a:pPr algn="ctr"/>
+              <a:endParaRPr lang="zh-TW" altLang="en-US"/>
+            </a:p>
+          </p:txBody>
+        </p:sp>
+      </p:grpSp>
+      <p:sp>
+        <p:nvSpPr>
+          <p:cNvPr id="41" name="文字方塊 40">
+            <a:extLst>
+              <a:ext uri="{FF2B5EF4-FFF2-40B4-BE49-F238E27FC236}">
+                <a16:creationId xmlns:a16="http://schemas.microsoft.com/office/drawing/2014/main" id="{91D7AB1F-D80F-4255-8E22-135EA82604C8}"/>
+              </a:ext>
+            </a:extLst>
+          </p:cNvPr>
+          <p:cNvSpPr txBox="1"/>
+          <p:nvPr/>
+        </p:nvSpPr>
+        <p:spPr>
+          <a:xfrm>
+            <a:off x="1447800" y="1100435"/>
+            <a:ext cx="9144000" cy="923330"/>
+          </a:xfrm>
+          <a:prstGeom prst="rect">
+            <a:avLst/>
+          </a:prstGeom>
+          <a:noFill/>
+        </p:spPr>
+        <p:txBody>
+          <a:bodyPr wrap="square">
+            <a:spAutoFit/>
+          </a:bodyPr>
+          <a:lstStyle/>
+          <a:p>
+            <a:r>
+              <a:rPr lang="en-US" altLang="zh-TW" sz="5400" dirty="0">
+                <a:latin typeface="王漢宗細圓體繁" panose="02020300000000000000" pitchFamily="18" charset="-120"/>
+                <a:ea typeface="王漢宗細圓體繁" panose="02020300000000000000" pitchFamily="18" charset="-120"/>
+              </a:rPr>
+              <a:t>PHP</a:t>
+            </a:r>
+            <a:r>
+              <a:rPr lang="zh-TW" altLang="en-US" sz="5400" dirty="0">
+                <a:latin typeface="王漢宗細圓體繁" panose="02020300000000000000" pitchFamily="18" charset="-120"/>
+                <a:ea typeface="王漢宗細圓體繁" panose="02020300000000000000" pitchFamily="18" charset="-120"/>
+              </a:rPr>
+              <a:t>是什麼</a:t>
+            </a:r>
+          </a:p>
+        </p:txBody>
+      </p:sp>
+      <p:pic>
+        <p:nvPicPr>
+          <p:cNvPr id="43" name="圖片 42">
+            <a:extLst>
+              <a:ext uri="{FF2B5EF4-FFF2-40B4-BE49-F238E27FC236}">
+                <a16:creationId xmlns:a16="http://schemas.microsoft.com/office/drawing/2014/main" id="{74C0893E-9D49-4847-B3D5-762B01BF4353}"/>
+              </a:ext>
+            </a:extLst>
+          </p:cNvPr>
+          <p:cNvPicPr>
+            <a:picLocks noChangeAspect="1"/>
+          </p:cNvPicPr>
+          <p:nvPr/>
+        </p:nvPicPr>
+        <p:blipFill>
+          <a:blip r:embed="rId2"/>
+          <a:stretch>
+            <a:fillRect/>
+          </a:stretch>
+        </p:blipFill>
+        <p:spPr>
+          <a:xfrm>
+            <a:off x="12954000" y="-2019300"/>
+            <a:ext cx="7657240" cy="7059780"/>
+          </a:xfrm>
+          <a:prstGeom prst="rect">
+            <a:avLst/>
+          </a:prstGeom>
+        </p:spPr>
+      </p:pic>
+      <p:pic>
+        <p:nvPicPr>
+          <p:cNvPr id="2" name="圖片 1">
+            <a:extLst>
+              <a:ext uri="{FF2B5EF4-FFF2-40B4-BE49-F238E27FC236}">
+                <a16:creationId xmlns:a16="http://schemas.microsoft.com/office/drawing/2014/main" id="{647D4EA5-FABD-42E0-B06C-15C761CFD9AD}"/>
+              </a:ext>
+            </a:extLst>
+          </p:cNvPr>
+          <p:cNvPicPr>
+            <a:picLocks noChangeAspect="1"/>
+          </p:cNvPicPr>
+          <p:nvPr/>
+        </p:nvPicPr>
+        <p:blipFill>
+          <a:blip r:embed="rId3"/>
+          <a:stretch>
+            <a:fillRect/>
+          </a:stretch>
+        </p:blipFill>
+        <p:spPr>
+          <a:xfrm>
+            <a:off x="3581400" y="3014424"/>
+            <a:ext cx="11960736" cy="6202221"/>
+          </a:xfrm>
+          <a:prstGeom prst="rect">
+            <a:avLst/>
+          </a:prstGeom>
+        </p:spPr>
+      </p:pic>
+    </p:spTree>
+    <p:extLst>
+      <p:ext uri="{BB962C8B-B14F-4D97-AF65-F5344CB8AC3E}">
+        <p14:creationId xmlns:p14="http://schemas.microsoft.com/office/powerpoint/2010/main" val="2110701379"/>
+      </p:ext>
+    </p:extLst>
+  </p:cSld>
+  <p:clrMapOvr>
+    <a:masterClrMapping/>
+  </p:clrMapOvr>
+</p:sld>
+</file>
+
+<file path=ppt/slides/slide4.xml><?xml version="1.0" encoding="utf-8"?>
+<p:sld xmlns:a="http://schemas.openxmlformats.org/drawingml/2006/main" xmlns:r="http://schemas.openxmlformats.org/officeDocument/2006/relationships" xmlns:p="http://schemas.openxmlformats.org/presentationml/2006/main">
+  <p:cSld>
+    <p:spTree>
+      <p:nvGrpSpPr>
+        <p:cNvPr id="1" name=""/>
+        <p:cNvGrpSpPr/>
+        <p:nvPr/>
+      </p:nvGrpSpPr>
+      <p:grpSpPr>
+        <a:xfrm>
+          <a:off x="0" y="0"/>
+          <a:ext cx="0" cy="0"/>
+          <a:chOff x="0" y="0"/>
+          <a:chExt cx="0" cy="0"/>
+        </a:xfrm>
+      </p:grpSpPr>
+      <p:pic>
+        <p:nvPicPr>
+          <p:cNvPr id="26" name="圖片 25">
+            <a:extLst>
+              <a:ext uri="{FF2B5EF4-FFF2-40B4-BE49-F238E27FC236}">
+                <a16:creationId xmlns:a16="http://schemas.microsoft.com/office/drawing/2014/main" id="{14A15061-053B-4A28-AE9D-125B749E4202}"/>
+              </a:ext>
+            </a:extLst>
+          </p:cNvPr>
+          <p:cNvPicPr>
+            <a:picLocks noChangeAspect="1"/>
+          </p:cNvPicPr>
+          <p:nvPr/>
+        </p:nvPicPr>
+        <p:blipFill>
+          <a:blip r:embed="rId2"/>
+          <a:stretch>
+            <a:fillRect/>
+          </a:stretch>
+        </p:blipFill>
+        <p:spPr>
+          <a:xfrm>
+            <a:off x="1905000" y="1562100"/>
+            <a:ext cx="15239999" cy="7924800"/>
+          </a:xfrm>
+          <a:prstGeom prst="rect">
+            <a:avLst/>
+          </a:prstGeom>
+        </p:spPr>
+      </p:pic>
+      <p:grpSp>
+        <p:nvGrpSpPr>
+          <p:cNvPr id="19" name="群組 18">
+            <a:extLst>
+              <a:ext uri="{FF2B5EF4-FFF2-40B4-BE49-F238E27FC236}">
+                <a16:creationId xmlns:a16="http://schemas.microsoft.com/office/drawing/2014/main" id="{CFEBD686-088C-4104-B139-3FE9C108D488}"/>
+              </a:ext>
+            </a:extLst>
+          </p:cNvPr>
+          <p:cNvGrpSpPr/>
+          <p:nvPr/>
+        </p:nvGrpSpPr>
+        <p:grpSpPr>
+          <a:xfrm>
+            <a:off x="762000" y="647700"/>
+            <a:ext cx="4343400" cy="1981200"/>
+            <a:chOff x="2743200" y="4076700"/>
+            <a:chExt cx="4800600" cy="1981200"/>
+          </a:xfrm>
+        </p:grpSpPr>
+        <p:sp>
+          <p:nvSpPr>
+            <p:cNvPr id="20" name="矩形 19">
+              <a:extLst>
+                <a:ext uri="{FF2B5EF4-FFF2-40B4-BE49-F238E27FC236}">
+                  <a16:creationId xmlns:a16="http://schemas.microsoft.com/office/drawing/2014/main" id="{07BD9B36-C800-4AE5-A241-E35FB5D91013}"/>
+                </a:ext>
+              </a:extLst>
+            </p:cNvPr>
+            <p:cNvSpPr/>
+            <p:nvPr/>
+          </p:nvSpPr>
+          <p:spPr>
+            <a:xfrm>
+              <a:off x="2971800" y="4229100"/>
+              <a:ext cx="4572000" cy="1828800"/>
+            </a:xfrm>
+            <a:prstGeom prst="rect">
+              <a:avLst/>
+            </a:prstGeom>
+            <a:solidFill>
+              <a:schemeClr val="tx2">
+                <a:lumMod val="50000"/>
+              </a:schemeClr>
+            </a:solidFill>
+            <a:ln>
+              <a:noFill/>
+            </a:ln>
+          </p:spPr>
+          <p:style>
+            <a:lnRef idx="2">
+              <a:schemeClr val="accent1">
+                <a:shade val="50000"/>
+              </a:schemeClr>
+            </a:lnRef>
+            <a:fillRef idx="1">
+              <a:schemeClr val="accent1"/>
+            </a:fillRef>
+            <a:effectRef idx="0">
+              <a:schemeClr val="accent1"/>
+            </a:effectRef>
+            <a:fontRef idx="minor">
+              <a:schemeClr val="lt1"/>
+            </a:fontRef>
+          </p:style>
+          <p:txBody>
+            <a:bodyPr rtlCol="0" anchor="ctr"/>
+            <a:lstStyle/>
+            <a:p>
+              <a:pPr algn="ctr"/>
+              <a:endParaRPr lang="zh-TW" altLang="en-US"/>
+            </a:p>
+          </p:txBody>
+        </p:sp>
+        <p:sp>
+          <p:nvSpPr>
+            <p:cNvPr id="21" name="矩形 20">
+              <a:extLst>
+                <a:ext uri="{FF2B5EF4-FFF2-40B4-BE49-F238E27FC236}">
+                  <a16:creationId xmlns:a16="http://schemas.microsoft.com/office/drawing/2014/main" id="{271A3F75-EC09-4E70-A48F-7FF78CF6EEA2}"/>
+                </a:ext>
+              </a:extLst>
+            </p:cNvPr>
+            <p:cNvSpPr/>
+            <p:nvPr/>
+          </p:nvSpPr>
+          <p:spPr>
+            <a:xfrm>
+              <a:off x="2743200" y="4076700"/>
+              <a:ext cx="4648200" cy="1828800"/>
+            </a:xfrm>
+            <a:prstGeom prst="rect">
+              <a:avLst/>
+            </a:prstGeom>
+            <a:solidFill>
+              <a:schemeClr val="accent1">
+                <a:lumMod val="40000"/>
+                <a:lumOff val="60000"/>
+              </a:schemeClr>
+            </a:solidFill>
+            <a:ln>
+              <a:noFill/>
+            </a:ln>
+          </p:spPr>
+          <p:style>
+            <a:lnRef idx="2">
+              <a:schemeClr val="accent1">
+                <a:shade val="50000"/>
+              </a:schemeClr>
+            </a:lnRef>
+            <a:fillRef idx="1">
+              <a:schemeClr val="accent1"/>
+            </a:fillRef>
+            <a:effectRef idx="0">
+              <a:schemeClr val="accent1"/>
+            </a:effectRef>
+            <a:fontRef idx="minor">
+              <a:schemeClr val="lt1"/>
+            </a:fontRef>
+          </p:style>
+          <p:txBody>
+            <a:bodyPr rtlCol="0" anchor="ctr"/>
+            <a:lstStyle/>
+            <a:p>
+              <a:pPr algn="ctr"/>
+              <a:endParaRPr lang="zh-TW" altLang="en-US"/>
+            </a:p>
+          </p:txBody>
+        </p:sp>
+      </p:grpSp>
+      <p:sp>
+        <p:nvSpPr>
+          <p:cNvPr id="22" name="文字方塊 21">
+            <a:extLst>
+              <a:ext uri="{FF2B5EF4-FFF2-40B4-BE49-F238E27FC236}">
+                <a16:creationId xmlns:a16="http://schemas.microsoft.com/office/drawing/2014/main" id="{EA4F5E9D-447E-4848-AE2D-D058D31F6F15}"/>
+              </a:ext>
+            </a:extLst>
+          </p:cNvPr>
+          <p:cNvSpPr txBox="1"/>
+          <p:nvPr/>
+        </p:nvSpPr>
+        <p:spPr>
+          <a:xfrm>
+            <a:off x="1286025" y="1029206"/>
+            <a:ext cx="7239000" cy="1015663"/>
+          </a:xfrm>
+          <a:prstGeom prst="rect">
+            <a:avLst/>
+          </a:prstGeom>
+          <a:noFill/>
+        </p:spPr>
+        <p:txBody>
+          <a:bodyPr wrap="square" rtlCol="0">
+            <a:spAutoFit/>
+          </a:bodyPr>
+          <a:lstStyle/>
+          <a:p>
+            <a:r>
+              <a:rPr lang="zh-TW" altLang="en-US" sz="6000" dirty="0">
+                <a:latin typeface="王漢宗細圓體繁" panose="02020300000000000000" pitchFamily="18" charset="-120"/>
+                <a:ea typeface="王漢宗細圓體繁" panose="02020300000000000000" pitchFamily="18" charset="-120"/>
+              </a:rPr>
+              <a:t>課程目標</a:t>
+            </a:r>
+          </a:p>
+        </p:txBody>
+      </p:sp>
+      <p:pic>
+        <p:nvPicPr>
+          <p:cNvPr id="24" name="圖片 23">
+            <a:extLst>
+              <a:ext uri="{FF2B5EF4-FFF2-40B4-BE49-F238E27FC236}">
+                <a16:creationId xmlns:a16="http://schemas.microsoft.com/office/drawing/2014/main" id="{98C1097A-08F5-4F85-851D-C0A222C4D8EA}"/>
+              </a:ext>
+            </a:extLst>
+          </p:cNvPr>
+          <p:cNvPicPr>
+            <a:picLocks noChangeAspect="1"/>
+          </p:cNvPicPr>
+          <p:nvPr/>
+        </p:nvPicPr>
+        <p:blipFill>
+          <a:blip r:embed="rId3"/>
+          <a:stretch>
+            <a:fillRect/>
+          </a:stretch>
+        </p:blipFill>
+        <p:spPr>
+          <a:xfrm rot="11061474">
+            <a:off x="-3324245" y="5307143"/>
+            <a:ext cx="7657240" cy="7059780"/>
+          </a:xfrm>
+          <a:prstGeom prst="rect">
+            <a:avLst/>
+          </a:prstGeom>
+        </p:spPr>
+      </p:pic>
+      <p:pic>
+        <p:nvPicPr>
+          <p:cNvPr id="5" name="圖片 4">
+            <a:extLst>
+              <a:ext uri="{FF2B5EF4-FFF2-40B4-BE49-F238E27FC236}">
+                <a16:creationId xmlns:a16="http://schemas.microsoft.com/office/drawing/2014/main" id="{B279E9A2-7007-4B6D-ADFE-34554FCF6528}"/>
+              </a:ext>
+            </a:extLst>
+          </p:cNvPr>
+          <p:cNvPicPr>
+            <a:picLocks noChangeAspect="1"/>
+          </p:cNvPicPr>
+          <p:nvPr/>
+        </p:nvPicPr>
+        <p:blipFill>
+          <a:blip r:embed="rId4"/>
+          <a:stretch>
+            <a:fillRect/>
+          </a:stretch>
+        </p:blipFill>
+        <p:spPr>
+          <a:xfrm>
+            <a:off x="13959603" y="-206258"/>
+            <a:ext cx="5456393" cy="4188315"/>
+          </a:xfrm>
+          <a:prstGeom prst="rect">
+            <a:avLst/>
+          </a:prstGeom>
+        </p:spPr>
+      </p:pic>
+      <p:sp>
+        <p:nvSpPr>
+          <p:cNvPr id="10" name="內容版面配置區 2">
+            <a:extLst>
+              <a:ext uri="{FF2B5EF4-FFF2-40B4-BE49-F238E27FC236}">
+                <a16:creationId xmlns:a16="http://schemas.microsoft.com/office/drawing/2014/main" id="{D65C5990-AABC-41DA-A95F-DAA4610D94C6}"/>
+              </a:ext>
+            </a:extLst>
+          </p:cNvPr>
+          <p:cNvSpPr txBox="1">
+            <a:spLocks/>
+          </p:cNvSpPr>
+          <p:nvPr/>
+        </p:nvSpPr>
+        <p:spPr>
+          <a:xfrm>
+            <a:off x="3886200" y="3590215"/>
+            <a:ext cx="10515600" cy="4351338"/>
+          </a:xfrm>
+          <a:prstGeom prst="rect">
+            <a:avLst/>
+          </a:prstGeom>
+        </p:spPr>
+        <p:txBody>
+          <a:bodyPr/>
+          <a:lstStyle>
+            <a:lvl1pPr marL="342900" indent="-342900" algn="l" defTabSz="914400" rtl="0" eaLnBrk="1" latinLnBrk="0" hangingPunct="1">
+              <a:spcBef>
+                <a:spcPct val="20000"/>
+              </a:spcBef>
+              <a:buFont typeface="Arial" pitchFamily="34" charset="0"/>
+              <a:buChar char="•"/>
+              <a:defRPr sz="3200" kern="1200">
+                <a:solidFill>
+                  <a:schemeClr val="tx1"/>
+                </a:solidFill>
+                <a:latin typeface="+mn-lt"/>
+                <a:ea typeface="+mn-ea"/>
+                <a:cs typeface="+mn-cs"/>
+              </a:defRPr>
+            </a:lvl1pPr>
+            <a:lvl2pPr marL="742950" indent="-285750" algn="l" defTabSz="914400" rtl="0" eaLnBrk="1" latinLnBrk="0" hangingPunct="1">
+              <a:spcBef>
+                <a:spcPct val="20000"/>
+              </a:spcBef>
+              <a:buFont typeface="Arial" pitchFamily="34" charset="0"/>
+              <a:buChar char="–"/>
+              <a:defRPr sz="2800" kern="1200">
+                <a:solidFill>
+                  <a:schemeClr val="tx1"/>
+                </a:solidFill>
+                <a:latin typeface="+mn-lt"/>
+                <a:ea typeface="+mn-ea"/>
+                <a:cs typeface="+mn-cs"/>
+              </a:defRPr>
+            </a:lvl2pPr>
+            <a:lvl3pPr marL="1143000" indent="-228600" algn="l" defTabSz="914400" rtl="0" eaLnBrk="1" latinLnBrk="0" hangingPunct="1">
+              <a:spcBef>
+                <a:spcPct val="20000"/>
+              </a:spcBef>
+              <a:buFont typeface="Arial" pitchFamily="34" charset="0"/>
+              <a:buChar char="•"/>
+              <a:defRPr sz="2400" kern="1200">
+                <a:solidFill>
+                  <a:schemeClr val="tx1"/>
+                </a:solidFill>
+                <a:latin typeface="+mn-lt"/>
+                <a:ea typeface="+mn-ea"/>
+                <a:cs typeface="+mn-cs"/>
+              </a:defRPr>
+            </a:lvl3pPr>
+            <a:lvl4pPr marL="1600200" indent="-228600" algn="l" defTabSz="914400" rtl="0" eaLnBrk="1" latinLnBrk="0" hangingPunct="1">
+              <a:spcBef>
+                <a:spcPct val="20000"/>
+              </a:spcBef>
+              <a:buFont typeface="Arial" pitchFamily="34" charset="0"/>
+              <a:buChar char="–"/>
+              <a:defRPr sz="2000" kern="1200">
+                <a:solidFill>
+                  <a:schemeClr val="tx1"/>
+                </a:solidFill>
+                <a:latin typeface="+mn-lt"/>
+                <a:ea typeface="+mn-ea"/>
+                <a:cs typeface="+mn-cs"/>
+              </a:defRPr>
+            </a:lvl4pPr>
+            <a:lvl5pPr marL="2057400" indent="-228600" algn="l" defTabSz="914400" rtl="0" eaLnBrk="1" latinLnBrk="0" hangingPunct="1">
+              <a:spcBef>
+                <a:spcPct val="20000"/>
+              </a:spcBef>
+              <a:buFont typeface="Arial" pitchFamily="34" charset="0"/>
+              <a:buChar char="»"/>
+              <a:defRPr sz="2000" kern="1200">
+                <a:solidFill>
+                  <a:schemeClr val="tx1"/>
+                </a:solidFill>
+                <a:latin typeface="+mn-lt"/>
+                <a:ea typeface="+mn-ea"/>
+                <a:cs typeface="+mn-cs"/>
+              </a:defRPr>
+            </a:lvl5pPr>
+            <a:lvl6pPr marL="2514600" indent="-228600" algn="l" defTabSz="914400" rtl="0" eaLnBrk="1" latinLnBrk="0" hangingPunct="1">
+              <a:spcBef>
+                <a:spcPct val="20000"/>
+              </a:spcBef>
+              <a:buFont typeface="Arial" pitchFamily="34" charset="0"/>
+              <a:buChar char="•"/>
+              <a:defRPr sz="2000" kern="1200">
+                <a:solidFill>
+                  <a:schemeClr val="tx1"/>
+                </a:solidFill>
+                <a:latin typeface="+mn-lt"/>
+                <a:ea typeface="+mn-ea"/>
+                <a:cs typeface="+mn-cs"/>
+              </a:defRPr>
+            </a:lvl6pPr>
+            <a:lvl7pPr marL="2971800" indent="-228600" algn="l" defTabSz="914400" rtl="0" eaLnBrk="1" latinLnBrk="0" hangingPunct="1">
+              <a:spcBef>
+                <a:spcPct val="20000"/>
+              </a:spcBef>
+              <a:buFont typeface="Arial" pitchFamily="34" charset="0"/>
+              <a:buChar char="•"/>
+              <a:defRPr sz="2000" kern="1200">
+                <a:solidFill>
+                  <a:schemeClr val="tx1"/>
+                </a:solidFill>
+                <a:latin typeface="+mn-lt"/>
+                <a:ea typeface="+mn-ea"/>
+                <a:cs typeface="+mn-cs"/>
+              </a:defRPr>
+            </a:lvl7pPr>
+            <a:lvl8pPr marL="3429000" indent="-228600" algn="l" defTabSz="914400" rtl="0" eaLnBrk="1" latinLnBrk="0" hangingPunct="1">
+              <a:spcBef>
+                <a:spcPct val="20000"/>
+              </a:spcBef>
+              <a:buFont typeface="Arial" pitchFamily="34" charset="0"/>
+              <a:buChar char="•"/>
+              <a:defRPr sz="2000" kern="1200">
+                <a:solidFill>
+                  <a:schemeClr val="tx1"/>
+                </a:solidFill>
+                <a:latin typeface="+mn-lt"/>
+                <a:ea typeface="+mn-ea"/>
+                <a:cs typeface="+mn-cs"/>
+              </a:defRPr>
+            </a:lvl8pPr>
+            <a:lvl9pPr marL="3886200" indent="-228600" algn="l" defTabSz="914400" rtl="0" eaLnBrk="1" latinLnBrk="0" hangingPunct="1">
+              <a:spcBef>
+                <a:spcPct val="20000"/>
+              </a:spcBef>
+              <a:buFont typeface="Arial" pitchFamily="34" charset="0"/>
+              <a:buChar char="•"/>
+              <a:defRPr sz="2000" kern="1200">
+                <a:solidFill>
+                  <a:schemeClr val="tx1"/>
+                </a:solidFill>
+                <a:latin typeface="+mn-lt"/>
+                <a:ea typeface="+mn-ea"/>
+                <a:cs typeface="+mn-cs"/>
+              </a:defRPr>
+            </a:lvl9pPr>
+          </a:lstStyle>
+          <a:p>
+            <a:pPr>
+              <a:buFont typeface="Wingdings" panose="05000000000000000000" pitchFamily="2" charset="2"/>
+              <a:buChar char="ü"/>
+            </a:pPr>
+            <a:r>
+              <a:rPr lang="zh-TW" altLang="en-US" sz="4000" dirty="0">
+                <a:latin typeface="微軟正黑體" panose="020B0604030504040204" pitchFamily="34" charset="-120"/>
+                <a:ea typeface="微軟正黑體" panose="020B0604030504040204" pitchFamily="34" charset="-120"/>
+              </a:rPr>
+              <a:t>入門</a:t>
+            </a:r>
+            <a:r>
+              <a:rPr lang="en-US" altLang="zh-TW" sz="4000" dirty="0">
+                <a:latin typeface="微軟正黑體" panose="020B0604030504040204" pitchFamily="34" charset="-120"/>
+                <a:ea typeface="微軟正黑體" panose="020B0604030504040204" pitchFamily="34" charset="-120"/>
+              </a:rPr>
+              <a:t>PHP</a:t>
+            </a:r>
+            <a:r>
+              <a:rPr lang="zh-TW" altLang="en-US" sz="4000" dirty="0">
+                <a:latin typeface="微軟正黑體" panose="020B0604030504040204" pitchFamily="34" charset="-120"/>
+                <a:ea typeface="微軟正黑體" panose="020B0604030504040204" pitchFamily="34" charset="-120"/>
+              </a:rPr>
+              <a:t>程式語法</a:t>
+            </a:r>
+            <a:endParaRPr lang="en-US" altLang="zh-TW" sz="4000" dirty="0">
+              <a:latin typeface="微軟正黑體" panose="020B0604030504040204" pitchFamily="34" charset="-120"/>
+              <a:ea typeface="微軟正黑體" panose="020B0604030504040204" pitchFamily="34" charset="-120"/>
+            </a:endParaRPr>
+          </a:p>
+          <a:p>
+            <a:pPr>
+              <a:buFont typeface="Wingdings" panose="05000000000000000000" pitchFamily="2" charset="2"/>
+              <a:buChar char="ü"/>
+            </a:pPr>
+            <a:r>
+              <a:rPr lang="zh-TW" altLang="en-US" sz="4000" dirty="0">
+                <a:latin typeface="微軟正黑體" panose="020B0604030504040204" pitchFamily="34" charset="-120"/>
+                <a:ea typeface="微軟正黑體" panose="020B0604030504040204" pitchFamily="34" charset="-120"/>
+              </a:rPr>
+              <a:t>搞懂</a:t>
+            </a:r>
+            <a:r>
+              <a:rPr lang="en-US" altLang="zh-TW" sz="4000" dirty="0">
+                <a:latin typeface="微軟正黑體" panose="020B0604030504040204" pitchFamily="34" charset="-120"/>
+                <a:ea typeface="微軟正黑體" panose="020B0604030504040204" pitchFamily="34" charset="-120"/>
+              </a:rPr>
+              <a:t>PHP</a:t>
+            </a:r>
+          </a:p>
+          <a:p>
+            <a:pPr>
+              <a:buFont typeface="Wingdings" panose="05000000000000000000" pitchFamily="2" charset="2"/>
+              <a:buChar char="ü"/>
+            </a:pPr>
+            <a:r>
+              <a:rPr lang="zh-TW" altLang="en-US" sz="4000" dirty="0">
+                <a:latin typeface="微軟正黑體" panose="020B0604030504040204" pitchFamily="34" charset="-120"/>
+                <a:ea typeface="微軟正黑體" panose="020B0604030504040204" pitchFamily="34" charset="-120"/>
+              </a:rPr>
+              <a:t>搞懂程式邏輯</a:t>
+            </a:r>
+          </a:p>
+        </p:txBody>
+      </p:sp>
+    </p:spTree>
+    <p:extLst>
+      <p:ext uri="{BB962C8B-B14F-4D97-AF65-F5344CB8AC3E}">
+        <p14:creationId xmlns:p14="http://schemas.microsoft.com/office/powerpoint/2010/main" val="409341176"/>
+      </p:ext>
+    </p:extLst>
+  </p:cSld>
+  <p:clrMapOvr>
+    <a:masterClrMapping/>
+  </p:clrMapOvr>
+</p:sld>
+</file>
+
+<file path=ppt/slides/slide5.xml><?xml version="1.0" encoding="utf-8"?>
 <p:sld xmlns:a="http://schemas.openxmlformats.org/drawingml/2006/main" xmlns:r="http://schemas.openxmlformats.org/officeDocument/2006/relationships" xmlns:p="http://schemas.openxmlformats.org/presentationml/2006/main">
   <p:cSld>
     <p:spTree>
@@ -8091,7 +11152,7 @@
 </p:sld>
 </file>
 
-<file path=ppt/slides/slide3.xml><?xml version="1.0" encoding="utf-8"?>
+<file path=ppt/slides/slide6.xml><?xml version="1.0" encoding="utf-8"?>
 <p:sld xmlns:a="http://schemas.openxmlformats.org/drawingml/2006/main" xmlns:r="http://schemas.openxmlformats.org/officeDocument/2006/relationships" xmlns:p="http://schemas.openxmlformats.org/presentationml/2006/main">
   <p:cSld>
     <p:spTree>
@@ -8392,7 +11453,7 @@
         <p:spPr>
           <a:xfrm>
             <a:off x="4267200" y="2855030"/>
-            <a:ext cx="6324600" cy="4401205"/>
+            <a:ext cx="6324600" cy="6247864"/>
           </a:xfrm>
           <a:prstGeom prst="rect">
             <a:avLst/>
@@ -8481,6 +11542,10 @@
               </a:rPr>
               <a:t>有型別區分</a:t>
             </a:r>
+            <a:endParaRPr lang="en-US" altLang="zh-TW" sz="4000" dirty="0">
+              <a:latin typeface="微軟正黑體" panose="020B0604030504040204" pitchFamily="34" charset="-120"/>
+              <a:ea typeface="微軟正黑體" panose="020B0604030504040204" pitchFamily="34" charset="-120"/>
+            </a:endParaRPr>
           </a:p>
           <a:p>
             <a:r>
@@ -8490,6 +11555,10 @@
               </a:rPr>
               <a:t>字串、整數、小數、布林</a:t>
             </a:r>
+            <a:endParaRPr lang="en-US" altLang="zh-TW" sz="4000" dirty="0">
+              <a:latin typeface="微軟正黑體" panose="020B0604030504040204" pitchFamily="34" charset="-120"/>
+              <a:ea typeface="微軟正黑體" panose="020B0604030504040204" pitchFamily="34" charset="-120"/>
+            </a:endParaRPr>
           </a:p>
           <a:p>
             <a:r>
@@ -8497,6 +11566,26 @@
                 <a:latin typeface="微軟正黑體" panose="020B0604030504040204" pitchFamily="34" charset="-120"/>
                 <a:ea typeface="微軟正黑體" panose="020B0604030504040204" pitchFamily="34" charset="-120"/>
               </a:rPr>
+              <a:t>判別型別 </a:t>
+            </a:r>
+            <a:r>
+              <a:rPr lang="en-US" altLang="zh-TW" sz="4000" dirty="0" err="1">
+                <a:latin typeface="微軟正黑體" panose="020B0604030504040204" pitchFamily="34" charset="-120"/>
+                <a:ea typeface="微軟正黑體" panose="020B0604030504040204" pitchFamily="34" charset="-120"/>
+              </a:rPr>
+              <a:t>var_dump</a:t>
+            </a:r>
+            <a:endParaRPr lang="en-US" altLang="zh-TW" sz="4000" dirty="0">
+              <a:latin typeface="微軟正黑體" panose="020B0604030504040204" pitchFamily="34" charset="-120"/>
+              <a:ea typeface="微軟正黑體" panose="020B0604030504040204" pitchFamily="34" charset="-120"/>
+            </a:endParaRPr>
+          </a:p>
+          <a:p>
+            <a:r>
+              <a:rPr lang="zh-TW" altLang="en-US" sz="4000" dirty="0">
+                <a:latin typeface="微軟正黑體" panose="020B0604030504040204" pitchFamily="34" charset="-120"/>
+                <a:ea typeface="微軟正黑體" panose="020B0604030504040204" pitchFamily="34" charset="-120"/>
+              </a:rPr>
               <a:t>計算符號</a:t>
             </a:r>
             <a:r>
@@ -8555,35 +11644,54 @@
                 <a:latin typeface="微軟正黑體" panose="020B0604030504040204" pitchFamily="34" charset="-120"/>
                 <a:ea typeface="微軟正黑體" panose="020B0604030504040204" pitchFamily="34" charset="-120"/>
               </a:rPr>
-              <a:t>floor()</a:t>
+              <a:t>floor():</a:t>
             </a:r>
             <a:r>
               <a:rPr lang="zh-TW" altLang="en-US" sz="4000" dirty="0">
                 <a:latin typeface="微軟正黑體" panose="020B0604030504040204" pitchFamily="34" charset="-120"/>
                 <a:ea typeface="微軟正黑體" panose="020B0604030504040204" pitchFamily="34" charset="-120"/>
               </a:rPr>
-              <a:t>、</a:t>
-            </a:r>
+              <a:t>無條件捨去</a:t>
+            </a:r>
+            <a:endParaRPr lang="en-US" altLang="zh-TW" sz="4000" dirty="0">
+              <a:latin typeface="微軟正黑體" panose="020B0604030504040204" pitchFamily="34" charset="-120"/>
+              <a:ea typeface="微軟正黑體" panose="020B0604030504040204" pitchFamily="34" charset="-120"/>
+            </a:endParaRPr>
+          </a:p>
+          <a:p>
             <a:r>
               <a:rPr lang="en-US" altLang="zh-TW" sz="4000" dirty="0">
                 <a:latin typeface="微軟正黑體" panose="020B0604030504040204" pitchFamily="34" charset="-120"/>
                 <a:ea typeface="微軟正黑體" panose="020B0604030504040204" pitchFamily="34" charset="-120"/>
               </a:rPr>
-              <a:t>ceil()</a:t>
+              <a:t>ceil():</a:t>
             </a:r>
             <a:r>
               <a:rPr lang="zh-TW" altLang="en-US" sz="4000" dirty="0">
                 <a:latin typeface="微軟正黑體" panose="020B0604030504040204" pitchFamily="34" charset="-120"/>
                 <a:ea typeface="微軟正黑體" panose="020B0604030504040204" pitchFamily="34" charset="-120"/>
               </a:rPr>
-              <a:t>、</a:t>
-            </a:r>
+              <a:t>無條件進位</a:t>
+            </a:r>
+            <a:endParaRPr lang="en-US" altLang="zh-TW" sz="4000" dirty="0">
+              <a:latin typeface="微軟正黑體" panose="020B0604030504040204" pitchFamily="34" charset="-120"/>
+              <a:ea typeface="微軟正黑體" panose="020B0604030504040204" pitchFamily="34" charset="-120"/>
+            </a:endParaRPr>
+          </a:p>
+          <a:p>
             <a:r>
               <a:rPr lang="en-US" altLang="zh-TW" sz="4000" dirty="0">
                 <a:latin typeface="微軟正黑體" panose="020B0604030504040204" pitchFamily="34" charset="-120"/>
                 <a:ea typeface="微軟正黑體" panose="020B0604030504040204" pitchFamily="34" charset="-120"/>
               </a:rPr>
-              <a:t>round()</a:t>
+              <a:t>round():</a:t>
+            </a:r>
+            <a:r>
+              <a:rPr lang="zh-TW" altLang="en-US" sz="4000" dirty="0">
+                <a:latin typeface="微軟正黑體" panose="020B0604030504040204" pitchFamily="34" charset="-120"/>
+                <a:ea typeface="微軟正黑體" panose="020B0604030504040204" pitchFamily="34" charset="-120"/>
+              </a:rPr>
+              <a:t>四捨五入</a:t>
             </a:r>
           </a:p>
         </p:txBody>
@@ -8626,7 +11734,7 @@
 </p:sld>
 </file>
 
-<file path=ppt/slides/slide4.xml><?xml version="1.0" encoding="utf-8"?>
+<file path=ppt/slides/slide7.xml><?xml version="1.0" encoding="utf-8"?>
 <p:sld xmlns:a="http://schemas.openxmlformats.org/drawingml/2006/main" xmlns:r="http://schemas.openxmlformats.org/officeDocument/2006/relationships" xmlns:p="http://schemas.openxmlformats.org/presentationml/2006/main">
   <p:cSld>
     <p:spTree>
@@ -9631,7 +12739,7 @@
 </p:sld>
 </file>
 
-<file path=ppt/slides/slide5.xml><?xml version="1.0" encoding="utf-8"?>
+<file path=ppt/slides/slide8.xml><?xml version="1.0" encoding="utf-8"?>
 <p:sld xmlns:a="http://schemas.openxmlformats.org/drawingml/2006/main" xmlns:r="http://schemas.openxmlformats.org/officeDocument/2006/relationships" xmlns:p="http://schemas.openxmlformats.org/presentationml/2006/main">
   <p:cSld>
     <p:spTree>
@@ -9931,8 +13039,8 @@
         </p:nvSpPr>
         <p:spPr>
           <a:xfrm>
-            <a:off x="3962400" y="3467100"/>
-            <a:ext cx="10668000" cy="3785652"/>
+            <a:off x="4218685" y="3086368"/>
+            <a:ext cx="10668000" cy="5632311"/>
           </a:xfrm>
           <a:prstGeom prst="rect">
             <a:avLst/>
@@ -9972,6 +13080,11 @@
           </a:p>
           <a:p>
             <a:endParaRPr lang="en-US" altLang="zh-TW" sz="4000" dirty="0">
+              <a:solidFill>
+                <a:schemeClr val="accent2">
+                  <a:lumMod val="50000"/>
+                </a:schemeClr>
+              </a:solidFill>
               <a:latin typeface="微軟正黑體" panose="020B0604030504040204" pitchFamily="34" charset="-120"/>
               <a:ea typeface="微軟正黑體" panose="020B0604030504040204" pitchFamily="34" charset="-120"/>
             </a:endParaRPr>
@@ -9979,45 +13092,139 @@
           <a:p>
             <a:r>
               <a:rPr lang="zh-TW" altLang="en-US" sz="4000" dirty="0">
-                <a:latin typeface="微軟正黑體" panose="020B0604030504040204" pitchFamily="34" charset="-120"/>
-                <a:ea typeface="微軟正黑體" panose="020B0604030504040204" pitchFamily="34" charset="-120"/>
-              </a:rPr>
-              <a:t>有一段程式需要它重複執行，</a:t>
+                <a:solidFill>
+                  <a:schemeClr val="accent2">
+                    <a:lumMod val="50000"/>
+                  </a:schemeClr>
+                </a:solidFill>
+                <a:latin typeface="微軟正黑體" panose="020B0604030504040204" pitchFamily="34" charset="-120"/>
+                <a:ea typeface="微軟正黑體" panose="020B0604030504040204" pitchFamily="34" charset="-120"/>
+              </a:rPr>
+              <a:t>有一段程式需要它重複執行，就可以包成</a:t>
+            </a:r>
+            <a:r>
+              <a:rPr lang="en-US" altLang="zh-TW" sz="4000" dirty="0">
+                <a:solidFill>
+                  <a:schemeClr val="accent2">
+                    <a:lumMod val="50000"/>
+                  </a:schemeClr>
+                </a:solidFill>
+                <a:latin typeface="微軟正黑體" panose="020B0604030504040204" pitchFamily="34" charset="-120"/>
+                <a:ea typeface="微軟正黑體" panose="020B0604030504040204" pitchFamily="34" charset="-120"/>
+              </a:rPr>
+              <a:t>function</a:t>
+            </a:r>
+          </a:p>
+          <a:p>
+            <a:r>
+              <a:rPr lang="zh-TW" altLang="en-US" sz="4000" dirty="0">
+                <a:solidFill>
+                  <a:schemeClr val="accent2">
+                    <a:lumMod val="50000"/>
+                  </a:schemeClr>
+                </a:solidFill>
+                <a:latin typeface="微軟正黑體" panose="020B0604030504040204" pitchFamily="34" charset="-120"/>
+                <a:ea typeface="微軟正黑體" panose="020B0604030504040204" pitchFamily="34" charset="-120"/>
+              </a:rPr>
+              <a:t>必須先寫好 ，但不會馬上執行</a:t>
             </a:r>
             <a:endParaRPr lang="en-US" altLang="zh-TW" sz="4000" dirty="0">
+              <a:solidFill>
+                <a:schemeClr val="accent2">
+                  <a:lumMod val="50000"/>
+                </a:schemeClr>
+              </a:solidFill>
               <a:latin typeface="微軟正黑體" panose="020B0604030504040204" pitchFamily="34" charset="-120"/>
               <a:ea typeface="微軟正黑體" panose="020B0604030504040204" pitchFamily="34" charset="-120"/>
             </a:endParaRPr>
           </a:p>
           <a:p>
-            <a:r>
-              <a:rPr lang="zh-TW" altLang="en-US" sz="4000" dirty="0">
-                <a:latin typeface="微軟正黑體" panose="020B0604030504040204" pitchFamily="34" charset="-120"/>
-                <a:ea typeface="微軟正黑體" panose="020B0604030504040204" pitchFamily="34" charset="-120"/>
-              </a:rPr>
-              <a:t>就可以包成</a:t>
-            </a:r>
-            <a:r>
-              <a:rPr lang="en-US" altLang="zh-TW" sz="4000" dirty="0">
-                <a:latin typeface="微軟正黑體" panose="020B0604030504040204" pitchFamily="34" charset="-120"/>
-                <a:ea typeface="微軟正黑體" panose="020B0604030504040204" pitchFamily="34" charset="-120"/>
-              </a:rPr>
-              <a:t>function</a:t>
-            </a:r>
-          </a:p>
-          <a:p>
-            <a:endParaRPr lang="en-US" altLang="zh-TW" sz="4000" dirty="0">
+            <a:endParaRPr lang="zh-TW" altLang="en-US" sz="4000" dirty="0">
+              <a:solidFill>
+                <a:schemeClr val="accent2">
+                  <a:lumMod val="50000"/>
+                </a:schemeClr>
+              </a:solidFill>
               <a:latin typeface="微軟正黑體" panose="020B0604030504040204" pitchFamily="34" charset="-120"/>
               <a:ea typeface="微軟正黑體" panose="020B0604030504040204" pitchFamily="34" charset="-120"/>
             </a:endParaRPr>
           </a:p>
           <a:p>
             <a:r>
+              <a:rPr lang="en-US" altLang="zh-TW" sz="4000" dirty="0" err="1">
+                <a:solidFill>
+                  <a:schemeClr val="accent2">
+                    <a:lumMod val="50000"/>
+                  </a:schemeClr>
+                </a:solidFill>
+                <a:latin typeface="微軟正黑體" panose="020B0604030504040204" pitchFamily="34" charset="-120"/>
+                <a:ea typeface="微軟正黑體" panose="020B0604030504040204" pitchFamily="34" charset="-120"/>
+              </a:rPr>
+              <a:t>Functin</a:t>
+            </a:r>
+            <a:r>
+              <a:rPr lang="en-US" altLang="zh-TW" sz="4000" dirty="0">
+                <a:solidFill>
+                  <a:schemeClr val="accent2">
+                    <a:lumMod val="50000"/>
+                  </a:schemeClr>
+                </a:solidFill>
+                <a:latin typeface="微軟正黑體" panose="020B0604030504040204" pitchFamily="34" charset="-120"/>
+                <a:ea typeface="微軟正黑體" panose="020B0604030504040204" pitchFamily="34" charset="-120"/>
+              </a:rPr>
+              <a:t> (</a:t>
+            </a:r>
+            <a:r>
               <a:rPr lang="zh-TW" altLang="en-US" sz="4000" dirty="0">
-                <a:latin typeface="微軟正黑體" panose="020B0604030504040204" pitchFamily="34" charset="-120"/>
-                <a:ea typeface="微軟正黑體" panose="020B0604030504040204" pitchFamily="34" charset="-120"/>
-              </a:rPr>
-              <a:t>必須先寫好 ，但不會馬上執行</a:t>
+                <a:solidFill>
+                  <a:schemeClr val="accent2">
+                    <a:lumMod val="50000"/>
+                  </a:schemeClr>
+                </a:solidFill>
+                <a:latin typeface="微軟正黑體" panose="020B0604030504040204" pitchFamily="34" charset="-120"/>
+                <a:ea typeface="微軟正黑體" panose="020B0604030504040204" pitchFamily="34" charset="-120"/>
+              </a:rPr>
+              <a:t>參數</a:t>
+            </a:r>
+            <a:r>
+              <a:rPr lang="en-US" altLang="zh-TW" sz="4000" dirty="0">
+                <a:solidFill>
+                  <a:schemeClr val="accent2">
+                    <a:lumMod val="50000"/>
+                  </a:schemeClr>
+                </a:solidFill>
+                <a:latin typeface="微軟正黑體" panose="020B0604030504040204" pitchFamily="34" charset="-120"/>
+                <a:ea typeface="微軟正黑體" panose="020B0604030504040204" pitchFamily="34" charset="-120"/>
+              </a:rPr>
+              <a:t>){</a:t>
+            </a:r>
+          </a:p>
+          <a:p>
+            <a:r>
+              <a:rPr lang="zh-TW" altLang="en-US" sz="4000" dirty="0">
+                <a:solidFill>
+                  <a:schemeClr val="accent2">
+                    <a:lumMod val="50000"/>
+                  </a:schemeClr>
+                </a:solidFill>
+                <a:latin typeface="微軟正黑體" panose="020B0604030504040204" pitchFamily="34" charset="-120"/>
+                <a:ea typeface="微軟正黑體" panose="020B0604030504040204" pitchFamily="34" charset="-120"/>
+              </a:rPr>
+              <a:t>函式內容</a:t>
+            </a:r>
+          </a:p>
+          <a:p>
+            <a:r>
+              <a:rPr lang="en-US" altLang="zh-TW" sz="4000" dirty="0">
+                <a:solidFill>
+                  <a:schemeClr val="accent2">
+                    <a:lumMod val="50000"/>
+                  </a:schemeClr>
+                </a:solidFill>
+                <a:latin typeface="微軟正黑體" panose="020B0604030504040204" pitchFamily="34" charset="-120"/>
+                <a:ea typeface="微軟正黑體" panose="020B0604030504040204" pitchFamily="34" charset="-120"/>
+              </a:rPr>
+              <a:t>}</a:t>
             </a:r>
           </a:p>
         </p:txBody>
@@ -10035,7 +13242,7 @@
 </p:sld>
 </file>
 
-<file path=ppt/slides/slide6.xml><?xml version="1.0" encoding="utf-8"?>
+<file path=ppt/slides/slide9.xml><?xml version="1.0" encoding="utf-8"?>
 <p:sld xmlns:a="http://schemas.openxmlformats.org/drawingml/2006/main" xmlns:r="http://schemas.openxmlformats.org/officeDocument/2006/relationships" xmlns:p="http://schemas.openxmlformats.org/presentationml/2006/main">
   <p:cSld>
     <p:spTree>
@@ -10331,1640 +13538,6 @@
         </p:spPr>
       </p:pic>
     </p:spTree>
-  </p:cSld>
-  <p:clrMapOvr>
-    <a:masterClrMapping/>
-  </p:clrMapOvr>
-</p:sld>
-</file>
-
-<file path=ppt/slides/slide7.xml><?xml version="1.0" encoding="utf-8"?>
-<p:sld xmlns:a="http://schemas.openxmlformats.org/drawingml/2006/main" xmlns:r="http://schemas.openxmlformats.org/officeDocument/2006/relationships" xmlns:p="http://schemas.openxmlformats.org/presentationml/2006/main">
-  <p:cSld>
-    <p:spTree>
-      <p:nvGrpSpPr>
-        <p:cNvPr id="1" name=""/>
-        <p:cNvGrpSpPr/>
-        <p:nvPr/>
-      </p:nvGrpSpPr>
-      <p:grpSpPr>
-        <a:xfrm>
-          <a:off x="0" y="0"/>
-          <a:ext cx="0" cy="0"/>
-          <a:chOff x="0" y="0"/>
-          <a:chExt cx="0" cy="0"/>
-        </a:xfrm>
-      </p:grpSpPr>
-      <p:pic>
-        <p:nvPicPr>
-          <p:cNvPr id="18" name="圖片 17">
-            <a:extLst>
-              <a:ext uri="{FF2B5EF4-FFF2-40B4-BE49-F238E27FC236}">
-                <a16:creationId xmlns:a16="http://schemas.microsoft.com/office/drawing/2014/main" id="{8627585B-66C6-4EFD-860B-D1DC605D0CEB}"/>
-              </a:ext>
-            </a:extLst>
-          </p:cNvPr>
-          <p:cNvPicPr>
-            <a:picLocks noChangeAspect="1"/>
-          </p:cNvPicPr>
-          <p:nvPr/>
-        </p:nvPicPr>
-        <p:blipFill>
-          <a:blip r:embed="rId2"/>
-          <a:stretch>
-            <a:fillRect/>
-          </a:stretch>
-        </p:blipFill>
-        <p:spPr>
-          <a:xfrm>
-            <a:off x="1526388" y="1180756"/>
-            <a:ext cx="15235224" cy="7925487"/>
-          </a:xfrm>
-          <a:prstGeom prst="rect">
-            <a:avLst/>
-          </a:prstGeom>
-        </p:spPr>
-      </p:pic>
-      <p:grpSp>
-        <p:nvGrpSpPr>
-          <p:cNvPr id="17" name="群組 16">
-            <a:extLst>
-              <a:ext uri="{FF2B5EF4-FFF2-40B4-BE49-F238E27FC236}">
-                <a16:creationId xmlns:a16="http://schemas.microsoft.com/office/drawing/2014/main" id="{62E77058-6A53-4774-ABF1-1776E40E4657}"/>
-              </a:ext>
-            </a:extLst>
-          </p:cNvPr>
-          <p:cNvGrpSpPr/>
-          <p:nvPr/>
-        </p:nvGrpSpPr>
-        <p:grpSpPr>
-          <a:xfrm>
-            <a:off x="990600" y="891152"/>
-            <a:ext cx="4800600" cy="1981200"/>
-            <a:chOff x="2743200" y="4076700"/>
-            <a:chExt cx="4800600" cy="1981200"/>
-          </a:xfrm>
-        </p:grpSpPr>
-        <p:sp>
-          <p:nvSpPr>
-            <p:cNvPr id="16" name="矩形 15">
-              <a:extLst>
-                <a:ext uri="{FF2B5EF4-FFF2-40B4-BE49-F238E27FC236}">
-                  <a16:creationId xmlns:a16="http://schemas.microsoft.com/office/drawing/2014/main" id="{D51D3F79-D39A-47A5-A588-1D57CE1FFBF6}"/>
-                </a:ext>
-              </a:extLst>
-            </p:cNvPr>
-            <p:cNvSpPr/>
-            <p:nvPr/>
-          </p:nvSpPr>
-          <p:spPr>
-            <a:xfrm>
-              <a:off x="2971800" y="4229100"/>
-              <a:ext cx="4572000" cy="1828800"/>
-            </a:xfrm>
-            <a:prstGeom prst="rect">
-              <a:avLst/>
-            </a:prstGeom>
-            <a:solidFill>
-              <a:schemeClr val="tx2">
-                <a:lumMod val="50000"/>
-              </a:schemeClr>
-            </a:solidFill>
-            <a:ln>
-              <a:noFill/>
-            </a:ln>
-          </p:spPr>
-          <p:style>
-            <a:lnRef idx="2">
-              <a:schemeClr val="accent1">
-                <a:shade val="50000"/>
-              </a:schemeClr>
-            </a:lnRef>
-            <a:fillRef idx="1">
-              <a:schemeClr val="accent1"/>
-            </a:fillRef>
-            <a:effectRef idx="0">
-              <a:schemeClr val="accent1"/>
-            </a:effectRef>
-            <a:fontRef idx="minor">
-              <a:schemeClr val="lt1"/>
-            </a:fontRef>
-          </p:style>
-          <p:txBody>
-            <a:bodyPr rtlCol="0" anchor="ctr"/>
-            <a:lstStyle/>
-            <a:p>
-              <a:pPr algn="ctr"/>
-              <a:endParaRPr lang="zh-TW" altLang="en-US"/>
-            </a:p>
-          </p:txBody>
-        </p:sp>
-        <p:sp>
-          <p:nvSpPr>
-            <p:cNvPr id="15" name="矩形 14">
-              <a:extLst>
-                <a:ext uri="{FF2B5EF4-FFF2-40B4-BE49-F238E27FC236}">
-                  <a16:creationId xmlns:a16="http://schemas.microsoft.com/office/drawing/2014/main" id="{67B8A7B0-E03A-4CD1-9FFB-8351287F482D}"/>
-                </a:ext>
-              </a:extLst>
-            </p:cNvPr>
-            <p:cNvSpPr/>
-            <p:nvPr/>
-          </p:nvSpPr>
-          <p:spPr>
-            <a:xfrm>
-              <a:off x="2743200" y="4076700"/>
-              <a:ext cx="4648200" cy="1828800"/>
-            </a:xfrm>
-            <a:prstGeom prst="rect">
-              <a:avLst/>
-            </a:prstGeom>
-            <a:solidFill>
-              <a:schemeClr val="accent1">
-                <a:lumMod val="40000"/>
-                <a:lumOff val="60000"/>
-              </a:schemeClr>
-            </a:solidFill>
-            <a:ln>
-              <a:noFill/>
-            </a:ln>
-          </p:spPr>
-          <p:style>
-            <a:lnRef idx="2">
-              <a:schemeClr val="accent1">
-                <a:shade val="50000"/>
-              </a:schemeClr>
-            </a:lnRef>
-            <a:fillRef idx="1">
-              <a:schemeClr val="accent1"/>
-            </a:fillRef>
-            <a:effectRef idx="0">
-              <a:schemeClr val="accent1"/>
-            </a:effectRef>
-            <a:fontRef idx="minor">
-              <a:schemeClr val="lt1"/>
-            </a:fontRef>
-          </p:style>
-          <p:txBody>
-            <a:bodyPr rtlCol="0" anchor="ctr"/>
-            <a:lstStyle/>
-            <a:p>
-              <a:pPr algn="ctr"/>
-              <a:endParaRPr lang="zh-TW" altLang="en-US"/>
-            </a:p>
-          </p:txBody>
-        </p:sp>
-      </p:grpSp>
-      <p:sp>
-        <p:nvSpPr>
-          <p:cNvPr id="14" name="文字方塊 13">
-            <a:extLst>
-              <a:ext uri="{FF2B5EF4-FFF2-40B4-BE49-F238E27FC236}">
-                <a16:creationId xmlns:a16="http://schemas.microsoft.com/office/drawing/2014/main" id="{D2A56890-80C0-486E-95C1-AFBA7315BA0A}"/>
-              </a:ext>
-            </a:extLst>
-          </p:cNvPr>
-          <p:cNvSpPr txBox="1"/>
-          <p:nvPr/>
-        </p:nvSpPr>
-        <p:spPr>
-          <a:xfrm>
-            <a:off x="1828800" y="1257300"/>
-            <a:ext cx="4800600" cy="1015663"/>
-          </a:xfrm>
-          <a:prstGeom prst="rect">
-            <a:avLst/>
-          </a:prstGeom>
-          <a:noFill/>
-        </p:spPr>
-        <p:txBody>
-          <a:bodyPr wrap="square" rtlCol="0">
-            <a:spAutoFit/>
-          </a:bodyPr>
-          <a:lstStyle/>
-          <a:p>
-            <a:r>
-              <a:rPr lang="en-US" altLang="zh-TW" sz="6000" dirty="0">
-                <a:latin typeface="王漢宗細圓體繁" panose="02020300000000000000" pitchFamily="18" charset="-120"/>
-                <a:ea typeface="王漢宗細圓體繁" panose="02020300000000000000" pitchFamily="18" charset="-120"/>
-              </a:rPr>
-              <a:t>If</a:t>
-            </a:r>
-            <a:r>
-              <a:rPr lang="zh-TW" altLang="en-US" sz="6000" dirty="0">
-                <a:latin typeface="王漢宗細圓體繁" panose="02020300000000000000" pitchFamily="18" charset="-120"/>
-                <a:ea typeface="王漢宗細圓體繁" panose="02020300000000000000" pitchFamily="18" charset="-120"/>
-              </a:rPr>
-              <a:t>判斷式</a:t>
-            </a:r>
-          </a:p>
-        </p:txBody>
-      </p:sp>
-      <p:sp>
-        <p:nvSpPr>
-          <p:cNvPr id="20" name="文字方塊 19">
-            <a:extLst>
-              <a:ext uri="{FF2B5EF4-FFF2-40B4-BE49-F238E27FC236}">
-                <a16:creationId xmlns:a16="http://schemas.microsoft.com/office/drawing/2014/main" id="{A3FCD84C-9907-447E-9177-CDBBCDFBB06A}"/>
-              </a:ext>
-            </a:extLst>
-          </p:cNvPr>
-          <p:cNvSpPr txBox="1"/>
-          <p:nvPr/>
-        </p:nvSpPr>
-        <p:spPr>
-          <a:xfrm>
-            <a:off x="7179708" y="2089231"/>
-            <a:ext cx="11578590" cy="3785652"/>
-          </a:xfrm>
-          <a:prstGeom prst="rect">
-            <a:avLst/>
-          </a:prstGeom>
-          <a:noFill/>
-        </p:spPr>
-        <p:txBody>
-          <a:bodyPr wrap="square">
-            <a:spAutoFit/>
-          </a:bodyPr>
-          <a:lstStyle/>
-          <a:p>
-            <a:r>
-              <a:rPr lang="en-US" altLang="zh-TW" sz="4000" dirty="0">
-                <a:latin typeface="微軟正黑體" panose="020B0604030504040204" pitchFamily="34" charset="-120"/>
-                <a:ea typeface="微軟正黑體" panose="020B0604030504040204" pitchFamily="34" charset="-120"/>
-              </a:rPr>
-              <a:t>If(True){</a:t>
-            </a:r>
-          </a:p>
-          <a:p>
-            <a:r>
-              <a:rPr lang="en-US" altLang="zh-TW" sz="4000" dirty="0">
-                <a:latin typeface="微軟正黑體" panose="020B0604030504040204" pitchFamily="34" charset="-120"/>
-                <a:ea typeface="微軟正黑體" panose="020B0604030504040204" pitchFamily="34" charset="-120"/>
-              </a:rPr>
-              <a:t>A</a:t>
-            </a:r>
-          </a:p>
-          <a:p>
-            <a:r>
-              <a:rPr lang="en-US" altLang="zh-TW" sz="4000" dirty="0">
-                <a:latin typeface="微軟正黑體" panose="020B0604030504040204" pitchFamily="34" charset="-120"/>
-                <a:ea typeface="微軟正黑體" panose="020B0604030504040204" pitchFamily="34" charset="-120"/>
-              </a:rPr>
-              <a:t>}else{</a:t>
-            </a:r>
-          </a:p>
-          <a:p>
-            <a:r>
-              <a:rPr lang="en-US" altLang="zh-TW" sz="4000" dirty="0">
-                <a:latin typeface="微軟正黑體" panose="020B0604030504040204" pitchFamily="34" charset="-120"/>
-                <a:ea typeface="微軟正黑體" panose="020B0604030504040204" pitchFamily="34" charset="-120"/>
-              </a:rPr>
-              <a:t>B</a:t>
-            </a:r>
-          </a:p>
-          <a:p>
-            <a:r>
-              <a:rPr lang="en-US" altLang="zh-TW" sz="4000" dirty="0">
-                <a:latin typeface="微軟正黑體" panose="020B0604030504040204" pitchFamily="34" charset="-120"/>
-                <a:ea typeface="微軟正黑體" panose="020B0604030504040204" pitchFamily="34" charset="-120"/>
-              </a:rPr>
-              <a:t>}</a:t>
-            </a:r>
-          </a:p>
-          <a:p>
-            <a:r>
-              <a:rPr lang="zh-TW" altLang="en-US" sz="4000" dirty="0">
-                <a:latin typeface="微軟正黑體" panose="020B0604030504040204" pitchFamily="34" charset="-120"/>
-                <a:ea typeface="微軟正黑體" panose="020B0604030504040204" pitchFamily="34" charset="-120"/>
-              </a:rPr>
-              <a:t>執行</a:t>
-            </a:r>
-            <a:r>
-              <a:rPr lang="en-US" altLang="zh-TW" sz="4000" dirty="0">
-                <a:latin typeface="微軟正黑體" panose="020B0604030504040204" pitchFamily="34" charset="-120"/>
-                <a:ea typeface="微軟正黑體" panose="020B0604030504040204" pitchFamily="34" charset="-120"/>
-              </a:rPr>
-              <a:t>=&gt;A</a:t>
-            </a:r>
-          </a:p>
-        </p:txBody>
-      </p:sp>
-      <p:pic>
-        <p:nvPicPr>
-          <p:cNvPr id="21" name="圖片 20">
-            <a:extLst>
-              <a:ext uri="{FF2B5EF4-FFF2-40B4-BE49-F238E27FC236}">
-                <a16:creationId xmlns:a16="http://schemas.microsoft.com/office/drawing/2014/main" id="{3B018F0D-BBBC-41AB-9294-030120D97931}"/>
-              </a:ext>
-            </a:extLst>
-          </p:cNvPr>
-          <p:cNvPicPr>
-            <a:picLocks noChangeAspect="1"/>
-          </p:cNvPicPr>
-          <p:nvPr/>
-        </p:nvPicPr>
-        <p:blipFill>
-          <a:blip r:embed="rId3"/>
-          <a:stretch>
-            <a:fillRect/>
-          </a:stretch>
-        </p:blipFill>
-        <p:spPr>
-          <a:xfrm>
-            <a:off x="13959603" y="-206258"/>
-            <a:ext cx="5456393" cy="4188315"/>
-          </a:xfrm>
-          <a:prstGeom prst="rect">
-            <a:avLst/>
-          </a:prstGeom>
-        </p:spPr>
-      </p:pic>
-      <p:pic>
-        <p:nvPicPr>
-          <p:cNvPr id="22" name="圖片 21">
-            <a:extLst>
-              <a:ext uri="{FF2B5EF4-FFF2-40B4-BE49-F238E27FC236}">
-                <a16:creationId xmlns:a16="http://schemas.microsoft.com/office/drawing/2014/main" id="{3A8495FA-920D-47E2-90E8-BAE805DD692C}"/>
-              </a:ext>
-            </a:extLst>
-          </p:cNvPr>
-          <p:cNvPicPr>
-            <a:picLocks noChangeAspect="1"/>
-          </p:cNvPicPr>
-          <p:nvPr/>
-        </p:nvPicPr>
-        <p:blipFill>
-          <a:blip r:embed="rId4"/>
-          <a:stretch>
-            <a:fillRect/>
-          </a:stretch>
-        </p:blipFill>
-        <p:spPr>
-          <a:xfrm>
-            <a:off x="-2008886" y="6438900"/>
-            <a:ext cx="5846571" cy="4895512"/>
-          </a:xfrm>
-          <a:prstGeom prst="rect">
-            <a:avLst/>
-          </a:prstGeom>
-        </p:spPr>
-      </p:pic>
-      <p:sp>
-        <p:nvSpPr>
-          <p:cNvPr id="10" name="內容版面配置區 2">
-            <a:extLst>
-              <a:ext uri="{FF2B5EF4-FFF2-40B4-BE49-F238E27FC236}">
-                <a16:creationId xmlns:a16="http://schemas.microsoft.com/office/drawing/2014/main" id="{DE35C04F-8C73-4E56-92F6-501F7ACBC14D}"/>
-              </a:ext>
-            </a:extLst>
-          </p:cNvPr>
-          <p:cNvSpPr txBox="1">
-            <a:spLocks/>
-          </p:cNvSpPr>
-          <p:nvPr/>
-        </p:nvSpPr>
-        <p:spPr>
-          <a:xfrm>
-            <a:off x="10779268" y="2144943"/>
-            <a:ext cx="3698732" cy="6815720"/>
-          </a:xfrm>
-          <a:prstGeom prst="rect">
-            <a:avLst/>
-          </a:prstGeom>
-        </p:spPr>
-        <p:txBody>
-          <a:bodyPr vert="horz" lIns="91440" tIns="45720" rIns="91440" bIns="45720" rtlCol="0">
-            <a:normAutofit/>
-          </a:bodyPr>
-          <a:lstStyle>
-            <a:lvl1pPr marL="228600" indent="-228600" algn="l" defTabSz="914400" rtl="0" eaLnBrk="1" latinLnBrk="0" hangingPunct="1">
-              <a:lnSpc>
-                <a:spcPct val="90000"/>
-              </a:lnSpc>
-              <a:spcBef>
-                <a:spcPts val="1000"/>
-              </a:spcBef>
-              <a:buFont typeface="Arial" panose="020B0604020202020204" pitchFamily="34" charset="0"/>
-              <a:buChar char="•"/>
-              <a:defRPr sz="2800" kern="1200">
-                <a:solidFill>
-                  <a:schemeClr val="tx1"/>
-                </a:solidFill>
-                <a:latin typeface="+mn-lt"/>
-                <a:ea typeface="+mn-ea"/>
-                <a:cs typeface="+mn-cs"/>
-              </a:defRPr>
-            </a:lvl1pPr>
-            <a:lvl2pPr marL="685800" indent="-228600" algn="l" defTabSz="914400" rtl="0" eaLnBrk="1" latinLnBrk="0" hangingPunct="1">
-              <a:lnSpc>
-                <a:spcPct val="90000"/>
-              </a:lnSpc>
-              <a:spcBef>
-                <a:spcPts val="500"/>
-              </a:spcBef>
-              <a:buFont typeface="Arial" panose="020B0604020202020204" pitchFamily="34" charset="0"/>
-              <a:buChar char="•"/>
-              <a:defRPr sz="2400" kern="1200">
-                <a:solidFill>
-                  <a:schemeClr val="tx1"/>
-                </a:solidFill>
-                <a:latin typeface="+mn-lt"/>
-                <a:ea typeface="+mn-ea"/>
-                <a:cs typeface="+mn-cs"/>
-              </a:defRPr>
-            </a:lvl2pPr>
-            <a:lvl3pPr marL="1143000" indent="-228600" algn="l" defTabSz="914400" rtl="0" eaLnBrk="1" latinLnBrk="0" hangingPunct="1">
-              <a:lnSpc>
-                <a:spcPct val="90000"/>
-              </a:lnSpc>
-              <a:spcBef>
-                <a:spcPts val="500"/>
-              </a:spcBef>
-              <a:buFont typeface="Arial" panose="020B0604020202020204" pitchFamily="34" charset="0"/>
-              <a:buChar char="•"/>
-              <a:defRPr sz="2000" kern="1200">
-                <a:solidFill>
-                  <a:schemeClr val="tx1"/>
-                </a:solidFill>
-                <a:latin typeface="+mn-lt"/>
-                <a:ea typeface="+mn-ea"/>
-                <a:cs typeface="+mn-cs"/>
-              </a:defRPr>
-            </a:lvl3pPr>
-            <a:lvl4pPr marL="1600200" indent="-228600" algn="l" defTabSz="914400" rtl="0" eaLnBrk="1" latinLnBrk="0" hangingPunct="1">
-              <a:lnSpc>
-                <a:spcPct val="90000"/>
-              </a:lnSpc>
-              <a:spcBef>
-                <a:spcPts val="500"/>
-              </a:spcBef>
-              <a:buFont typeface="Arial" panose="020B0604020202020204" pitchFamily="34" charset="0"/>
-              <a:buChar char="•"/>
-              <a:defRPr sz="1800" kern="1200">
-                <a:solidFill>
-                  <a:schemeClr val="tx1"/>
-                </a:solidFill>
-                <a:latin typeface="+mn-lt"/>
-                <a:ea typeface="+mn-ea"/>
-                <a:cs typeface="+mn-cs"/>
-              </a:defRPr>
-            </a:lvl4pPr>
-            <a:lvl5pPr marL="2057400" indent="-228600" algn="l" defTabSz="914400" rtl="0" eaLnBrk="1" latinLnBrk="0" hangingPunct="1">
-              <a:lnSpc>
-                <a:spcPct val="90000"/>
-              </a:lnSpc>
-              <a:spcBef>
-                <a:spcPts val="500"/>
-              </a:spcBef>
-              <a:buFont typeface="Arial" panose="020B0604020202020204" pitchFamily="34" charset="0"/>
-              <a:buChar char="•"/>
-              <a:defRPr sz="1800" kern="1200">
-                <a:solidFill>
-                  <a:schemeClr val="tx1"/>
-                </a:solidFill>
-                <a:latin typeface="+mn-lt"/>
-                <a:ea typeface="+mn-ea"/>
-                <a:cs typeface="+mn-cs"/>
-              </a:defRPr>
-            </a:lvl5pPr>
-            <a:lvl6pPr marL="2514600" indent="-228600" algn="l" defTabSz="914400" rtl="0" eaLnBrk="1" latinLnBrk="0" hangingPunct="1">
-              <a:lnSpc>
-                <a:spcPct val="90000"/>
-              </a:lnSpc>
-              <a:spcBef>
-                <a:spcPts val="500"/>
-              </a:spcBef>
-              <a:buFont typeface="Arial" panose="020B0604020202020204" pitchFamily="34" charset="0"/>
-              <a:buChar char="•"/>
-              <a:defRPr sz="1800" kern="1200">
-                <a:solidFill>
-                  <a:schemeClr val="tx1"/>
-                </a:solidFill>
-                <a:latin typeface="+mn-lt"/>
-                <a:ea typeface="+mn-ea"/>
-                <a:cs typeface="+mn-cs"/>
-              </a:defRPr>
-            </a:lvl6pPr>
-            <a:lvl7pPr marL="2971800" indent="-228600" algn="l" defTabSz="914400" rtl="0" eaLnBrk="1" latinLnBrk="0" hangingPunct="1">
-              <a:lnSpc>
-                <a:spcPct val="90000"/>
-              </a:lnSpc>
-              <a:spcBef>
-                <a:spcPts val="500"/>
-              </a:spcBef>
-              <a:buFont typeface="Arial" panose="020B0604020202020204" pitchFamily="34" charset="0"/>
-              <a:buChar char="•"/>
-              <a:defRPr sz="1800" kern="1200">
-                <a:solidFill>
-                  <a:schemeClr val="tx1"/>
-                </a:solidFill>
-                <a:latin typeface="+mn-lt"/>
-                <a:ea typeface="+mn-ea"/>
-                <a:cs typeface="+mn-cs"/>
-              </a:defRPr>
-            </a:lvl7pPr>
-            <a:lvl8pPr marL="3429000" indent="-228600" algn="l" defTabSz="914400" rtl="0" eaLnBrk="1" latinLnBrk="0" hangingPunct="1">
-              <a:lnSpc>
-                <a:spcPct val="90000"/>
-              </a:lnSpc>
-              <a:spcBef>
-                <a:spcPts val="500"/>
-              </a:spcBef>
-              <a:buFont typeface="Arial" panose="020B0604020202020204" pitchFamily="34" charset="0"/>
-              <a:buChar char="•"/>
-              <a:defRPr sz="1800" kern="1200">
-                <a:solidFill>
-                  <a:schemeClr val="tx1"/>
-                </a:solidFill>
-                <a:latin typeface="+mn-lt"/>
-                <a:ea typeface="+mn-ea"/>
-                <a:cs typeface="+mn-cs"/>
-              </a:defRPr>
-            </a:lvl8pPr>
-            <a:lvl9pPr marL="3886200" indent="-228600" algn="l" defTabSz="914400" rtl="0" eaLnBrk="1" latinLnBrk="0" hangingPunct="1">
-              <a:lnSpc>
-                <a:spcPct val="90000"/>
-              </a:lnSpc>
-              <a:spcBef>
-                <a:spcPts val="500"/>
-              </a:spcBef>
-              <a:buFont typeface="Arial" panose="020B0604020202020204" pitchFamily="34" charset="0"/>
-              <a:buChar char="•"/>
-              <a:defRPr sz="1800" kern="1200">
-                <a:solidFill>
-                  <a:schemeClr val="tx1"/>
-                </a:solidFill>
-                <a:latin typeface="+mn-lt"/>
-                <a:ea typeface="+mn-ea"/>
-                <a:cs typeface="+mn-cs"/>
-              </a:defRPr>
-            </a:lvl9pPr>
-          </a:lstStyle>
-          <a:p>
-            <a:pPr marL="0" marR="0" lvl="0" indent="0" algn="l" defTabSz="914400" rtl="0" eaLnBrk="1" fontAlgn="auto" latinLnBrk="0" hangingPunct="1">
-              <a:lnSpc>
-                <a:spcPct val="90000"/>
-              </a:lnSpc>
-              <a:spcBef>
-                <a:spcPts val="1000"/>
-              </a:spcBef>
-              <a:spcAft>
-                <a:spcPts val="0"/>
-              </a:spcAft>
-              <a:buClrTx/>
-              <a:buSzTx/>
-              <a:buFont typeface="Arial" panose="020B0604020202020204" pitchFamily="34" charset="0"/>
-              <a:buNone/>
-              <a:tabLst/>
-              <a:defRPr/>
-            </a:pPr>
-            <a:r>
-              <a:rPr kumimoji="0" lang="en-US" altLang="zh-TW" sz="4000" b="0" i="0" u="none" strike="noStrike" kern="1200" cap="none" spc="0" normalizeH="0" baseline="0" noProof="0" dirty="0">
-                <a:ln>
-                  <a:noFill/>
-                </a:ln>
-                <a:solidFill>
-                  <a:prstClr val="black"/>
-                </a:solidFill>
-                <a:effectLst/>
-                <a:uLnTx/>
-                <a:uFillTx/>
-                <a:latin typeface="微軟正黑體" panose="020B0604030504040204" pitchFamily="34" charset="-120"/>
-                <a:ea typeface="微軟正黑體" panose="020B0604030504040204" pitchFamily="34" charset="-120"/>
-              </a:rPr>
-              <a:t>If(False){</a:t>
-            </a:r>
-          </a:p>
-          <a:p>
-            <a:pPr marL="457200" marR="0" lvl="1" indent="0" algn="l" defTabSz="914400" rtl="0" eaLnBrk="1" fontAlgn="auto" latinLnBrk="0" hangingPunct="1">
-              <a:lnSpc>
-                <a:spcPct val="90000"/>
-              </a:lnSpc>
-              <a:spcBef>
-                <a:spcPts val="500"/>
-              </a:spcBef>
-              <a:spcAft>
-                <a:spcPts val="0"/>
-              </a:spcAft>
-              <a:buClrTx/>
-              <a:buSzTx/>
-              <a:buFont typeface="Arial" panose="020B0604020202020204" pitchFamily="34" charset="0"/>
-              <a:buNone/>
-              <a:tabLst/>
-              <a:defRPr/>
-            </a:pPr>
-            <a:r>
-              <a:rPr kumimoji="0" lang="en-US" altLang="zh-TW" sz="4000" b="0" i="0" u="none" strike="noStrike" kern="1200" cap="none" spc="0" normalizeH="0" baseline="0" noProof="0" dirty="0">
-                <a:ln>
-                  <a:noFill/>
-                </a:ln>
-                <a:solidFill>
-                  <a:prstClr val="black"/>
-                </a:solidFill>
-                <a:effectLst/>
-                <a:uLnTx/>
-                <a:uFillTx/>
-                <a:latin typeface="微軟正黑體" panose="020B0604030504040204" pitchFamily="34" charset="-120"/>
-                <a:ea typeface="微軟正黑體" panose="020B0604030504040204" pitchFamily="34" charset="-120"/>
-              </a:rPr>
-              <a:t>A</a:t>
-            </a:r>
-          </a:p>
-          <a:p>
-            <a:pPr marL="0" marR="0" lvl="0" indent="0" algn="l" defTabSz="914400" rtl="0" eaLnBrk="1" fontAlgn="auto" latinLnBrk="0" hangingPunct="1">
-              <a:lnSpc>
-                <a:spcPct val="90000"/>
-              </a:lnSpc>
-              <a:spcBef>
-                <a:spcPts val="1000"/>
-              </a:spcBef>
-              <a:spcAft>
-                <a:spcPts val="0"/>
-              </a:spcAft>
-              <a:buClrTx/>
-              <a:buSzTx/>
-              <a:buFont typeface="Arial" panose="020B0604020202020204" pitchFamily="34" charset="0"/>
-              <a:buNone/>
-              <a:tabLst/>
-              <a:defRPr/>
-            </a:pPr>
-            <a:r>
-              <a:rPr kumimoji="0" lang="en-US" altLang="zh-TW" sz="4000" b="0" i="0" u="none" strike="noStrike" kern="1200" cap="none" spc="0" normalizeH="0" baseline="0" noProof="0" dirty="0">
-                <a:ln>
-                  <a:noFill/>
-                </a:ln>
-                <a:solidFill>
-                  <a:prstClr val="black"/>
-                </a:solidFill>
-                <a:effectLst/>
-                <a:uLnTx/>
-                <a:uFillTx/>
-                <a:latin typeface="微軟正黑體" panose="020B0604030504040204" pitchFamily="34" charset="-120"/>
-                <a:ea typeface="微軟正黑體" panose="020B0604030504040204" pitchFamily="34" charset="-120"/>
-              </a:rPr>
-              <a:t>}</a:t>
-            </a:r>
-            <a:r>
-              <a:rPr kumimoji="0" lang="en-US" altLang="zh-TW" sz="4000" b="0" i="0" u="none" strike="noStrike" kern="1200" cap="none" spc="0" normalizeH="0" baseline="0" noProof="0" dirty="0" err="1">
-                <a:ln>
-                  <a:noFill/>
-                </a:ln>
-                <a:solidFill>
-                  <a:prstClr val="black"/>
-                </a:solidFill>
-                <a:effectLst/>
-                <a:uLnTx/>
-                <a:uFillTx/>
-                <a:latin typeface="微軟正黑體" panose="020B0604030504040204" pitchFamily="34" charset="-120"/>
-                <a:ea typeface="微軟正黑體" panose="020B0604030504040204" pitchFamily="34" charset="-120"/>
-              </a:rPr>
-              <a:t>elseif</a:t>
-            </a:r>
-            <a:r>
-              <a:rPr kumimoji="0" lang="en-US" altLang="zh-TW" sz="4000" b="0" i="0" u="none" strike="noStrike" kern="1200" cap="none" spc="0" normalizeH="0" baseline="0" noProof="0" dirty="0">
-                <a:ln>
-                  <a:noFill/>
-                </a:ln>
-                <a:solidFill>
-                  <a:prstClr val="black"/>
-                </a:solidFill>
-                <a:effectLst/>
-                <a:uLnTx/>
-                <a:uFillTx/>
-                <a:latin typeface="微軟正黑體" panose="020B0604030504040204" pitchFamily="34" charset="-120"/>
-                <a:ea typeface="微軟正黑體" panose="020B0604030504040204" pitchFamily="34" charset="-120"/>
-              </a:rPr>
-              <a:t>(True){</a:t>
-            </a:r>
-          </a:p>
-          <a:p>
-            <a:pPr marL="457200" marR="0" lvl="1" indent="0" algn="l" defTabSz="914400" rtl="0" eaLnBrk="1" fontAlgn="auto" latinLnBrk="0" hangingPunct="1">
-              <a:lnSpc>
-                <a:spcPct val="90000"/>
-              </a:lnSpc>
-              <a:spcBef>
-                <a:spcPts val="500"/>
-              </a:spcBef>
-              <a:spcAft>
-                <a:spcPts val="0"/>
-              </a:spcAft>
-              <a:buClrTx/>
-              <a:buSzTx/>
-              <a:buFont typeface="Arial" panose="020B0604020202020204" pitchFamily="34" charset="0"/>
-              <a:buNone/>
-              <a:tabLst/>
-              <a:defRPr/>
-            </a:pPr>
-            <a:r>
-              <a:rPr kumimoji="0" lang="en-US" altLang="zh-TW" sz="4000" b="0" i="0" u="none" strike="noStrike" kern="1200" cap="none" spc="0" normalizeH="0" baseline="0" noProof="0" dirty="0">
-                <a:ln>
-                  <a:noFill/>
-                </a:ln>
-                <a:solidFill>
-                  <a:prstClr val="black"/>
-                </a:solidFill>
-                <a:effectLst/>
-                <a:uLnTx/>
-                <a:uFillTx/>
-                <a:latin typeface="微軟正黑體" panose="020B0604030504040204" pitchFamily="34" charset="-120"/>
-                <a:ea typeface="微軟正黑體" panose="020B0604030504040204" pitchFamily="34" charset="-120"/>
-              </a:rPr>
-              <a:t>B</a:t>
-            </a:r>
-          </a:p>
-          <a:p>
-            <a:pPr marL="0" marR="0" lvl="0" indent="0" algn="l" defTabSz="914400" rtl="0" eaLnBrk="1" fontAlgn="auto" latinLnBrk="0" hangingPunct="1">
-              <a:lnSpc>
-                <a:spcPct val="90000"/>
-              </a:lnSpc>
-              <a:spcBef>
-                <a:spcPts val="1000"/>
-              </a:spcBef>
-              <a:spcAft>
-                <a:spcPts val="0"/>
-              </a:spcAft>
-              <a:buClrTx/>
-              <a:buSzTx/>
-              <a:buFont typeface="Arial" panose="020B0604020202020204" pitchFamily="34" charset="0"/>
-              <a:buNone/>
-              <a:tabLst/>
-              <a:defRPr/>
-            </a:pPr>
-            <a:r>
-              <a:rPr kumimoji="0" lang="en-US" altLang="zh-TW" sz="4000" b="0" i="0" u="none" strike="noStrike" kern="1200" cap="none" spc="0" normalizeH="0" baseline="0" noProof="0" dirty="0">
-                <a:ln>
-                  <a:noFill/>
-                </a:ln>
-                <a:solidFill>
-                  <a:prstClr val="black"/>
-                </a:solidFill>
-                <a:effectLst/>
-                <a:uLnTx/>
-                <a:uFillTx/>
-                <a:latin typeface="微軟正黑體" panose="020B0604030504040204" pitchFamily="34" charset="-120"/>
-                <a:ea typeface="微軟正黑體" panose="020B0604030504040204" pitchFamily="34" charset="-120"/>
-              </a:rPr>
-              <a:t>}else{</a:t>
-            </a:r>
-          </a:p>
-          <a:p>
-            <a:pPr marL="457200" marR="0" lvl="1" indent="0" algn="l" defTabSz="914400" rtl="0" eaLnBrk="1" fontAlgn="auto" latinLnBrk="0" hangingPunct="1">
-              <a:lnSpc>
-                <a:spcPct val="90000"/>
-              </a:lnSpc>
-              <a:spcBef>
-                <a:spcPts val="500"/>
-              </a:spcBef>
-              <a:spcAft>
-                <a:spcPts val="0"/>
-              </a:spcAft>
-              <a:buClrTx/>
-              <a:buSzTx/>
-              <a:buFont typeface="Arial" panose="020B0604020202020204" pitchFamily="34" charset="0"/>
-              <a:buNone/>
-              <a:tabLst/>
-              <a:defRPr/>
-            </a:pPr>
-            <a:r>
-              <a:rPr kumimoji="0" lang="en-US" altLang="zh-TW" sz="4000" b="0" i="0" u="none" strike="noStrike" kern="1200" cap="none" spc="0" normalizeH="0" baseline="0" noProof="0" dirty="0">
-                <a:ln>
-                  <a:noFill/>
-                </a:ln>
-                <a:solidFill>
-                  <a:prstClr val="black"/>
-                </a:solidFill>
-                <a:effectLst/>
-                <a:uLnTx/>
-                <a:uFillTx/>
-                <a:latin typeface="微軟正黑體" panose="020B0604030504040204" pitchFamily="34" charset="-120"/>
-                <a:ea typeface="微軟正黑體" panose="020B0604030504040204" pitchFamily="34" charset="-120"/>
-              </a:rPr>
-              <a:t>C</a:t>
-            </a:r>
-          </a:p>
-          <a:p>
-            <a:pPr marL="0" marR="0" lvl="0" indent="0" algn="l" defTabSz="914400" rtl="0" eaLnBrk="1" fontAlgn="auto" latinLnBrk="0" hangingPunct="1">
-              <a:lnSpc>
-                <a:spcPct val="90000"/>
-              </a:lnSpc>
-              <a:spcBef>
-                <a:spcPts val="1000"/>
-              </a:spcBef>
-              <a:spcAft>
-                <a:spcPts val="0"/>
-              </a:spcAft>
-              <a:buClrTx/>
-              <a:buSzTx/>
-              <a:buFont typeface="Arial" panose="020B0604020202020204" pitchFamily="34" charset="0"/>
-              <a:buNone/>
-              <a:tabLst/>
-              <a:defRPr/>
-            </a:pPr>
-            <a:r>
-              <a:rPr kumimoji="0" lang="en-US" altLang="zh-TW" sz="4000" b="0" i="0" u="none" strike="noStrike" kern="1200" cap="none" spc="0" normalizeH="0" baseline="0" noProof="0" dirty="0">
-                <a:ln>
-                  <a:noFill/>
-                </a:ln>
-                <a:solidFill>
-                  <a:prstClr val="black"/>
-                </a:solidFill>
-                <a:effectLst/>
-                <a:uLnTx/>
-                <a:uFillTx/>
-                <a:latin typeface="微軟正黑體" panose="020B0604030504040204" pitchFamily="34" charset="-120"/>
-                <a:ea typeface="微軟正黑體" panose="020B0604030504040204" pitchFamily="34" charset="-120"/>
-              </a:rPr>
-              <a:t>}</a:t>
-            </a:r>
-          </a:p>
-          <a:p>
-            <a:pPr marL="0" marR="0" lvl="0" indent="0" algn="l" defTabSz="914400" rtl="0" eaLnBrk="1" fontAlgn="auto" latinLnBrk="0" hangingPunct="1">
-              <a:lnSpc>
-                <a:spcPct val="90000"/>
-              </a:lnSpc>
-              <a:spcBef>
-                <a:spcPts val="1000"/>
-              </a:spcBef>
-              <a:spcAft>
-                <a:spcPts val="0"/>
-              </a:spcAft>
-              <a:buClrTx/>
-              <a:buSzTx/>
-              <a:buFont typeface="Arial" panose="020B0604020202020204" pitchFamily="34" charset="0"/>
-              <a:buNone/>
-              <a:tabLst/>
-              <a:defRPr/>
-            </a:pPr>
-            <a:r>
-              <a:rPr kumimoji="0" lang="zh-TW" altLang="en-US" sz="4000" b="0" i="0" u="none" strike="noStrike" kern="1200" cap="none" spc="0" normalizeH="0" baseline="0" noProof="0" dirty="0">
-                <a:ln>
-                  <a:noFill/>
-                </a:ln>
-                <a:solidFill>
-                  <a:prstClr val="black"/>
-                </a:solidFill>
-                <a:effectLst/>
-                <a:uLnTx/>
-                <a:uFillTx/>
-                <a:latin typeface="微軟正黑體" panose="020B0604030504040204" pitchFamily="34" charset="-120"/>
-                <a:ea typeface="微軟正黑體" panose="020B0604030504040204" pitchFamily="34" charset="-120"/>
-              </a:rPr>
-              <a:t>執行</a:t>
-            </a:r>
-            <a:r>
-              <a:rPr kumimoji="0" lang="en-US" altLang="zh-TW" sz="4000" b="0" i="0" u="none" strike="noStrike" kern="1200" cap="none" spc="0" normalizeH="0" baseline="0" noProof="0" dirty="0">
-                <a:ln>
-                  <a:noFill/>
-                </a:ln>
-                <a:solidFill>
-                  <a:prstClr val="black"/>
-                </a:solidFill>
-                <a:effectLst/>
-                <a:uLnTx/>
-                <a:uFillTx/>
-                <a:latin typeface="微軟正黑體" panose="020B0604030504040204" pitchFamily="34" charset="-120"/>
-                <a:ea typeface="微軟正黑體" panose="020B0604030504040204" pitchFamily="34" charset="-120"/>
-              </a:rPr>
-              <a:t>=&gt;B</a:t>
-            </a:r>
-          </a:p>
-          <a:p>
-            <a:pPr marL="228600" marR="0" lvl="0" indent="-228600" algn="l" defTabSz="914400" rtl="0" eaLnBrk="1" fontAlgn="auto" latinLnBrk="0" hangingPunct="1">
-              <a:lnSpc>
-                <a:spcPct val="90000"/>
-              </a:lnSpc>
-              <a:spcBef>
-                <a:spcPts val="1000"/>
-              </a:spcBef>
-              <a:spcAft>
-                <a:spcPts val="0"/>
-              </a:spcAft>
-              <a:buClrTx/>
-              <a:buSzTx/>
-              <a:buFont typeface="Arial" panose="020B0604020202020204" pitchFamily="34" charset="0"/>
-              <a:buChar char="•"/>
-              <a:tabLst/>
-              <a:defRPr/>
-            </a:pPr>
-            <a:endParaRPr kumimoji="0" lang="en-US" altLang="zh-TW" sz="2800" b="0" i="0" u="none" strike="noStrike" kern="1200" cap="none" spc="0" normalizeH="0" baseline="0" noProof="0" dirty="0">
-              <a:ln>
-                <a:noFill/>
-              </a:ln>
-              <a:solidFill>
-                <a:prstClr val="black"/>
-              </a:solidFill>
-              <a:effectLst/>
-              <a:uLnTx/>
-              <a:uFillTx/>
-              <a:latin typeface="Calibri" panose="020F0502020204030204"/>
-              <a:ea typeface="新細明體" panose="02020500000000000000" pitchFamily="18" charset="-120"/>
-              <a:cs typeface="+mn-cs"/>
-            </a:endParaRPr>
-          </a:p>
-          <a:p>
-            <a:pPr marL="228600" marR="0" lvl="0" indent="-228600" algn="l" defTabSz="914400" rtl="0" eaLnBrk="1" fontAlgn="auto" latinLnBrk="0" hangingPunct="1">
-              <a:lnSpc>
-                <a:spcPct val="90000"/>
-              </a:lnSpc>
-              <a:spcBef>
-                <a:spcPts val="1000"/>
-              </a:spcBef>
-              <a:spcAft>
-                <a:spcPts val="0"/>
-              </a:spcAft>
-              <a:buClrTx/>
-              <a:buSzTx/>
-              <a:buFont typeface="Arial" panose="020B0604020202020204" pitchFamily="34" charset="0"/>
-              <a:buChar char="•"/>
-              <a:tabLst/>
-              <a:defRPr/>
-            </a:pPr>
-            <a:endParaRPr kumimoji="0" lang="zh-TW" altLang="en-US" sz="2800" b="0" i="0" u="none" strike="noStrike" kern="1200" cap="none" spc="0" normalizeH="0" baseline="0" noProof="0" dirty="0">
-              <a:ln>
-                <a:noFill/>
-              </a:ln>
-              <a:solidFill>
-                <a:prstClr val="black"/>
-              </a:solidFill>
-              <a:effectLst/>
-              <a:uLnTx/>
-              <a:uFillTx/>
-              <a:latin typeface="Calibri" panose="020F0502020204030204"/>
-              <a:ea typeface="新細明體" panose="02020500000000000000" pitchFamily="18" charset="-120"/>
-              <a:cs typeface="+mn-cs"/>
-            </a:endParaRPr>
-          </a:p>
-        </p:txBody>
-      </p:sp>
-    </p:spTree>
-    <p:extLst>
-      <p:ext uri="{BB962C8B-B14F-4D97-AF65-F5344CB8AC3E}">
-        <p14:creationId xmlns:p14="http://schemas.microsoft.com/office/powerpoint/2010/main" val="3142780297"/>
-      </p:ext>
-    </p:extLst>
-  </p:cSld>
-  <p:clrMapOvr>
-    <a:masterClrMapping/>
-  </p:clrMapOvr>
-</p:sld>
-</file>
-
-<file path=ppt/slides/slide8.xml><?xml version="1.0" encoding="utf-8"?>
-<p:sld xmlns:a="http://schemas.openxmlformats.org/drawingml/2006/main" xmlns:r="http://schemas.openxmlformats.org/officeDocument/2006/relationships" xmlns:p="http://schemas.openxmlformats.org/presentationml/2006/main">
-  <p:cSld>
-    <p:spTree>
-      <p:nvGrpSpPr>
-        <p:cNvPr id="1" name=""/>
-        <p:cNvGrpSpPr/>
-        <p:nvPr/>
-      </p:nvGrpSpPr>
-      <p:grpSpPr>
-        <a:xfrm>
-          <a:off x="0" y="0"/>
-          <a:ext cx="0" cy="0"/>
-          <a:chOff x="0" y="0"/>
-          <a:chExt cx="0" cy="0"/>
-        </a:xfrm>
-      </p:grpSpPr>
-      <p:pic>
-        <p:nvPicPr>
-          <p:cNvPr id="18" name="圖片 17">
-            <a:extLst>
-              <a:ext uri="{FF2B5EF4-FFF2-40B4-BE49-F238E27FC236}">
-                <a16:creationId xmlns:a16="http://schemas.microsoft.com/office/drawing/2014/main" id="{8627585B-66C6-4EFD-860B-D1DC605D0CEB}"/>
-              </a:ext>
-            </a:extLst>
-          </p:cNvPr>
-          <p:cNvPicPr>
-            <a:picLocks noChangeAspect="1"/>
-          </p:cNvPicPr>
-          <p:nvPr/>
-        </p:nvPicPr>
-        <p:blipFill>
-          <a:blip r:embed="rId2"/>
-          <a:stretch>
-            <a:fillRect/>
-          </a:stretch>
-        </p:blipFill>
-        <p:spPr>
-          <a:xfrm>
-            <a:off x="1526388" y="1180756"/>
-            <a:ext cx="15235224" cy="7925487"/>
-          </a:xfrm>
-          <a:prstGeom prst="rect">
-            <a:avLst/>
-          </a:prstGeom>
-        </p:spPr>
-      </p:pic>
-      <p:grpSp>
-        <p:nvGrpSpPr>
-          <p:cNvPr id="17" name="群組 16">
-            <a:extLst>
-              <a:ext uri="{FF2B5EF4-FFF2-40B4-BE49-F238E27FC236}">
-                <a16:creationId xmlns:a16="http://schemas.microsoft.com/office/drawing/2014/main" id="{62E77058-6A53-4774-ABF1-1776E40E4657}"/>
-              </a:ext>
-            </a:extLst>
-          </p:cNvPr>
-          <p:cNvGrpSpPr/>
-          <p:nvPr/>
-        </p:nvGrpSpPr>
-        <p:grpSpPr>
-          <a:xfrm>
-            <a:off x="990600" y="891152"/>
-            <a:ext cx="4800600" cy="1981200"/>
-            <a:chOff x="2743200" y="4076700"/>
-            <a:chExt cx="4800600" cy="1981200"/>
-          </a:xfrm>
-        </p:grpSpPr>
-        <p:sp>
-          <p:nvSpPr>
-            <p:cNvPr id="16" name="矩形 15">
-              <a:extLst>
-                <a:ext uri="{FF2B5EF4-FFF2-40B4-BE49-F238E27FC236}">
-                  <a16:creationId xmlns:a16="http://schemas.microsoft.com/office/drawing/2014/main" id="{D51D3F79-D39A-47A5-A588-1D57CE1FFBF6}"/>
-                </a:ext>
-              </a:extLst>
-            </p:cNvPr>
-            <p:cNvSpPr/>
-            <p:nvPr/>
-          </p:nvSpPr>
-          <p:spPr>
-            <a:xfrm>
-              <a:off x="2971800" y="4229100"/>
-              <a:ext cx="4572000" cy="1828800"/>
-            </a:xfrm>
-            <a:prstGeom prst="rect">
-              <a:avLst/>
-            </a:prstGeom>
-            <a:solidFill>
-              <a:schemeClr val="tx2">
-                <a:lumMod val="50000"/>
-              </a:schemeClr>
-            </a:solidFill>
-            <a:ln>
-              <a:noFill/>
-            </a:ln>
-          </p:spPr>
-          <p:style>
-            <a:lnRef idx="2">
-              <a:schemeClr val="accent1">
-                <a:shade val="50000"/>
-              </a:schemeClr>
-            </a:lnRef>
-            <a:fillRef idx="1">
-              <a:schemeClr val="accent1"/>
-            </a:fillRef>
-            <a:effectRef idx="0">
-              <a:schemeClr val="accent1"/>
-            </a:effectRef>
-            <a:fontRef idx="minor">
-              <a:schemeClr val="lt1"/>
-            </a:fontRef>
-          </p:style>
-          <p:txBody>
-            <a:bodyPr rtlCol="0" anchor="ctr"/>
-            <a:lstStyle/>
-            <a:p>
-              <a:pPr algn="ctr"/>
-              <a:endParaRPr lang="zh-TW" altLang="en-US"/>
-            </a:p>
-          </p:txBody>
-        </p:sp>
-        <p:sp>
-          <p:nvSpPr>
-            <p:cNvPr id="15" name="矩形 14">
-              <a:extLst>
-                <a:ext uri="{FF2B5EF4-FFF2-40B4-BE49-F238E27FC236}">
-                  <a16:creationId xmlns:a16="http://schemas.microsoft.com/office/drawing/2014/main" id="{67B8A7B0-E03A-4CD1-9FFB-8351287F482D}"/>
-                </a:ext>
-              </a:extLst>
-            </p:cNvPr>
-            <p:cNvSpPr/>
-            <p:nvPr/>
-          </p:nvSpPr>
-          <p:spPr>
-            <a:xfrm>
-              <a:off x="2743200" y="4076700"/>
-              <a:ext cx="4648200" cy="1828800"/>
-            </a:xfrm>
-            <a:prstGeom prst="rect">
-              <a:avLst/>
-            </a:prstGeom>
-            <a:solidFill>
-              <a:schemeClr val="accent1">
-                <a:lumMod val="40000"/>
-                <a:lumOff val="60000"/>
-              </a:schemeClr>
-            </a:solidFill>
-            <a:ln>
-              <a:noFill/>
-            </a:ln>
-          </p:spPr>
-          <p:style>
-            <a:lnRef idx="2">
-              <a:schemeClr val="accent1">
-                <a:shade val="50000"/>
-              </a:schemeClr>
-            </a:lnRef>
-            <a:fillRef idx="1">
-              <a:schemeClr val="accent1"/>
-            </a:fillRef>
-            <a:effectRef idx="0">
-              <a:schemeClr val="accent1"/>
-            </a:effectRef>
-            <a:fontRef idx="minor">
-              <a:schemeClr val="lt1"/>
-            </a:fontRef>
-          </p:style>
-          <p:txBody>
-            <a:bodyPr rtlCol="0" anchor="ctr"/>
-            <a:lstStyle/>
-            <a:p>
-              <a:pPr algn="ctr"/>
-              <a:endParaRPr lang="zh-TW" altLang="en-US"/>
-            </a:p>
-          </p:txBody>
-        </p:sp>
-      </p:grpSp>
-      <p:sp>
-        <p:nvSpPr>
-          <p:cNvPr id="14" name="文字方塊 13">
-            <a:extLst>
-              <a:ext uri="{FF2B5EF4-FFF2-40B4-BE49-F238E27FC236}">
-                <a16:creationId xmlns:a16="http://schemas.microsoft.com/office/drawing/2014/main" id="{D2A56890-80C0-486E-95C1-AFBA7315BA0A}"/>
-              </a:ext>
-            </a:extLst>
-          </p:cNvPr>
-          <p:cNvSpPr txBox="1"/>
-          <p:nvPr/>
-        </p:nvSpPr>
-        <p:spPr>
-          <a:xfrm>
-            <a:off x="1828800" y="1257300"/>
-            <a:ext cx="4800600" cy="1015663"/>
-          </a:xfrm>
-          <a:prstGeom prst="rect">
-            <a:avLst/>
-          </a:prstGeom>
-          <a:noFill/>
-        </p:spPr>
-        <p:txBody>
-          <a:bodyPr wrap="square" rtlCol="0">
-            <a:spAutoFit/>
-          </a:bodyPr>
-          <a:lstStyle/>
-          <a:p>
-            <a:r>
-              <a:rPr lang="zh-TW" altLang="en-US" sz="6000" dirty="0">
-                <a:latin typeface="王漢宗細圓體繁" panose="02020300000000000000" pitchFamily="18" charset="-120"/>
-                <a:ea typeface="王漢宗細圓體繁" panose="02020300000000000000" pitchFamily="18" charset="-120"/>
-              </a:rPr>
-              <a:t>隨機整數</a:t>
-            </a:r>
-          </a:p>
-        </p:txBody>
-      </p:sp>
-      <p:sp>
-        <p:nvSpPr>
-          <p:cNvPr id="20" name="文字方塊 19">
-            <a:extLst>
-              <a:ext uri="{FF2B5EF4-FFF2-40B4-BE49-F238E27FC236}">
-                <a16:creationId xmlns:a16="http://schemas.microsoft.com/office/drawing/2014/main" id="{A3FCD84C-9907-447E-9177-CDBBCDFBB06A}"/>
-              </a:ext>
-            </a:extLst>
-          </p:cNvPr>
-          <p:cNvSpPr txBox="1"/>
-          <p:nvPr/>
-        </p:nvSpPr>
-        <p:spPr>
-          <a:xfrm>
-            <a:off x="3314700" y="3673002"/>
-            <a:ext cx="11578590" cy="707886"/>
-          </a:xfrm>
-          <a:prstGeom prst="rect">
-            <a:avLst/>
-          </a:prstGeom>
-          <a:noFill/>
-        </p:spPr>
-        <p:txBody>
-          <a:bodyPr wrap="square">
-            <a:spAutoFit/>
-          </a:bodyPr>
-          <a:lstStyle/>
-          <a:p>
-            <a:r>
-              <a:rPr lang="en-US" altLang="zh-TW" sz="4000" dirty="0">
-                <a:latin typeface="微軟正黑體" panose="020B0604030504040204" pitchFamily="34" charset="-120"/>
-                <a:ea typeface="微軟正黑體" panose="020B0604030504040204" pitchFamily="34" charset="-120"/>
-              </a:rPr>
-              <a:t>rand(</a:t>
-            </a:r>
-            <a:r>
-              <a:rPr lang="zh-TW" altLang="en-US" sz="4000" dirty="0">
-                <a:latin typeface="微軟正黑體" panose="020B0604030504040204" pitchFamily="34" charset="-120"/>
-                <a:ea typeface="微軟正黑體" panose="020B0604030504040204" pitchFamily="34" charset="-120"/>
-              </a:rPr>
-              <a:t>初始值</a:t>
-            </a:r>
-            <a:r>
-              <a:rPr lang="en-US" altLang="zh-TW" sz="4000" dirty="0">
-                <a:latin typeface="微軟正黑體" panose="020B0604030504040204" pitchFamily="34" charset="-120"/>
-                <a:ea typeface="微軟正黑體" panose="020B0604030504040204" pitchFamily="34" charset="-120"/>
-              </a:rPr>
-              <a:t>,</a:t>
-            </a:r>
-            <a:r>
-              <a:rPr lang="zh-TW" altLang="en-US" sz="4000" dirty="0">
-                <a:latin typeface="微軟正黑體" panose="020B0604030504040204" pitchFamily="34" charset="-120"/>
-                <a:ea typeface="微軟正黑體" panose="020B0604030504040204" pitchFamily="34" charset="-120"/>
-              </a:rPr>
-              <a:t>終止值</a:t>
-            </a:r>
-            <a:r>
-              <a:rPr lang="en-US" altLang="zh-TW" sz="4000" dirty="0">
-                <a:latin typeface="微軟正黑體" panose="020B0604030504040204" pitchFamily="34" charset="-120"/>
-                <a:ea typeface="微軟正黑體" panose="020B0604030504040204" pitchFamily="34" charset="-120"/>
-              </a:rPr>
-              <a:t>)</a:t>
-            </a:r>
-          </a:p>
-        </p:txBody>
-      </p:sp>
-      <p:pic>
-        <p:nvPicPr>
-          <p:cNvPr id="21" name="圖片 20">
-            <a:extLst>
-              <a:ext uri="{FF2B5EF4-FFF2-40B4-BE49-F238E27FC236}">
-                <a16:creationId xmlns:a16="http://schemas.microsoft.com/office/drawing/2014/main" id="{3B018F0D-BBBC-41AB-9294-030120D97931}"/>
-              </a:ext>
-            </a:extLst>
-          </p:cNvPr>
-          <p:cNvPicPr>
-            <a:picLocks noChangeAspect="1"/>
-          </p:cNvPicPr>
-          <p:nvPr/>
-        </p:nvPicPr>
-        <p:blipFill>
-          <a:blip r:embed="rId3"/>
-          <a:stretch>
-            <a:fillRect/>
-          </a:stretch>
-        </p:blipFill>
-        <p:spPr>
-          <a:xfrm>
-            <a:off x="13959603" y="-206258"/>
-            <a:ext cx="5456393" cy="4188315"/>
-          </a:xfrm>
-          <a:prstGeom prst="rect">
-            <a:avLst/>
-          </a:prstGeom>
-        </p:spPr>
-      </p:pic>
-      <p:pic>
-        <p:nvPicPr>
-          <p:cNvPr id="22" name="圖片 21">
-            <a:extLst>
-              <a:ext uri="{FF2B5EF4-FFF2-40B4-BE49-F238E27FC236}">
-                <a16:creationId xmlns:a16="http://schemas.microsoft.com/office/drawing/2014/main" id="{3A8495FA-920D-47E2-90E8-BAE805DD692C}"/>
-              </a:ext>
-            </a:extLst>
-          </p:cNvPr>
-          <p:cNvPicPr>
-            <a:picLocks noChangeAspect="1"/>
-          </p:cNvPicPr>
-          <p:nvPr/>
-        </p:nvPicPr>
-        <p:blipFill>
-          <a:blip r:embed="rId4"/>
-          <a:stretch>
-            <a:fillRect/>
-          </a:stretch>
-        </p:blipFill>
-        <p:spPr>
-          <a:xfrm>
-            <a:off x="-2008886" y="6438900"/>
-            <a:ext cx="5846571" cy="4895512"/>
-          </a:xfrm>
-          <a:prstGeom prst="rect">
-            <a:avLst/>
-          </a:prstGeom>
-        </p:spPr>
-      </p:pic>
-    </p:spTree>
-    <p:extLst>
-      <p:ext uri="{BB962C8B-B14F-4D97-AF65-F5344CB8AC3E}">
-        <p14:creationId xmlns:p14="http://schemas.microsoft.com/office/powerpoint/2010/main" val="1514730178"/>
-      </p:ext>
-    </p:extLst>
-  </p:cSld>
-  <p:clrMapOvr>
-    <a:masterClrMapping/>
-  </p:clrMapOvr>
-</p:sld>
-</file>
-
-<file path=ppt/slides/slide9.xml><?xml version="1.0" encoding="utf-8"?>
-<p:sld xmlns:a="http://schemas.openxmlformats.org/drawingml/2006/main" xmlns:r="http://schemas.openxmlformats.org/officeDocument/2006/relationships" xmlns:p="http://schemas.openxmlformats.org/presentationml/2006/main">
-  <p:cSld>
-    <p:spTree>
-      <p:nvGrpSpPr>
-        <p:cNvPr id="1" name=""/>
-        <p:cNvGrpSpPr/>
-        <p:nvPr/>
-      </p:nvGrpSpPr>
-      <p:grpSpPr>
-        <a:xfrm>
-          <a:off x="0" y="0"/>
-          <a:ext cx="0" cy="0"/>
-          <a:chOff x="0" y="0"/>
-          <a:chExt cx="0" cy="0"/>
-        </a:xfrm>
-      </p:grpSpPr>
-      <p:sp>
-        <p:nvSpPr>
-          <p:cNvPr id="17" name="矩形 16">
-            <a:extLst>
-              <a:ext uri="{FF2B5EF4-FFF2-40B4-BE49-F238E27FC236}">
-                <a16:creationId xmlns:a16="http://schemas.microsoft.com/office/drawing/2014/main" id="{94C2A827-B932-471D-A756-D0ADADA99ACB}"/>
-              </a:ext>
-            </a:extLst>
-          </p:cNvPr>
-          <p:cNvSpPr/>
-          <p:nvPr/>
-        </p:nvSpPr>
-        <p:spPr>
-          <a:xfrm>
-            <a:off x="2286000" y="2324100"/>
-            <a:ext cx="13595816" cy="6670606"/>
-          </a:xfrm>
-          <a:prstGeom prst="rect">
-            <a:avLst/>
-          </a:prstGeom>
-          <a:solidFill>
-            <a:schemeClr val="bg1">
-              <a:lumMod val="95000"/>
-            </a:schemeClr>
-          </a:solidFill>
-          <a:ln>
-            <a:noFill/>
-          </a:ln>
-        </p:spPr>
-        <p:style>
-          <a:lnRef idx="2">
-            <a:schemeClr val="accent1">
-              <a:shade val="50000"/>
-            </a:schemeClr>
-          </a:lnRef>
-          <a:fillRef idx="1">
-            <a:schemeClr val="accent1"/>
-          </a:fillRef>
-          <a:effectRef idx="0">
-            <a:schemeClr val="accent1"/>
-          </a:effectRef>
-          <a:fontRef idx="minor">
-            <a:schemeClr val="lt1"/>
-          </a:fontRef>
-        </p:style>
-        <p:txBody>
-          <a:bodyPr rtlCol="0" anchor="ctr"/>
-          <a:lstStyle/>
-          <a:p>
-            <a:pPr algn="ctr"/>
-            <a:endParaRPr lang="zh-TW" altLang="en-US"/>
-          </a:p>
-        </p:txBody>
-      </p:sp>
-      <p:sp>
-        <p:nvSpPr>
-          <p:cNvPr id="13" name="矩形: 圓角 12">
-            <a:extLst>
-              <a:ext uri="{FF2B5EF4-FFF2-40B4-BE49-F238E27FC236}">
-                <a16:creationId xmlns:a16="http://schemas.microsoft.com/office/drawing/2014/main" id="{86161679-2985-4ADC-8460-AEE24E740813}"/>
-              </a:ext>
-            </a:extLst>
-          </p:cNvPr>
-          <p:cNvSpPr/>
-          <p:nvPr/>
-        </p:nvSpPr>
-        <p:spPr>
-          <a:xfrm>
-            <a:off x="5007208" y="1409700"/>
-            <a:ext cx="8153400" cy="2113844"/>
-          </a:xfrm>
-          <a:prstGeom prst="roundRect">
-            <a:avLst/>
-          </a:prstGeom>
-          <a:solidFill>
-            <a:schemeClr val="accent1">
-              <a:lumMod val="40000"/>
-              <a:lumOff val="60000"/>
-            </a:schemeClr>
-          </a:solidFill>
-          <a:ln>
-            <a:noFill/>
-          </a:ln>
-        </p:spPr>
-        <p:style>
-          <a:lnRef idx="2">
-            <a:schemeClr val="accent1">
-              <a:shade val="50000"/>
-            </a:schemeClr>
-          </a:lnRef>
-          <a:fillRef idx="1">
-            <a:schemeClr val="accent1"/>
-          </a:fillRef>
-          <a:effectRef idx="0">
-            <a:schemeClr val="accent1"/>
-          </a:effectRef>
-          <a:fontRef idx="minor">
-            <a:schemeClr val="lt1"/>
-          </a:fontRef>
-        </p:style>
-        <p:txBody>
-          <a:bodyPr rtlCol="0" anchor="ctr"/>
-          <a:lstStyle/>
-          <a:p>
-            <a:pPr algn="ctr"/>
-            <a:endParaRPr lang="zh-TW" altLang="en-US"/>
-          </a:p>
-        </p:txBody>
-      </p:sp>
-      <p:sp>
-        <p:nvSpPr>
-          <p:cNvPr id="14" name="文字方塊 13">
-            <a:extLst>
-              <a:ext uri="{FF2B5EF4-FFF2-40B4-BE49-F238E27FC236}">
-                <a16:creationId xmlns:a16="http://schemas.microsoft.com/office/drawing/2014/main" id="{E0290B41-790C-4212-8A48-B0107FA80F8D}"/>
-              </a:ext>
-            </a:extLst>
-          </p:cNvPr>
-          <p:cNvSpPr txBox="1"/>
-          <p:nvPr/>
-        </p:nvSpPr>
-        <p:spPr>
-          <a:xfrm>
-            <a:off x="8039100" y="1958790"/>
-            <a:ext cx="2209800" cy="1015663"/>
-          </a:xfrm>
-          <a:prstGeom prst="rect">
-            <a:avLst/>
-          </a:prstGeom>
-          <a:noFill/>
-        </p:spPr>
-        <p:txBody>
-          <a:bodyPr wrap="square" rtlCol="0">
-            <a:spAutoFit/>
-          </a:bodyPr>
-          <a:lstStyle/>
-          <a:p>
-            <a:r>
-              <a:rPr lang="zh-TW" altLang="en-US" sz="6000" dirty="0">
-                <a:solidFill>
-                  <a:schemeClr val="tx2">
-                    <a:lumMod val="50000"/>
-                  </a:schemeClr>
-                </a:solidFill>
-                <a:latin typeface="王漢宗細圓體繁" panose="02020300000000000000" pitchFamily="18" charset="-120"/>
-                <a:ea typeface="王漢宗細圓體繁" panose="02020300000000000000" pitchFamily="18" charset="-120"/>
-              </a:rPr>
-              <a:t>練習</a:t>
-            </a:r>
-          </a:p>
-        </p:txBody>
-      </p:sp>
-      <p:sp>
-        <p:nvSpPr>
-          <p:cNvPr id="16" name="文字方塊 15">
-            <a:extLst>
-              <a:ext uri="{FF2B5EF4-FFF2-40B4-BE49-F238E27FC236}">
-                <a16:creationId xmlns:a16="http://schemas.microsoft.com/office/drawing/2014/main" id="{48F91D10-1470-4601-AC96-C7C8AA0715A7}"/>
-              </a:ext>
-            </a:extLst>
-          </p:cNvPr>
-          <p:cNvSpPr txBox="1"/>
-          <p:nvPr/>
-        </p:nvSpPr>
-        <p:spPr>
-          <a:xfrm>
-            <a:off x="4495800" y="4256416"/>
-            <a:ext cx="9928122" cy="707886"/>
-          </a:xfrm>
-          <a:prstGeom prst="rect">
-            <a:avLst/>
-          </a:prstGeom>
-          <a:noFill/>
-        </p:spPr>
-        <p:txBody>
-          <a:bodyPr wrap="square">
-            <a:spAutoFit/>
-          </a:bodyPr>
-          <a:lstStyle/>
-          <a:p>
-            <a:r>
-              <a:rPr lang="zh-TW" altLang="en-US" sz="4000" dirty="0">
-                <a:latin typeface="微軟正黑體" panose="020B0604030504040204" pitchFamily="34" charset="-120"/>
-                <a:ea typeface="微軟正黑體" panose="020B0604030504040204" pitchFamily="34" charset="-120"/>
-              </a:rPr>
-              <a:t>判斷是否為</a:t>
-            </a:r>
-            <a:r>
-              <a:rPr lang="en-US" altLang="zh-TW" sz="4000" dirty="0">
-                <a:latin typeface="微軟正黑體" panose="020B0604030504040204" pitchFamily="34" charset="-120"/>
-                <a:ea typeface="微軟正黑體" panose="020B0604030504040204" pitchFamily="34" charset="-120"/>
-              </a:rPr>
-              <a:t>3</a:t>
-            </a:r>
-            <a:r>
-              <a:rPr lang="zh-TW" altLang="en-US" sz="4000" dirty="0">
-                <a:latin typeface="微軟正黑體" panose="020B0604030504040204" pitchFamily="34" charset="-120"/>
-                <a:ea typeface="微軟正黑體" panose="020B0604030504040204" pitchFamily="34" charset="-120"/>
-              </a:rPr>
-              <a:t>的倍數？是否為</a:t>
-            </a:r>
-            <a:r>
-              <a:rPr lang="en-US" altLang="zh-TW" sz="4000" dirty="0">
-                <a:latin typeface="微軟正黑體" panose="020B0604030504040204" pitchFamily="34" charset="-120"/>
-                <a:ea typeface="微軟正黑體" panose="020B0604030504040204" pitchFamily="34" charset="-120"/>
-              </a:rPr>
-              <a:t>7</a:t>
-            </a:r>
-            <a:r>
-              <a:rPr lang="zh-TW" altLang="en-US" sz="4000" dirty="0">
-                <a:latin typeface="微軟正黑體" panose="020B0604030504040204" pitchFamily="34" charset="-120"/>
-                <a:ea typeface="微軟正黑體" panose="020B0604030504040204" pitchFamily="34" charset="-120"/>
-              </a:rPr>
-              <a:t>的倍數？</a:t>
-            </a:r>
-          </a:p>
-        </p:txBody>
-      </p:sp>
-      <p:pic>
-        <p:nvPicPr>
-          <p:cNvPr id="18" name="圖片 17">
-            <a:extLst>
-              <a:ext uri="{FF2B5EF4-FFF2-40B4-BE49-F238E27FC236}">
-                <a16:creationId xmlns:a16="http://schemas.microsoft.com/office/drawing/2014/main" id="{133EDFBD-1375-4163-847B-4A08FF381ABE}"/>
-              </a:ext>
-            </a:extLst>
-          </p:cNvPr>
-          <p:cNvPicPr>
-            <a:picLocks noChangeAspect="1"/>
-          </p:cNvPicPr>
-          <p:nvPr/>
-        </p:nvPicPr>
-        <p:blipFill>
-          <a:blip r:embed="rId2"/>
-          <a:stretch>
-            <a:fillRect/>
-          </a:stretch>
-        </p:blipFill>
-        <p:spPr>
-          <a:xfrm>
-            <a:off x="-2757286" y="4957352"/>
-            <a:ext cx="8175445" cy="7626757"/>
-          </a:xfrm>
-          <a:prstGeom prst="rect">
-            <a:avLst/>
-          </a:prstGeom>
-        </p:spPr>
-      </p:pic>
-      <p:pic>
-        <p:nvPicPr>
-          <p:cNvPr id="8" name="圖片 7">
-            <a:extLst>
-              <a:ext uri="{FF2B5EF4-FFF2-40B4-BE49-F238E27FC236}">
-                <a16:creationId xmlns:a16="http://schemas.microsoft.com/office/drawing/2014/main" id="{A1CF49F8-F066-4324-8B91-F60A6BB4E65E}"/>
-              </a:ext>
-            </a:extLst>
-          </p:cNvPr>
-          <p:cNvPicPr>
-            <a:picLocks noChangeAspect="1"/>
-          </p:cNvPicPr>
-          <p:nvPr/>
-        </p:nvPicPr>
-        <p:blipFill>
-          <a:blip r:embed="rId3"/>
-          <a:stretch>
-            <a:fillRect/>
-          </a:stretch>
-        </p:blipFill>
-        <p:spPr>
-          <a:xfrm>
-            <a:off x="12954000" y="-2019300"/>
-            <a:ext cx="7657240" cy="7059780"/>
-          </a:xfrm>
-          <a:prstGeom prst="rect">
-            <a:avLst/>
-          </a:prstGeom>
-        </p:spPr>
-      </p:pic>
-    </p:spTree>
-    <p:extLst>
-      <p:ext uri="{BB962C8B-B14F-4D97-AF65-F5344CB8AC3E}">
-        <p14:creationId xmlns:p14="http://schemas.microsoft.com/office/powerpoint/2010/main" val="1248753871"/>
-      </p:ext>
-    </p:extLst>
   </p:cSld>
   <p:clrMapOvr>
     <a:masterClrMapping/>
